--- a/Introduction to M Programming for the Power BI Warrior.pptx
+++ b/Introduction to M Programming for the Power BI Warrior.pptx
@@ -5,61 +5,62 @@
     <p:sldMasterId id="2147483648" r:id="rId5"/>
   </p:sldMasterIdLst>
   <p:notesMasterIdLst>
-    <p:notesMasterId r:id="rId55"/>
+    <p:notesMasterId r:id="rId56"/>
   </p:notesMasterIdLst>
   <p:handoutMasterIdLst>
-    <p:handoutMasterId r:id="rId56"/>
+    <p:handoutMasterId r:id="rId57"/>
   </p:handoutMasterIdLst>
   <p:sldIdLst>
     <p:sldId id="279" r:id="rId6"/>
     <p:sldId id="316" r:id="rId7"/>
-    <p:sldId id="282" r:id="rId8"/>
-    <p:sldId id="295" r:id="rId9"/>
-    <p:sldId id="296" r:id="rId10"/>
-    <p:sldId id="297" r:id="rId11"/>
-    <p:sldId id="317" r:id="rId12"/>
-    <p:sldId id="298" r:id="rId13"/>
-    <p:sldId id="339" r:id="rId14"/>
-    <p:sldId id="336" r:id="rId15"/>
-    <p:sldId id="303" r:id="rId16"/>
-    <p:sldId id="315" r:id="rId17"/>
-    <p:sldId id="346" r:id="rId18"/>
-    <p:sldId id="308" r:id="rId19"/>
-    <p:sldId id="347" r:id="rId20"/>
-    <p:sldId id="325" r:id="rId21"/>
-    <p:sldId id="326" r:id="rId22"/>
-    <p:sldId id="349" r:id="rId23"/>
-    <p:sldId id="350" r:id="rId24"/>
-    <p:sldId id="356" r:id="rId25"/>
-    <p:sldId id="327" r:id="rId26"/>
-    <p:sldId id="309" r:id="rId27"/>
-    <p:sldId id="310" r:id="rId28"/>
-    <p:sldId id="340" r:id="rId29"/>
-    <p:sldId id="353" r:id="rId30"/>
-    <p:sldId id="332" r:id="rId31"/>
-    <p:sldId id="311" r:id="rId32"/>
-    <p:sldId id="333" r:id="rId33"/>
-    <p:sldId id="328" r:id="rId34"/>
-    <p:sldId id="334" r:id="rId35"/>
-    <p:sldId id="319" r:id="rId36"/>
-    <p:sldId id="304" r:id="rId37"/>
-    <p:sldId id="324" r:id="rId38"/>
-    <p:sldId id="342" r:id="rId39"/>
-    <p:sldId id="345" r:id="rId40"/>
-    <p:sldId id="323" r:id="rId41"/>
-    <p:sldId id="302" r:id="rId42"/>
-    <p:sldId id="351" r:id="rId43"/>
-    <p:sldId id="305" r:id="rId44"/>
-    <p:sldId id="299" r:id="rId45"/>
-    <p:sldId id="300" r:id="rId46"/>
-    <p:sldId id="301" r:id="rId47"/>
-    <p:sldId id="354" r:id="rId48"/>
-    <p:sldId id="355" r:id="rId49"/>
-    <p:sldId id="306" r:id="rId50"/>
-    <p:sldId id="337" r:id="rId51"/>
-    <p:sldId id="313" r:id="rId52"/>
-    <p:sldId id="314" r:id="rId53"/>
-    <p:sldId id="307" r:id="rId54"/>
+    <p:sldId id="357" r:id="rId8"/>
+    <p:sldId id="282" r:id="rId9"/>
+    <p:sldId id="295" r:id="rId10"/>
+    <p:sldId id="296" r:id="rId11"/>
+    <p:sldId id="297" r:id="rId12"/>
+    <p:sldId id="317" r:id="rId13"/>
+    <p:sldId id="298" r:id="rId14"/>
+    <p:sldId id="339" r:id="rId15"/>
+    <p:sldId id="336" r:id="rId16"/>
+    <p:sldId id="303" r:id="rId17"/>
+    <p:sldId id="315" r:id="rId18"/>
+    <p:sldId id="346" r:id="rId19"/>
+    <p:sldId id="308" r:id="rId20"/>
+    <p:sldId id="347" r:id="rId21"/>
+    <p:sldId id="325" r:id="rId22"/>
+    <p:sldId id="326" r:id="rId23"/>
+    <p:sldId id="349" r:id="rId24"/>
+    <p:sldId id="350" r:id="rId25"/>
+    <p:sldId id="356" r:id="rId26"/>
+    <p:sldId id="327" r:id="rId27"/>
+    <p:sldId id="309" r:id="rId28"/>
+    <p:sldId id="310" r:id="rId29"/>
+    <p:sldId id="340" r:id="rId30"/>
+    <p:sldId id="353" r:id="rId31"/>
+    <p:sldId id="332" r:id="rId32"/>
+    <p:sldId id="311" r:id="rId33"/>
+    <p:sldId id="333" r:id="rId34"/>
+    <p:sldId id="328" r:id="rId35"/>
+    <p:sldId id="334" r:id="rId36"/>
+    <p:sldId id="319" r:id="rId37"/>
+    <p:sldId id="304" r:id="rId38"/>
+    <p:sldId id="324" r:id="rId39"/>
+    <p:sldId id="342" r:id="rId40"/>
+    <p:sldId id="345" r:id="rId41"/>
+    <p:sldId id="323" r:id="rId42"/>
+    <p:sldId id="302" r:id="rId43"/>
+    <p:sldId id="351" r:id="rId44"/>
+    <p:sldId id="305" r:id="rId45"/>
+    <p:sldId id="299" r:id="rId46"/>
+    <p:sldId id="300" r:id="rId47"/>
+    <p:sldId id="301" r:id="rId48"/>
+    <p:sldId id="354" r:id="rId49"/>
+    <p:sldId id="355" r:id="rId50"/>
+    <p:sldId id="306" r:id="rId51"/>
+    <p:sldId id="337" r:id="rId52"/>
+    <p:sldId id="313" r:id="rId53"/>
+    <p:sldId id="314" r:id="rId54"/>
+    <p:sldId id="307" r:id="rId55"/>
   </p:sldIdLst>
   <p:sldSz cx="9144000" cy="6858000" type="screen4x3"/>
   <p:notesSz cx="7315200" cy="9601200"/>
@@ -2623,7 +2624,7 @@
           <a:p>
             <a:fld id="{02C8A5E5-FAB3-45FE-B422-E8A8593917C7}" type="datetimeFigureOut">
               <a:rPr lang="en-GB" smtClean="0"/>
-              <a:t>27/02/2018</a:t>
+              <a:t>28/02/2018</a:t>
             </a:fld>
             <a:endParaRPr lang="en-GB"/>
           </a:p>
@@ -2832,7 +2833,7 @@
           <a:p>
             <a:fld id="{02C8A5E5-FAB3-45FE-B422-E8A8593917C7}" type="datetimeFigureOut">
               <a:rPr lang="en-GB" smtClean="0"/>
-              <a:t>27/02/2018</a:t>
+              <a:t>28/02/2018</a:t>
             </a:fld>
             <a:endParaRPr lang="en-GB"/>
           </a:p>
@@ -3043,7 +3044,7 @@
             <a:fld id="{02C8A5E5-FAB3-45FE-B422-E8A8593917C7}" type="datetimeFigureOut">
               <a:rPr lang="en-GB" smtClean="0"/>
               <a:pPr/>
-              <a:t>27/02/2018</a:t>
+              <a:t>28/02/2018</a:t>
             </a:fld>
             <a:endParaRPr lang="en-GB"/>
           </a:p>
@@ -3992,6 +3993,200 @@
           <a:chExt cx="0" cy="0"/>
         </a:xfrm>
       </p:grpSpPr>
+      <p:sp>
+        <p:nvSpPr>
+          <p:cNvPr id="2" name="Title 1">
+            <a:extLst>
+              <a:ext uri="{FF2B5EF4-FFF2-40B4-BE49-F238E27FC236}">
+                <a16:creationId xmlns:a16="http://schemas.microsoft.com/office/drawing/2014/main" id="{E9997D16-6D3D-4FB2-81BB-4A6435A4D064}"/>
+              </a:ext>
+            </a:extLst>
+          </p:cNvPr>
+          <p:cNvSpPr>
+            <a:spLocks noGrp="1"/>
+          </p:cNvSpPr>
+          <p:nvPr>
+            <p:ph type="title"/>
+          </p:nvPr>
+        </p:nvSpPr>
+        <p:spPr/>
+        <p:txBody>
+          <a:bodyPr/>
+          <a:lstStyle/>
+          <a:p>
+            <a:r>
+              <a:rPr lang="en-US" dirty="0"/>
+              <a:t>"More" Advanced Editors</a:t>
+            </a:r>
+          </a:p>
+        </p:txBody>
+      </p:sp>
+      <p:sp>
+        <p:nvSpPr>
+          <p:cNvPr id="3" name="Content Placeholder 2">
+            <a:extLst>
+              <a:ext uri="{FF2B5EF4-FFF2-40B4-BE49-F238E27FC236}">
+                <a16:creationId xmlns:a16="http://schemas.microsoft.com/office/drawing/2014/main" id="{31914C8E-E86B-4F35-AAB3-1429B2F5FE92}"/>
+              </a:ext>
+            </a:extLst>
+          </p:cNvPr>
+          <p:cNvSpPr>
+            <a:spLocks noGrp="1"/>
+          </p:cNvSpPr>
+          <p:nvPr>
+            <p:ph idx="1"/>
+          </p:nvPr>
+        </p:nvSpPr>
+        <p:spPr/>
+        <p:txBody>
+          <a:bodyPr>
+            <a:normAutofit/>
+          </a:bodyPr>
+          <a:lstStyle/>
+          <a:p>
+            <a:r>
+              <a:rPr lang="en-US" sz="2400" dirty="0"/>
+              <a:t>Lars Schreiber’s M extension for Notepad++</a:t>
+            </a:r>
+          </a:p>
+          <a:p>
+            <a:pPr lvl="1"/>
+            <a:r>
+              <a:rPr lang="en-US" sz="1600" dirty="0">
+                <a:hlinkClick r:id="rId2"/>
+              </a:rPr>
+              <a:t>https://ssbi-blog.de/technical-topics-english/power-query-editor-using-notepad/</a:t>
+            </a:r>
+            <a:r>
+              <a:rPr lang="en-US" sz="1600" dirty="0"/>
+              <a:t> </a:t>
+            </a:r>
+          </a:p>
+          <a:p>
+            <a:pPr lvl="1"/>
+            <a:endParaRPr lang="en-US" sz="1600" dirty="0"/>
+          </a:p>
+          <a:p>
+            <a:r>
+              <a:rPr lang="en-US" sz="2400" dirty="0"/>
+              <a:t>Visual Studio Code with M Query Extensions</a:t>
+            </a:r>
+          </a:p>
+          <a:p>
+            <a:pPr lvl="1"/>
+            <a:r>
+              <a:rPr lang="en-US" sz="1600" dirty="0">
+                <a:hlinkClick r:id="rId3"/>
+              </a:rPr>
+              <a:t>https://insightsquest.com/2017/10/05/m-query-extension-for-visual-studio-code/</a:t>
+            </a:r>
+            <a:r>
+              <a:rPr lang="en-US" sz="1600" dirty="0"/>
+              <a:t> </a:t>
+            </a:r>
+          </a:p>
+          <a:p>
+            <a:pPr lvl="1"/>
+            <a:endParaRPr lang="en-US" sz="1600" dirty="0"/>
+          </a:p>
+          <a:p>
+            <a:r>
+              <a:rPr lang="en-US" sz="2400" dirty="0"/>
+              <a:t>Visual Studio 2017 (or 2015) with the Power Query SDK</a:t>
+            </a:r>
+          </a:p>
+          <a:p>
+            <a:pPr lvl="1"/>
+            <a:r>
+              <a:rPr lang="en-US" sz="1600" dirty="0">
+                <a:hlinkClick r:id="rId4"/>
+              </a:rPr>
+              <a:t>https://marketplace.visualstudio.com/items?itemName=Dakahn.PowerQuerySDK</a:t>
+            </a:r>
+            <a:r>
+              <a:rPr lang="en-US" sz="1600" dirty="0"/>
+              <a:t> </a:t>
+            </a:r>
+          </a:p>
+        </p:txBody>
+      </p:sp>
+      <p:pic>
+        <p:nvPicPr>
+          <p:cNvPr id="4" name="Picture 2" descr="Image result for warrior with shield">
+            <a:extLst>
+              <a:ext uri="{FF2B5EF4-FFF2-40B4-BE49-F238E27FC236}">
+                <a16:creationId xmlns:a16="http://schemas.microsoft.com/office/drawing/2014/main" id="{63E2B93D-25DA-423E-B829-E159573CE78B}"/>
+              </a:ext>
+            </a:extLst>
+          </p:cNvPr>
+          <p:cNvPicPr>
+            <a:picLocks noChangeAspect="1" noChangeArrowheads="1"/>
+          </p:cNvPicPr>
+          <p:nvPr/>
+        </p:nvPicPr>
+        <p:blipFill>
+          <a:blip r:embed="rId5" cstate="print">
+            <a:extLst>
+              <a:ext uri="{28A0092B-C50C-407E-A947-70E740481C1C}">
+                <a14:useLocalDpi xmlns:a14="http://schemas.microsoft.com/office/drawing/2010/main" val="0"/>
+              </a:ext>
+            </a:extLst>
+          </a:blip>
+          <a:srcRect/>
+          <a:stretch>
+            <a:fillRect/>
+          </a:stretch>
+        </p:blipFill>
+        <p:spPr bwMode="auto">
+          <a:xfrm>
+            <a:off x="5638800" y="4800600"/>
+            <a:ext cx="3386667" cy="1905000"/>
+          </a:xfrm>
+          <a:prstGeom prst="rect">
+            <a:avLst/>
+          </a:prstGeom>
+          <a:noFill/>
+          <a:extLst>
+            <a:ext uri="{909E8E84-426E-40DD-AFC4-6F175D3DCCD1}">
+              <a14:hiddenFill xmlns:a14="http://schemas.microsoft.com/office/drawing/2010/main">
+                <a:solidFill>
+                  <a:srgbClr val="FFFFFF"/>
+                </a:solidFill>
+              </a14:hiddenFill>
+            </a:ext>
+          </a:extLst>
+        </p:spPr>
+      </p:pic>
+    </p:spTree>
+    <p:extLst>
+      <p:ext uri="{BB962C8B-B14F-4D97-AF65-F5344CB8AC3E}">
+        <p14:creationId xmlns:p14="http://schemas.microsoft.com/office/powerpoint/2010/main" val="4173345273"/>
+      </p:ext>
+    </p:extLst>
+  </p:cSld>
+  <p:clrMapOvr>
+    <a:masterClrMapping/>
+  </p:clrMapOvr>
+</p:sld>
+</file>
+
+<file path=ppt/slides/slide11.xml><?xml version="1.0" encoding="utf-8"?>
+<p:sld xmlns:a="http://schemas.openxmlformats.org/drawingml/2006/main" xmlns:r="http://schemas.openxmlformats.org/officeDocument/2006/relationships" xmlns:p="http://schemas.openxmlformats.org/presentationml/2006/main">
+  <p:cSld>
+    <p:spTree>
+      <p:nvGrpSpPr>
+        <p:cNvPr id="1" name=""/>
+        <p:cNvGrpSpPr/>
+        <p:nvPr/>
+      </p:nvGrpSpPr>
+      <p:grpSpPr>
+        <a:xfrm>
+          <a:off x="0" y="0"/>
+          <a:ext cx="0" cy="0"/>
+          <a:chOff x="0" y="0"/>
+          <a:chExt cx="0" cy="0"/>
+        </a:xfrm>
+      </p:grpSpPr>
       <p:pic>
         <p:nvPicPr>
           <p:cNvPr id="4" name="Picture 2" descr="Image result for warrior">
@@ -4418,7 +4613,7 @@
 </p:sld>
 </file>
 
-<file path=ppt/slides/slide11.xml><?xml version="1.0" encoding="utf-8"?>
+<file path=ppt/slides/slide12.xml><?xml version="1.0" encoding="utf-8"?>
 <p:sld xmlns:a="http://schemas.openxmlformats.org/drawingml/2006/main" xmlns:r="http://schemas.openxmlformats.org/officeDocument/2006/relationships" xmlns:p="http://schemas.openxmlformats.org/presentationml/2006/main">
   <p:cSld>
     <p:spTree>
@@ -4542,7 +4737,7 @@
 </p:sld>
 </file>
 
-<file path=ppt/slides/slide12.xml><?xml version="1.0" encoding="utf-8"?>
+<file path=ppt/slides/slide13.xml><?xml version="1.0" encoding="utf-8"?>
 <p:sld xmlns:a="http://schemas.openxmlformats.org/drawingml/2006/main" xmlns:r="http://schemas.openxmlformats.org/officeDocument/2006/relationships" xmlns:p="http://schemas.openxmlformats.org/presentationml/2006/main">
   <p:cSld>
     <p:spTree>
@@ -4714,7 +4909,7 @@
 </p:sld>
 </file>
 
-<file path=ppt/slides/slide13.xml><?xml version="1.0" encoding="utf-8"?>
+<file path=ppt/slides/slide14.xml><?xml version="1.0" encoding="utf-8"?>
 <p:sld xmlns:a="http://schemas.openxmlformats.org/drawingml/2006/main" xmlns:r="http://schemas.openxmlformats.org/officeDocument/2006/relationships" xmlns:p="http://schemas.openxmlformats.org/presentationml/2006/main">
   <p:cSld>
     <p:spTree>
@@ -4845,7 +5040,7 @@
 </p:sld>
 </file>
 
-<file path=ppt/slides/slide14.xml><?xml version="1.0" encoding="utf-8"?>
+<file path=ppt/slides/slide15.xml><?xml version="1.0" encoding="utf-8"?>
 <p:sld xmlns:a="http://schemas.openxmlformats.org/drawingml/2006/main" xmlns:r="http://schemas.openxmlformats.org/officeDocument/2006/relationships" xmlns:p="http://schemas.openxmlformats.org/presentationml/2006/main">
   <p:cSld>
     <p:spTree>
@@ -5621,7 +5816,7 @@
 </p:sld>
 </file>
 
-<file path=ppt/slides/slide15.xml><?xml version="1.0" encoding="utf-8"?>
+<file path=ppt/slides/slide16.xml><?xml version="1.0" encoding="utf-8"?>
 <p:sld xmlns:a="http://schemas.openxmlformats.org/drawingml/2006/main" xmlns:r="http://schemas.openxmlformats.org/officeDocument/2006/relationships" xmlns:p="http://schemas.openxmlformats.org/presentationml/2006/main">
   <p:cSld>
     <p:spTree>
@@ -6083,7 +6278,7 @@
 </p:sld>
 </file>
 
-<file path=ppt/slides/slide16.xml><?xml version="1.0" encoding="utf-8"?>
+<file path=ppt/slides/slide17.xml><?xml version="1.0" encoding="utf-8"?>
 <p:sld xmlns:a="http://schemas.openxmlformats.org/drawingml/2006/main" xmlns:r="http://schemas.openxmlformats.org/officeDocument/2006/relationships" xmlns:p="http://schemas.openxmlformats.org/presentationml/2006/main">
   <p:cSld>
     <p:spTree>
@@ -7280,7 +7475,7 @@
 </p:sld>
 </file>
 
-<file path=ppt/slides/slide17.xml><?xml version="1.0" encoding="utf-8"?>
+<file path=ppt/slides/slide18.xml><?xml version="1.0" encoding="utf-8"?>
 <p:sld xmlns:a="http://schemas.openxmlformats.org/drawingml/2006/main" xmlns:r="http://schemas.openxmlformats.org/officeDocument/2006/relationships" xmlns:p="http://schemas.openxmlformats.org/presentationml/2006/main">
   <p:cSld>
     <p:spTree>
@@ -7657,7 +7852,7 @@
 </p:sld>
 </file>
 
-<file path=ppt/slides/slide18.xml><?xml version="1.0" encoding="utf-8"?>
+<file path=ppt/slides/slide19.xml><?xml version="1.0" encoding="utf-8"?>
 <p:sld xmlns:a="http://schemas.openxmlformats.org/drawingml/2006/main" xmlns:r="http://schemas.openxmlformats.org/officeDocument/2006/relationships" xmlns:p="http://schemas.openxmlformats.org/presentationml/2006/main">
   <p:cSld>
     <p:spTree>
@@ -8202,309 +8397,6 @@
                                               <p:pRg st="12" end="12"/>
                                             </p:txEl>
                                           </p:spTgt>
-                                        </p:tgtEl>
-                                        <p:attrNameLst>
-                                          <p:attrName>style.visibility</p:attrName>
-                                        </p:attrNameLst>
-                                      </p:cBhvr>
-                                      <p:to>
-                                        <p:strVal val="visible"/>
-                                      </p:to>
-                                    </p:set>
-                                  </p:childTnLst>
-                                </p:cTn>
-                              </p:par>
-                            </p:childTnLst>
-                          </p:cTn>
-                        </p:par>
-                      </p:childTnLst>
-                    </p:cTn>
-                  </p:par>
-                </p:childTnLst>
-              </p:cTn>
-              <p:prevCondLst>
-                <p:cond evt="onPrev" delay="0">
-                  <p:tgtEl>
-                    <p:sldTgt/>
-                  </p:tgtEl>
-                </p:cond>
-              </p:prevCondLst>
-              <p:nextCondLst>
-                <p:cond evt="onNext" delay="0">
-                  <p:tgtEl>
-                    <p:sldTgt/>
-                  </p:tgtEl>
-                </p:cond>
-              </p:nextCondLst>
-            </p:seq>
-          </p:childTnLst>
-        </p:cTn>
-      </p:par>
-    </p:tnLst>
-  </p:timing>
-</p:sld>
-</file>
-
-<file path=ppt/slides/slide19.xml><?xml version="1.0" encoding="utf-8"?>
-<p:sld xmlns:a="http://schemas.openxmlformats.org/drawingml/2006/main" xmlns:r="http://schemas.openxmlformats.org/officeDocument/2006/relationships" xmlns:p="http://schemas.openxmlformats.org/presentationml/2006/main">
-  <p:cSld>
-    <p:spTree>
-      <p:nvGrpSpPr>
-        <p:cNvPr id="1" name=""/>
-        <p:cNvGrpSpPr/>
-        <p:nvPr/>
-      </p:nvGrpSpPr>
-      <p:grpSpPr>
-        <a:xfrm>
-          <a:off x="0" y="0"/>
-          <a:ext cx="0" cy="0"/>
-          <a:chOff x="0" y="0"/>
-          <a:chExt cx="0" cy="0"/>
-        </a:xfrm>
-      </p:grpSpPr>
-      <p:sp>
-        <p:nvSpPr>
-          <p:cNvPr id="2" name="Title 1">
-            <a:extLst>
-              <a:ext uri="{FF2B5EF4-FFF2-40B4-BE49-F238E27FC236}">
-                <a16:creationId xmlns:a16="http://schemas.microsoft.com/office/drawing/2014/main" id="{180D6C49-3EEF-403A-BE83-C395D441D2D3}"/>
-              </a:ext>
-            </a:extLst>
-          </p:cNvPr>
-          <p:cNvSpPr>
-            <a:spLocks noGrp="1"/>
-          </p:cNvSpPr>
-          <p:nvPr>
-            <p:ph type="title"/>
-          </p:nvPr>
-        </p:nvSpPr>
-        <p:spPr/>
-        <p:txBody>
-          <a:bodyPr/>
-          <a:lstStyle/>
-          <a:p>
-            <a:r>
-              <a:rPr lang="en-US" dirty="0"/>
-              <a:t>Query Folding Example</a:t>
-            </a:r>
-          </a:p>
-        </p:txBody>
-      </p:sp>
-      <p:sp>
-        <p:nvSpPr>
-          <p:cNvPr id="4" name="Content Placeholder 3">
-            <a:extLst>
-              <a:ext uri="{FF2B5EF4-FFF2-40B4-BE49-F238E27FC236}">
-                <a16:creationId xmlns:a16="http://schemas.microsoft.com/office/drawing/2014/main" id="{03C4DF20-62D3-4C5B-B85B-F79100C684A5}"/>
-              </a:ext>
-            </a:extLst>
-          </p:cNvPr>
-          <p:cNvSpPr>
-            <a:spLocks noGrp="1"/>
-          </p:cNvSpPr>
-          <p:nvPr>
-            <p:ph idx="1"/>
-          </p:nvPr>
-        </p:nvSpPr>
-        <p:spPr/>
-        <p:txBody>
-          <a:bodyPr>
-            <a:normAutofit/>
-          </a:bodyPr>
-          <a:lstStyle/>
-          <a:p>
-            <a:r>
-              <a:rPr lang="en-US" sz="2000" dirty="0"/>
-              <a:t>When you execute this query in Power BI Desktop…</a:t>
-            </a:r>
-          </a:p>
-          <a:p>
-            <a:endParaRPr lang="en-US" sz="2000" dirty="0"/>
-          </a:p>
-          <a:p>
-            <a:endParaRPr lang="en-US" sz="2000" dirty="0"/>
-          </a:p>
-          <a:p>
-            <a:endParaRPr lang="en-US" sz="2000" dirty="0"/>
-          </a:p>
-          <a:p>
-            <a:endParaRPr lang="en-US" sz="2000" dirty="0"/>
-          </a:p>
-          <a:p>
-            <a:endParaRPr lang="en-US" sz="2000" dirty="0"/>
-          </a:p>
-          <a:p>
-            <a:endParaRPr lang="en-US" sz="2000" dirty="0"/>
-          </a:p>
-          <a:p>
-            <a:endParaRPr lang="en-US" sz="2000" dirty="0"/>
-          </a:p>
-          <a:p>
-            <a:r>
-              <a:rPr lang="en-US" sz="2000" dirty="0"/>
-              <a:t>Mashup Engine executes the following SQL query</a:t>
-            </a:r>
-          </a:p>
-        </p:txBody>
-      </p:sp>
-      <p:pic>
-        <p:nvPicPr>
-          <p:cNvPr id="3" name="Picture 2">
-            <a:extLst>
-              <a:ext uri="{FF2B5EF4-FFF2-40B4-BE49-F238E27FC236}">
-                <a16:creationId xmlns:a16="http://schemas.microsoft.com/office/drawing/2014/main" id="{E99B990B-B15F-4D8F-8221-A39CFA14E5E7}"/>
-              </a:ext>
-            </a:extLst>
-          </p:cNvPr>
-          <p:cNvPicPr>
-            <a:picLocks noChangeAspect="1"/>
-          </p:cNvPicPr>
-          <p:nvPr/>
-        </p:nvPicPr>
-        <p:blipFill>
-          <a:blip r:embed="rId2"/>
-          <a:stretch>
-            <a:fillRect/>
-          </a:stretch>
-        </p:blipFill>
-        <p:spPr>
-          <a:xfrm>
-            <a:off x="838200" y="5105400"/>
-            <a:ext cx="4972050" cy="1314450"/>
-          </a:xfrm>
-          <a:prstGeom prst="rect">
-            <a:avLst/>
-          </a:prstGeom>
-          <a:solidFill>
-            <a:schemeClr val="tx1">
-              <a:lumMod val="50000"/>
-              <a:lumOff val="50000"/>
-            </a:schemeClr>
-          </a:solidFill>
-          <a:ln>
-            <a:solidFill>
-              <a:schemeClr val="tx1">
-                <a:lumMod val="50000"/>
-                <a:lumOff val="50000"/>
-              </a:schemeClr>
-            </a:solidFill>
-          </a:ln>
-        </p:spPr>
-      </p:pic>
-      <p:pic>
-        <p:nvPicPr>
-          <p:cNvPr id="5" name="Picture 4">
-            <a:extLst>
-              <a:ext uri="{FF2B5EF4-FFF2-40B4-BE49-F238E27FC236}">
-                <a16:creationId xmlns:a16="http://schemas.microsoft.com/office/drawing/2014/main" id="{FA4BD60E-988D-4300-BB9A-58E8F0C44FE7}"/>
-              </a:ext>
-            </a:extLst>
-          </p:cNvPr>
-          <p:cNvPicPr>
-            <a:picLocks noChangeAspect="1"/>
-          </p:cNvPicPr>
-          <p:nvPr/>
-        </p:nvPicPr>
-        <p:blipFill>
-          <a:blip r:embed="rId3"/>
-          <a:stretch>
-            <a:fillRect/>
-          </a:stretch>
-        </p:blipFill>
-        <p:spPr>
-          <a:xfrm>
-            <a:off x="838200" y="1908032"/>
-            <a:ext cx="6972300" cy="2663968"/>
-          </a:xfrm>
-          <a:prstGeom prst="rect">
-            <a:avLst/>
-          </a:prstGeom>
-          <a:ln>
-            <a:solidFill>
-              <a:schemeClr val="tx1">
-                <a:lumMod val="50000"/>
-                <a:lumOff val="50000"/>
-              </a:schemeClr>
-            </a:solidFill>
-          </a:ln>
-        </p:spPr>
-      </p:pic>
-    </p:spTree>
-    <p:extLst>
-      <p:ext uri="{BB962C8B-B14F-4D97-AF65-F5344CB8AC3E}">
-        <p14:creationId xmlns:p14="http://schemas.microsoft.com/office/powerpoint/2010/main" val="1419289881"/>
-      </p:ext>
-    </p:extLst>
-  </p:cSld>
-  <p:clrMapOvr>
-    <a:masterClrMapping/>
-  </p:clrMapOvr>
-  <p:timing>
-    <p:tnLst>
-      <p:par>
-        <p:cTn id="1" dur="indefinite" restart="never" nodeType="tmRoot">
-          <p:childTnLst>
-            <p:seq concurrent="1" nextAc="seek">
-              <p:cTn id="2" dur="indefinite" nodeType="mainSeq">
-                <p:childTnLst>
-                  <p:par>
-                    <p:cTn id="3" fill="hold">
-                      <p:stCondLst>
-                        <p:cond delay="indefinite"/>
-                      </p:stCondLst>
-                      <p:childTnLst>
-                        <p:par>
-                          <p:cTn id="4" fill="hold">
-                            <p:stCondLst>
-                              <p:cond delay="0"/>
-                            </p:stCondLst>
-                            <p:childTnLst>
-                              <p:par>
-                                <p:cTn id="5" presetID="1" presetClass="entr" presetSubtype="0" fill="hold" nodeType="clickEffect">
-                                  <p:stCondLst>
-                                    <p:cond delay="0"/>
-                                  </p:stCondLst>
-                                  <p:childTnLst>
-                                    <p:set>
-                                      <p:cBhvr>
-                                        <p:cTn id="6" dur="1" fill="hold">
-                                          <p:stCondLst>
-                                            <p:cond delay="0"/>
-                                          </p:stCondLst>
-                                        </p:cTn>
-                                        <p:tgtEl>
-                                          <p:spTgt spid="4">
-                                            <p:txEl>
-                                              <p:pRg st="8" end="8"/>
-                                            </p:txEl>
-                                          </p:spTgt>
-                                        </p:tgtEl>
-                                        <p:attrNameLst>
-                                          <p:attrName>style.visibility</p:attrName>
-                                        </p:attrNameLst>
-                                      </p:cBhvr>
-                                      <p:to>
-                                        <p:strVal val="visible"/>
-                                      </p:to>
-                                    </p:set>
-                                  </p:childTnLst>
-                                </p:cTn>
-                              </p:par>
-                              <p:par>
-                                <p:cTn id="7" presetID="1" presetClass="entr" presetSubtype="0" fill="hold" nodeType="withEffect">
-                                  <p:stCondLst>
-                                    <p:cond delay="0"/>
-                                  </p:stCondLst>
-                                  <p:childTnLst>
-                                    <p:set>
-                                      <p:cBhvr>
-                                        <p:cTn id="8" dur="1" fill="hold">
-                                          <p:stCondLst>
-                                            <p:cond delay="0"/>
-                                          </p:stCondLst>
-                                        </p:cTn>
-                                        <p:tgtEl>
-                                          <p:spTgt spid="3"/>
                                         </p:tgtEl>
                                         <p:attrNameLst>
                                           <p:attrName>style.visibility</p:attrName>
@@ -10426,6 +10318,309 @@
           <p:cNvPr id="2" name="Title 1">
             <a:extLst>
               <a:ext uri="{FF2B5EF4-FFF2-40B4-BE49-F238E27FC236}">
+                <a16:creationId xmlns:a16="http://schemas.microsoft.com/office/drawing/2014/main" id="{180D6C49-3EEF-403A-BE83-C395D441D2D3}"/>
+              </a:ext>
+            </a:extLst>
+          </p:cNvPr>
+          <p:cNvSpPr>
+            <a:spLocks noGrp="1"/>
+          </p:cNvSpPr>
+          <p:nvPr>
+            <p:ph type="title"/>
+          </p:nvPr>
+        </p:nvSpPr>
+        <p:spPr/>
+        <p:txBody>
+          <a:bodyPr/>
+          <a:lstStyle/>
+          <a:p>
+            <a:r>
+              <a:rPr lang="en-US" dirty="0"/>
+              <a:t>Query Folding Example</a:t>
+            </a:r>
+          </a:p>
+        </p:txBody>
+      </p:sp>
+      <p:sp>
+        <p:nvSpPr>
+          <p:cNvPr id="4" name="Content Placeholder 3">
+            <a:extLst>
+              <a:ext uri="{FF2B5EF4-FFF2-40B4-BE49-F238E27FC236}">
+                <a16:creationId xmlns:a16="http://schemas.microsoft.com/office/drawing/2014/main" id="{03C4DF20-62D3-4C5B-B85B-F79100C684A5}"/>
+              </a:ext>
+            </a:extLst>
+          </p:cNvPr>
+          <p:cNvSpPr>
+            <a:spLocks noGrp="1"/>
+          </p:cNvSpPr>
+          <p:nvPr>
+            <p:ph idx="1"/>
+          </p:nvPr>
+        </p:nvSpPr>
+        <p:spPr/>
+        <p:txBody>
+          <a:bodyPr>
+            <a:normAutofit/>
+          </a:bodyPr>
+          <a:lstStyle/>
+          <a:p>
+            <a:r>
+              <a:rPr lang="en-US" sz="2000" dirty="0"/>
+              <a:t>When you execute this query in Power BI Desktop…</a:t>
+            </a:r>
+          </a:p>
+          <a:p>
+            <a:endParaRPr lang="en-US" sz="2000" dirty="0"/>
+          </a:p>
+          <a:p>
+            <a:endParaRPr lang="en-US" sz="2000" dirty="0"/>
+          </a:p>
+          <a:p>
+            <a:endParaRPr lang="en-US" sz="2000" dirty="0"/>
+          </a:p>
+          <a:p>
+            <a:endParaRPr lang="en-US" sz="2000" dirty="0"/>
+          </a:p>
+          <a:p>
+            <a:endParaRPr lang="en-US" sz="2000" dirty="0"/>
+          </a:p>
+          <a:p>
+            <a:endParaRPr lang="en-US" sz="2000" dirty="0"/>
+          </a:p>
+          <a:p>
+            <a:endParaRPr lang="en-US" sz="2000" dirty="0"/>
+          </a:p>
+          <a:p>
+            <a:r>
+              <a:rPr lang="en-US" sz="2000" dirty="0"/>
+              <a:t>Mashup Engine executes the following SQL query</a:t>
+            </a:r>
+          </a:p>
+        </p:txBody>
+      </p:sp>
+      <p:pic>
+        <p:nvPicPr>
+          <p:cNvPr id="3" name="Picture 2">
+            <a:extLst>
+              <a:ext uri="{FF2B5EF4-FFF2-40B4-BE49-F238E27FC236}">
+                <a16:creationId xmlns:a16="http://schemas.microsoft.com/office/drawing/2014/main" id="{E99B990B-B15F-4D8F-8221-A39CFA14E5E7}"/>
+              </a:ext>
+            </a:extLst>
+          </p:cNvPr>
+          <p:cNvPicPr>
+            <a:picLocks noChangeAspect="1"/>
+          </p:cNvPicPr>
+          <p:nvPr/>
+        </p:nvPicPr>
+        <p:blipFill>
+          <a:blip r:embed="rId2"/>
+          <a:stretch>
+            <a:fillRect/>
+          </a:stretch>
+        </p:blipFill>
+        <p:spPr>
+          <a:xfrm>
+            <a:off x="838200" y="5105400"/>
+            <a:ext cx="4972050" cy="1314450"/>
+          </a:xfrm>
+          <a:prstGeom prst="rect">
+            <a:avLst/>
+          </a:prstGeom>
+          <a:solidFill>
+            <a:schemeClr val="tx1">
+              <a:lumMod val="50000"/>
+              <a:lumOff val="50000"/>
+            </a:schemeClr>
+          </a:solidFill>
+          <a:ln>
+            <a:solidFill>
+              <a:schemeClr val="tx1">
+                <a:lumMod val="50000"/>
+                <a:lumOff val="50000"/>
+              </a:schemeClr>
+            </a:solidFill>
+          </a:ln>
+        </p:spPr>
+      </p:pic>
+      <p:pic>
+        <p:nvPicPr>
+          <p:cNvPr id="5" name="Picture 4">
+            <a:extLst>
+              <a:ext uri="{FF2B5EF4-FFF2-40B4-BE49-F238E27FC236}">
+                <a16:creationId xmlns:a16="http://schemas.microsoft.com/office/drawing/2014/main" id="{FA4BD60E-988D-4300-BB9A-58E8F0C44FE7}"/>
+              </a:ext>
+            </a:extLst>
+          </p:cNvPr>
+          <p:cNvPicPr>
+            <a:picLocks noChangeAspect="1"/>
+          </p:cNvPicPr>
+          <p:nvPr/>
+        </p:nvPicPr>
+        <p:blipFill>
+          <a:blip r:embed="rId3"/>
+          <a:stretch>
+            <a:fillRect/>
+          </a:stretch>
+        </p:blipFill>
+        <p:spPr>
+          <a:xfrm>
+            <a:off x="838200" y="1908032"/>
+            <a:ext cx="6972300" cy="2663968"/>
+          </a:xfrm>
+          <a:prstGeom prst="rect">
+            <a:avLst/>
+          </a:prstGeom>
+          <a:ln>
+            <a:solidFill>
+              <a:schemeClr val="tx1">
+                <a:lumMod val="50000"/>
+                <a:lumOff val="50000"/>
+              </a:schemeClr>
+            </a:solidFill>
+          </a:ln>
+        </p:spPr>
+      </p:pic>
+    </p:spTree>
+    <p:extLst>
+      <p:ext uri="{BB962C8B-B14F-4D97-AF65-F5344CB8AC3E}">
+        <p14:creationId xmlns:p14="http://schemas.microsoft.com/office/powerpoint/2010/main" val="1419289881"/>
+      </p:ext>
+    </p:extLst>
+  </p:cSld>
+  <p:clrMapOvr>
+    <a:masterClrMapping/>
+  </p:clrMapOvr>
+  <p:timing>
+    <p:tnLst>
+      <p:par>
+        <p:cTn id="1" dur="indefinite" restart="never" nodeType="tmRoot">
+          <p:childTnLst>
+            <p:seq concurrent="1" nextAc="seek">
+              <p:cTn id="2" dur="indefinite" nodeType="mainSeq">
+                <p:childTnLst>
+                  <p:par>
+                    <p:cTn id="3" fill="hold">
+                      <p:stCondLst>
+                        <p:cond delay="indefinite"/>
+                      </p:stCondLst>
+                      <p:childTnLst>
+                        <p:par>
+                          <p:cTn id="4" fill="hold">
+                            <p:stCondLst>
+                              <p:cond delay="0"/>
+                            </p:stCondLst>
+                            <p:childTnLst>
+                              <p:par>
+                                <p:cTn id="5" presetID="1" presetClass="entr" presetSubtype="0" fill="hold" nodeType="clickEffect">
+                                  <p:stCondLst>
+                                    <p:cond delay="0"/>
+                                  </p:stCondLst>
+                                  <p:childTnLst>
+                                    <p:set>
+                                      <p:cBhvr>
+                                        <p:cTn id="6" dur="1" fill="hold">
+                                          <p:stCondLst>
+                                            <p:cond delay="0"/>
+                                          </p:stCondLst>
+                                        </p:cTn>
+                                        <p:tgtEl>
+                                          <p:spTgt spid="4">
+                                            <p:txEl>
+                                              <p:pRg st="8" end="8"/>
+                                            </p:txEl>
+                                          </p:spTgt>
+                                        </p:tgtEl>
+                                        <p:attrNameLst>
+                                          <p:attrName>style.visibility</p:attrName>
+                                        </p:attrNameLst>
+                                      </p:cBhvr>
+                                      <p:to>
+                                        <p:strVal val="visible"/>
+                                      </p:to>
+                                    </p:set>
+                                  </p:childTnLst>
+                                </p:cTn>
+                              </p:par>
+                              <p:par>
+                                <p:cTn id="7" presetID="1" presetClass="entr" presetSubtype="0" fill="hold" nodeType="withEffect">
+                                  <p:stCondLst>
+                                    <p:cond delay="0"/>
+                                  </p:stCondLst>
+                                  <p:childTnLst>
+                                    <p:set>
+                                      <p:cBhvr>
+                                        <p:cTn id="8" dur="1" fill="hold">
+                                          <p:stCondLst>
+                                            <p:cond delay="0"/>
+                                          </p:stCondLst>
+                                        </p:cTn>
+                                        <p:tgtEl>
+                                          <p:spTgt spid="3"/>
+                                        </p:tgtEl>
+                                        <p:attrNameLst>
+                                          <p:attrName>style.visibility</p:attrName>
+                                        </p:attrNameLst>
+                                      </p:cBhvr>
+                                      <p:to>
+                                        <p:strVal val="visible"/>
+                                      </p:to>
+                                    </p:set>
+                                  </p:childTnLst>
+                                </p:cTn>
+                              </p:par>
+                            </p:childTnLst>
+                          </p:cTn>
+                        </p:par>
+                      </p:childTnLst>
+                    </p:cTn>
+                  </p:par>
+                </p:childTnLst>
+              </p:cTn>
+              <p:prevCondLst>
+                <p:cond evt="onPrev" delay="0">
+                  <p:tgtEl>
+                    <p:sldTgt/>
+                  </p:tgtEl>
+                </p:cond>
+              </p:prevCondLst>
+              <p:nextCondLst>
+                <p:cond evt="onNext" delay="0">
+                  <p:tgtEl>
+                    <p:sldTgt/>
+                  </p:tgtEl>
+                </p:cond>
+              </p:nextCondLst>
+            </p:seq>
+          </p:childTnLst>
+        </p:cTn>
+      </p:par>
+    </p:tnLst>
+  </p:timing>
+</p:sld>
+</file>
+
+<file path=ppt/slides/slide21.xml><?xml version="1.0" encoding="utf-8"?>
+<p:sld xmlns:a="http://schemas.openxmlformats.org/drawingml/2006/main" xmlns:r="http://schemas.openxmlformats.org/officeDocument/2006/relationships" xmlns:p="http://schemas.openxmlformats.org/presentationml/2006/main">
+  <p:cSld>
+    <p:spTree>
+      <p:nvGrpSpPr>
+        <p:cNvPr id="1" name=""/>
+        <p:cNvGrpSpPr/>
+        <p:nvPr/>
+      </p:nvGrpSpPr>
+      <p:grpSpPr>
+        <a:xfrm>
+          <a:off x="0" y="0"/>
+          <a:ext cx="0" cy="0"/>
+          <a:chOff x="0" y="0"/>
+          <a:chExt cx="0" cy="0"/>
+        </a:xfrm>
+      </p:grpSpPr>
+      <p:sp>
+        <p:nvSpPr>
+          <p:cNvPr id="2" name="Title 1">
+            <a:extLst>
+              <a:ext uri="{FF2B5EF4-FFF2-40B4-BE49-F238E27FC236}">
                 <a16:creationId xmlns:a16="http://schemas.microsoft.com/office/drawing/2014/main" id="{08ECA0DC-7CB2-4A35-A98B-5E1566C95E4C}"/>
               </a:ext>
             </a:extLst>
@@ -10530,7 +10725,7 @@
 </p:sld>
 </file>
 
-<file path=ppt/slides/slide21.xml><?xml version="1.0" encoding="utf-8"?>
+<file path=ppt/slides/slide22.xml><?xml version="1.0" encoding="utf-8"?>
 <p:sld xmlns:a="http://schemas.openxmlformats.org/drawingml/2006/main" xmlns:r="http://schemas.openxmlformats.org/officeDocument/2006/relationships" xmlns:p="http://schemas.openxmlformats.org/presentationml/2006/main">
   <p:cSld>
     <p:spTree>
@@ -11068,7 +11263,7 @@
 </p:sld>
 </file>
 
-<file path=ppt/slides/slide22.xml><?xml version="1.0" encoding="utf-8"?>
+<file path=ppt/slides/slide23.xml><?xml version="1.0" encoding="utf-8"?>
 <p:sld xmlns:a="http://schemas.openxmlformats.org/drawingml/2006/main" xmlns:r="http://schemas.openxmlformats.org/officeDocument/2006/relationships" xmlns:p="http://schemas.openxmlformats.org/presentationml/2006/main">
   <p:cSld>
     <p:spTree>
@@ -11164,7 +11359,7 @@
 </p:sld>
 </file>
 
-<file path=ppt/slides/slide23.xml><?xml version="1.0" encoding="utf-8"?>
+<file path=ppt/slides/slide24.xml><?xml version="1.0" encoding="utf-8"?>
 <p:sld xmlns:a="http://schemas.openxmlformats.org/drawingml/2006/main" xmlns:r="http://schemas.openxmlformats.org/officeDocument/2006/relationships" xmlns:p="http://schemas.openxmlformats.org/presentationml/2006/main">
   <p:cSld>
     <p:spTree>
@@ -11260,7 +11455,7 @@
 </p:sld>
 </file>
 
-<file path=ppt/slides/slide24.xml><?xml version="1.0" encoding="utf-8"?>
+<file path=ppt/slides/slide25.xml><?xml version="1.0" encoding="utf-8"?>
 <p:sld xmlns:a="http://schemas.openxmlformats.org/drawingml/2006/main" xmlns:r="http://schemas.openxmlformats.org/officeDocument/2006/relationships" xmlns:p="http://schemas.openxmlformats.org/presentationml/2006/main">
   <p:cSld>
     <p:spTree>
@@ -11626,7 +11821,7 @@
 </p:sld>
 </file>
 
-<file path=ppt/slides/slide25.xml><?xml version="1.0" encoding="utf-8"?>
+<file path=ppt/slides/slide26.xml><?xml version="1.0" encoding="utf-8"?>
 <p:sld xmlns:a="http://schemas.openxmlformats.org/drawingml/2006/main" xmlns:r="http://schemas.openxmlformats.org/officeDocument/2006/relationships" xmlns:p="http://schemas.openxmlformats.org/presentationml/2006/main">
   <p:cSld>
     <p:spTree>
@@ -11759,7 +11954,7 @@
 </p:sld>
 </file>
 
-<file path=ppt/slides/slide26.xml><?xml version="1.0" encoding="utf-8"?>
+<file path=ppt/slides/slide27.xml><?xml version="1.0" encoding="utf-8"?>
 <p:sld xmlns:a="http://schemas.openxmlformats.org/drawingml/2006/main" xmlns:r="http://schemas.openxmlformats.org/officeDocument/2006/relationships" xmlns:p="http://schemas.openxmlformats.org/presentationml/2006/main">
   <p:cSld>
     <p:spTree>
@@ -12073,7 +12268,7 @@
 </p:sld>
 </file>
 
-<file path=ppt/slides/slide27.xml><?xml version="1.0" encoding="utf-8"?>
+<file path=ppt/slides/slide28.xml><?xml version="1.0" encoding="utf-8"?>
 <p:sld xmlns:a="http://schemas.openxmlformats.org/drawingml/2006/main" xmlns:r="http://schemas.openxmlformats.org/officeDocument/2006/relationships" xmlns:p="http://schemas.openxmlformats.org/presentationml/2006/main">
   <p:cSld>
     <p:spTree>
@@ -12197,7 +12392,7 @@
 </p:sld>
 </file>
 
-<file path=ppt/slides/slide28.xml><?xml version="1.0" encoding="utf-8"?>
+<file path=ppt/slides/slide29.xml><?xml version="1.0" encoding="utf-8"?>
 <p:sld xmlns:a="http://schemas.openxmlformats.org/drawingml/2006/main" xmlns:r="http://schemas.openxmlformats.org/officeDocument/2006/relationships" xmlns:p="http://schemas.openxmlformats.org/presentationml/2006/main">
   <p:cSld>
     <p:spTree>
@@ -12624,7 +12819,99 @@
 </p:sld>
 </file>
 
-<file path=ppt/slides/slide29.xml><?xml version="1.0" encoding="utf-8"?>
+<file path=ppt/slides/slide3.xml><?xml version="1.0" encoding="utf-8"?>
+<p:sld xmlns:a="http://schemas.openxmlformats.org/drawingml/2006/main" xmlns:r="http://schemas.openxmlformats.org/officeDocument/2006/relationships" xmlns:p="http://schemas.openxmlformats.org/presentationml/2006/main">
+  <p:cSld>
+    <p:spTree>
+      <p:nvGrpSpPr>
+        <p:cNvPr id="1" name=""/>
+        <p:cNvGrpSpPr/>
+        <p:nvPr/>
+      </p:nvGrpSpPr>
+      <p:grpSpPr>
+        <a:xfrm>
+          <a:off x="0" y="0"/>
+          <a:ext cx="0" cy="0"/>
+          <a:chOff x="0" y="0"/>
+          <a:chExt cx="0" cy="0"/>
+        </a:xfrm>
+      </p:grpSpPr>
+      <p:sp>
+        <p:nvSpPr>
+          <p:cNvPr id="2" name="Title 1">
+            <a:extLst>
+              <a:ext uri="{FF2B5EF4-FFF2-40B4-BE49-F238E27FC236}">
+                <a16:creationId xmlns:a16="http://schemas.microsoft.com/office/drawing/2014/main" id="{4C859EA7-EE8C-41CC-8413-E1BB82A0F1C1}"/>
+              </a:ext>
+            </a:extLst>
+          </p:cNvPr>
+          <p:cNvSpPr>
+            <a:spLocks noGrp="1"/>
+          </p:cNvSpPr>
+          <p:nvPr>
+            <p:ph type="title"/>
+          </p:nvPr>
+        </p:nvSpPr>
+        <p:spPr/>
+        <p:txBody>
+          <a:bodyPr/>
+          <a:lstStyle/>
+          <a:p>
+            <a:r>
+              <a:rPr lang="en-US" dirty="0"/>
+              <a:t>Download the Code and Slides</a:t>
+            </a:r>
+          </a:p>
+        </p:txBody>
+      </p:sp>
+      <p:sp>
+        <p:nvSpPr>
+          <p:cNvPr id="3" name="Content Placeholder 2">
+            <a:extLst>
+              <a:ext uri="{FF2B5EF4-FFF2-40B4-BE49-F238E27FC236}">
+                <a16:creationId xmlns:a16="http://schemas.microsoft.com/office/drawing/2014/main" id="{31173C47-7AB0-4CA2-9FFE-1A9E568803EE}"/>
+              </a:ext>
+            </a:extLst>
+          </p:cNvPr>
+          <p:cNvSpPr>
+            <a:spLocks noGrp="1"/>
+          </p:cNvSpPr>
+          <p:nvPr>
+            <p:ph idx="1"/>
+          </p:nvPr>
+        </p:nvSpPr>
+        <p:spPr/>
+        <p:txBody>
+          <a:bodyPr/>
+          <a:lstStyle/>
+          <a:p>
+            <a:r>
+              <a:rPr lang="en-US" dirty="0">
+                <a:hlinkClick r:id="rId2"/>
+              </a:rPr>
+              <a:t>https://github.com/CriticalPathTraining/Intro2M</a:t>
+            </a:r>
+            <a:r>
+              <a:rPr lang="en-US" dirty="0"/>
+              <a:t> </a:t>
+            </a:r>
+          </a:p>
+        </p:txBody>
+      </p:sp>
+    </p:spTree>
+    <p:extLst>
+      <p:ext uri="{BB962C8B-B14F-4D97-AF65-F5344CB8AC3E}">
+        <p14:creationId xmlns:p14="http://schemas.microsoft.com/office/powerpoint/2010/main" val="3136126304"/>
+      </p:ext>
+    </p:extLst>
+  </p:cSld>
+  <p:clrMapOvr>
+    <a:masterClrMapping/>
+  </p:clrMapOvr>
+</p:sld>
+</file>
+
+<file path=ppt/slides/slide30.xml><?xml version="1.0" encoding="utf-8"?>
 <p:sld xmlns:a="http://schemas.openxmlformats.org/drawingml/2006/main" xmlns:r="http://schemas.openxmlformats.org/officeDocument/2006/relationships" xmlns:p="http://schemas.openxmlformats.org/presentationml/2006/main">
   <p:cSld>
     <p:spTree>
@@ -13042,123 +13329,7 @@
 </p:sld>
 </file>
 
-<file path=ppt/slides/slide3.xml><?xml version="1.0" encoding="utf-8"?>
-<p:sld xmlns:a="http://schemas.openxmlformats.org/drawingml/2006/main" xmlns:r="http://schemas.openxmlformats.org/officeDocument/2006/relationships" xmlns:p="http://schemas.openxmlformats.org/presentationml/2006/main">
-  <p:cSld>
-    <p:spTree>
-      <p:nvGrpSpPr>
-        <p:cNvPr id="1" name=""/>
-        <p:cNvGrpSpPr/>
-        <p:nvPr/>
-      </p:nvGrpSpPr>
-      <p:grpSpPr>
-        <a:xfrm>
-          <a:off x="0" y="0"/>
-          <a:ext cx="0" cy="0"/>
-          <a:chOff x="0" y="0"/>
-          <a:chExt cx="0" cy="0"/>
-        </a:xfrm>
-      </p:grpSpPr>
-      <p:sp>
-        <p:nvSpPr>
-          <p:cNvPr id="2" name="Title 1">
-            <a:extLst>
-              <a:ext uri="{FF2B5EF4-FFF2-40B4-BE49-F238E27FC236}">
-                <a16:creationId xmlns:a16="http://schemas.microsoft.com/office/drawing/2014/main" id="{8704F4CD-9880-45D9-99BA-0D792C88B9A2}"/>
-              </a:ext>
-            </a:extLst>
-          </p:cNvPr>
-          <p:cNvSpPr>
-            <a:spLocks noGrp="1"/>
-          </p:cNvSpPr>
-          <p:nvPr>
-            <p:ph type="title"/>
-          </p:nvPr>
-        </p:nvSpPr>
-        <p:spPr/>
-        <p:txBody>
-          <a:bodyPr/>
-          <a:lstStyle/>
-          <a:p>
-            <a:r>
-              <a:rPr lang="en-US" dirty="0"/>
-              <a:t>Agenda</a:t>
-            </a:r>
-          </a:p>
-        </p:txBody>
-      </p:sp>
-      <p:sp>
-        <p:nvSpPr>
-          <p:cNvPr id="3" name="Content Placeholder 2">
-            <a:extLst>
-              <a:ext uri="{FF2B5EF4-FFF2-40B4-BE49-F238E27FC236}">
-                <a16:creationId xmlns:a16="http://schemas.microsoft.com/office/drawing/2014/main" id="{F8FD7ADC-9293-4196-9E30-994BBD372879}"/>
-              </a:ext>
-            </a:extLst>
-          </p:cNvPr>
-          <p:cNvSpPr>
-            <a:spLocks noGrp="1"/>
-          </p:cNvSpPr>
-          <p:nvPr>
-            <p:ph idx="1"/>
-          </p:nvPr>
-        </p:nvSpPr>
-        <p:spPr/>
-        <p:txBody>
-          <a:bodyPr/>
-          <a:lstStyle/>
-          <a:p>
-            <a:r>
-              <a:rPr lang="en-US" dirty="0"/>
-              <a:t>Power Query Mashup Engine</a:t>
-            </a:r>
-          </a:p>
-          <a:p>
-            <a:r>
-              <a:rPr lang="en-US" dirty="0"/>
-              <a:t>M Programming Fundamentals</a:t>
-            </a:r>
-          </a:p>
-          <a:p>
-            <a:r>
-              <a:rPr lang="en-US" dirty="0"/>
-              <a:t>M Function Library</a:t>
-            </a:r>
-          </a:p>
-          <a:p>
-            <a:r>
-              <a:rPr lang="en-US" dirty="0"/>
-              <a:t>Query Functions</a:t>
-            </a:r>
-          </a:p>
-          <a:p>
-            <a:r>
-              <a:rPr lang="en-US" dirty="0"/>
-              <a:t>Query Parameters</a:t>
-            </a:r>
-          </a:p>
-          <a:p>
-            <a:r>
-              <a:rPr lang="en-US" dirty="0"/>
-              <a:t>Custom Data Connectors</a:t>
-            </a:r>
-          </a:p>
-        </p:txBody>
-      </p:sp>
-    </p:spTree>
-    <p:extLst>
-      <p:ext uri="{BB962C8B-B14F-4D97-AF65-F5344CB8AC3E}">
-        <p14:creationId xmlns:p14="http://schemas.microsoft.com/office/powerpoint/2010/main" val="398477970"/>
-      </p:ext>
-    </p:extLst>
-  </p:cSld>
-  <p:clrMapOvr>
-    <a:masterClrMapping/>
-  </p:clrMapOvr>
-</p:sld>
-</file>
-
-<file path=ppt/slides/slide30.xml><?xml version="1.0" encoding="utf-8"?>
+<file path=ppt/slides/slide31.xml><?xml version="1.0" encoding="utf-8"?>
 <p:sld xmlns:a="http://schemas.openxmlformats.org/drawingml/2006/main" xmlns:r="http://schemas.openxmlformats.org/officeDocument/2006/relationships" xmlns:p="http://schemas.openxmlformats.org/presentationml/2006/main">
   <p:cSld>
     <p:spTree>
@@ -14091,7 +14262,7 @@
 </p:sld>
 </file>
 
-<file path=ppt/slides/slide31.xml><?xml version="1.0" encoding="utf-8"?>
+<file path=ppt/slides/slide32.xml><?xml version="1.0" encoding="utf-8"?>
 <p:sld xmlns:a="http://schemas.openxmlformats.org/drawingml/2006/main" xmlns:r="http://schemas.openxmlformats.org/officeDocument/2006/relationships" xmlns:p="http://schemas.openxmlformats.org/presentationml/2006/main">
   <p:cSld>
     <p:spTree>
@@ -14763,7 +14934,7 @@
 </p:sld>
 </file>
 
-<file path=ppt/slides/slide32.xml><?xml version="1.0" encoding="utf-8"?>
+<file path=ppt/slides/slide33.xml><?xml version="1.0" encoding="utf-8"?>
 <p:sld xmlns:a="http://schemas.openxmlformats.org/drawingml/2006/main" xmlns:r="http://schemas.openxmlformats.org/officeDocument/2006/relationships" xmlns:p="http://schemas.openxmlformats.org/presentationml/2006/main">
   <p:cSld>
     <p:spTree>
@@ -14891,7 +15062,7 @@
 </p:sld>
 </file>
 
-<file path=ppt/slides/slide33.xml><?xml version="1.0" encoding="utf-8"?>
+<file path=ppt/slides/slide34.xml><?xml version="1.0" encoding="utf-8"?>
 <p:sld xmlns:a="http://schemas.openxmlformats.org/drawingml/2006/main" xmlns:r="http://schemas.openxmlformats.org/officeDocument/2006/relationships" xmlns:p="http://schemas.openxmlformats.org/presentationml/2006/main">
   <p:cSld>
     <p:spTree>
@@ -15028,7 +15199,7 @@
 </p:sld>
 </file>
 
-<file path=ppt/slides/slide34.xml><?xml version="1.0" encoding="utf-8"?>
+<file path=ppt/slides/slide35.xml><?xml version="1.0" encoding="utf-8"?>
 <p:sld xmlns:a="http://schemas.openxmlformats.org/drawingml/2006/main" xmlns:r="http://schemas.openxmlformats.org/officeDocument/2006/relationships" xmlns:p="http://schemas.openxmlformats.org/presentationml/2006/main">
   <p:cSld>
     <p:spTree>
@@ -15224,7 +15395,7 @@
 </p:sld>
 </file>
 
-<file path=ppt/slides/slide35.xml><?xml version="1.0" encoding="utf-8"?>
+<file path=ppt/slides/slide36.xml><?xml version="1.0" encoding="utf-8"?>
 <p:sld xmlns:a="http://schemas.openxmlformats.org/drawingml/2006/main" xmlns:r="http://schemas.openxmlformats.org/officeDocument/2006/relationships" xmlns:p="http://schemas.openxmlformats.org/presentationml/2006/main">
   <p:cSld>
     <p:spTree>
@@ -15363,7 +15534,7 @@
 </p:sld>
 </file>
 
-<file path=ppt/slides/slide36.xml><?xml version="1.0" encoding="utf-8"?>
+<file path=ppt/slides/slide37.xml><?xml version="1.0" encoding="utf-8"?>
 <p:sld xmlns:a="http://schemas.openxmlformats.org/drawingml/2006/main" xmlns:r="http://schemas.openxmlformats.org/officeDocument/2006/relationships" xmlns:p="http://schemas.openxmlformats.org/presentationml/2006/main">
   <p:cSld>
     <p:spTree>
@@ -15495,7 +15666,7 @@
 </p:sld>
 </file>
 
-<file path=ppt/slides/slide37.xml><?xml version="1.0" encoding="utf-8"?>
+<file path=ppt/slides/slide38.xml><?xml version="1.0" encoding="utf-8"?>
 <p:sld xmlns:a="http://schemas.openxmlformats.org/drawingml/2006/main" xmlns:r="http://schemas.openxmlformats.org/officeDocument/2006/relationships" xmlns:p="http://schemas.openxmlformats.org/presentationml/2006/main">
   <p:cSld>
     <p:spTree>
@@ -15677,7 +15848,7 @@
 </p:sld>
 </file>
 
-<file path=ppt/slides/slide38.xml><?xml version="1.0" encoding="utf-8"?>
+<file path=ppt/slides/slide39.xml><?xml version="1.0" encoding="utf-8"?>
 <p:sld xmlns:a="http://schemas.openxmlformats.org/drawingml/2006/main" xmlns:r="http://schemas.openxmlformats.org/officeDocument/2006/relationships" xmlns:p="http://schemas.openxmlformats.org/presentationml/2006/main">
   <p:cSld>
     <p:spTree>
@@ -16266,7 +16437,7 @@
 </p:sld>
 </file>
 
-<file path=ppt/slides/slide39.xml><?xml version="1.0" encoding="utf-8"?>
+<file path=ppt/slides/slide4.xml><?xml version="1.0" encoding="utf-8"?>
 <p:sld xmlns:a="http://schemas.openxmlformats.org/drawingml/2006/main" xmlns:r="http://schemas.openxmlformats.org/officeDocument/2006/relationships" xmlns:p="http://schemas.openxmlformats.org/presentationml/2006/main">
   <p:cSld>
     <p:spTree>
@@ -16332,6 +16503,122 @@
           <a:bodyPr/>
           <a:lstStyle/>
           <a:p>
+            <a:r>
+              <a:rPr lang="en-US" dirty="0"/>
+              <a:t>Power Query Mashup Engine</a:t>
+            </a:r>
+          </a:p>
+          <a:p>
+            <a:r>
+              <a:rPr lang="en-US" dirty="0"/>
+              <a:t>M Programming Fundamentals</a:t>
+            </a:r>
+          </a:p>
+          <a:p>
+            <a:r>
+              <a:rPr lang="en-US" dirty="0"/>
+              <a:t>M Function Library</a:t>
+            </a:r>
+          </a:p>
+          <a:p>
+            <a:r>
+              <a:rPr lang="en-US" dirty="0"/>
+              <a:t>Query Functions</a:t>
+            </a:r>
+          </a:p>
+          <a:p>
+            <a:r>
+              <a:rPr lang="en-US" dirty="0"/>
+              <a:t>Query Parameters</a:t>
+            </a:r>
+          </a:p>
+          <a:p>
+            <a:r>
+              <a:rPr lang="en-US" dirty="0"/>
+              <a:t>Custom Data Connectors</a:t>
+            </a:r>
+          </a:p>
+        </p:txBody>
+      </p:sp>
+    </p:spTree>
+    <p:extLst>
+      <p:ext uri="{BB962C8B-B14F-4D97-AF65-F5344CB8AC3E}">
+        <p14:creationId xmlns:p14="http://schemas.microsoft.com/office/powerpoint/2010/main" val="398477970"/>
+      </p:ext>
+    </p:extLst>
+  </p:cSld>
+  <p:clrMapOvr>
+    <a:masterClrMapping/>
+  </p:clrMapOvr>
+</p:sld>
+</file>
+
+<file path=ppt/slides/slide40.xml><?xml version="1.0" encoding="utf-8"?>
+<p:sld xmlns:a="http://schemas.openxmlformats.org/drawingml/2006/main" xmlns:r="http://schemas.openxmlformats.org/officeDocument/2006/relationships" xmlns:p="http://schemas.openxmlformats.org/presentationml/2006/main">
+  <p:cSld>
+    <p:spTree>
+      <p:nvGrpSpPr>
+        <p:cNvPr id="1" name=""/>
+        <p:cNvGrpSpPr/>
+        <p:nvPr/>
+      </p:nvGrpSpPr>
+      <p:grpSpPr>
+        <a:xfrm>
+          <a:off x="0" y="0"/>
+          <a:ext cx="0" cy="0"/>
+          <a:chOff x="0" y="0"/>
+          <a:chExt cx="0" cy="0"/>
+        </a:xfrm>
+      </p:grpSpPr>
+      <p:sp>
+        <p:nvSpPr>
+          <p:cNvPr id="2" name="Title 1">
+            <a:extLst>
+              <a:ext uri="{FF2B5EF4-FFF2-40B4-BE49-F238E27FC236}">
+                <a16:creationId xmlns:a16="http://schemas.microsoft.com/office/drawing/2014/main" id="{8704F4CD-9880-45D9-99BA-0D792C88B9A2}"/>
+              </a:ext>
+            </a:extLst>
+          </p:cNvPr>
+          <p:cNvSpPr>
+            <a:spLocks noGrp="1"/>
+          </p:cNvSpPr>
+          <p:nvPr>
+            <p:ph type="title"/>
+          </p:nvPr>
+        </p:nvSpPr>
+        <p:spPr/>
+        <p:txBody>
+          <a:bodyPr/>
+          <a:lstStyle/>
+          <a:p>
+            <a:r>
+              <a:rPr lang="en-US" dirty="0"/>
+              <a:t>Agenda</a:t>
+            </a:r>
+          </a:p>
+        </p:txBody>
+      </p:sp>
+      <p:sp>
+        <p:nvSpPr>
+          <p:cNvPr id="3" name="Content Placeholder 2">
+            <a:extLst>
+              <a:ext uri="{FF2B5EF4-FFF2-40B4-BE49-F238E27FC236}">
+                <a16:creationId xmlns:a16="http://schemas.microsoft.com/office/drawing/2014/main" id="{F8FD7ADC-9293-4196-9E30-994BBD372879}"/>
+              </a:ext>
+            </a:extLst>
+          </p:cNvPr>
+          <p:cNvSpPr>
+            <a:spLocks noGrp="1"/>
+          </p:cNvSpPr>
+          <p:nvPr>
+            <p:ph idx="1"/>
+          </p:nvPr>
+        </p:nvSpPr>
+        <p:spPr/>
+        <p:txBody>
+          <a:bodyPr/>
+          <a:lstStyle/>
+          <a:p>
             <a:pPr>
               <a:buFont typeface="Wingdings" panose="05000000000000000000" pitchFamily="2" charset="2"/>
               <a:buChar char="ü"/>
@@ -16402,7 +16689,1431 @@
 </p:sld>
 </file>
 
-<file path=ppt/slides/slide4.xml><?xml version="1.0" encoding="utf-8"?>
+<file path=ppt/slides/slide41.xml><?xml version="1.0" encoding="utf-8"?>
+<p:sld xmlns:a="http://schemas.openxmlformats.org/drawingml/2006/main" xmlns:r="http://schemas.openxmlformats.org/officeDocument/2006/relationships" xmlns:p="http://schemas.openxmlformats.org/presentationml/2006/main">
+  <p:cSld>
+    <p:spTree>
+      <p:nvGrpSpPr>
+        <p:cNvPr id="1" name=""/>
+        <p:cNvGrpSpPr/>
+        <p:nvPr/>
+      </p:nvGrpSpPr>
+      <p:grpSpPr>
+        <a:xfrm>
+          <a:off x="0" y="0"/>
+          <a:ext cx="0" cy="0"/>
+          <a:chOff x="0" y="0"/>
+          <a:chExt cx="0" cy="0"/>
+        </a:xfrm>
+      </p:grpSpPr>
+      <p:sp>
+        <p:nvSpPr>
+          <p:cNvPr id="2" name="Title 1"/>
+          <p:cNvSpPr>
+            <a:spLocks noGrp="1"/>
+          </p:cNvSpPr>
+          <p:nvPr>
+            <p:ph type="title"/>
+          </p:nvPr>
+        </p:nvSpPr>
+        <p:spPr/>
+        <p:txBody>
+          <a:bodyPr/>
+          <a:lstStyle/>
+          <a:p>
+            <a:r>
+              <a:rPr lang="en-US"/>
+              <a:t>Query Parameters</a:t>
+            </a:r>
+            <a:endParaRPr lang="en-US" dirty="0"/>
+          </a:p>
+        </p:txBody>
+      </p:sp>
+      <p:sp>
+        <p:nvSpPr>
+          <p:cNvPr id="3" name="Content Placeholder 2"/>
+          <p:cNvSpPr>
+            <a:spLocks noGrp="1"/>
+          </p:cNvSpPr>
+          <p:nvPr>
+            <p:ph idx="1"/>
+          </p:nvPr>
+        </p:nvSpPr>
+        <p:spPr/>
+        <p:txBody>
+          <a:bodyPr/>
+          <a:lstStyle/>
+          <a:p>
+            <a:r>
+              <a:rPr lang="en-US" dirty="0"/>
+              <a:t>What is a Query Parameter?</a:t>
+            </a:r>
+          </a:p>
+          <a:p>
+            <a:pPr lvl="1"/>
+            <a:r>
+              <a:rPr lang="en-US" dirty="0"/>
+              <a:t>Configurable setting with project scope</a:t>
+            </a:r>
+          </a:p>
+          <a:p>
+            <a:pPr lvl="1"/>
+            <a:r>
+              <a:rPr lang="en-US" dirty="0"/>
+              <a:t>Strongly-typed value to which you can apply restrictions</a:t>
+            </a:r>
+          </a:p>
+          <a:p>
+            <a:pPr lvl="1"/>
+            <a:r>
+              <a:rPr lang="en-US" dirty="0"/>
+              <a:t>Can be referenced from a query</a:t>
+            </a:r>
+          </a:p>
+          <a:p>
+            <a:pPr lvl="1"/>
+            <a:r>
+              <a:rPr lang="en-US" dirty="0"/>
+              <a:t>Selected values can be populated using list</a:t>
+            </a:r>
+          </a:p>
+          <a:p>
+            <a:pPr lvl="1"/>
+            <a:endParaRPr lang="en-US" dirty="0"/>
+          </a:p>
+          <a:p>
+            <a:r>
+              <a:rPr lang="en-US" dirty="0"/>
+              <a:t>Where are Parameters commonly used</a:t>
+            </a:r>
+          </a:p>
+          <a:p>
+            <a:pPr lvl="1"/>
+            <a:r>
+              <a:rPr lang="en-US" dirty="0"/>
+              <a:t>To parameterize data source connection details</a:t>
+            </a:r>
+          </a:p>
+          <a:p>
+            <a:pPr lvl="1"/>
+            <a:r>
+              <a:rPr lang="en-US" dirty="0"/>
+              <a:t>To filter rows when importing data</a:t>
+            </a:r>
+          </a:p>
+        </p:txBody>
+      </p:sp>
+    </p:spTree>
+    <p:extLst>
+      <p:ext uri="{BB962C8B-B14F-4D97-AF65-F5344CB8AC3E}">
+        <p14:creationId xmlns:p14="http://schemas.microsoft.com/office/powerpoint/2010/main" val="3417190501"/>
+      </p:ext>
+    </p:extLst>
+  </p:cSld>
+  <p:clrMapOvr>
+    <a:masterClrMapping/>
+  </p:clrMapOvr>
+</p:sld>
+</file>
+
+<file path=ppt/slides/slide42.xml><?xml version="1.0" encoding="utf-8"?>
+<p:sld xmlns:a="http://schemas.openxmlformats.org/drawingml/2006/main" xmlns:r="http://schemas.openxmlformats.org/officeDocument/2006/relationships" xmlns:p="http://schemas.openxmlformats.org/presentationml/2006/main">
+  <p:cSld>
+    <p:spTree>
+      <p:nvGrpSpPr>
+        <p:cNvPr id="1" name=""/>
+        <p:cNvGrpSpPr/>
+        <p:nvPr/>
+      </p:nvGrpSpPr>
+      <p:grpSpPr>
+        <a:xfrm>
+          <a:off x="0" y="0"/>
+          <a:ext cx="0" cy="0"/>
+          <a:chOff x="0" y="0"/>
+          <a:chExt cx="0" cy="0"/>
+        </a:xfrm>
+      </p:grpSpPr>
+      <p:sp>
+        <p:nvSpPr>
+          <p:cNvPr id="2" name="Title 1"/>
+          <p:cNvSpPr>
+            <a:spLocks noGrp="1"/>
+          </p:cNvSpPr>
+          <p:nvPr>
+            <p:ph type="title"/>
+          </p:nvPr>
+        </p:nvSpPr>
+        <p:spPr/>
+        <p:txBody>
+          <a:bodyPr/>
+          <a:lstStyle/>
+          <a:p>
+            <a:r>
+              <a:rPr lang="en-US" dirty="0"/>
+              <a:t>Creating Query Parameters</a:t>
+            </a:r>
+          </a:p>
+        </p:txBody>
+      </p:sp>
+      <p:sp>
+        <p:nvSpPr>
+          <p:cNvPr id="5" name="Content Placeholder 4"/>
+          <p:cNvSpPr>
+            <a:spLocks noGrp="1"/>
+          </p:cNvSpPr>
+          <p:nvPr>
+            <p:ph idx="1"/>
+          </p:nvPr>
+        </p:nvSpPr>
+        <p:spPr/>
+        <p:txBody>
+          <a:bodyPr>
+            <a:normAutofit/>
+          </a:bodyPr>
+          <a:lstStyle/>
+          <a:p>
+            <a:r>
+              <a:rPr lang="en-US" sz="2000" dirty="0"/>
+              <a:t>Parameters can be created using </a:t>
+            </a:r>
+            <a:r>
+              <a:rPr lang="en-US" sz="2000" b="1" dirty="0"/>
+              <a:t>Manager Parameters</a:t>
+            </a:r>
+            <a:r>
+              <a:rPr lang="en-US" sz="2000" dirty="0"/>
+              <a:t> menu</a:t>
+            </a:r>
+          </a:p>
+          <a:p>
+            <a:endParaRPr lang="en-US" sz="2000" dirty="0"/>
+          </a:p>
+          <a:p>
+            <a:endParaRPr lang="en-US" sz="2000" dirty="0"/>
+          </a:p>
+          <a:p>
+            <a:endParaRPr lang="en-US" sz="2000" dirty="0"/>
+          </a:p>
+          <a:p>
+            <a:endParaRPr lang="en-US" sz="2000" dirty="0"/>
+          </a:p>
+          <a:p>
+            <a:r>
+              <a:rPr lang="en-US" sz="2000" dirty="0"/>
+              <a:t>Parameter properties</a:t>
+            </a:r>
+          </a:p>
+          <a:p>
+            <a:pPr lvl="1"/>
+            <a:r>
+              <a:rPr lang="en-US" sz="1600" dirty="0"/>
+              <a:t>Name</a:t>
+            </a:r>
+          </a:p>
+          <a:p>
+            <a:pPr lvl="1"/>
+            <a:r>
+              <a:rPr lang="en-US" sz="1600" dirty="0"/>
+              <a:t>Description</a:t>
+            </a:r>
+          </a:p>
+          <a:p>
+            <a:pPr lvl="1"/>
+            <a:r>
+              <a:rPr lang="en-US" sz="1600" dirty="0"/>
+              <a:t>Required</a:t>
+            </a:r>
+          </a:p>
+          <a:p>
+            <a:pPr lvl="1"/>
+            <a:r>
+              <a:rPr lang="en-US" sz="1600" dirty="0"/>
+              <a:t>Allowed Values</a:t>
+            </a:r>
+          </a:p>
+          <a:p>
+            <a:pPr lvl="1"/>
+            <a:r>
+              <a:rPr lang="en-US" sz="1600" dirty="0"/>
+              <a:t>Default Value</a:t>
+            </a:r>
+          </a:p>
+          <a:p>
+            <a:pPr lvl="1"/>
+            <a:r>
+              <a:rPr lang="en-US" sz="1600" dirty="0"/>
+              <a:t>Current Value</a:t>
+            </a:r>
+          </a:p>
+        </p:txBody>
+      </p:sp>
+      <p:pic>
+        <p:nvPicPr>
+          <p:cNvPr id="4" name="Picture 3"/>
+          <p:cNvPicPr>
+            <a:picLocks noChangeAspect="1"/>
+          </p:cNvPicPr>
+          <p:nvPr/>
+        </p:nvPicPr>
+        <p:blipFill rotWithShape="1">
+          <a:blip r:embed="rId3"/>
+          <a:srcRect t="15415"/>
+          <a:stretch/>
+        </p:blipFill>
+        <p:spPr>
+          <a:xfrm>
+            <a:off x="838200" y="1905000"/>
+            <a:ext cx="3409792" cy="1295400"/>
+          </a:xfrm>
+          <a:prstGeom prst="rect">
+            <a:avLst/>
+          </a:prstGeom>
+          <a:ln>
+            <a:solidFill>
+              <a:schemeClr val="tx1"/>
+            </a:solidFill>
+          </a:ln>
+        </p:spPr>
+      </p:pic>
+      <p:pic>
+        <p:nvPicPr>
+          <p:cNvPr id="7" name="Picture 6"/>
+          <p:cNvPicPr>
+            <a:picLocks noChangeAspect="1"/>
+          </p:cNvPicPr>
+          <p:nvPr/>
+        </p:nvPicPr>
+        <p:blipFill>
+          <a:blip r:embed="rId4"/>
+          <a:stretch>
+            <a:fillRect/>
+          </a:stretch>
+        </p:blipFill>
+        <p:spPr>
+          <a:xfrm>
+            <a:off x="4591704" y="2286000"/>
+            <a:ext cx="3810000" cy="3956956"/>
+          </a:xfrm>
+          <a:prstGeom prst="rect">
+            <a:avLst/>
+          </a:prstGeom>
+          <a:solidFill>
+            <a:schemeClr val="bg1">
+              <a:lumMod val="50000"/>
+            </a:schemeClr>
+          </a:solidFill>
+          <a:ln>
+            <a:solidFill>
+              <a:schemeClr val="tx1"/>
+            </a:solidFill>
+          </a:ln>
+        </p:spPr>
+      </p:pic>
+    </p:spTree>
+    <p:extLst>
+      <p:ext uri="{BB962C8B-B14F-4D97-AF65-F5344CB8AC3E}">
+        <p14:creationId xmlns:p14="http://schemas.microsoft.com/office/powerpoint/2010/main" val="3196900500"/>
+      </p:ext>
+    </p:extLst>
+  </p:cSld>
+  <p:clrMapOvr>
+    <a:masterClrMapping/>
+  </p:clrMapOvr>
+</p:sld>
+</file>
+
+<file path=ppt/slides/slide43.xml><?xml version="1.0" encoding="utf-8"?>
+<p:sld xmlns:a="http://schemas.openxmlformats.org/drawingml/2006/main" xmlns:r="http://schemas.openxmlformats.org/officeDocument/2006/relationships" xmlns:p="http://schemas.openxmlformats.org/presentationml/2006/main">
+  <p:cSld>
+    <p:spTree>
+      <p:nvGrpSpPr>
+        <p:cNvPr id="1" name=""/>
+        <p:cNvGrpSpPr/>
+        <p:nvPr/>
+      </p:nvGrpSpPr>
+      <p:grpSpPr>
+        <a:xfrm>
+          <a:off x="0" y="0"/>
+          <a:ext cx="0" cy="0"/>
+          <a:chOff x="0" y="0"/>
+          <a:chExt cx="0" cy="0"/>
+        </a:xfrm>
+      </p:grpSpPr>
+      <p:sp>
+        <p:nvSpPr>
+          <p:cNvPr id="2" name="Title 1"/>
+          <p:cNvSpPr>
+            <a:spLocks noGrp="1"/>
+          </p:cNvSpPr>
+          <p:nvPr>
+            <p:ph type="title"/>
+          </p:nvPr>
+        </p:nvSpPr>
+        <p:spPr/>
+        <p:txBody>
+          <a:bodyPr/>
+          <a:lstStyle/>
+          <a:p>
+            <a:r>
+              <a:rPr lang="en-US" dirty="0"/>
+              <a:t>Referencing Parameters in a Query</a:t>
+            </a:r>
+          </a:p>
+        </p:txBody>
+      </p:sp>
+      <p:sp>
+        <p:nvSpPr>
+          <p:cNvPr id="3" name="Content Placeholder 2"/>
+          <p:cNvSpPr>
+            <a:spLocks noGrp="1"/>
+          </p:cNvSpPr>
+          <p:nvPr>
+            <p:ph idx="1"/>
+          </p:nvPr>
+        </p:nvSpPr>
+        <p:spPr/>
+        <p:txBody>
+          <a:bodyPr/>
+          <a:lstStyle/>
+          <a:p>
+            <a:r>
+              <a:rPr lang="en-US" dirty="0"/>
+              <a:t>Parameters can be referenced inside query</a:t>
+            </a:r>
+          </a:p>
+          <a:p>
+            <a:pPr lvl="1"/>
+            <a:r>
+              <a:rPr lang="en-US" dirty="0"/>
+              <a:t>Next query execution uses current parameter value</a:t>
+            </a:r>
+          </a:p>
+        </p:txBody>
+      </p:sp>
+      <p:pic>
+        <p:nvPicPr>
+          <p:cNvPr id="7" name="Picture 6"/>
+          <p:cNvPicPr>
+            <a:picLocks noChangeAspect="1"/>
+          </p:cNvPicPr>
+          <p:nvPr/>
+        </p:nvPicPr>
+        <p:blipFill>
+          <a:blip r:embed="rId3"/>
+          <a:stretch>
+            <a:fillRect/>
+          </a:stretch>
+        </p:blipFill>
+        <p:spPr>
+          <a:xfrm>
+            <a:off x="1295400" y="2635419"/>
+            <a:ext cx="6553200" cy="2773554"/>
+          </a:xfrm>
+          <a:prstGeom prst="rect">
+            <a:avLst/>
+          </a:prstGeom>
+          <a:ln>
+            <a:solidFill>
+              <a:schemeClr val="bg1">
+                <a:lumMod val="50000"/>
+              </a:schemeClr>
+            </a:solidFill>
+          </a:ln>
+        </p:spPr>
+      </p:pic>
+      <p:pic>
+        <p:nvPicPr>
+          <p:cNvPr id="8" name="Picture 7"/>
+          <p:cNvPicPr>
+            <a:picLocks noChangeAspect="1"/>
+          </p:cNvPicPr>
+          <p:nvPr/>
+        </p:nvPicPr>
+        <p:blipFill>
+          <a:blip r:embed="rId4"/>
+          <a:stretch>
+            <a:fillRect/>
+          </a:stretch>
+        </p:blipFill>
+        <p:spPr>
+          <a:xfrm>
+            <a:off x="1257300" y="2622381"/>
+            <a:ext cx="6629400" cy="2832438"/>
+          </a:xfrm>
+          <a:prstGeom prst="rect">
+            <a:avLst/>
+          </a:prstGeom>
+          <a:ln>
+            <a:solidFill>
+              <a:schemeClr val="bg1">
+                <a:lumMod val="50000"/>
+              </a:schemeClr>
+            </a:solidFill>
+          </a:ln>
+        </p:spPr>
+      </p:pic>
+    </p:spTree>
+    <p:extLst>
+      <p:ext uri="{BB962C8B-B14F-4D97-AF65-F5344CB8AC3E}">
+        <p14:creationId xmlns:p14="http://schemas.microsoft.com/office/powerpoint/2010/main" val="227208142"/>
+      </p:ext>
+    </p:extLst>
+  </p:cSld>
+  <p:clrMapOvr>
+    <a:masterClrMapping/>
+  </p:clrMapOvr>
+  <p:timing>
+    <p:tnLst>
+      <p:par>
+        <p:cTn id="1" dur="indefinite" restart="never" nodeType="tmRoot">
+          <p:childTnLst>
+            <p:seq concurrent="1" nextAc="seek">
+              <p:cTn id="2" dur="indefinite" nodeType="mainSeq">
+                <p:childTnLst>
+                  <p:par>
+                    <p:cTn id="3" fill="hold">
+                      <p:stCondLst>
+                        <p:cond delay="indefinite"/>
+                      </p:stCondLst>
+                      <p:childTnLst>
+                        <p:par>
+                          <p:cTn id="4" fill="hold">
+                            <p:stCondLst>
+                              <p:cond delay="0"/>
+                            </p:stCondLst>
+                            <p:childTnLst>
+                              <p:par>
+                                <p:cTn id="5" presetID="1" presetClass="entr" presetSubtype="0" fill="hold" nodeType="clickEffect">
+                                  <p:stCondLst>
+                                    <p:cond delay="0"/>
+                                  </p:stCondLst>
+                                  <p:childTnLst>
+                                    <p:set>
+                                      <p:cBhvr>
+                                        <p:cTn id="6" dur="1" fill="hold">
+                                          <p:stCondLst>
+                                            <p:cond delay="0"/>
+                                          </p:stCondLst>
+                                        </p:cTn>
+                                        <p:tgtEl>
+                                          <p:spTgt spid="8"/>
+                                        </p:tgtEl>
+                                        <p:attrNameLst>
+                                          <p:attrName>style.visibility</p:attrName>
+                                        </p:attrNameLst>
+                                      </p:cBhvr>
+                                      <p:to>
+                                        <p:strVal val="visible"/>
+                                      </p:to>
+                                    </p:set>
+                                  </p:childTnLst>
+                                </p:cTn>
+                              </p:par>
+                            </p:childTnLst>
+                          </p:cTn>
+                        </p:par>
+                      </p:childTnLst>
+                    </p:cTn>
+                  </p:par>
+                </p:childTnLst>
+              </p:cTn>
+              <p:prevCondLst>
+                <p:cond evt="onPrev" delay="0">
+                  <p:tgtEl>
+                    <p:sldTgt/>
+                  </p:tgtEl>
+                </p:cond>
+              </p:prevCondLst>
+              <p:nextCondLst>
+                <p:cond evt="onNext" delay="0">
+                  <p:tgtEl>
+                    <p:sldTgt/>
+                  </p:tgtEl>
+                </p:cond>
+              </p:nextCondLst>
+            </p:seq>
+          </p:childTnLst>
+        </p:cTn>
+      </p:par>
+    </p:tnLst>
+  </p:timing>
+</p:sld>
+</file>
+
+<file path=ppt/slides/slide44.xml><?xml version="1.0" encoding="utf-8"?>
+<p:sld xmlns:a="http://schemas.openxmlformats.org/drawingml/2006/main" xmlns:r="http://schemas.openxmlformats.org/officeDocument/2006/relationships" xmlns:p="http://schemas.openxmlformats.org/presentationml/2006/main">
+  <p:cSld>
+    <p:spTree>
+      <p:nvGrpSpPr>
+        <p:cNvPr id="1" name=""/>
+        <p:cNvGrpSpPr/>
+        <p:nvPr/>
+      </p:nvGrpSpPr>
+      <p:grpSpPr>
+        <a:xfrm>
+          <a:off x="0" y="0"/>
+          <a:ext cx="0" cy="0"/>
+          <a:chOff x="0" y="0"/>
+          <a:chExt cx="0" cy="0"/>
+        </a:xfrm>
+      </p:grpSpPr>
+      <p:sp>
+        <p:nvSpPr>
+          <p:cNvPr id="2" name="Title 1">
+            <a:extLst>
+              <a:ext uri="{FF2B5EF4-FFF2-40B4-BE49-F238E27FC236}">
+                <a16:creationId xmlns:a16="http://schemas.microsoft.com/office/drawing/2014/main" id="{9E82D3FB-A0A7-4E38-9AE4-E335C4377EB7}"/>
+              </a:ext>
+            </a:extLst>
+          </p:cNvPr>
+          <p:cNvSpPr>
+            <a:spLocks noGrp="1"/>
+          </p:cNvSpPr>
+          <p:nvPr>
+            <p:ph type="title"/>
+          </p:nvPr>
+        </p:nvSpPr>
+        <p:spPr/>
+        <p:txBody>
+          <a:bodyPr/>
+          <a:lstStyle/>
+          <a:p>
+            <a:r>
+              <a:rPr lang="en-US" dirty="0"/>
+              <a:t>Creating a Project Template File</a:t>
+            </a:r>
+          </a:p>
+        </p:txBody>
+      </p:sp>
+      <p:pic>
+        <p:nvPicPr>
+          <p:cNvPr id="4" name="Picture 3">
+            <a:extLst>
+              <a:ext uri="{FF2B5EF4-FFF2-40B4-BE49-F238E27FC236}">
+                <a16:creationId xmlns:a16="http://schemas.microsoft.com/office/drawing/2014/main" id="{829C16F2-F162-4B06-8AEF-F3A7A784D0C6}"/>
+              </a:ext>
+            </a:extLst>
+          </p:cNvPr>
+          <p:cNvPicPr>
+            <a:picLocks noChangeAspect="1"/>
+          </p:cNvPicPr>
+          <p:nvPr/>
+        </p:nvPicPr>
+        <p:blipFill>
+          <a:blip r:embed="rId2"/>
+          <a:stretch>
+            <a:fillRect/>
+          </a:stretch>
+        </p:blipFill>
+        <p:spPr>
+          <a:xfrm>
+            <a:off x="685800" y="1524000"/>
+            <a:ext cx="5257800" cy="1752600"/>
+          </a:xfrm>
+          <a:prstGeom prst="rect">
+            <a:avLst/>
+          </a:prstGeom>
+        </p:spPr>
+      </p:pic>
+      <p:pic>
+        <p:nvPicPr>
+          <p:cNvPr id="5" name="Picture 4">
+            <a:extLst>
+              <a:ext uri="{FF2B5EF4-FFF2-40B4-BE49-F238E27FC236}">
+                <a16:creationId xmlns:a16="http://schemas.microsoft.com/office/drawing/2014/main" id="{747182CD-6847-45BA-A42B-65AA44D9A11A}"/>
+              </a:ext>
+            </a:extLst>
+          </p:cNvPr>
+          <p:cNvPicPr>
+            <a:picLocks noChangeAspect="1"/>
+          </p:cNvPicPr>
+          <p:nvPr/>
+        </p:nvPicPr>
+        <p:blipFill>
+          <a:blip r:embed="rId3"/>
+          <a:stretch>
+            <a:fillRect/>
+          </a:stretch>
+        </p:blipFill>
+        <p:spPr>
+          <a:xfrm>
+            <a:off x="838200" y="1676400"/>
+            <a:ext cx="6086475" cy="2981325"/>
+          </a:xfrm>
+          <a:prstGeom prst="rect">
+            <a:avLst/>
+          </a:prstGeom>
+        </p:spPr>
+      </p:pic>
+      <p:pic>
+        <p:nvPicPr>
+          <p:cNvPr id="6" name="Picture 5">
+            <a:extLst>
+              <a:ext uri="{FF2B5EF4-FFF2-40B4-BE49-F238E27FC236}">
+                <a16:creationId xmlns:a16="http://schemas.microsoft.com/office/drawing/2014/main" id="{AD9BCB8E-FB4D-40C4-A910-C2E6D29F845C}"/>
+              </a:ext>
+            </a:extLst>
+          </p:cNvPr>
+          <p:cNvPicPr>
+            <a:picLocks noChangeAspect="1"/>
+          </p:cNvPicPr>
+          <p:nvPr/>
+        </p:nvPicPr>
+        <p:blipFill>
+          <a:blip r:embed="rId4"/>
+          <a:stretch>
+            <a:fillRect/>
+          </a:stretch>
+        </p:blipFill>
+        <p:spPr>
+          <a:xfrm>
+            <a:off x="1066800" y="1885933"/>
+            <a:ext cx="7391400" cy="3981467"/>
+          </a:xfrm>
+          <a:prstGeom prst="rect">
+            <a:avLst/>
+          </a:prstGeom>
+          <a:ln>
+            <a:solidFill>
+              <a:schemeClr val="tx1"/>
+            </a:solidFill>
+          </a:ln>
+        </p:spPr>
+      </p:pic>
+    </p:spTree>
+    <p:extLst>
+      <p:ext uri="{BB962C8B-B14F-4D97-AF65-F5344CB8AC3E}">
+        <p14:creationId xmlns:p14="http://schemas.microsoft.com/office/powerpoint/2010/main" val="240332025"/>
+      </p:ext>
+    </p:extLst>
+  </p:cSld>
+  <p:clrMapOvr>
+    <a:masterClrMapping/>
+  </p:clrMapOvr>
+  <p:timing>
+    <p:tnLst>
+      <p:par>
+        <p:cTn id="1" dur="indefinite" restart="never" nodeType="tmRoot">
+          <p:childTnLst>
+            <p:seq concurrent="1" nextAc="seek">
+              <p:cTn id="2" dur="indefinite" nodeType="mainSeq">
+                <p:childTnLst>
+                  <p:par>
+                    <p:cTn id="3" fill="hold">
+                      <p:stCondLst>
+                        <p:cond delay="indefinite"/>
+                      </p:stCondLst>
+                      <p:childTnLst>
+                        <p:par>
+                          <p:cTn id="4" fill="hold">
+                            <p:stCondLst>
+                              <p:cond delay="0"/>
+                            </p:stCondLst>
+                            <p:childTnLst>
+                              <p:par>
+                                <p:cTn id="5" presetID="1" presetClass="entr" presetSubtype="0" fill="hold" nodeType="clickEffect">
+                                  <p:stCondLst>
+                                    <p:cond delay="0"/>
+                                  </p:stCondLst>
+                                  <p:childTnLst>
+                                    <p:set>
+                                      <p:cBhvr>
+                                        <p:cTn id="6" dur="1" fill="hold">
+                                          <p:stCondLst>
+                                            <p:cond delay="0"/>
+                                          </p:stCondLst>
+                                        </p:cTn>
+                                        <p:tgtEl>
+                                          <p:spTgt spid="4"/>
+                                        </p:tgtEl>
+                                        <p:attrNameLst>
+                                          <p:attrName>style.visibility</p:attrName>
+                                        </p:attrNameLst>
+                                      </p:cBhvr>
+                                      <p:to>
+                                        <p:strVal val="visible"/>
+                                      </p:to>
+                                    </p:set>
+                                  </p:childTnLst>
+                                </p:cTn>
+                              </p:par>
+                            </p:childTnLst>
+                          </p:cTn>
+                        </p:par>
+                      </p:childTnLst>
+                    </p:cTn>
+                  </p:par>
+                  <p:par>
+                    <p:cTn id="7" fill="hold">
+                      <p:stCondLst>
+                        <p:cond delay="indefinite"/>
+                      </p:stCondLst>
+                      <p:childTnLst>
+                        <p:par>
+                          <p:cTn id="8" fill="hold">
+                            <p:stCondLst>
+                              <p:cond delay="0"/>
+                            </p:stCondLst>
+                            <p:childTnLst>
+                              <p:par>
+                                <p:cTn id="9" presetID="1" presetClass="entr" presetSubtype="0" fill="hold" nodeType="clickEffect">
+                                  <p:stCondLst>
+                                    <p:cond delay="0"/>
+                                  </p:stCondLst>
+                                  <p:childTnLst>
+                                    <p:set>
+                                      <p:cBhvr>
+                                        <p:cTn id="10" dur="1" fill="hold">
+                                          <p:stCondLst>
+                                            <p:cond delay="0"/>
+                                          </p:stCondLst>
+                                        </p:cTn>
+                                        <p:tgtEl>
+                                          <p:spTgt spid="5"/>
+                                        </p:tgtEl>
+                                        <p:attrNameLst>
+                                          <p:attrName>style.visibility</p:attrName>
+                                        </p:attrNameLst>
+                                      </p:cBhvr>
+                                      <p:to>
+                                        <p:strVal val="visible"/>
+                                      </p:to>
+                                    </p:set>
+                                  </p:childTnLst>
+                                </p:cTn>
+                              </p:par>
+                            </p:childTnLst>
+                          </p:cTn>
+                        </p:par>
+                      </p:childTnLst>
+                    </p:cTn>
+                  </p:par>
+                  <p:par>
+                    <p:cTn id="11" fill="hold">
+                      <p:stCondLst>
+                        <p:cond delay="indefinite"/>
+                      </p:stCondLst>
+                      <p:childTnLst>
+                        <p:par>
+                          <p:cTn id="12" fill="hold">
+                            <p:stCondLst>
+                              <p:cond delay="0"/>
+                            </p:stCondLst>
+                            <p:childTnLst>
+                              <p:par>
+                                <p:cTn id="13" presetID="1" presetClass="entr" presetSubtype="0" fill="hold" nodeType="clickEffect">
+                                  <p:stCondLst>
+                                    <p:cond delay="0"/>
+                                  </p:stCondLst>
+                                  <p:childTnLst>
+                                    <p:set>
+                                      <p:cBhvr>
+                                        <p:cTn id="14" dur="1" fill="hold">
+                                          <p:stCondLst>
+                                            <p:cond delay="0"/>
+                                          </p:stCondLst>
+                                        </p:cTn>
+                                        <p:tgtEl>
+                                          <p:spTgt spid="6"/>
+                                        </p:tgtEl>
+                                        <p:attrNameLst>
+                                          <p:attrName>style.visibility</p:attrName>
+                                        </p:attrNameLst>
+                                      </p:cBhvr>
+                                      <p:to>
+                                        <p:strVal val="visible"/>
+                                      </p:to>
+                                    </p:set>
+                                  </p:childTnLst>
+                                </p:cTn>
+                              </p:par>
+                            </p:childTnLst>
+                          </p:cTn>
+                        </p:par>
+                      </p:childTnLst>
+                    </p:cTn>
+                  </p:par>
+                </p:childTnLst>
+              </p:cTn>
+              <p:prevCondLst>
+                <p:cond evt="onPrev" delay="0">
+                  <p:tgtEl>
+                    <p:sldTgt/>
+                  </p:tgtEl>
+                </p:cond>
+              </p:prevCondLst>
+              <p:nextCondLst>
+                <p:cond evt="onNext" delay="0">
+                  <p:tgtEl>
+                    <p:sldTgt/>
+                  </p:tgtEl>
+                </p:cond>
+              </p:nextCondLst>
+            </p:seq>
+          </p:childTnLst>
+        </p:cTn>
+      </p:par>
+    </p:tnLst>
+  </p:timing>
+</p:sld>
+</file>
+
+<file path=ppt/slides/slide45.xml><?xml version="1.0" encoding="utf-8"?>
+<p:sld xmlns:a="http://schemas.openxmlformats.org/drawingml/2006/main" xmlns:r="http://schemas.openxmlformats.org/officeDocument/2006/relationships" xmlns:p="http://schemas.openxmlformats.org/presentationml/2006/main">
+  <p:cSld>
+    <p:spTree>
+      <p:nvGrpSpPr>
+        <p:cNvPr id="1" name=""/>
+        <p:cNvGrpSpPr/>
+        <p:nvPr/>
+      </p:nvGrpSpPr>
+      <p:grpSpPr>
+        <a:xfrm>
+          <a:off x="0" y="0"/>
+          <a:ext cx="0" cy="0"/>
+          <a:chOff x="0" y="0"/>
+          <a:chExt cx="0" cy="0"/>
+        </a:xfrm>
+      </p:grpSpPr>
+      <p:sp>
+        <p:nvSpPr>
+          <p:cNvPr id="2" name="Title 1">
+            <a:extLst>
+              <a:ext uri="{FF2B5EF4-FFF2-40B4-BE49-F238E27FC236}">
+                <a16:creationId xmlns:a16="http://schemas.microsoft.com/office/drawing/2014/main" id="{84CA168F-7265-438B-86C9-B3C3F36F0BD2}"/>
+              </a:ext>
+            </a:extLst>
+          </p:cNvPr>
+          <p:cNvSpPr>
+            <a:spLocks noGrp="1"/>
+          </p:cNvSpPr>
+          <p:nvPr>
+            <p:ph type="title"/>
+          </p:nvPr>
+        </p:nvSpPr>
+        <p:spPr/>
+        <p:txBody>
+          <a:bodyPr/>
+          <a:lstStyle/>
+          <a:p>
+            <a:r>
+              <a:rPr lang="en-US" dirty="0"/>
+              <a:t>The Template File Implementation</a:t>
+            </a:r>
+          </a:p>
+        </p:txBody>
+      </p:sp>
+      <p:sp>
+        <p:nvSpPr>
+          <p:cNvPr id="4" name="Content Placeholder 3">
+            <a:extLst>
+              <a:ext uri="{FF2B5EF4-FFF2-40B4-BE49-F238E27FC236}">
+                <a16:creationId xmlns:a16="http://schemas.microsoft.com/office/drawing/2014/main" id="{20BBECF5-EDDD-461E-BBA1-6731B92252DD}"/>
+              </a:ext>
+            </a:extLst>
+          </p:cNvPr>
+          <p:cNvSpPr>
+            <a:spLocks noGrp="1"/>
+          </p:cNvSpPr>
+          <p:nvPr>
+            <p:ph idx="1"/>
+          </p:nvPr>
+        </p:nvSpPr>
+        <p:spPr/>
+        <p:txBody>
+          <a:bodyPr/>
+          <a:lstStyle/>
+          <a:p>
+            <a:r>
+              <a:rPr lang="en-US" dirty="0"/>
+              <a:t>Solution required advanced query design</a:t>
+            </a:r>
+          </a:p>
+        </p:txBody>
+      </p:sp>
+      <p:pic>
+        <p:nvPicPr>
+          <p:cNvPr id="3" name="Picture 2">
+            <a:extLst>
+              <a:ext uri="{FF2B5EF4-FFF2-40B4-BE49-F238E27FC236}">
+                <a16:creationId xmlns:a16="http://schemas.microsoft.com/office/drawing/2014/main" id="{263CEACE-EF46-4FED-9832-E8DBE75C9ECA}"/>
+              </a:ext>
+            </a:extLst>
+          </p:cNvPr>
+          <p:cNvPicPr>
+            <a:picLocks noChangeAspect="1"/>
+          </p:cNvPicPr>
+          <p:nvPr/>
+        </p:nvPicPr>
+        <p:blipFill>
+          <a:blip r:embed="rId2"/>
+          <a:stretch>
+            <a:fillRect/>
+          </a:stretch>
+        </p:blipFill>
+        <p:spPr>
+          <a:xfrm>
+            <a:off x="457200" y="2133600"/>
+            <a:ext cx="8001000" cy="3537460"/>
+          </a:xfrm>
+          <a:prstGeom prst="rect">
+            <a:avLst/>
+          </a:prstGeom>
+          <a:ln>
+            <a:solidFill>
+              <a:schemeClr val="tx1"/>
+            </a:solidFill>
+          </a:ln>
+        </p:spPr>
+      </p:pic>
+    </p:spTree>
+    <p:extLst>
+      <p:ext uri="{BB962C8B-B14F-4D97-AF65-F5344CB8AC3E}">
+        <p14:creationId xmlns:p14="http://schemas.microsoft.com/office/powerpoint/2010/main" val="3182597741"/>
+      </p:ext>
+    </p:extLst>
+  </p:cSld>
+  <p:clrMapOvr>
+    <a:masterClrMapping/>
+  </p:clrMapOvr>
+</p:sld>
+</file>
+
+<file path=ppt/slides/slide46.xml><?xml version="1.0" encoding="utf-8"?>
+<p:sld xmlns:a="http://schemas.openxmlformats.org/drawingml/2006/main" xmlns:r="http://schemas.openxmlformats.org/officeDocument/2006/relationships" xmlns:p="http://schemas.openxmlformats.org/presentationml/2006/main">
+  <p:cSld>
+    <p:spTree>
+      <p:nvGrpSpPr>
+        <p:cNvPr id="1" name=""/>
+        <p:cNvGrpSpPr/>
+        <p:nvPr/>
+      </p:nvGrpSpPr>
+      <p:grpSpPr>
+        <a:xfrm>
+          <a:off x="0" y="0"/>
+          <a:ext cx="0" cy="0"/>
+          <a:chOff x="0" y="0"/>
+          <a:chExt cx="0" cy="0"/>
+        </a:xfrm>
+      </p:grpSpPr>
+      <p:sp>
+        <p:nvSpPr>
+          <p:cNvPr id="2" name="Title 1">
+            <a:extLst>
+              <a:ext uri="{FF2B5EF4-FFF2-40B4-BE49-F238E27FC236}">
+                <a16:creationId xmlns:a16="http://schemas.microsoft.com/office/drawing/2014/main" id="{8704F4CD-9880-45D9-99BA-0D792C88B9A2}"/>
+              </a:ext>
+            </a:extLst>
+          </p:cNvPr>
+          <p:cNvSpPr>
+            <a:spLocks noGrp="1"/>
+          </p:cNvSpPr>
+          <p:nvPr>
+            <p:ph type="title"/>
+          </p:nvPr>
+        </p:nvSpPr>
+        <p:spPr/>
+        <p:txBody>
+          <a:bodyPr/>
+          <a:lstStyle/>
+          <a:p>
+            <a:r>
+              <a:rPr lang="en-US" dirty="0"/>
+              <a:t>Agenda</a:t>
+            </a:r>
+          </a:p>
+        </p:txBody>
+      </p:sp>
+      <p:sp>
+        <p:nvSpPr>
+          <p:cNvPr id="3" name="Content Placeholder 2">
+            <a:extLst>
+              <a:ext uri="{FF2B5EF4-FFF2-40B4-BE49-F238E27FC236}">
+                <a16:creationId xmlns:a16="http://schemas.microsoft.com/office/drawing/2014/main" id="{F8FD7ADC-9293-4196-9E30-994BBD372879}"/>
+              </a:ext>
+            </a:extLst>
+          </p:cNvPr>
+          <p:cNvSpPr>
+            <a:spLocks noGrp="1"/>
+          </p:cNvSpPr>
+          <p:nvPr>
+            <p:ph idx="1"/>
+          </p:nvPr>
+        </p:nvSpPr>
+        <p:spPr/>
+        <p:txBody>
+          <a:bodyPr/>
+          <a:lstStyle/>
+          <a:p>
+            <a:pPr>
+              <a:buFont typeface="Wingdings" panose="05000000000000000000" pitchFamily="2" charset="2"/>
+              <a:buChar char="ü"/>
+            </a:pPr>
+            <a:r>
+              <a:rPr lang="en-US" dirty="0"/>
+              <a:t>Power Query Mashup Engine</a:t>
+            </a:r>
+          </a:p>
+          <a:p>
+            <a:pPr>
+              <a:buFont typeface="Wingdings" panose="05000000000000000000" pitchFamily="2" charset="2"/>
+              <a:buChar char="ü"/>
+            </a:pPr>
+            <a:r>
+              <a:rPr lang="en-US" dirty="0"/>
+              <a:t>M Programming Fundamentals</a:t>
+            </a:r>
+          </a:p>
+          <a:p>
+            <a:pPr>
+              <a:buFont typeface="Wingdings" panose="05000000000000000000" pitchFamily="2" charset="2"/>
+              <a:buChar char="ü"/>
+            </a:pPr>
+            <a:r>
+              <a:rPr lang="en-US" dirty="0"/>
+              <a:t>M Function Library</a:t>
+            </a:r>
+          </a:p>
+          <a:p>
+            <a:pPr>
+              <a:buFont typeface="Wingdings" panose="05000000000000000000" pitchFamily="2" charset="2"/>
+              <a:buChar char="ü"/>
+            </a:pPr>
+            <a:r>
+              <a:rPr lang="en-US" dirty="0"/>
+              <a:t>Query Functions</a:t>
+            </a:r>
+          </a:p>
+          <a:p>
+            <a:pPr>
+              <a:buFont typeface="Wingdings" panose="05000000000000000000" pitchFamily="2" charset="2"/>
+              <a:buChar char="ü"/>
+            </a:pPr>
+            <a:r>
+              <a:rPr lang="en-US" dirty="0"/>
+              <a:t>Query Parameters</a:t>
+            </a:r>
+          </a:p>
+          <a:p>
+            <a:pPr>
+              <a:buFont typeface="Wingdings" panose="05000000000000000000" pitchFamily="2" charset="2"/>
+              <a:buChar char="Ø"/>
+            </a:pPr>
+            <a:r>
+              <a:rPr lang="en-US" dirty="0"/>
+              <a:t>Custom Data Connectors</a:t>
+            </a:r>
+          </a:p>
+        </p:txBody>
+      </p:sp>
+    </p:spTree>
+    <p:extLst>
+      <p:ext uri="{BB962C8B-B14F-4D97-AF65-F5344CB8AC3E}">
+        <p14:creationId xmlns:p14="http://schemas.microsoft.com/office/powerpoint/2010/main" val="303935113"/>
+      </p:ext>
+    </p:extLst>
+  </p:cSld>
+  <p:clrMapOvr>
+    <a:masterClrMapping/>
+  </p:clrMapOvr>
+</p:sld>
+</file>
+
+<file path=ppt/slides/slide47.xml><?xml version="1.0" encoding="utf-8"?>
+<p:sld xmlns:a="http://schemas.openxmlformats.org/drawingml/2006/main" xmlns:r="http://schemas.openxmlformats.org/officeDocument/2006/relationships" xmlns:p="http://schemas.openxmlformats.org/presentationml/2006/main">
+  <p:cSld>
+    <p:spTree>
+      <p:nvGrpSpPr>
+        <p:cNvPr id="1" name=""/>
+        <p:cNvGrpSpPr/>
+        <p:nvPr/>
+      </p:nvGrpSpPr>
+      <p:grpSpPr>
+        <a:xfrm>
+          <a:off x="0" y="0"/>
+          <a:ext cx="0" cy="0"/>
+          <a:chOff x="0" y="0"/>
+          <a:chExt cx="0" cy="0"/>
+        </a:xfrm>
+      </p:grpSpPr>
+      <p:sp>
+        <p:nvSpPr>
+          <p:cNvPr id="2" name="Title 1">
+            <a:extLst>
+              <a:ext uri="{FF2B5EF4-FFF2-40B4-BE49-F238E27FC236}">
+                <a16:creationId xmlns:a16="http://schemas.microsoft.com/office/drawing/2014/main" id="{946659F4-8649-4F74-A777-2EFB8D4C3FD8}"/>
+              </a:ext>
+            </a:extLst>
+          </p:cNvPr>
+          <p:cNvSpPr>
+            <a:spLocks noGrp="1"/>
+          </p:cNvSpPr>
+          <p:nvPr>
+            <p:ph type="title"/>
+          </p:nvPr>
+        </p:nvSpPr>
+        <p:spPr/>
+        <p:txBody>
+          <a:bodyPr/>
+          <a:lstStyle/>
+          <a:p>
+            <a:r>
+              <a:rPr lang="en-US" dirty="0"/>
+              <a:t>Motivation for Custom Data Connectors</a:t>
+            </a:r>
+          </a:p>
+        </p:txBody>
+      </p:sp>
+      <p:sp>
+        <p:nvSpPr>
+          <p:cNvPr id="3" name="Content Placeholder 2">
+            <a:extLst>
+              <a:ext uri="{FF2B5EF4-FFF2-40B4-BE49-F238E27FC236}">
+                <a16:creationId xmlns:a16="http://schemas.microsoft.com/office/drawing/2014/main" id="{198EBCDD-B3BC-4AA7-9301-1E8A2314E93C}"/>
+              </a:ext>
+            </a:extLst>
+          </p:cNvPr>
+          <p:cNvSpPr>
+            <a:spLocks noGrp="1"/>
+          </p:cNvSpPr>
+          <p:nvPr>
+            <p:ph idx="1"/>
+          </p:nvPr>
+        </p:nvSpPr>
+        <p:spPr/>
+        <p:txBody>
+          <a:bodyPr>
+            <a:normAutofit/>
+          </a:bodyPr>
+          <a:lstStyle/>
+          <a:p>
+            <a:r>
+              <a:rPr lang="en-US" sz="2000" dirty="0"/>
+              <a:t>Creating a business analyst friendly view for a REST API</a:t>
+            </a:r>
+          </a:p>
+          <a:p>
+            <a:r>
+              <a:rPr lang="en-US" sz="2000" dirty="0"/>
+              <a:t>Providing branding for a source that Power Query supports with an existing connector (such as an OData service, or ODBC driver)</a:t>
+            </a:r>
+          </a:p>
+          <a:p>
+            <a:r>
+              <a:rPr lang="en-US" sz="2000" dirty="0"/>
+              <a:t>Implementing an OAuth v2 authentication flow for a SaaS offering</a:t>
+            </a:r>
+          </a:p>
+          <a:p>
+            <a:r>
+              <a:rPr lang="en-US" sz="2000" dirty="0"/>
+              <a:t>Exposing a limited/filtered view over your data source to improve usability</a:t>
+            </a:r>
+          </a:p>
+          <a:p>
+            <a:r>
+              <a:rPr lang="en-US" sz="2000" dirty="0"/>
+              <a:t>Supporting different authentication modes when creating a Power BI Content Pack</a:t>
+            </a:r>
+          </a:p>
+          <a:p>
+            <a:r>
+              <a:rPr lang="en-US" sz="2000" dirty="0"/>
+              <a:t>Enabling Direct Query for a data source via an ODBC driver</a:t>
+            </a:r>
+          </a:p>
+        </p:txBody>
+      </p:sp>
+    </p:spTree>
+    <p:extLst>
+      <p:ext uri="{BB962C8B-B14F-4D97-AF65-F5344CB8AC3E}">
+        <p14:creationId xmlns:p14="http://schemas.microsoft.com/office/powerpoint/2010/main" val="2401307767"/>
+      </p:ext>
+    </p:extLst>
+  </p:cSld>
+  <p:clrMapOvr>
+    <a:masterClrMapping/>
+  </p:clrMapOvr>
+</p:sld>
+</file>
+
+<file path=ppt/slides/slide48.xml><?xml version="1.0" encoding="utf-8"?>
+<p:sld xmlns:a="http://schemas.openxmlformats.org/drawingml/2006/main" xmlns:r="http://schemas.openxmlformats.org/officeDocument/2006/relationships" xmlns:p="http://schemas.openxmlformats.org/presentationml/2006/main">
+  <p:cSld>
+    <p:spTree>
+      <p:nvGrpSpPr>
+        <p:cNvPr id="1" name=""/>
+        <p:cNvGrpSpPr/>
+        <p:nvPr/>
+      </p:nvGrpSpPr>
+      <p:grpSpPr>
+        <a:xfrm>
+          <a:off x="0" y="0"/>
+          <a:ext cx="0" cy="0"/>
+          <a:chOff x="0" y="0"/>
+          <a:chExt cx="0" cy="0"/>
+        </a:xfrm>
+      </p:grpSpPr>
+      <p:sp>
+        <p:nvSpPr>
+          <p:cNvPr id="2" name="Title 1">
+            <a:extLst>
+              <a:ext uri="{FF2B5EF4-FFF2-40B4-BE49-F238E27FC236}">
+                <a16:creationId xmlns:a16="http://schemas.microsoft.com/office/drawing/2014/main" id="{08ECA0DC-7CB2-4A35-A98B-5E1566C95E4C}"/>
+              </a:ext>
+            </a:extLst>
+          </p:cNvPr>
+          <p:cNvSpPr>
+            <a:spLocks noGrp="1"/>
+          </p:cNvSpPr>
+          <p:nvPr>
+            <p:ph type="title"/>
+          </p:nvPr>
+        </p:nvSpPr>
+        <p:spPr/>
+        <p:txBody>
+          <a:bodyPr/>
+          <a:lstStyle/>
+          <a:p>
+            <a:r>
+              <a:rPr lang="en-US" dirty="0"/>
+              <a:t>Power Query SDK</a:t>
+            </a:r>
+          </a:p>
+        </p:txBody>
+      </p:sp>
+      <p:pic>
+        <p:nvPicPr>
+          <p:cNvPr id="3" name="Picture 2">
+            <a:extLst>
+              <a:ext uri="{FF2B5EF4-FFF2-40B4-BE49-F238E27FC236}">
+                <a16:creationId xmlns:a16="http://schemas.microsoft.com/office/drawing/2014/main" id="{C8B613CB-5EDD-47EB-BD06-1E2DF81205B6}"/>
+              </a:ext>
+            </a:extLst>
+          </p:cNvPr>
+          <p:cNvPicPr>
+            <a:picLocks noChangeAspect="1"/>
+          </p:cNvPicPr>
+          <p:nvPr/>
+        </p:nvPicPr>
+        <p:blipFill>
+          <a:blip r:embed="rId2"/>
+          <a:stretch>
+            <a:fillRect/>
+          </a:stretch>
+        </p:blipFill>
+        <p:spPr>
+          <a:xfrm>
+            <a:off x="533400" y="1371600"/>
+            <a:ext cx="7416621" cy="3576096"/>
+          </a:xfrm>
+          <a:prstGeom prst="rect">
+            <a:avLst/>
+          </a:prstGeom>
+        </p:spPr>
+      </p:pic>
+    </p:spTree>
+    <p:extLst>
+      <p:ext uri="{BB962C8B-B14F-4D97-AF65-F5344CB8AC3E}">
+        <p14:creationId xmlns:p14="http://schemas.microsoft.com/office/powerpoint/2010/main" val="3710036595"/>
+      </p:ext>
+    </p:extLst>
+  </p:cSld>
+  <p:clrMapOvr>
+    <a:masterClrMapping/>
+  </p:clrMapOvr>
+</p:sld>
+</file>
+
+<file path=ppt/slides/slide49.xml><?xml version="1.0" encoding="utf-8"?>
+<p:sld xmlns:a="http://schemas.openxmlformats.org/drawingml/2006/main" xmlns:r="http://schemas.openxmlformats.org/officeDocument/2006/relationships" xmlns:p="http://schemas.openxmlformats.org/presentationml/2006/main">
+  <p:cSld>
+    <p:spTree>
+      <p:nvGrpSpPr>
+        <p:cNvPr id="1" name=""/>
+        <p:cNvGrpSpPr/>
+        <p:nvPr/>
+      </p:nvGrpSpPr>
+      <p:grpSpPr>
+        <a:xfrm>
+          <a:off x="0" y="0"/>
+          <a:ext cx="0" cy="0"/>
+          <a:chOff x="0" y="0"/>
+          <a:chExt cx="0" cy="0"/>
+        </a:xfrm>
+      </p:grpSpPr>
+      <p:sp>
+        <p:nvSpPr>
+          <p:cNvPr id="2" name="Title 1">
+            <a:extLst>
+              <a:ext uri="{FF2B5EF4-FFF2-40B4-BE49-F238E27FC236}">
+                <a16:creationId xmlns:a16="http://schemas.microsoft.com/office/drawing/2014/main" id="{08ECA0DC-7CB2-4A35-A98B-5E1566C95E4C}"/>
+              </a:ext>
+            </a:extLst>
+          </p:cNvPr>
+          <p:cNvSpPr>
+            <a:spLocks noGrp="1"/>
+          </p:cNvSpPr>
+          <p:nvPr>
+            <p:ph type="title"/>
+          </p:nvPr>
+        </p:nvSpPr>
+        <p:spPr/>
+        <p:txBody>
+          <a:bodyPr/>
+          <a:lstStyle/>
+          <a:p>
+            <a:r>
+              <a:rPr lang="en-US" dirty="0"/>
+              <a:t>Creating a New Data Connector Project</a:t>
+            </a:r>
+          </a:p>
+        </p:txBody>
+      </p:sp>
+      <p:pic>
+        <p:nvPicPr>
+          <p:cNvPr id="3" name="Picture 2">
+            <a:extLst>
+              <a:ext uri="{FF2B5EF4-FFF2-40B4-BE49-F238E27FC236}">
+                <a16:creationId xmlns:a16="http://schemas.microsoft.com/office/drawing/2014/main" id="{E1AFC78A-E672-49C1-80D6-35CA22733AA2}"/>
+              </a:ext>
+            </a:extLst>
+          </p:cNvPr>
+          <p:cNvPicPr>
+            <a:picLocks noChangeAspect="1"/>
+          </p:cNvPicPr>
+          <p:nvPr/>
+        </p:nvPicPr>
+        <p:blipFill>
+          <a:blip r:embed="rId2"/>
+          <a:stretch>
+            <a:fillRect/>
+          </a:stretch>
+        </p:blipFill>
+        <p:spPr>
+          <a:xfrm>
+            <a:off x="609600" y="1295400"/>
+            <a:ext cx="7620000" cy="4143055"/>
+          </a:xfrm>
+          <a:prstGeom prst="rect">
+            <a:avLst/>
+          </a:prstGeom>
+        </p:spPr>
+      </p:pic>
+    </p:spTree>
+    <p:extLst>
+      <p:ext uri="{BB962C8B-B14F-4D97-AF65-F5344CB8AC3E}">
+        <p14:creationId xmlns:p14="http://schemas.microsoft.com/office/powerpoint/2010/main" val="2902059748"/>
+      </p:ext>
+    </p:extLst>
+  </p:cSld>
+  <p:clrMapOvr>
+    <a:masterClrMapping/>
+  </p:clrMapOvr>
+</p:sld>
+</file>
+
+<file path=ppt/slides/slide5.xml><?xml version="1.0" encoding="utf-8"?>
 <p:sld xmlns:a="http://schemas.openxmlformats.org/drawingml/2006/main" xmlns:r="http://schemas.openxmlformats.org/officeDocument/2006/relationships" xmlns:p="http://schemas.openxmlformats.org/presentationml/2006/main">
   <p:cSld>
     <p:spTree>
@@ -17187,997 +18898,7 @@
 </p:sld>
 </file>
 
-<file path=ppt/slides/slide40.xml><?xml version="1.0" encoding="utf-8"?>
-<p:sld xmlns:a="http://schemas.openxmlformats.org/drawingml/2006/main" xmlns:r="http://schemas.openxmlformats.org/officeDocument/2006/relationships" xmlns:p="http://schemas.openxmlformats.org/presentationml/2006/main">
-  <p:cSld>
-    <p:spTree>
-      <p:nvGrpSpPr>
-        <p:cNvPr id="1" name=""/>
-        <p:cNvGrpSpPr/>
-        <p:nvPr/>
-      </p:nvGrpSpPr>
-      <p:grpSpPr>
-        <a:xfrm>
-          <a:off x="0" y="0"/>
-          <a:ext cx="0" cy="0"/>
-          <a:chOff x="0" y="0"/>
-          <a:chExt cx="0" cy="0"/>
-        </a:xfrm>
-      </p:grpSpPr>
-      <p:sp>
-        <p:nvSpPr>
-          <p:cNvPr id="2" name="Title 1"/>
-          <p:cNvSpPr>
-            <a:spLocks noGrp="1"/>
-          </p:cNvSpPr>
-          <p:nvPr>
-            <p:ph type="title"/>
-          </p:nvPr>
-        </p:nvSpPr>
-        <p:spPr/>
-        <p:txBody>
-          <a:bodyPr/>
-          <a:lstStyle/>
-          <a:p>
-            <a:r>
-              <a:rPr lang="en-US"/>
-              <a:t>Query Parameters</a:t>
-            </a:r>
-            <a:endParaRPr lang="en-US" dirty="0"/>
-          </a:p>
-        </p:txBody>
-      </p:sp>
-      <p:sp>
-        <p:nvSpPr>
-          <p:cNvPr id="3" name="Content Placeholder 2"/>
-          <p:cNvSpPr>
-            <a:spLocks noGrp="1"/>
-          </p:cNvSpPr>
-          <p:nvPr>
-            <p:ph idx="1"/>
-          </p:nvPr>
-        </p:nvSpPr>
-        <p:spPr/>
-        <p:txBody>
-          <a:bodyPr/>
-          <a:lstStyle/>
-          <a:p>
-            <a:r>
-              <a:rPr lang="en-US" dirty="0"/>
-              <a:t>What is a Query Parameter?</a:t>
-            </a:r>
-          </a:p>
-          <a:p>
-            <a:pPr lvl="1"/>
-            <a:r>
-              <a:rPr lang="en-US" dirty="0"/>
-              <a:t>Configurable setting with project scope</a:t>
-            </a:r>
-          </a:p>
-          <a:p>
-            <a:pPr lvl="1"/>
-            <a:r>
-              <a:rPr lang="en-US" dirty="0"/>
-              <a:t>Strongly-typed value to which you can apply restrictions</a:t>
-            </a:r>
-          </a:p>
-          <a:p>
-            <a:pPr lvl="1"/>
-            <a:r>
-              <a:rPr lang="en-US" dirty="0"/>
-              <a:t>Can be referenced from a query</a:t>
-            </a:r>
-          </a:p>
-          <a:p>
-            <a:pPr lvl="1"/>
-            <a:r>
-              <a:rPr lang="en-US" dirty="0"/>
-              <a:t>Selected values can be populated using list</a:t>
-            </a:r>
-          </a:p>
-          <a:p>
-            <a:pPr lvl="1"/>
-            <a:endParaRPr lang="en-US" dirty="0"/>
-          </a:p>
-          <a:p>
-            <a:r>
-              <a:rPr lang="en-US" dirty="0"/>
-              <a:t>Where are Parameters commonly used</a:t>
-            </a:r>
-          </a:p>
-          <a:p>
-            <a:pPr lvl="1"/>
-            <a:r>
-              <a:rPr lang="en-US" dirty="0"/>
-              <a:t>To parameterize data source connection details</a:t>
-            </a:r>
-          </a:p>
-          <a:p>
-            <a:pPr lvl="1"/>
-            <a:r>
-              <a:rPr lang="en-US" dirty="0"/>
-              <a:t>To filter rows when importing data</a:t>
-            </a:r>
-          </a:p>
-        </p:txBody>
-      </p:sp>
-    </p:spTree>
-    <p:extLst>
-      <p:ext uri="{BB962C8B-B14F-4D97-AF65-F5344CB8AC3E}">
-        <p14:creationId xmlns:p14="http://schemas.microsoft.com/office/powerpoint/2010/main" val="3417190501"/>
-      </p:ext>
-    </p:extLst>
-  </p:cSld>
-  <p:clrMapOvr>
-    <a:masterClrMapping/>
-  </p:clrMapOvr>
-</p:sld>
-</file>
-
-<file path=ppt/slides/slide41.xml><?xml version="1.0" encoding="utf-8"?>
-<p:sld xmlns:a="http://schemas.openxmlformats.org/drawingml/2006/main" xmlns:r="http://schemas.openxmlformats.org/officeDocument/2006/relationships" xmlns:p="http://schemas.openxmlformats.org/presentationml/2006/main">
-  <p:cSld>
-    <p:spTree>
-      <p:nvGrpSpPr>
-        <p:cNvPr id="1" name=""/>
-        <p:cNvGrpSpPr/>
-        <p:nvPr/>
-      </p:nvGrpSpPr>
-      <p:grpSpPr>
-        <a:xfrm>
-          <a:off x="0" y="0"/>
-          <a:ext cx="0" cy="0"/>
-          <a:chOff x="0" y="0"/>
-          <a:chExt cx="0" cy="0"/>
-        </a:xfrm>
-      </p:grpSpPr>
-      <p:sp>
-        <p:nvSpPr>
-          <p:cNvPr id="2" name="Title 1"/>
-          <p:cNvSpPr>
-            <a:spLocks noGrp="1"/>
-          </p:cNvSpPr>
-          <p:nvPr>
-            <p:ph type="title"/>
-          </p:nvPr>
-        </p:nvSpPr>
-        <p:spPr/>
-        <p:txBody>
-          <a:bodyPr/>
-          <a:lstStyle/>
-          <a:p>
-            <a:r>
-              <a:rPr lang="en-US" dirty="0"/>
-              <a:t>Creating Query Parameters</a:t>
-            </a:r>
-          </a:p>
-        </p:txBody>
-      </p:sp>
-      <p:sp>
-        <p:nvSpPr>
-          <p:cNvPr id="5" name="Content Placeholder 4"/>
-          <p:cNvSpPr>
-            <a:spLocks noGrp="1"/>
-          </p:cNvSpPr>
-          <p:nvPr>
-            <p:ph idx="1"/>
-          </p:nvPr>
-        </p:nvSpPr>
-        <p:spPr/>
-        <p:txBody>
-          <a:bodyPr>
-            <a:normAutofit/>
-          </a:bodyPr>
-          <a:lstStyle/>
-          <a:p>
-            <a:r>
-              <a:rPr lang="en-US" sz="2000" dirty="0"/>
-              <a:t>Parameters can be created using </a:t>
-            </a:r>
-            <a:r>
-              <a:rPr lang="en-US" sz="2000" b="1" dirty="0"/>
-              <a:t>Manager Parameters</a:t>
-            </a:r>
-            <a:r>
-              <a:rPr lang="en-US" sz="2000" dirty="0"/>
-              <a:t> menu</a:t>
-            </a:r>
-          </a:p>
-          <a:p>
-            <a:endParaRPr lang="en-US" sz="2000" dirty="0"/>
-          </a:p>
-          <a:p>
-            <a:endParaRPr lang="en-US" sz="2000" dirty="0"/>
-          </a:p>
-          <a:p>
-            <a:endParaRPr lang="en-US" sz="2000" dirty="0"/>
-          </a:p>
-          <a:p>
-            <a:endParaRPr lang="en-US" sz="2000" dirty="0"/>
-          </a:p>
-          <a:p>
-            <a:r>
-              <a:rPr lang="en-US" sz="2000" dirty="0"/>
-              <a:t>Parameter properties</a:t>
-            </a:r>
-          </a:p>
-          <a:p>
-            <a:pPr lvl="1"/>
-            <a:r>
-              <a:rPr lang="en-US" sz="1600" dirty="0"/>
-              <a:t>Name</a:t>
-            </a:r>
-          </a:p>
-          <a:p>
-            <a:pPr lvl="1"/>
-            <a:r>
-              <a:rPr lang="en-US" sz="1600" dirty="0"/>
-              <a:t>Description</a:t>
-            </a:r>
-          </a:p>
-          <a:p>
-            <a:pPr lvl="1"/>
-            <a:r>
-              <a:rPr lang="en-US" sz="1600" dirty="0"/>
-              <a:t>Required</a:t>
-            </a:r>
-          </a:p>
-          <a:p>
-            <a:pPr lvl="1"/>
-            <a:r>
-              <a:rPr lang="en-US" sz="1600" dirty="0"/>
-              <a:t>Allowed Values</a:t>
-            </a:r>
-          </a:p>
-          <a:p>
-            <a:pPr lvl="1"/>
-            <a:r>
-              <a:rPr lang="en-US" sz="1600" dirty="0"/>
-              <a:t>Default Value</a:t>
-            </a:r>
-          </a:p>
-          <a:p>
-            <a:pPr lvl="1"/>
-            <a:r>
-              <a:rPr lang="en-US" sz="1600" dirty="0"/>
-              <a:t>Current Value</a:t>
-            </a:r>
-          </a:p>
-        </p:txBody>
-      </p:sp>
-      <p:pic>
-        <p:nvPicPr>
-          <p:cNvPr id="4" name="Picture 3"/>
-          <p:cNvPicPr>
-            <a:picLocks noChangeAspect="1"/>
-          </p:cNvPicPr>
-          <p:nvPr/>
-        </p:nvPicPr>
-        <p:blipFill rotWithShape="1">
-          <a:blip r:embed="rId3"/>
-          <a:srcRect t="15415"/>
-          <a:stretch/>
-        </p:blipFill>
-        <p:spPr>
-          <a:xfrm>
-            <a:off x="838200" y="1905000"/>
-            <a:ext cx="3409792" cy="1295400"/>
-          </a:xfrm>
-          <a:prstGeom prst="rect">
-            <a:avLst/>
-          </a:prstGeom>
-          <a:ln>
-            <a:solidFill>
-              <a:schemeClr val="tx1"/>
-            </a:solidFill>
-          </a:ln>
-        </p:spPr>
-      </p:pic>
-      <p:pic>
-        <p:nvPicPr>
-          <p:cNvPr id="7" name="Picture 6"/>
-          <p:cNvPicPr>
-            <a:picLocks noChangeAspect="1"/>
-          </p:cNvPicPr>
-          <p:nvPr/>
-        </p:nvPicPr>
-        <p:blipFill>
-          <a:blip r:embed="rId4"/>
-          <a:stretch>
-            <a:fillRect/>
-          </a:stretch>
-        </p:blipFill>
-        <p:spPr>
-          <a:xfrm>
-            <a:off x="4591704" y="2286000"/>
-            <a:ext cx="3810000" cy="3956956"/>
-          </a:xfrm>
-          <a:prstGeom prst="rect">
-            <a:avLst/>
-          </a:prstGeom>
-          <a:solidFill>
-            <a:schemeClr val="bg1">
-              <a:lumMod val="50000"/>
-            </a:schemeClr>
-          </a:solidFill>
-          <a:ln>
-            <a:solidFill>
-              <a:schemeClr val="tx1"/>
-            </a:solidFill>
-          </a:ln>
-        </p:spPr>
-      </p:pic>
-    </p:spTree>
-    <p:extLst>
-      <p:ext uri="{BB962C8B-B14F-4D97-AF65-F5344CB8AC3E}">
-        <p14:creationId xmlns:p14="http://schemas.microsoft.com/office/powerpoint/2010/main" val="3196900500"/>
-      </p:ext>
-    </p:extLst>
-  </p:cSld>
-  <p:clrMapOvr>
-    <a:masterClrMapping/>
-  </p:clrMapOvr>
-</p:sld>
-</file>
-
-<file path=ppt/slides/slide42.xml><?xml version="1.0" encoding="utf-8"?>
-<p:sld xmlns:a="http://schemas.openxmlformats.org/drawingml/2006/main" xmlns:r="http://schemas.openxmlformats.org/officeDocument/2006/relationships" xmlns:p="http://schemas.openxmlformats.org/presentationml/2006/main">
-  <p:cSld>
-    <p:spTree>
-      <p:nvGrpSpPr>
-        <p:cNvPr id="1" name=""/>
-        <p:cNvGrpSpPr/>
-        <p:nvPr/>
-      </p:nvGrpSpPr>
-      <p:grpSpPr>
-        <a:xfrm>
-          <a:off x="0" y="0"/>
-          <a:ext cx="0" cy="0"/>
-          <a:chOff x="0" y="0"/>
-          <a:chExt cx="0" cy="0"/>
-        </a:xfrm>
-      </p:grpSpPr>
-      <p:sp>
-        <p:nvSpPr>
-          <p:cNvPr id="2" name="Title 1"/>
-          <p:cNvSpPr>
-            <a:spLocks noGrp="1"/>
-          </p:cNvSpPr>
-          <p:nvPr>
-            <p:ph type="title"/>
-          </p:nvPr>
-        </p:nvSpPr>
-        <p:spPr/>
-        <p:txBody>
-          <a:bodyPr/>
-          <a:lstStyle/>
-          <a:p>
-            <a:r>
-              <a:rPr lang="en-US" dirty="0"/>
-              <a:t>Referencing Parameters in a Query</a:t>
-            </a:r>
-          </a:p>
-        </p:txBody>
-      </p:sp>
-      <p:sp>
-        <p:nvSpPr>
-          <p:cNvPr id="3" name="Content Placeholder 2"/>
-          <p:cNvSpPr>
-            <a:spLocks noGrp="1"/>
-          </p:cNvSpPr>
-          <p:nvPr>
-            <p:ph idx="1"/>
-          </p:nvPr>
-        </p:nvSpPr>
-        <p:spPr/>
-        <p:txBody>
-          <a:bodyPr/>
-          <a:lstStyle/>
-          <a:p>
-            <a:r>
-              <a:rPr lang="en-US" dirty="0"/>
-              <a:t>Parameters can be referenced inside query</a:t>
-            </a:r>
-          </a:p>
-          <a:p>
-            <a:pPr lvl="1"/>
-            <a:r>
-              <a:rPr lang="en-US" dirty="0"/>
-              <a:t>Next query execution uses current parameter value</a:t>
-            </a:r>
-          </a:p>
-        </p:txBody>
-      </p:sp>
-      <p:pic>
-        <p:nvPicPr>
-          <p:cNvPr id="7" name="Picture 6"/>
-          <p:cNvPicPr>
-            <a:picLocks noChangeAspect="1"/>
-          </p:cNvPicPr>
-          <p:nvPr/>
-        </p:nvPicPr>
-        <p:blipFill>
-          <a:blip r:embed="rId3"/>
-          <a:stretch>
-            <a:fillRect/>
-          </a:stretch>
-        </p:blipFill>
-        <p:spPr>
-          <a:xfrm>
-            <a:off x="1295400" y="2635419"/>
-            <a:ext cx="6553200" cy="2773554"/>
-          </a:xfrm>
-          <a:prstGeom prst="rect">
-            <a:avLst/>
-          </a:prstGeom>
-          <a:ln>
-            <a:solidFill>
-              <a:schemeClr val="bg1">
-                <a:lumMod val="50000"/>
-              </a:schemeClr>
-            </a:solidFill>
-          </a:ln>
-        </p:spPr>
-      </p:pic>
-      <p:pic>
-        <p:nvPicPr>
-          <p:cNvPr id="8" name="Picture 7"/>
-          <p:cNvPicPr>
-            <a:picLocks noChangeAspect="1"/>
-          </p:cNvPicPr>
-          <p:nvPr/>
-        </p:nvPicPr>
-        <p:blipFill>
-          <a:blip r:embed="rId4"/>
-          <a:stretch>
-            <a:fillRect/>
-          </a:stretch>
-        </p:blipFill>
-        <p:spPr>
-          <a:xfrm>
-            <a:off x="1257300" y="2622381"/>
-            <a:ext cx="6629400" cy="2832438"/>
-          </a:xfrm>
-          <a:prstGeom prst="rect">
-            <a:avLst/>
-          </a:prstGeom>
-          <a:ln>
-            <a:solidFill>
-              <a:schemeClr val="bg1">
-                <a:lumMod val="50000"/>
-              </a:schemeClr>
-            </a:solidFill>
-          </a:ln>
-        </p:spPr>
-      </p:pic>
-    </p:spTree>
-    <p:extLst>
-      <p:ext uri="{BB962C8B-B14F-4D97-AF65-F5344CB8AC3E}">
-        <p14:creationId xmlns:p14="http://schemas.microsoft.com/office/powerpoint/2010/main" val="227208142"/>
-      </p:ext>
-    </p:extLst>
-  </p:cSld>
-  <p:clrMapOvr>
-    <a:masterClrMapping/>
-  </p:clrMapOvr>
-  <p:timing>
-    <p:tnLst>
-      <p:par>
-        <p:cTn id="1" dur="indefinite" restart="never" nodeType="tmRoot">
-          <p:childTnLst>
-            <p:seq concurrent="1" nextAc="seek">
-              <p:cTn id="2" dur="indefinite" nodeType="mainSeq">
-                <p:childTnLst>
-                  <p:par>
-                    <p:cTn id="3" fill="hold">
-                      <p:stCondLst>
-                        <p:cond delay="indefinite"/>
-                      </p:stCondLst>
-                      <p:childTnLst>
-                        <p:par>
-                          <p:cTn id="4" fill="hold">
-                            <p:stCondLst>
-                              <p:cond delay="0"/>
-                            </p:stCondLst>
-                            <p:childTnLst>
-                              <p:par>
-                                <p:cTn id="5" presetID="1" presetClass="entr" presetSubtype="0" fill="hold" nodeType="clickEffect">
-                                  <p:stCondLst>
-                                    <p:cond delay="0"/>
-                                  </p:stCondLst>
-                                  <p:childTnLst>
-                                    <p:set>
-                                      <p:cBhvr>
-                                        <p:cTn id="6" dur="1" fill="hold">
-                                          <p:stCondLst>
-                                            <p:cond delay="0"/>
-                                          </p:stCondLst>
-                                        </p:cTn>
-                                        <p:tgtEl>
-                                          <p:spTgt spid="8"/>
-                                        </p:tgtEl>
-                                        <p:attrNameLst>
-                                          <p:attrName>style.visibility</p:attrName>
-                                        </p:attrNameLst>
-                                      </p:cBhvr>
-                                      <p:to>
-                                        <p:strVal val="visible"/>
-                                      </p:to>
-                                    </p:set>
-                                  </p:childTnLst>
-                                </p:cTn>
-                              </p:par>
-                            </p:childTnLst>
-                          </p:cTn>
-                        </p:par>
-                      </p:childTnLst>
-                    </p:cTn>
-                  </p:par>
-                </p:childTnLst>
-              </p:cTn>
-              <p:prevCondLst>
-                <p:cond evt="onPrev" delay="0">
-                  <p:tgtEl>
-                    <p:sldTgt/>
-                  </p:tgtEl>
-                </p:cond>
-              </p:prevCondLst>
-              <p:nextCondLst>
-                <p:cond evt="onNext" delay="0">
-                  <p:tgtEl>
-                    <p:sldTgt/>
-                  </p:tgtEl>
-                </p:cond>
-              </p:nextCondLst>
-            </p:seq>
-          </p:childTnLst>
-        </p:cTn>
-      </p:par>
-    </p:tnLst>
-  </p:timing>
-</p:sld>
-</file>
-
-<file path=ppt/slides/slide43.xml><?xml version="1.0" encoding="utf-8"?>
-<p:sld xmlns:a="http://schemas.openxmlformats.org/drawingml/2006/main" xmlns:r="http://schemas.openxmlformats.org/officeDocument/2006/relationships" xmlns:p="http://schemas.openxmlformats.org/presentationml/2006/main">
-  <p:cSld>
-    <p:spTree>
-      <p:nvGrpSpPr>
-        <p:cNvPr id="1" name=""/>
-        <p:cNvGrpSpPr/>
-        <p:nvPr/>
-      </p:nvGrpSpPr>
-      <p:grpSpPr>
-        <a:xfrm>
-          <a:off x="0" y="0"/>
-          <a:ext cx="0" cy="0"/>
-          <a:chOff x="0" y="0"/>
-          <a:chExt cx="0" cy="0"/>
-        </a:xfrm>
-      </p:grpSpPr>
-      <p:sp>
-        <p:nvSpPr>
-          <p:cNvPr id="2" name="Title 1">
-            <a:extLst>
-              <a:ext uri="{FF2B5EF4-FFF2-40B4-BE49-F238E27FC236}">
-                <a16:creationId xmlns:a16="http://schemas.microsoft.com/office/drawing/2014/main" id="{9E82D3FB-A0A7-4E38-9AE4-E335C4377EB7}"/>
-              </a:ext>
-            </a:extLst>
-          </p:cNvPr>
-          <p:cNvSpPr>
-            <a:spLocks noGrp="1"/>
-          </p:cNvSpPr>
-          <p:nvPr>
-            <p:ph type="title"/>
-          </p:nvPr>
-        </p:nvSpPr>
-        <p:spPr/>
-        <p:txBody>
-          <a:bodyPr/>
-          <a:lstStyle/>
-          <a:p>
-            <a:r>
-              <a:rPr lang="en-US" dirty="0"/>
-              <a:t>Creating a Project Template File</a:t>
-            </a:r>
-          </a:p>
-        </p:txBody>
-      </p:sp>
-      <p:pic>
-        <p:nvPicPr>
-          <p:cNvPr id="4" name="Picture 3">
-            <a:extLst>
-              <a:ext uri="{FF2B5EF4-FFF2-40B4-BE49-F238E27FC236}">
-                <a16:creationId xmlns:a16="http://schemas.microsoft.com/office/drawing/2014/main" id="{829C16F2-F162-4B06-8AEF-F3A7A784D0C6}"/>
-              </a:ext>
-            </a:extLst>
-          </p:cNvPr>
-          <p:cNvPicPr>
-            <a:picLocks noChangeAspect="1"/>
-          </p:cNvPicPr>
-          <p:nvPr/>
-        </p:nvPicPr>
-        <p:blipFill>
-          <a:blip r:embed="rId2"/>
-          <a:stretch>
-            <a:fillRect/>
-          </a:stretch>
-        </p:blipFill>
-        <p:spPr>
-          <a:xfrm>
-            <a:off x="685800" y="1524000"/>
-            <a:ext cx="5257800" cy="1752600"/>
-          </a:xfrm>
-          <a:prstGeom prst="rect">
-            <a:avLst/>
-          </a:prstGeom>
-        </p:spPr>
-      </p:pic>
-      <p:pic>
-        <p:nvPicPr>
-          <p:cNvPr id="5" name="Picture 4">
-            <a:extLst>
-              <a:ext uri="{FF2B5EF4-FFF2-40B4-BE49-F238E27FC236}">
-                <a16:creationId xmlns:a16="http://schemas.microsoft.com/office/drawing/2014/main" id="{747182CD-6847-45BA-A42B-65AA44D9A11A}"/>
-              </a:ext>
-            </a:extLst>
-          </p:cNvPr>
-          <p:cNvPicPr>
-            <a:picLocks noChangeAspect="1"/>
-          </p:cNvPicPr>
-          <p:nvPr/>
-        </p:nvPicPr>
-        <p:blipFill>
-          <a:blip r:embed="rId3"/>
-          <a:stretch>
-            <a:fillRect/>
-          </a:stretch>
-        </p:blipFill>
-        <p:spPr>
-          <a:xfrm>
-            <a:off x="838200" y="1676400"/>
-            <a:ext cx="6086475" cy="2981325"/>
-          </a:xfrm>
-          <a:prstGeom prst="rect">
-            <a:avLst/>
-          </a:prstGeom>
-        </p:spPr>
-      </p:pic>
-      <p:pic>
-        <p:nvPicPr>
-          <p:cNvPr id="6" name="Picture 5">
-            <a:extLst>
-              <a:ext uri="{FF2B5EF4-FFF2-40B4-BE49-F238E27FC236}">
-                <a16:creationId xmlns:a16="http://schemas.microsoft.com/office/drawing/2014/main" id="{AD9BCB8E-FB4D-40C4-A910-C2E6D29F845C}"/>
-              </a:ext>
-            </a:extLst>
-          </p:cNvPr>
-          <p:cNvPicPr>
-            <a:picLocks noChangeAspect="1"/>
-          </p:cNvPicPr>
-          <p:nvPr/>
-        </p:nvPicPr>
-        <p:blipFill>
-          <a:blip r:embed="rId4"/>
-          <a:stretch>
-            <a:fillRect/>
-          </a:stretch>
-        </p:blipFill>
-        <p:spPr>
-          <a:xfrm>
-            <a:off x="1066800" y="1885933"/>
-            <a:ext cx="7391400" cy="3981467"/>
-          </a:xfrm>
-          <a:prstGeom prst="rect">
-            <a:avLst/>
-          </a:prstGeom>
-          <a:ln>
-            <a:solidFill>
-              <a:schemeClr val="tx1"/>
-            </a:solidFill>
-          </a:ln>
-        </p:spPr>
-      </p:pic>
-    </p:spTree>
-    <p:extLst>
-      <p:ext uri="{BB962C8B-B14F-4D97-AF65-F5344CB8AC3E}">
-        <p14:creationId xmlns:p14="http://schemas.microsoft.com/office/powerpoint/2010/main" val="240332025"/>
-      </p:ext>
-    </p:extLst>
-  </p:cSld>
-  <p:clrMapOvr>
-    <a:masterClrMapping/>
-  </p:clrMapOvr>
-  <p:timing>
-    <p:tnLst>
-      <p:par>
-        <p:cTn id="1" dur="indefinite" restart="never" nodeType="tmRoot">
-          <p:childTnLst>
-            <p:seq concurrent="1" nextAc="seek">
-              <p:cTn id="2" dur="indefinite" nodeType="mainSeq">
-                <p:childTnLst>
-                  <p:par>
-                    <p:cTn id="3" fill="hold">
-                      <p:stCondLst>
-                        <p:cond delay="indefinite"/>
-                      </p:stCondLst>
-                      <p:childTnLst>
-                        <p:par>
-                          <p:cTn id="4" fill="hold">
-                            <p:stCondLst>
-                              <p:cond delay="0"/>
-                            </p:stCondLst>
-                            <p:childTnLst>
-                              <p:par>
-                                <p:cTn id="5" presetID="1" presetClass="entr" presetSubtype="0" fill="hold" nodeType="clickEffect">
-                                  <p:stCondLst>
-                                    <p:cond delay="0"/>
-                                  </p:stCondLst>
-                                  <p:childTnLst>
-                                    <p:set>
-                                      <p:cBhvr>
-                                        <p:cTn id="6" dur="1" fill="hold">
-                                          <p:stCondLst>
-                                            <p:cond delay="0"/>
-                                          </p:stCondLst>
-                                        </p:cTn>
-                                        <p:tgtEl>
-                                          <p:spTgt spid="4"/>
-                                        </p:tgtEl>
-                                        <p:attrNameLst>
-                                          <p:attrName>style.visibility</p:attrName>
-                                        </p:attrNameLst>
-                                      </p:cBhvr>
-                                      <p:to>
-                                        <p:strVal val="visible"/>
-                                      </p:to>
-                                    </p:set>
-                                  </p:childTnLst>
-                                </p:cTn>
-                              </p:par>
-                            </p:childTnLst>
-                          </p:cTn>
-                        </p:par>
-                      </p:childTnLst>
-                    </p:cTn>
-                  </p:par>
-                  <p:par>
-                    <p:cTn id="7" fill="hold">
-                      <p:stCondLst>
-                        <p:cond delay="indefinite"/>
-                      </p:stCondLst>
-                      <p:childTnLst>
-                        <p:par>
-                          <p:cTn id="8" fill="hold">
-                            <p:stCondLst>
-                              <p:cond delay="0"/>
-                            </p:stCondLst>
-                            <p:childTnLst>
-                              <p:par>
-                                <p:cTn id="9" presetID="1" presetClass="entr" presetSubtype="0" fill="hold" nodeType="clickEffect">
-                                  <p:stCondLst>
-                                    <p:cond delay="0"/>
-                                  </p:stCondLst>
-                                  <p:childTnLst>
-                                    <p:set>
-                                      <p:cBhvr>
-                                        <p:cTn id="10" dur="1" fill="hold">
-                                          <p:stCondLst>
-                                            <p:cond delay="0"/>
-                                          </p:stCondLst>
-                                        </p:cTn>
-                                        <p:tgtEl>
-                                          <p:spTgt spid="5"/>
-                                        </p:tgtEl>
-                                        <p:attrNameLst>
-                                          <p:attrName>style.visibility</p:attrName>
-                                        </p:attrNameLst>
-                                      </p:cBhvr>
-                                      <p:to>
-                                        <p:strVal val="visible"/>
-                                      </p:to>
-                                    </p:set>
-                                  </p:childTnLst>
-                                </p:cTn>
-                              </p:par>
-                            </p:childTnLst>
-                          </p:cTn>
-                        </p:par>
-                      </p:childTnLst>
-                    </p:cTn>
-                  </p:par>
-                  <p:par>
-                    <p:cTn id="11" fill="hold">
-                      <p:stCondLst>
-                        <p:cond delay="indefinite"/>
-                      </p:stCondLst>
-                      <p:childTnLst>
-                        <p:par>
-                          <p:cTn id="12" fill="hold">
-                            <p:stCondLst>
-                              <p:cond delay="0"/>
-                            </p:stCondLst>
-                            <p:childTnLst>
-                              <p:par>
-                                <p:cTn id="13" presetID="1" presetClass="entr" presetSubtype="0" fill="hold" nodeType="clickEffect">
-                                  <p:stCondLst>
-                                    <p:cond delay="0"/>
-                                  </p:stCondLst>
-                                  <p:childTnLst>
-                                    <p:set>
-                                      <p:cBhvr>
-                                        <p:cTn id="14" dur="1" fill="hold">
-                                          <p:stCondLst>
-                                            <p:cond delay="0"/>
-                                          </p:stCondLst>
-                                        </p:cTn>
-                                        <p:tgtEl>
-                                          <p:spTgt spid="6"/>
-                                        </p:tgtEl>
-                                        <p:attrNameLst>
-                                          <p:attrName>style.visibility</p:attrName>
-                                        </p:attrNameLst>
-                                      </p:cBhvr>
-                                      <p:to>
-                                        <p:strVal val="visible"/>
-                                      </p:to>
-                                    </p:set>
-                                  </p:childTnLst>
-                                </p:cTn>
-                              </p:par>
-                            </p:childTnLst>
-                          </p:cTn>
-                        </p:par>
-                      </p:childTnLst>
-                    </p:cTn>
-                  </p:par>
-                </p:childTnLst>
-              </p:cTn>
-              <p:prevCondLst>
-                <p:cond evt="onPrev" delay="0">
-                  <p:tgtEl>
-                    <p:sldTgt/>
-                  </p:tgtEl>
-                </p:cond>
-              </p:prevCondLst>
-              <p:nextCondLst>
-                <p:cond evt="onNext" delay="0">
-                  <p:tgtEl>
-                    <p:sldTgt/>
-                  </p:tgtEl>
-                </p:cond>
-              </p:nextCondLst>
-            </p:seq>
-          </p:childTnLst>
-        </p:cTn>
-      </p:par>
-    </p:tnLst>
-  </p:timing>
-</p:sld>
-</file>
-
-<file path=ppt/slides/slide44.xml><?xml version="1.0" encoding="utf-8"?>
-<p:sld xmlns:a="http://schemas.openxmlformats.org/drawingml/2006/main" xmlns:r="http://schemas.openxmlformats.org/officeDocument/2006/relationships" xmlns:p="http://schemas.openxmlformats.org/presentationml/2006/main">
-  <p:cSld>
-    <p:spTree>
-      <p:nvGrpSpPr>
-        <p:cNvPr id="1" name=""/>
-        <p:cNvGrpSpPr/>
-        <p:nvPr/>
-      </p:nvGrpSpPr>
-      <p:grpSpPr>
-        <a:xfrm>
-          <a:off x="0" y="0"/>
-          <a:ext cx="0" cy="0"/>
-          <a:chOff x="0" y="0"/>
-          <a:chExt cx="0" cy="0"/>
-        </a:xfrm>
-      </p:grpSpPr>
-      <p:sp>
-        <p:nvSpPr>
-          <p:cNvPr id="2" name="Title 1">
-            <a:extLst>
-              <a:ext uri="{FF2B5EF4-FFF2-40B4-BE49-F238E27FC236}">
-                <a16:creationId xmlns:a16="http://schemas.microsoft.com/office/drawing/2014/main" id="{84CA168F-7265-438B-86C9-B3C3F36F0BD2}"/>
-              </a:ext>
-            </a:extLst>
-          </p:cNvPr>
-          <p:cNvSpPr>
-            <a:spLocks noGrp="1"/>
-          </p:cNvSpPr>
-          <p:nvPr>
-            <p:ph type="title"/>
-          </p:nvPr>
-        </p:nvSpPr>
-        <p:spPr/>
-        <p:txBody>
-          <a:bodyPr/>
-          <a:lstStyle/>
-          <a:p>
-            <a:r>
-              <a:rPr lang="en-US" dirty="0"/>
-              <a:t>The Template File Implementation</a:t>
-            </a:r>
-          </a:p>
-        </p:txBody>
-      </p:sp>
-      <p:sp>
-        <p:nvSpPr>
-          <p:cNvPr id="4" name="Content Placeholder 3">
-            <a:extLst>
-              <a:ext uri="{FF2B5EF4-FFF2-40B4-BE49-F238E27FC236}">
-                <a16:creationId xmlns:a16="http://schemas.microsoft.com/office/drawing/2014/main" id="{20BBECF5-EDDD-461E-BBA1-6731B92252DD}"/>
-              </a:ext>
-            </a:extLst>
-          </p:cNvPr>
-          <p:cNvSpPr>
-            <a:spLocks noGrp="1"/>
-          </p:cNvSpPr>
-          <p:nvPr>
-            <p:ph idx="1"/>
-          </p:nvPr>
-        </p:nvSpPr>
-        <p:spPr/>
-        <p:txBody>
-          <a:bodyPr/>
-          <a:lstStyle/>
-          <a:p>
-            <a:r>
-              <a:rPr lang="en-US" dirty="0"/>
-              <a:t>Solution required advanced query design</a:t>
-            </a:r>
-          </a:p>
-        </p:txBody>
-      </p:sp>
-      <p:pic>
-        <p:nvPicPr>
-          <p:cNvPr id="3" name="Picture 2">
-            <a:extLst>
-              <a:ext uri="{FF2B5EF4-FFF2-40B4-BE49-F238E27FC236}">
-                <a16:creationId xmlns:a16="http://schemas.microsoft.com/office/drawing/2014/main" id="{263CEACE-EF46-4FED-9832-E8DBE75C9ECA}"/>
-              </a:ext>
-            </a:extLst>
-          </p:cNvPr>
-          <p:cNvPicPr>
-            <a:picLocks noChangeAspect="1"/>
-          </p:cNvPicPr>
-          <p:nvPr/>
-        </p:nvPicPr>
-        <p:blipFill>
-          <a:blip r:embed="rId2"/>
-          <a:stretch>
-            <a:fillRect/>
-          </a:stretch>
-        </p:blipFill>
-        <p:spPr>
-          <a:xfrm>
-            <a:off x="457200" y="2133600"/>
-            <a:ext cx="8001000" cy="3537460"/>
-          </a:xfrm>
-          <a:prstGeom prst="rect">
-            <a:avLst/>
-          </a:prstGeom>
-          <a:ln>
-            <a:solidFill>
-              <a:schemeClr val="tx1"/>
-            </a:solidFill>
-          </a:ln>
-        </p:spPr>
-      </p:pic>
-    </p:spTree>
-    <p:extLst>
-      <p:ext uri="{BB962C8B-B14F-4D97-AF65-F5344CB8AC3E}">
-        <p14:creationId xmlns:p14="http://schemas.microsoft.com/office/powerpoint/2010/main" val="3182597741"/>
-      </p:ext>
-    </p:extLst>
-  </p:cSld>
-  <p:clrMapOvr>
-    <a:masterClrMapping/>
-  </p:clrMapOvr>
-</p:sld>
-</file>
-
-<file path=ppt/slides/slide45.xml><?xml version="1.0" encoding="utf-8"?>
+<file path=ppt/slides/slide50.xml><?xml version="1.0" encoding="utf-8"?>
 <p:sld xmlns:a="http://schemas.openxmlformats.org/drawingml/2006/main" xmlns:r="http://schemas.openxmlformats.org/officeDocument/2006/relationships" xmlns:p="http://schemas.openxmlformats.org/presentationml/2006/main">
   <p:cSld>
     <p:spTree>
@@ -18217,7 +18938,7 @@
           <a:p>
             <a:r>
               <a:rPr lang="en-US" dirty="0"/>
-              <a:t>Agenda</a:t>
+              <a:t>Summary</a:t>
             </a:r>
           </a:p>
         </p:txBody>
@@ -18295,440 +19016,6 @@
           <a:p>
             <a:pPr>
               <a:buFont typeface="Wingdings" panose="05000000000000000000" pitchFamily="2" charset="2"/>
-              <a:buChar char="Ø"/>
-            </a:pPr>
-            <a:r>
-              <a:rPr lang="en-US" dirty="0"/>
-              <a:t>Custom Data Connectors</a:t>
-            </a:r>
-          </a:p>
-        </p:txBody>
-      </p:sp>
-    </p:spTree>
-    <p:extLst>
-      <p:ext uri="{BB962C8B-B14F-4D97-AF65-F5344CB8AC3E}">
-        <p14:creationId xmlns:p14="http://schemas.microsoft.com/office/powerpoint/2010/main" val="303935113"/>
-      </p:ext>
-    </p:extLst>
-  </p:cSld>
-  <p:clrMapOvr>
-    <a:masterClrMapping/>
-  </p:clrMapOvr>
-</p:sld>
-</file>
-
-<file path=ppt/slides/slide46.xml><?xml version="1.0" encoding="utf-8"?>
-<p:sld xmlns:a="http://schemas.openxmlformats.org/drawingml/2006/main" xmlns:r="http://schemas.openxmlformats.org/officeDocument/2006/relationships" xmlns:p="http://schemas.openxmlformats.org/presentationml/2006/main">
-  <p:cSld>
-    <p:spTree>
-      <p:nvGrpSpPr>
-        <p:cNvPr id="1" name=""/>
-        <p:cNvGrpSpPr/>
-        <p:nvPr/>
-      </p:nvGrpSpPr>
-      <p:grpSpPr>
-        <a:xfrm>
-          <a:off x="0" y="0"/>
-          <a:ext cx="0" cy="0"/>
-          <a:chOff x="0" y="0"/>
-          <a:chExt cx="0" cy="0"/>
-        </a:xfrm>
-      </p:grpSpPr>
-      <p:sp>
-        <p:nvSpPr>
-          <p:cNvPr id="2" name="Title 1">
-            <a:extLst>
-              <a:ext uri="{FF2B5EF4-FFF2-40B4-BE49-F238E27FC236}">
-                <a16:creationId xmlns:a16="http://schemas.microsoft.com/office/drawing/2014/main" id="{946659F4-8649-4F74-A777-2EFB8D4C3FD8}"/>
-              </a:ext>
-            </a:extLst>
-          </p:cNvPr>
-          <p:cNvSpPr>
-            <a:spLocks noGrp="1"/>
-          </p:cNvSpPr>
-          <p:nvPr>
-            <p:ph type="title"/>
-          </p:nvPr>
-        </p:nvSpPr>
-        <p:spPr/>
-        <p:txBody>
-          <a:bodyPr/>
-          <a:lstStyle/>
-          <a:p>
-            <a:r>
-              <a:rPr lang="en-US" dirty="0"/>
-              <a:t>Motivation for Custom Data Connectors</a:t>
-            </a:r>
-          </a:p>
-        </p:txBody>
-      </p:sp>
-      <p:sp>
-        <p:nvSpPr>
-          <p:cNvPr id="3" name="Content Placeholder 2">
-            <a:extLst>
-              <a:ext uri="{FF2B5EF4-FFF2-40B4-BE49-F238E27FC236}">
-                <a16:creationId xmlns:a16="http://schemas.microsoft.com/office/drawing/2014/main" id="{198EBCDD-B3BC-4AA7-9301-1E8A2314E93C}"/>
-              </a:ext>
-            </a:extLst>
-          </p:cNvPr>
-          <p:cNvSpPr>
-            <a:spLocks noGrp="1"/>
-          </p:cNvSpPr>
-          <p:nvPr>
-            <p:ph idx="1"/>
-          </p:nvPr>
-        </p:nvSpPr>
-        <p:spPr/>
-        <p:txBody>
-          <a:bodyPr>
-            <a:normAutofit/>
-          </a:bodyPr>
-          <a:lstStyle/>
-          <a:p>
-            <a:r>
-              <a:rPr lang="en-US" sz="2000" dirty="0"/>
-              <a:t>Creating a business analyst friendly view for a REST API</a:t>
-            </a:r>
-          </a:p>
-          <a:p>
-            <a:r>
-              <a:rPr lang="en-US" sz="2000" dirty="0"/>
-              <a:t>Providing branding for a source that Power Query supports with an existing connector (such as an OData service, or ODBC driver)</a:t>
-            </a:r>
-          </a:p>
-          <a:p>
-            <a:r>
-              <a:rPr lang="en-US" sz="2000" dirty="0"/>
-              <a:t>Implementing an OAuth v2 authentication flow for a SaaS offering</a:t>
-            </a:r>
-          </a:p>
-          <a:p>
-            <a:r>
-              <a:rPr lang="en-US" sz="2000" dirty="0"/>
-              <a:t>Exposing a limited/filtered view over your data source to improve usability</a:t>
-            </a:r>
-          </a:p>
-          <a:p>
-            <a:r>
-              <a:rPr lang="en-US" sz="2000" dirty="0"/>
-              <a:t>Supporting different authentication modes when creating a Power BI Content Pack</a:t>
-            </a:r>
-          </a:p>
-          <a:p>
-            <a:r>
-              <a:rPr lang="en-US" sz="2000" dirty="0"/>
-              <a:t>Enabling Direct Query for a data source via an ODBC driver</a:t>
-            </a:r>
-          </a:p>
-        </p:txBody>
-      </p:sp>
-    </p:spTree>
-    <p:extLst>
-      <p:ext uri="{BB962C8B-B14F-4D97-AF65-F5344CB8AC3E}">
-        <p14:creationId xmlns:p14="http://schemas.microsoft.com/office/powerpoint/2010/main" val="2401307767"/>
-      </p:ext>
-    </p:extLst>
-  </p:cSld>
-  <p:clrMapOvr>
-    <a:masterClrMapping/>
-  </p:clrMapOvr>
-</p:sld>
-</file>
-
-<file path=ppt/slides/slide47.xml><?xml version="1.0" encoding="utf-8"?>
-<p:sld xmlns:a="http://schemas.openxmlformats.org/drawingml/2006/main" xmlns:r="http://schemas.openxmlformats.org/officeDocument/2006/relationships" xmlns:p="http://schemas.openxmlformats.org/presentationml/2006/main">
-  <p:cSld>
-    <p:spTree>
-      <p:nvGrpSpPr>
-        <p:cNvPr id="1" name=""/>
-        <p:cNvGrpSpPr/>
-        <p:nvPr/>
-      </p:nvGrpSpPr>
-      <p:grpSpPr>
-        <a:xfrm>
-          <a:off x="0" y="0"/>
-          <a:ext cx="0" cy="0"/>
-          <a:chOff x="0" y="0"/>
-          <a:chExt cx="0" cy="0"/>
-        </a:xfrm>
-      </p:grpSpPr>
-      <p:sp>
-        <p:nvSpPr>
-          <p:cNvPr id="2" name="Title 1">
-            <a:extLst>
-              <a:ext uri="{FF2B5EF4-FFF2-40B4-BE49-F238E27FC236}">
-                <a16:creationId xmlns:a16="http://schemas.microsoft.com/office/drawing/2014/main" id="{08ECA0DC-7CB2-4A35-A98B-5E1566C95E4C}"/>
-              </a:ext>
-            </a:extLst>
-          </p:cNvPr>
-          <p:cNvSpPr>
-            <a:spLocks noGrp="1"/>
-          </p:cNvSpPr>
-          <p:nvPr>
-            <p:ph type="title"/>
-          </p:nvPr>
-        </p:nvSpPr>
-        <p:spPr/>
-        <p:txBody>
-          <a:bodyPr/>
-          <a:lstStyle/>
-          <a:p>
-            <a:r>
-              <a:rPr lang="en-US" dirty="0"/>
-              <a:t>Power Query SDK</a:t>
-            </a:r>
-          </a:p>
-        </p:txBody>
-      </p:sp>
-      <p:pic>
-        <p:nvPicPr>
-          <p:cNvPr id="3" name="Picture 2">
-            <a:extLst>
-              <a:ext uri="{FF2B5EF4-FFF2-40B4-BE49-F238E27FC236}">
-                <a16:creationId xmlns:a16="http://schemas.microsoft.com/office/drawing/2014/main" id="{C8B613CB-5EDD-47EB-BD06-1E2DF81205B6}"/>
-              </a:ext>
-            </a:extLst>
-          </p:cNvPr>
-          <p:cNvPicPr>
-            <a:picLocks noChangeAspect="1"/>
-          </p:cNvPicPr>
-          <p:nvPr/>
-        </p:nvPicPr>
-        <p:blipFill>
-          <a:blip r:embed="rId2"/>
-          <a:stretch>
-            <a:fillRect/>
-          </a:stretch>
-        </p:blipFill>
-        <p:spPr>
-          <a:xfrm>
-            <a:off x="533400" y="1371600"/>
-            <a:ext cx="7416621" cy="3576096"/>
-          </a:xfrm>
-          <a:prstGeom prst="rect">
-            <a:avLst/>
-          </a:prstGeom>
-        </p:spPr>
-      </p:pic>
-    </p:spTree>
-    <p:extLst>
-      <p:ext uri="{BB962C8B-B14F-4D97-AF65-F5344CB8AC3E}">
-        <p14:creationId xmlns:p14="http://schemas.microsoft.com/office/powerpoint/2010/main" val="3710036595"/>
-      </p:ext>
-    </p:extLst>
-  </p:cSld>
-  <p:clrMapOvr>
-    <a:masterClrMapping/>
-  </p:clrMapOvr>
-</p:sld>
-</file>
-
-<file path=ppt/slides/slide48.xml><?xml version="1.0" encoding="utf-8"?>
-<p:sld xmlns:a="http://schemas.openxmlformats.org/drawingml/2006/main" xmlns:r="http://schemas.openxmlformats.org/officeDocument/2006/relationships" xmlns:p="http://schemas.openxmlformats.org/presentationml/2006/main">
-  <p:cSld>
-    <p:spTree>
-      <p:nvGrpSpPr>
-        <p:cNvPr id="1" name=""/>
-        <p:cNvGrpSpPr/>
-        <p:nvPr/>
-      </p:nvGrpSpPr>
-      <p:grpSpPr>
-        <a:xfrm>
-          <a:off x="0" y="0"/>
-          <a:ext cx="0" cy="0"/>
-          <a:chOff x="0" y="0"/>
-          <a:chExt cx="0" cy="0"/>
-        </a:xfrm>
-      </p:grpSpPr>
-      <p:sp>
-        <p:nvSpPr>
-          <p:cNvPr id="2" name="Title 1">
-            <a:extLst>
-              <a:ext uri="{FF2B5EF4-FFF2-40B4-BE49-F238E27FC236}">
-                <a16:creationId xmlns:a16="http://schemas.microsoft.com/office/drawing/2014/main" id="{08ECA0DC-7CB2-4A35-A98B-5E1566C95E4C}"/>
-              </a:ext>
-            </a:extLst>
-          </p:cNvPr>
-          <p:cNvSpPr>
-            <a:spLocks noGrp="1"/>
-          </p:cNvSpPr>
-          <p:nvPr>
-            <p:ph type="title"/>
-          </p:nvPr>
-        </p:nvSpPr>
-        <p:spPr/>
-        <p:txBody>
-          <a:bodyPr/>
-          <a:lstStyle/>
-          <a:p>
-            <a:r>
-              <a:rPr lang="en-US" dirty="0"/>
-              <a:t>Creating a New Data Connector Project</a:t>
-            </a:r>
-          </a:p>
-        </p:txBody>
-      </p:sp>
-      <p:pic>
-        <p:nvPicPr>
-          <p:cNvPr id="3" name="Picture 2">
-            <a:extLst>
-              <a:ext uri="{FF2B5EF4-FFF2-40B4-BE49-F238E27FC236}">
-                <a16:creationId xmlns:a16="http://schemas.microsoft.com/office/drawing/2014/main" id="{E1AFC78A-E672-49C1-80D6-35CA22733AA2}"/>
-              </a:ext>
-            </a:extLst>
-          </p:cNvPr>
-          <p:cNvPicPr>
-            <a:picLocks noChangeAspect="1"/>
-          </p:cNvPicPr>
-          <p:nvPr/>
-        </p:nvPicPr>
-        <p:blipFill>
-          <a:blip r:embed="rId2"/>
-          <a:stretch>
-            <a:fillRect/>
-          </a:stretch>
-        </p:blipFill>
-        <p:spPr>
-          <a:xfrm>
-            <a:off x="609600" y="1295400"/>
-            <a:ext cx="7620000" cy="4143055"/>
-          </a:xfrm>
-          <a:prstGeom prst="rect">
-            <a:avLst/>
-          </a:prstGeom>
-        </p:spPr>
-      </p:pic>
-    </p:spTree>
-    <p:extLst>
-      <p:ext uri="{BB962C8B-B14F-4D97-AF65-F5344CB8AC3E}">
-        <p14:creationId xmlns:p14="http://schemas.microsoft.com/office/powerpoint/2010/main" val="2902059748"/>
-      </p:ext>
-    </p:extLst>
-  </p:cSld>
-  <p:clrMapOvr>
-    <a:masterClrMapping/>
-  </p:clrMapOvr>
-</p:sld>
-</file>
-
-<file path=ppt/slides/slide49.xml><?xml version="1.0" encoding="utf-8"?>
-<p:sld xmlns:a="http://schemas.openxmlformats.org/drawingml/2006/main" xmlns:r="http://schemas.openxmlformats.org/officeDocument/2006/relationships" xmlns:p="http://schemas.openxmlformats.org/presentationml/2006/main">
-  <p:cSld>
-    <p:spTree>
-      <p:nvGrpSpPr>
-        <p:cNvPr id="1" name=""/>
-        <p:cNvGrpSpPr/>
-        <p:nvPr/>
-      </p:nvGrpSpPr>
-      <p:grpSpPr>
-        <a:xfrm>
-          <a:off x="0" y="0"/>
-          <a:ext cx="0" cy="0"/>
-          <a:chOff x="0" y="0"/>
-          <a:chExt cx="0" cy="0"/>
-        </a:xfrm>
-      </p:grpSpPr>
-      <p:sp>
-        <p:nvSpPr>
-          <p:cNvPr id="2" name="Title 1">
-            <a:extLst>
-              <a:ext uri="{FF2B5EF4-FFF2-40B4-BE49-F238E27FC236}">
-                <a16:creationId xmlns:a16="http://schemas.microsoft.com/office/drawing/2014/main" id="{8704F4CD-9880-45D9-99BA-0D792C88B9A2}"/>
-              </a:ext>
-            </a:extLst>
-          </p:cNvPr>
-          <p:cNvSpPr>
-            <a:spLocks noGrp="1"/>
-          </p:cNvSpPr>
-          <p:nvPr>
-            <p:ph type="title"/>
-          </p:nvPr>
-        </p:nvSpPr>
-        <p:spPr/>
-        <p:txBody>
-          <a:bodyPr/>
-          <a:lstStyle/>
-          <a:p>
-            <a:r>
-              <a:rPr lang="en-US" dirty="0"/>
-              <a:t>Summary</a:t>
-            </a:r>
-          </a:p>
-        </p:txBody>
-      </p:sp>
-      <p:sp>
-        <p:nvSpPr>
-          <p:cNvPr id="3" name="Content Placeholder 2">
-            <a:extLst>
-              <a:ext uri="{FF2B5EF4-FFF2-40B4-BE49-F238E27FC236}">
-                <a16:creationId xmlns:a16="http://schemas.microsoft.com/office/drawing/2014/main" id="{F8FD7ADC-9293-4196-9E30-994BBD372879}"/>
-              </a:ext>
-            </a:extLst>
-          </p:cNvPr>
-          <p:cNvSpPr>
-            <a:spLocks noGrp="1"/>
-          </p:cNvSpPr>
-          <p:nvPr>
-            <p:ph idx="1"/>
-          </p:nvPr>
-        </p:nvSpPr>
-        <p:spPr/>
-        <p:txBody>
-          <a:bodyPr/>
-          <a:lstStyle/>
-          <a:p>
-            <a:pPr>
-              <a:buFont typeface="Wingdings" panose="05000000000000000000" pitchFamily="2" charset="2"/>
-              <a:buChar char="ü"/>
-            </a:pPr>
-            <a:r>
-              <a:rPr lang="en-US" dirty="0"/>
-              <a:t>Power Query Mashup Engine</a:t>
-            </a:r>
-          </a:p>
-          <a:p>
-            <a:pPr>
-              <a:buFont typeface="Wingdings" panose="05000000000000000000" pitchFamily="2" charset="2"/>
-              <a:buChar char="ü"/>
-            </a:pPr>
-            <a:r>
-              <a:rPr lang="en-US" dirty="0"/>
-              <a:t>M Programming Fundamentals</a:t>
-            </a:r>
-          </a:p>
-          <a:p>
-            <a:pPr>
-              <a:buFont typeface="Wingdings" panose="05000000000000000000" pitchFamily="2" charset="2"/>
-              <a:buChar char="ü"/>
-            </a:pPr>
-            <a:r>
-              <a:rPr lang="en-US" dirty="0"/>
-              <a:t>M Function Library</a:t>
-            </a:r>
-          </a:p>
-          <a:p>
-            <a:pPr>
-              <a:buFont typeface="Wingdings" panose="05000000000000000000" pitchFamily="2" charset="2"/>
-              <a:buChar char="ü"/>
-            </a:pPr>
-            <a:r>
-              <a:rPr lang="en-US" dirty="0"/>
-              <a:t>Query Functions</a:t>
-            </a:r>
-          </a:p>
-          <a:p>
-            <a:pPr>
-              <a:buFont typeface="Wingdings" panose="05000000000000000000" pitchFamily="2" charset="2"/>
-              <a:buChar char="ü"/>
-            </a:pPr>
-            <a:r>
-              <a:rPr lang="en-US" dirty="0"/>
-              <a:t>Query Parameters</a:t>
-            </a:r>
-          </a:p>
-          <a:p>
-            <a:pPr>
-              <a:buFont typeface="Wingdings" panose="05000000000000000000" pitchFamily="2" charset="2"/>
               <a:buChar char="ü"/>
             </a:pPr>
             <a:r>
@@ -18751,7 +19038,7 @@
 </p:sld>
 </file>
 
-<file path=ppt/slides/slide5.xml><?xml version="1.0" encoding="utf-8"?>
+<file path=ppt/slides/slide6.xml><?xml version="1.0" encoding="utf-8"?>
 <p:sld xmlns:a="http://schemas.openxmlformats.org/drawingml/2006/main" xmlns:r="http://schemas.openxmlformats.org/officeDocument/2006/relationships" xmlns:p="http://schemas.openxmlformats.org/presentationml/2006/main">
   <p:cSld>
     <p:spTree>
@@ -19076,7 +19363,7 @@
 </p:sld>
 </file>
 
-<file path=ppt/slides/slide6.xml><?xml version="1.0" encoding="utf-8"?>
+<file path=ppt/slides/slide7.xml><?xml version="1.0" encoding="utf-8"?>
 <p:sld xmlns:a="http://schemas.openxmlformats.org/drawingml/2006/main" xmlns:r="http://schemas.openxmlformats.org/officeDocument/2006/relationships" xmlns:p="http://schemas.openxmlformats.org/presentationml/2006/main">
   <p:cSld>
     <p:spTree>
@@ -19660,7 +19947,7 @@
 </p:sld>
 </file>
 
-<file path=ppt/slides/slide7.xml><?xml version="1.0" encoding="utf-8"?>
+<file path=ppt/slides/slide8.xml><?xml version="1.0" encoding="utf-8"?>
 <p:sld xmlns:a="http://schemas.openxmlformats.org/drawingml/2006/main" xmlns:r="http://schemas.openxmlformats.org/officeDocument/2006/relationships" xmlns:p="http://schemas.openxmlformats.org/presentationml/2006/main">
   <p:cSld>
     <p:spTree>
@@ -19835,7 +20122,7 @@
 </p:sld>
 </file>
 
-<file path=ppt/slides/slide8.xml><?xml version="1.0" encoding="utf-8"?>
+<file path=ppt/slides/slide9.xml><?xml version="1.0" encoding="utf-8"?>
 <p:sld xmlns:a="http://schemas.openxmlformats.org/drawingml/2006/main" xmlns:r="http://schemas.openxmlformats.org/officeDocument/2006/relationships" xmlns:p="http://schemas.openxmlformats.org/presentationml/2006/main">
   <p:cSld>
     <p:spTree>
@@ -20145,200 +20432,6 @@
     <p:extLst>
       <p:ext uri="{BB962C8B-B14F-4D97-AF65-F5344CB8AC3E}">
         <p14:creationId xmlns:p14="http://schemas.microsoft.com/office/powerpoint/2010/main" val="1535158738"/>
-      </p:ext>
-    </p:extLst>
-  </p:cSld>
-  <p:clrMapOvr>
-    <a:masterClrMapping/>
-  </p:clrMapOvr>
-</p:sld>
-</file>
-
-<file path=ppt/slides/slide9.xml><?xml version="1.0" encoding="utf-8"?>
-<p:sld xmlns:a="http://schemas.openxmlformats.org/drawingml/2006/main" xmlns:r="http://schemas.openxmlformats.org/officeDocument/2006/relationships" xmlns:p="http://schemas.openxmlformats.org/presentationml/2006/main">
-  <p:cSld>
-    <p:spTree>
-      <p:nvGrpSpPr>
-        <p:cNvPr id="1" name=""/>
-        <p:cNvGrpSpPr/>
-        <p:nvPr/>
-      </p:nvGrpSpPr>
-      <p:grpSpPr>
-        <a:xfrm>
-          <a:off x="0" y="0"/>
-          <a:ext cx="0" cy="0"/>
-          <a:chOff x="0" y="0"/>
-          <a:chExt cx="0" cy="0"/>
-        </a:xfrm>
-      </p:grpSpPr>
-      <p:sp>
-        <p:nvSpPr>
-          <p:cNvPr id="2" name="Title 1">
-            <a:extLst>
-              <a:ext uri="{FF2B5EF4-FFF2-40B4-BE49-F238E27FC236}">
-                <a16:creationId xmlns:a16="http://schemas.microsoft.com/office/drawing/2014/main" id="{E9997D16-6D3D-4FB2-81BB-4A6435A4D064}"/>
-              </a:ext>
-            </a:extLst>
-          </p:cNvPr>
-          <p:cNvSpPr>
-            <a:spLocks noGrp="1"/>
-          </p:cNvSpPr>
-          <p:nvPr>
-            <p:ph type="title"/>
-          </p:nvPr>
-        </p:nvSpPr>
-        <p:spPr/>
-        <p:txBody>
-          <a:bodyPr/>
-          <a:lstStyle/>
-          <a:p>
-            <a:r>
-              <a:rPr lang="en-US" dirty="0"/>
-              <a:t>"More" Advanced Editors</a:t>
-            </a:r>
-          </a:p>
-        </p:txBody>
-      </p:sp>
-      <p:sp>
-        <p:nvSpPr>
-          <p:cNvPr id="3" name="Content Placeholder 2">
-            <a:extLst>
-              <a:ext uri="{FF2B5EF4-FFF2-40B4-BE49-F238E27FC236}">
-                <a16:creationId xmlns:a16="http://schemas.microsoft.com/office/drawing/2014/main" id="{31914C8E-E86B-4F35-AAB3-1429B2F5FE92}"/>
-              </a:ext>
-            </a:extLst>
-          </p:cNvPr>
-          <p:cNvSpPr>
-            <a:spLocks noGrp="1"/>
-          </p:cNvSpPr>
-          <p:nvPr>
-            <p:ph idx="1"/>
-          </p:nvPr>
-        </p:nvSpPr>
-        <p:spPr/>
-        <p:txBody>
-          <a:bodyPr>
-            <a:normAutofit/>
-          </a:bodyPr>
-          <a:lstStyle/>
-          <a:p>
-            <a:r>
-              <a:rPr lang="en-US" sz="2400" dirty="0"/>
-              <a:t>Lars Schreiber’s M extension for Notepad++</a:t>
-            </a:r>
-          </a:p>
-          <a:p>
-            <a:pPr lvl="1"/>
-            <a:r>
-              <a:rPr lang="en-US" sz="1600" dirty="0">
-                <a:hlinkClick r:id="rId2"/>
-              </a:rPr>
-              <a:t>https://ssbi-blog.de/technical-topics-english/power-query-editor-using-notepad/</a:t>
-            </a:r>
-            <a:r>
-              <a:rPr lang="en-US" sz="1600" dirty="0"/>
-              <a:t> </a:t>
-            </a:r>
-          </a:p>
-          <a:p>
-            <a:pPr lvl="1"/>
-            <a:endParaRPr lang="en-US" sz="1600" dirty="0"/>
-          </a:p>
-          <a:p>
-            <a:r>
-              <a:rPr lang="en-US" sz="2400" dirty="0"/>
-              <a:t>Visual Studio Code with M Query Extensions</a:t>
-            </a:r>
-          </a:p>
-          <a:p>
-            <a:pPr lvl="1"/>
-            <a:r>
-              <a:rPr lang="en-US" sz="1600" dirty="0">
-                <a:hlinkClick r:id="rId3"/>
-              </a:rPr>
-              <a:t>https://insightsquest.com/2017/10/05/m-query-extension-for-visual-studio-code/</a:t>
-            </a:r>
-            <a:r>
-              <a:rPr lang="en-US" sz="1600" dirty="0"/>
-              <a:t> </a:t>
-            </a:r>
-          </a:p>
-          <a:p>
-            <a:pPr lvl="1"/>
-            <a:endParaRPr lang="en-US" sz="1600" dirty="0"/>
-          </a:p>
-          <a:p>
-            <a:r>
-              <a:rPr lang="en-US" sz="2400" dirty="0"/>
-              <a:t>Visual Studio 2017 (or 2015) with the Power Query SDK</a:t>
-            </a:r>
-          </a:p>
-          <a:p>
-            <a:pPr lvl="1"/>
-            <a:r>
-              <a:rPr lang="en-US" sz="1600" dirty="0">
-                <a:hlinkClick r:id="rId4"/>
-              </a:rPr>
-              <a:t>https://marketplace.visualstudio.com/items?itemName=Dakahn.PowerQuerySDK</a:t>
-            </a:r>
-            <a:r>
-              <a:rPr lang="en-US" sz="1600" dirty="0"/>
-              <a:t> </a:t>
-            </a:r>
-          </a:p>
-        </p:txBody>
-      </p:sp>
-      <p:pic>
-        <p:nvPicPr>
-          <p:cNvPr id="4" name="Picture 2" descr="Image result for warrior with shield">
-            <a:extLst>
-              <a:ext uri="{FF2B5EF4-FFF2-40B4-BE49-F238E27FC236}">
-                <a16:creationId xmlns:a16="http://schemas.microsoft.com/office/drawing/2014/main" id="{63E2B93D-25DA-423E-B829-E159573CE78B}"/>
-              </a:ext>
-            </a:extLst>
-          </p:cNvPr>
-          <p:cNvPicPr>
-            <a:picLocks noChangeAspect="1" noChangeArrowheads="1"/>
-          </p:cNvPicPr>
-          <p:nvPr/>
-        </p:nvPicPr>
-        <p:blipFill>
-          <a:blip r:embed="rId5" cstate="print">
-            <a:extLst>
-              <a:ext uri="{28A0092B-C50C-407E-A947-70E740481C1C}">
-                <a14:useLocalDpi xmlns:a14="http://schemas.microsoft.com/office/drawing/2010/main" val="0"/>
-              </a:ext>
-            </a:extLst>
-          </a:blip>
-          <a:srcRect/>
-          <a:stretch>
-            <a:fillRect/>
-          </a:stretch>
-        </p:blipFill>
-        <p:spPr bwMode="auto">
-          <a:xfrm>
-            <a:off x="5638800" y="4800600"/>
-            <a:ext cx="3386667" cy="1905000"/>
-          </a:xfrm>
-          <a:prstGeom prst="rect">
-            <a:avLst/>
-          </a:prstGeom>
-          <a:noFill/>
-          <a:extLst>
-            <a:ext uri="{909E8E84-426E-40DD-AFC4-6F175D3DCCD1}">
-              <a14:hiddenFill xmlns:a14="http://schemas.microsoft.com/office/drawing/2010/main">
-                <a:solidFill>
-                  <a:srgbClr val="FFFFFF"/>
-                </a:solidFill>
-              </a14:hiddenFill>
-            </a:ext>
-          </a:extLst>
-        </p:spPr>
-      </p:pic>
-    </p:spTree>
-    <p:extLst>
-      <p:ext uri="{BB962C8B-B14F-4D97-AF65-F5344CB8AC3E}">
-        <p14:creationId xmlns:p14="http://schemas.microsoft.com/office/powerpoint/2010/main" val="4173345273"/>
       </p:ext>
     </p:extLst>
   </p:cSld>
@@ -21178,12 +21271,6 @@
 </file>
 
 <file path=customXml/item1.xml><?xml version="1.0" encoding="utf-8"?>
-<p:properties xmlns:p="http://schemas.microsoft.com/office/2006/metadata/properties" xmlns:xsi="http://www.w3.org/2001/XMLSchema-instance">
-  <documentManagement/>
-</p:properties>
-</file>
-
-<file path=customXml/item2.xml><?xml version="1.0" encoding="utf-8"?>
 <ct:contentTypeSchema xmlns:ct="http://schemas.microsoft.com/office/2006/metadata/contentType" xmlns:ma="http://schemas.microsoft.com/office/2006/metadata/properties/metaAttributes" ct:_="" ma:_="" ma:contentTypeName="Document" ma:contentTypeID="0x01010043F7775CCE86F349BB7C51FB3CE6B150" ma:contentTypeVersion="0" ma:contentTypeDescription="Create a new document." ma:contentTypeScope="" ma:versionID="bb563817a2861b6b5994bd26a2ba9e40">
   <xsd:schema xmlns:xsd="http://www.w3.org/2001/XMLSchema" xmlns:xs="http://www.w3.org/2001/XMLSchema" xmlns:p="http://schemas.microsoft.com/office/2006/metadata/properties" targetNamespace="http://schemas.microsoft.com/office/2006/metadata/properties" ma:root="true" ma:fieldsID="c64490b4aec6201516c3a874156f37b2">
     <xsd:element name="properties">
@@ -21297,13 +21384,19 @@
 </ct:contentTypeSchema>
 </file>
 
-<file path=customXml/item3.xml><?xml version="1.0" encoding="utf-8"?>
+<file path=customXml/item2.xml><?xml version="1.0" encoding="utf-8"?>
 <?mso-contentType ?>
 <FormTemplates xmlns="http://schemas.microsoft.com/sharepoint/v3/contenttype/forms">
   <Display>DocumentLibraryForm</Display>
   <Edit>DocumentLibraryForm</Edit>
   <New>DocumentLibraryForm</New>
 </FormTemplates>
+</file>
+
+<file path=customXml/item3.xml><?xml version="1.0" encoding="utf-8"?>
+<p:properties xmlns:p="http://schemas.microsoft.com/office/2006/metadata/properties" xmlns:xsi="http://www.w3.org/2001/XMLSchema-instance">
+  <documentManagement/>
+</p:properties>
 </file>
 
 <file path=customXml/item4.xml><?xml version="1.0" encoding="utf-8"?>
@@ -21457,21 +21550,6 @@
 </file>
 
 <file path=customXml/itemProps1.xml><?xml version="1.0" encoding="utf-8"?>
-<ds:datastoreItem xmlns:ds="http://schemas.openxmlformats.org/officeDocument/2006/customXml" ds:itemID="{A5547237-B119-45CA-BEFC-A2DA2BDB03E7}">
-  <ds:schemaRefs>
-    <ds:schemaRef ds:uri="http://schemas.microsoft.com/office/2006/metadata/properties"/>
-    <ds:schemaRef ds:uri="http://schemas.microsoft.com/office/infopath/2007/PartnerControls"/>
-    <ds:schemaRef ds:uri="http://schemas.openxmlformats.org/package/2006/metadata/core-properties"/>
-    <ds:schemaRef ds:uri="http://schemas.microsoft.com/office/2006/documentManagement/types"/>
-    <ds:schemaRef ds:uri="http://purl.org/dc/elements/1.1/"/>
-    <ds:schemaRef ds:uri="http://www.w3.org/XML/1998/namespace"/>
-    <ds:schemaRef ds:uri="http://purl.org/dc/dcmitype/"/>
-    <ds:schemaRef ds:uri="http://purl.org/dc/terms/"/>
-  </ds:schemaRefs>
-</ds:datastoreItem>
-</file>
-
-<file path=customXml/itemProps2.xml><?xml version="1.0" encoding="utf-8"?>
 <ds:datastoreItem xmlns:ds="http://schemas.openxmlformats.org/officeDocument/2006/customXml" ds:itemID="{63F8C001-70B3-4AE4-BEC2-202AE4E30C7A}">
   <ds:schemaRefs>
     <ds:schemaRef ds:uri="http://schemas.microsoft.com/office/2006/metadata/contentType"/>
@@ -21487,10 +21565,25 @@
 </ds:datastoreItem>
 </file>
 
-<file path=customXml/itemProps3.xml><?xml version="1.0" encoding="utf-8"?>
+<file path=customXml/itemProps2.xml><?xml version="1.0" encoding="utf-8"?>
 <ds:datastoreItem xmlns:ds="http://schemas.openxmlformats.org/officeDocument/2006/customXml" ds:itemID="{6034B84F-8F8E-48B7-9EFF-C7DE1A66BD73}">
   <ds:schemaRefs>
     <ds:schemaRef ds:uri="http://schemas.microsoft.com/sharepoint/v3/contenttype/forms"/>
+  </ds:schemaRefs>
+</ds:datastoreItem>
+</file>
+
+<file path=customXml/itemProps3.xml><?xml version="1.0" encoding="utf-8"?>
+<ds:datastoreItem xmlns:ds="http://schemas.openxmlformats.org/officeDocument/2006/customXml" ds:itemID="{A5547237-B119-45CA-BEFC-A2DA2BDB03E7}">
+  <ds:schemaRefs>
+    <ds:schemaRef ds:uri="http://schemas.microsoft.com/office/2006/documentManagement/types"/>
+    <ds:schemaRef ds:uri="http://schemas.openxmlformats.org/package/2006/metadata/core-properties"/>
+    <ds:schemaRef ds:uri="http://schemas.microsoft.com/office/2006/metadata/properties"/>
+    <ds:schemaRef ds:uri="http://purl.org/dc/terms/"/>
+    <ds:schemaRef ds:uri="http://www.w3.org/XML/1998/namespace"/>
+    <ds:schemaRef ds:uri="http://purl.org/dc/elements/1.1/"/>
+    <ds:schemaRef ds:uri="http://schemas.microsoft.com/office/infopath/2007/PartnerControls"/>
+    <ds:schemaRef ds:uri="http://purl.org/dc/dcmitype/"/>
   </ds:schemaRefs>
 </ds:datastoreItem>
 </file>

--- a/Introduction to M Programming for the Power BI Warrior.pptx
+++ b/Introduction to M Programming for the Power BI Warrior.pptx
@@ -4167,6 +4167,276 @@
   <p:clrMapOvr>
     <a:masterClrMapping/>
   </p:clrMapOvr>
+  <p:timing>
+    <p:tnLst>
+      <p:par>
+        <p:cTn id="1" dur="indefinite" restart="never" nodeType="tmRoot">
+          <p:childTnLst>
+            <p:seq concurrent="1" nextAc="seek">
+              <p:cTn id="2" dur="indefinite" nodeType="mainSeq">
+                <p:childTnLst>
+                  <p:par>
+                    <p:cTn id="3" fill="hold">
+                      <p:stCondLst>
+                        <p:cond delay="indefinite"/>
+                      </p:stCondLst>
+                      <p:childTnLst>
+                        <p:par>
+                          <p:cTn id="4" fill="hold">
+                            <p:stCondLst>
+                              <p:cond delay="0"/>
+                            </p:stCondLst>
+                            <p:childTnLst>
+                              <p:par>
+                                <p:cTn id="5" presetID="1" presetClass="entr" presetSubtype="0" fill="hold" nodeType="clickEffect">
+                                  <p:stCondLst>
+                                    <p:cond delay="0"/>
+                                  </p:stCondLst>
+                                  <p:childTnLst>
+                                    <p:set>
+                                      <p:cBhvr>
+                                        <p:cTn id="6" dur="1" fill="hold">
+                                          <p:stCondLst>
+                                            <p:cond delay="0"/>
+                                          </p:stCondLst>
+                                        </p:cTn>
+                                        <p:tgtEl>
+                                          <p:spTgt spid="3">
+                                            <p:txEl>
+                                              <p:pRg st="0" end="0"/>
+                                            </p:txEl>
+                                          </p:spTgt>
+                                        </p:tgtEl>
+                                        <p:attrNameLst>
+                                          <p:attrName>style.visibility</p:attrName>
+                                        </p:attrNameLst>
+                                      </p:cBhvr>
+                                      <p:to>
+                                        <p:strVal val="visible"/>
+                                      </p:to>
+                                    </p:set>
+                                  </p:childTnLst>
+                                </p:cTn>
+                              </p:par>
+                              <p:par>
+                                <p:cTn id="7" presetID="1" presetClass="entr" presetSubtype="0" fill="hold" nodeType="withEffect">
+                                  <p:stCondLst>
+                                    <p:cond delay="0"/>
+                                  </p:stCondLst>
+                                  <p:childTnLst>
+                                    <p:set>
+                                      <p:cBhvr>
+                                        <p:cTn id="8" dur="1" fill="hold">
+                                          <p:stCondLst>
+                                            <p:cond delay="0"/>
+                                          </p:stCondLst>
+                                        </p:cTn>
+                                        <p:tgtEl>
+                                          <p:spTgt spid="3">
+                                            <p:txEl>
+                                              <p:pRg st="1" end="1"/>
+                                            </p:txEl>
+                                          </p:spTgt>
+                                        </p:tgtEl>
+                                        <p:attrNameLst>
+                                          <p:attrName>style.visibility</p:attrName>
+                                        </p:attrNameLst>
+                                      </p:cBhvr>
+                                      <p:to>
+                                        <p:strVal val="visible"/>
+                                      </p:to>
+                                    </p:set>
+                                  </p:childTnLst>
+                                </p:cTn>
+                              </p:par>
+                            </p:childTnLst>
+                          </p:cTn>
+                        </p:par>
+                      </p:childTnLst>
+                    </p:cTn>
+                  </p:par>
+                  <p:par>
+                    <p:cTn id="9" fill="hold">
+                      <p:stCondLst>
+                        <p:cond delay="indefinite"/>
+                      </p:stCondLst>
+                      <p:childTnLst>
+                        <p:par>
+                          <p:cTn id="10" fill="hold">
+                            <p:stCondLst>
+                              <p:cond delay="0"/>
+                            </p:stCondLst>
+                            <p:childTnLst>
+                              <p:par>
+                                <p:cTn id="11" presetID="1" presetClass="entr" presetSubtype="0" fill="hold" nodeType="clickEffect">
+                                  <p:stCondLst>
+                                    <p:cond delay="0"/>
+                                  </p:stCondLst>
+                                  <p:childTnLst>
+                                    <p:set>
+                                      <p:cBhvr>
+                                        <p:cTn id="12" dur="1" fill="hold">
+                                          <p:stCondLst>
+                                            <p:cond delay="0"/>
+                                          </p:stCondLst>
+                                        </p:cTn>
+                                        <p:tgtEl>
+                                          <p:spTgt spid="3">
+                                            <p:txEl>
+                                              <p:pRg st="3" end="3"/>
+                                            </p:txEl>
+                                          </p:spTgt>
+                                        </p:tgtEl>
+                                        <p:attrNameLst>
+                                          <p:attrName>style.visibility</p:attrName>
+                                        </p:attrNameLst>
+                                      </p:cBhvr>
+                                      <p:to>
+                                        <p:strVal val="visible"/>
+                                      </p:to>
+                                    </p:set>
+                                  </p:childTnLst>
+                                </p:cTn>
+                              </p:par>
+                              <p:par>
+                                <p:cTn id="13" presetID="1" presetClass="entr" presetSubtype="0" fill="hold" nodeType="withEffect">
+                                  <p:stCondLst>
+                                    <p:cond delay="0"/>
+                                  </p:stCondLst>
+                                  <p:childTnLst>
+                                    <p:set>
+                                      <p:cBhvr>
+                                        <p:cTn id="14" dur="1" fill="hold">
+                                          <p:stCondLst>
+                                            <p:cond delay="0"/>
+                                          </p:stCondLst>
+                                        </p:cTn>
+                                        <p:tgtEl>
+                                          <p:spTgt spid="3">
+                                            <p:txEl>
+                                              <p:pRg st="4" end="4"/>
+                                            </p:txEl>
+                                          </p:spTgt>
+                                        </p:tgtEl>
+                                        <p:attrNameLst>
+                                          <p:attrName>style.visibility</p:attrName>
+                                        </p:attrNameLst>
+                                      </p:cBhvr>
+                                      <p:to>
+                                        <p:strVal val="visible"/>
+                                      </p:to>
+                                    </p:set>
+                                  </p:childTnLst>
+                                </p:cTn>
+                              </p:par>
+                            </p:childTnLst>
+                          </p:cTn>
+                        </p:par>
+                      </p:childTnLst>
+                    </p:cTn>
+                  </p:par>
+                  <p:par>
+                    <p:cTn id="15" fill="hold">
+                      <p:stCondLst>
+                        <p:cond delay="indefinite"/>
+                      </p:stCondLst>
+                      <p:childTnLst>
+                        <p:par>
+                          <p:cTn id="16" fill="hold">
+                            <p:stCondLst>
+                              <p:cond delay="0"/>
+                            </p:stCondLst>
+                            <p:childTnLst>
+                              <p:par>
+                                <p:cTn id="17" presetID="1" presetClass="entr" presetSubtype="0" fill="hold" nodeType="clickEffect">
+                                  <p:stCondLst>
+                                    <p:cond delay="0"/>
+                                  </p:stCondLst>
+                                  <p:childTnLst>
+                                    <p:set>
+                                      <p:cBhvr>
+                                        <p:cTn id="18" dur="1" fill="hold">
+                                          <p:stCondLst>
+                                            <p:cond delay="0"/>
+                                          </p:stCondLst>
+                                        </p:cTn>
+                                        <p:tgtEl>
+                                          <p:spTgt spid="3">
+                                            <p:txEl>
+                                              <p:pRg st="6" end="6"/>
+                                            </p:txEl>
+                                          </p:spTgt>
+                                        </p:tgtEl>
+                                        <p:attrNameLst>
+                                          <p:attrName>style.visibility</p:attrName>
+                                        </p:attrNameLst>
+                                      </p:cBhvr>
+                                      <p:to>
+                                        <p:strVal val="visible"/>
+                                      </p:to>
+                                    </p:set>
+                                  </p:childTnLst>
+                                </p:cTn>
+                              </p:par>
+                              <p:par>
+                                <p:cTn id="19" presetID="1" presetClass="entr" presetSubtype="0" fill="hold" nodeType="withEffect">
+                                  <p:stCondLst>
+                                    <p:cond delay="0"/>
+                                  </p:stCondLst>
+                                  <p:childTnLst>
+                                    <p:set>
+                                      <p:cBhvr>
+                                        <p:cTn id="20" dur="1" fill="hold">
+                                          <p:stCondLst>
+                                            <p:cond delay="0"/>
+                                          </p:stCondLst>
+                                        </p:cTn>
+                                        <p:tgtEl>
+                                          <p:spTgt spid="3">
+                                            <p:txEl>
+                                              <p:pRg st="7" end="7"/>
+                                            </p:txEl>
+                                          </p:spTgt>
+                                        </p:tgtEl>
+                                        <p:attrNameLst>
+                                          <p:attrName>style.visibility</p:attrName>
+                                        </p:attrNameLst>
+                                      </p:cBhvr>
+                                      <p:to>
+                                        <p:strVal val="visible"/>
+                                      </p:to>
+                                    </p:set>
+                                  </p:childTnLst>
+                                </p:cTn>
+                              </p:par>
+                            </p:childTnLst>
+                          </p:cTn>
+                        </p:par>
+                      </p:childTnLst>
+                    </p:cTn>
+                  </p:par>
+                </p:childTnLst>
+              </p:cTn>
+              <p:prevCondLst>
+                <p:cond evt="onPrev" delay="0">
+                  <p:tgtEl>
+                    <p:sldTgt/>
+                  </p:tgtEl>
+                </p:cond>
+              </p:prevCondLst>
+              <p:nextCondLst>
+                <p:cond evt="onNext" delay="0">
+                  <p:tgtEl>
+                    <p:sldTgt/>
+                  </p:tgtEl>
+                </p:cond>
+              </p:nextCondLst>
+            </p:seq>
+          </p:childTnLst>
+        </p:cTn>
+      </p:par>
+    </p:tnLst>
+  </p:timing>
 </p:sld>
 </file>
 
@@ -4294,13 +4564,6 @@
             <a:pPr lvl="1"/>
             <a:r>
               <a:rPr lang="en-US" sz="2000" dirty="0"/>
-              <a:t>Performing transforms on items in a list</a:t>
-            </a:r>
-          </a:p>
-          <a:p>
-            <a:pPr lvl="1"/>
-            <a:r>
-              <a:rPr lang="en-US" sz="2000" dirty="0"/>
               <a:t>Working with query functions</a:t>
             </a:r>
           </a:p>
@@ -4309,6 +4572,13 @@
             <a:r>
               <a:rPr lang="en-US" sz="2000" dirty="0"/>
               <a:t>Performing calculations across rows</a:t>
+            </a:r>
+          </a:p>
+          <a:p>
+            <a:pPr lvl="1"/>
+            <a:r>
+              <a:rPr lang="en-US" sz="2000" dirty="0"/>
+              <a:t>Navigate to SharePoint list by list title instead of GUID with the ID</a:t>
             </a:r>
           </a:p>
           <a:p>
@@ -12898,6 +13168,41 @@
           </a:p>
         </p:txBody>
       </p:sp>
+      <p:pic>
+        <p:nvPicPr>
+          <p:cNvPr id="4" name="Picture 3">
+            <a:extLst>
+              <a:ext uri="{FF2B5EF4-FFF2-40B4-BE49-F238E27FC236}">
+                <a16:creationId xmlns:a16="http://schemas.microsoft.com/office/drawing/2014/main" id="{8D134534-0CB6-44DE-9B38-9B19F03CEF8B}"/>
+              </a:ext>
+            </a:extLst>
+          </p:cNvPr>
+          <p:cNvPicPr>
+            <a:picLocks noChangeAspect="1"/>
+          </p:cNvPicPr>
+          <p:nvPr/>
+        </p:nvPicPr>
+        <p:blipFill>
+          <a:blip r:embed="rId3"/>
+          <a:stretch>
+            <a:fillRect/>
+          </a:stretch>
+        </p:blipFill>
+        <p:spPr>
+          <a:xfrm>
+            <a:off x="838200" y="2209800"/>
+            <a:ext cx="7467600" cy="3819598"/>
+          </a:xfrm>
+          <a:prstGeom prst="rect">
+            <a:avLst/>
+          </a:prstGeom>
+          <a:ln>
+            <a:solidFill>
+              <a:schemeClr val="tx1"/>
+            </a:solidFill>
+          </a:ln>
+        </p:spPr>
+      </p:pic>
     </p:spTree>
     <p:extLst>
       <p:ext uri="{BB962C8B-B14F-4D97-AF65-F5344CB8AC3E}">
@@ -14379,60 +14684,6 @@
       </p:pic>
       <p:sp>
         <p:nvSpPr>
-          <p:cNvPr id="6" name="Arrow: Left 5">
-            <a:extLst>
-              <a:ext uri="{FF2B5EF4-FFF2-40B4-BE49-F238E27FC236}">
-                <a16:creationId xmlns:a16="http://schemas.microsoft.com/office/drawing/2014/main" id="{9B02C8D1-3C34-47D5-AA02-72DBD3929FD0}"/>
-              </a:ext>
-            </a:extLst>
-          </p:cNvPr>
-          <p:cNvSpPr/>
-          <p:nvPr/>
-        </p:nvSpPr>
-        <p:spPr>
-          <a:xfrm>
-            <a:off x="5856051" y="3048000"/>
-            <a:ext cx="685800" cy="304800"/>
-          </a:xfrm>
-          <a:prstGeom prst="leftArrow">
-            <a:avLst/>
-          </a:prstGeom>
-          <a:ln>
-            <a:solidFill>
-              <a:schemeClr val="tx1">
-                <a:lumMod val="50000"/>
-                <a:lumOff val="50000"/>
-              </a:schemeClr>
-            </a:solidFill>
-          </a:ln>
-        </p:spPr>
-        <p:style>
-          <a:lnRef idx="2">
-            <a:schemeClr val="accent1">
-              <a:shade val="50000"/>
-            </a:schemeClr>
-          </a:lnRef>
-          <a:fillRef idx="1">
-            <a:schemeClr val="accent1"/>
-          </a:fillRef>
-          <a:effectRef idx="0">
-            <a:schemeClr val="accent1"/>
-          </a:effectRef>
-          <a:fontRef idx="minor">
-            <a:schemeClr val="lt1"/>
-          </a:fontRef>
-        </p:style>
-        <p:txBody>
-          <a:bodyPr rtlCol="0" anchor="ctr"/>
-          <a:lstStyle/>
-          <a:p>
-            <a:pPr algn="ctr"/>
-            <a:endParaRPr lang="en-US"/>
-          </a:p>
-        </p:txBody>
-      </p:sp>
-      <p:sp>
-        <p:nvSpPr>
           <p:cNvPr id="8" name="Rectangle 7">
             <a:extLst>
               <a:ext uri="{FF2B5EF4-FFF2-40B4-BE49-F238E27FC236}">
@@ -14665,7 +14916,7 @@
         </p:blipFill>
         <p:spPr>
           <a:xfrm>
-            <a:off x="352815" y="1828800"/>
+            <a:off x="358115" y="1828800"/>
             <a:ext cx="8364041" cy="4343400"/>
           </a:xfrm>
           <a:prstGeom prst="rect">
@@ -14678,6 +14929,60 @@
           </a:ln>
         </p:spPr>
       </p:pic>
+      <p:sp>
+        <p:nvSpPr>
+          <p:cNvPr id="6" name="Arrow: Left 5">
+            <a:extLst>
+              <a:ext uri="{FF2B5EF4-FFF2-40B4-BE49-F238E27FC236}">
+                <a16:creationId xmlns:a16="http://schemas.microsoft.com/office/drawing/2014/main" id="{9B02C8D1-3C34-47D5-AA02-72DBD3929FD0}"/>
+              </a:ext>
+            </a:extLst>
+          </p:cNvPr>
+          <p:cNvSpPr/>
+          <p:nvPr/>
+        </p:nvSpPr>
+        <p:spPr>
+          <a:xfrm>
+            <a:off x="5856051" y="3048000"/>
+            <a:ext cx="685800" cy="304800"/>
+          </a:xfrm>
+          <a:prstGeom prst="leftArrow">
+            <a:avLst/>
+          </a:prstGeom>
+          <a:ln>
+            <a:solidFill>
+              <a:schemeClr val="tx1">
+                <a:lumMod val="50000"/>
+                <a:lumOff val="50000"/>
+              </a:schemeClr>
+            </a:solidFill>
+          </a:ln>
+        </p:spPr>
+        <p:style>
+          <a:lnRef idx="2">
+            <a:schemeClr val="accent1">
+              <a:shade val="50000"/>
+            </a:schemeClr>
+          </a:lnRef>
+          <a:fillRef idx="1">
+            <a:schemeClr val="accent1"/>
+          </a:fillRef>
+          <a:effectRef idx="0">
+            <a:schemeClr val="accent1"/>
+          </a:effectRef>
+          <a:fontRef idx="minor">
+            <a:schemeClr val="lt1"/>
+          </a:fontRef>
+        </p:style>
+        <p:txBody>
+          <a:bodyPr rtlCol="0" anchor="ctr"/>
+          <a:lstStyle/>
+          <a:p>
+            <a:pPr algn="ctr"/>
+            <a:endParaRPr lang="en-US"/>
+          </a:p>
+        </p:txBody>
+      </p:sp>
     </p:spTree>
     <p:extLst>
       <p:ext uri="{BB962C8B-B14F-4D97-AF65-F5344CB8AC3E}">
@@ -15334,14 +15639,6 @@
               <a:t>Let's look at the execution of this query using Fiddler</a:t>
             </a:r>
           </a:p>
-          <a:p>
-            <a:pPr lvl="1"/>
-            <a:endParaRPr lang="en-US" sz="2000" dirty="0"/>
-          </a:p>
-          <a:p>
-            <a:pPr lvl="1"/>
-            <a:endParaRPr lang="en-US" sz="2000" dirty="0"/>
-          </a:p>
         </p:txBody>
       </p:sp>
       <p:pic>
@@ -15392,6 +15689,116 @@
   <p:clrMapOvr>
     <a:masterClrMapping/>
   </p:clrMapOvr>
+  <p:timing>
+    <p:tnLst>
+      <p:par>
+        <p:cTn id="1" dur="indefinite" restart="never" nodeType="tmRoot">
+          <p:childTnLst>
+            <p:seq concurrent="1" nextAc="seek">
+              <p:cTn id="2" dur="indefinite" nodeType="mainSeq">
+                <p:childTnLst>
+                  <p:par>
+                    <p:cTn id="3" fill="hold">
+                      <p:stCondLst>
+                        <p:cond delay="indefinite"/>
+                      </p:stCondLst>
+                      <p:childTnLst>
+                        <p:par>
+                          <p:cTn id="4" fill="hold">
+                            <p:stCondLst>
+                              <p:cond delay="0"/>
+                            </p:stCondLst>
+                            <p:childTnLst>
+                              <p:par>
+                                <p:cTn id="5" presetID="1" presetClass="entr" presetSubtype="0" fill="hold" nodeType="clickEffect">
+                                  <p:stCondLst>
+                                    <p:cond delay="0"/>
+                                  </p:stCondLst>
+                                  <p:childTnLst>
+                                    <p:set>
+                                      <p:cBhvr>
+                                        <p:cTn id="6" dur="1" fill="hold">
+                                          <p:stCondLst>
+                                            <p:cond delay="0"/>
+                                          </p:stCondLst>
+                                        </p:cTn>
+                                        <p:tgtEl>
+                                          <p:spTgt spid="3">
+                                            <p:txEl>
+                                              <p:pRg st="10" end="10"/>
+                                            </p:txEl>
+                                          </p:spTgt>
+                                        </p:tgtEl>
+                                        <p:attrNameLst>
+                                          <p:attrName>style.visibility</p:attrName>
+                                        </p:attrNameLst>
+                                      </p:cBhvr>
+                                      <p:to>
+                                        <p:strVal val="visible"/>
+                                      </p:to>
+                                    </p:set>
+                                  </p:childTnLst>
+                                </p:cTn>
+                              </p:par>
+                              <p:par>
+                                <p:cTn id="7" presetID="1" presetClass="entr" presetSubtype="0" fill="hold" nodeType="withEffect">
+                                  <p:stCondLst>
+                                    <p:cond delay="0"/>
+                                  </p:stCondLst>
+                                  <p:childTnLst>
+                                    <p:set>
+                                      <p:cBhvr>
+                                        <p:cTn id="8" dur="1" fill="hold">
+                                          <p:stCondLst>
+                                            <p:cond delay="0"/>
+                                          </p:stCondLst>
+                                        </p:cTn>
+                                        <p:tgtEl>
+                                          <p:spTgt spid="3">
+                                            <p:txEl>
+                                              <p:pRg st="11" end="11"/>
+                                            </p:txEl>
+                                          </p:spTgt>
+                                        </p:tgtEl>
+                                        <p:attrNameLst>
+                                          <p:attrName>style.visibility</p:attrName>
+                                        </p:attrNameLst>
+                                      </p:cBhvr>
+                                      <p:to>
+                                        <p:strVal val="visible"/>
+                                      </p:to>
+                                    </p:set>
+                                  </p:childTnLst>
+                                </p:cTn>
+                              </p:par>
+                            </p:childTnLst>
+                          </p:cTn>
+                        </p:par>
+                      </p:childTnLst>
+                    </p:cTn>
+                  </p:par>
+                </p:childTnLst>
+              </p:cTn>
+              <p:prevCondLst>
+                <p:cond evt="onPrev" delay="0">
+                  <p:tgtEl>
+                    <p:sldTgt/>
+                  </p:tgtEl>
+                </p:cond>
+              </p:prevCondLst>
+              <p:nextCondLst>
+                <p:cond evt="onNext" delay="0">
+                  <p:tgtEl>
+                    <p:sldTgt/>
+                  </p:tgtEl>
+                </p:cond>
+              </p:nextCondLst>
+            </p:seq>
+          </p:childTnLst>
+        </p:cTn>
+      </p:par>
+    </p:tnLst>
+  </p:timing>
 </p:sld>
 </file>
 
@@ -17888,37 +18295,42 @@
           <a:lstStyle/>
           <a:p>
             <a:r>
-              <a:rPr lang="en-US" sz="2000" dirty="0"/>
+              <a:rPr lang="en-US" sz="1800" dirty="0"/>
               <a:t>Creating a business analyst friendly view for a REST API</a:t>
             </a:r>
           </a:p>
           <a:p>
             <a:r>
-              <a:rPr lang="en-US" sz="2000" dirty="0"/>
-              <a:t>Providing branding for a source that Power Query supports with an existing connector (such as an OData service, or ODBC driver)</a:t>
-            </a:r>
-          </a:p>
-          <a:p>
-            <a:r>
-              <a:rPr lang="en-US" sz="2000" dirty="0"/>
-              <a:t>Implementing an OAuth v2 authentication flow for a SaaS offering</a:t>
-            </a:r>
-          </a:p>
-          <a:p>
-            <a:r>
-              <a:rPr lang="en-US" sz="2000" dirty="0"/>
+              <a:rPr lang="en-US" sz="1800" dirty="0"/>
+              <a:t>Providing branding on top of existing connector (e.g. OData or ODBC driver)</a:t>
+            </a:r>
+          </a:p>
+          <a:p>
+            <a:r>
+              <a:rPr lang="en-US" sz="1800" dirty="0"/>
               <a:t>Exposing a limited/filtered view over your data source to improve usability</a:t>
             </a:r>
           </a:p>
           <a:p>
             <a:r>
-              <a:rPr lang="en-US" sz="2000" dirty="0"/>
-              <a:t>Supporting different authentication modes when creating a Power BI Content Pack</a:t>
-            </a:r>
-          </a:p>
-          <a:p>
-            <a:r>
-              <a:rPr lang="en-US" sz="2000" dirty="0"/>
+              <a:rPr lang="en-US" sz="1800" dirty="0"/>
+              <a:t>Control how mashup engine authenticates against </a:t>
+            </a:r>
+            <a:r>
+              <a:rPr lang="en-US" sz="1800" dirty="0" err="1"/>
+              <a:t>datasource</a:t>
+            </a:r>
+            <a:endParaRPr lang="en-US" sz="1800" dirty="0"/>
+          </a:p>
+          <a:p>
+            <a:r>
+              <a:rPr lang="en-US" sz="1800" dirty="0"/>
+              <a:t>Implementing OAuth v2 authentication flow for a SaaS offering</a:t>
+            </a:r>
+          </a:p>
+          <a:p>
+            <a:r>
+              <a:rPr lang="en-US" sz="1800" dirty="0"/>
               <a:t>Enabling Direct Query for a data source via an ODBC driver</a:t>
             </a:r>
           </a:p>
@@ -17934,6 +18346,330 @@
   <p:clrMapOvr>
     <a:masterClrMapping/>
   </p:clrMapOvr>
+  <p:timing>
+    <p:tnLst>
+      <p:par>
+        <p:cTn id="1" dur="indefinite" restart="never" nodeType="tmRoot">
+          <p:childTnLst>
+            <p:seq concurrent="1" nextAc="seek">
+              <p:cTn id="2" dur="indefinite" nodeType="mainSeq">
+                <p:childTnLst>
+                  <p:par>
+                    <p:cTn id="3" fill="hold">
+                      <p:stCondLst>
+                        <p:cond delay="indefinite"/>
+                      </p:stCondLst>
+                      <p:childTnLst>
+                        <p:par>
+                          <p:cTn id="4" fill="hold">
+                            <p:stCondLst>
+                              <p:cond delay="0"/>
+                            </p:stCondLst>
+                            <p:childTnLst>
+                              <p:par>
+                                <p:cTn id="5" presetID="1" presetClass="entr" presetSubtype="0" fill="hold" nodeType="clickEffect">
+                                  <p:stCondLst>
+                                    <p:cond delay="0"/>
+                                  </p:stCondLst>
+                                  <p:childTnLst>
+                                    <p:set>
+                                      <p:cBhvr>
+                                        <p:cTn id="6" dur="1" fill="hold">
+                                          <p:stCondLst>
+                                            <p:cond delay="0"/>
+                                          </p:stCondLst>
+                                        </p:cTn>
+                                        <p:tgtEl>
+                                          <p:spTgt spid="3">
+                                            <p:txEl>
+                                              <p:pRg st="0" end="0"/>
+                                            </p:txEl>
+                                          </p:spTgt>
+                                        </p:tgtEl>
+                                        <p:attrNameLst>
+                                          <p:attrName>style.visibility</p:attrName>
+                                        </p:attrNameLst>
+                                      </p:cBhvr>
+                                      <p:to>
+                                        <p:strVal val="visible"/>
+                                      </p:to>
+                                    </p:set>
+                                  </p:childTnLst>
+                                </p:cTn>
+                              </p:par>
+                            </p:childTnLst>
+                          </p:cTn>
+                        </p:par>
+                      </p:childTnLst>
+                    </p:cTn>
+                  </p:par>
+                  <p:par>
+                    <p:cTn id="7" fill="hold">
+                      <p:stCondLst>
+                        <p:cond delay="indefinite"/>
+                      </p:stCondLst>
+                      <p:childTnLst>
+                        <p:par>
+                          <p:cTn id="8" fill="hold">
+                            <p:stCondLst>
+                              <p:cond delay="0"/>
+                            </p:stCondLst>
+                            <p:childTnLst>
+                              <p:par>
+                                <p:cTn id="9" presetID="1" presetClass="entr" presetSubtype="0" fill="hold" nodeType="clickEffect">
+                                  <p:stCondLst>
+                                    <p:cond delay="0"/>
+                                  </p:stCondLst>
+                                  <p:childTnLst>
+                                    <p:set>
+                                      <p:cBhvr>
+                                        <p:cTn id="10" dur="1" fill="hold">
+                                          <p:stCondLst>
+                                            <p:cond delay="0"/>
+                                          </p:stCondLst>
+                                        </p:cTn>
+                                        <p:tgtEl>
+                                          <p:spTgt spid="3">
+                                            <p:txEl>
+                                              <p:pRg st="1" end="1"/>
+                                            </p:txEl>
+                                          </p:spTgt>
+                                        </p:tgtEl>
+                                        <p:attrNameLst>
+                                          <p:attrName>style.visibility</p:attrName>
+                                        </p:attrNameLst>
+                                      </p:cBhvr>
+                                      <p:to>
+                                        <p:strVal val="visible"/>
+                                      </p:to>
+                                    </p:set>
+                                  </p:childTnLst>
+                                </p:cTn>
+                              </p:par>
+                            </p:childTnLst>
+                          </p:cTn>
+                        </p:par>
+                      </p:childTnLst>
+                    </p:cTn>
+                  </p:par>
+                  <p:par>
+                    <p:cTn id="11" fill="hold">
+                      <p:stCondLst>
+                        <p:cond delay="indefinite"/>
+                      </p:stCondLst>
+                      <p:childTnLst>
+                        <p:par>
+                          <p:cTn id="12" fill="hold">
+                            <p:stCondLst>
+                              <p:cond delay="0"/>
+                            </p:stCondLst>
+                            <p:childTnLst>
+                              <p:par>
+                                <p:cTn id="13" presetID="1" presetClass="entr" presetSubtype="0" fill="hold" nodeType="clickEffect">
+                                  <p:stCondLst>
+                                    <p:cond delay="0"/>
+                                  </p:stCondLst>
+                                  <p:childTnLst>
+                                    <p:set>
+                                      <p:cBhvr>
+                                        <p:cTn id="14" dur="1" fill="hold">
+                                          <p:stCondLst>
+                                            <p:cond delay="0"/>
+                                          </p:stCondLst>
+                                        </p:cTn>
+                                        <p:tgtEl>
+                                          <p:spTgt spid="3">
+                                            <p:txEl>
+                                              <p:pRg st="2" end="2"/>
+                                            </p:txEl>
+                                          </p:spTgt>
+                                        </p:tgtEl>
+                                        <p:attrNameLst>
+                                          <p:attrName>style.visibility</p:attrName>
+                                        </p:attrNameLst>
+                                      </p:cBhvr>
+                                      <p:to>
+                                        <p:strVal val="visible"/>
+                                      </p:to>
+                                    </p:set>
+                                  </p:childTnLst>
+                                </p:cTn>
+                              </p:par>
+                            </p:childTnLst>
+                          </p:cTn>
+                        </p:par>
+                      </p:childTnLst>
+                    </p:cTn>
+                  </p:par>
+                  <p:par>
+                    <p:cTn id="15" fill="hold">
+                      <p:stCondLst>
+                        <p:cond delay="indefinite"/>
+                      </p:stCondLst>
+                      <p:childTnLst>
+                        <p:par>
+                          <p:cTn id="16" fill="hold">
+                            <p:stCondLst>
+                              <p:cond delay="0"/>
+                            </p:stCondLst>
+                            <p:childTnLst>
+                              <p:par>
+                                <p:cTn id="17" presetID="1" presetClass="entr" presetSubtype="0" fill="hold" nodeType="clickEffect">
+                                  <p:stCondLst>
+                                    <p:cond delay="0"/>
+                                  </p:stCondLst>
+                                  <p:childTnLst>
+                                    <p:set>
+                                      <p:cBhvr>
+                                        <p:cTn id="18" dur="1" fill="hold">
+                                          <p:stCondLst>
+                                            <p:cond delay="0"/>
+                                          </p:stCondLst>
+                                        </p:cTn>
+                                        <p:tgtEl>
+                                          <p:spTgt spid="3">
+                                            <p:txEl>
+                                              <p:pRg st="3" end="3"/>
+                                            </p:txEl>
+                                          </p:spTgt>
+                                        </p:tgtEl>
+                                        <p:attrNameLst>
+                                          <p:attrName>style.visibility</p:attrName>
+                                        </p:attrNameLst>
+                                      </p:cBhvr>
+                                      <p:to>
+                                        <p:strVal val="visible"/>
+                                      </p:to>
+                                    </p:set>
+                                  </p:childTnLst>
+                                </p:cTn>
+                              </p:par>
+                            </p:childTnLst>
+                          </p:cTn>
+                        </p:par>
+                      </p:childTnLst>
+                    </p:cTn>
+                  </p:par>
+                  <p:par>
+                    <p:cTn id="19" fill="hold">
+                      <p:stCondLst>
+                        <p:cond delay="indefinite"/>
+                      </p:stCondLst>
+                      <p:childTnLst>
+                        <p:par>
+                          <p:cTn id="20" fill="hold">
+                            <p:stCondLst>
+                              <p:cond delay="0"/>
+                            </p:stCondLst>
+                            <p:childTnLst>
+                              <p:par>
+                                <p:cTn id="21" presetID="1" presetClass="entr" presetSubtype="0" fill="hold" nodeType="clickEffect">
+                                  <p:stCondLst>
+                                    <p:cond delay="0"/>
+                                  </p:stCondLst>
+                                  <p:childTnLst>
+                                    <p:set>
+                                      <p:cBhvr>
+                                        <p:cTn id="22" dur="1" fill="hold">
+                                          <p:stCondLst>
+                                            <p:cond delay="0"/>
+                                          </p:stCondLst>
+                                        </p:cTn>
+                                        <p:tgtEl>
+                                          <p:spTgt spid="3">
+                                            <p:txEl>
+                                              <p:pRg st="4" end="4"/>
+                                            </p:txEl>
+                                          </p:spTgt>
+                                        </p:tgtEl>
+                                        <p:attrNameLst>
+                                          <p:attrName>style.visibility</p:attrName>
+                                        </p:attrNameLst>
+                                      </p:cBhvr>
+                                      <p:to>
+                                        <p:strVal val="visible"/>
+                                      </p:to>
+                                    </p:set>
+                                  </p:childTnLst>
+                                </p:cTn>
+                              </p:par>
+                            </p:childTnLst>
+                          </p:cTn>
+                        </p:par>
+                      </p:childTnLst>
+                    </p:cTn>
+                  </p:par>
+                  <p:par>
+                    <p:cTn id="23" fill="hold">
+                      <p:stCondLst>
+                        <p:cond delay="indefinite"/>
+                      </p:stCondLst>
+                      <p:childTnLst>
+                        <p:par>
+                          <p:cTn id="24" fill="hold">
+                            <p:stCondLst>
+                              <p:cond delay="0"/>
+                            </p:stCondLst>
+                            <p:childTnLst>
+                              <p:par>
+                                <p:cTn id="25" presetID="1" presetClass="entr" presetSubtype="0" fill="hold" nodeType="clickEffect">
+                                  <p:stCondLst>
+                                    <p:cond delay="0"/>
+                                  </p:stCondLst>
+                                  <p:childTnLst>
+                                    <p:set>
+                                      <p:cBhvr>
+                                        <p:cTn id="26" dur="1" fill="hold">
+                                          <p:stCondLst>
+                                            <p:cond delay="0"/>
+                                          </p:stCondLst>
+                                        </p:cTn>
+                                        <p:tgtEl>
+                                          <p:spTgt spid="3">
+                                            <p:txEl>
+                                              <p:pRg st="5" end="5"/>
+                                            </p:txEl>
+                                          </p:spTgt>
+                                        </p:tgtEl>
+                                        <p:attrNameLst>
+                                          <p:attrName>style.visibility</p:attrName>
+                                        </p:attrNameLst>
+                                      </p:cBhvr>
+                                      <p:to>
+                                        <p:strVal val="visible"/>
+                                      </p:to>
+                                    </p:set>
+                                  </p:childTnLst>
+                                </p:cTn>
+                              </p:par>
+                            </p:childTnLst>
+                          </p:cTn>
+                        </p:par>
+                      </p:childTnLst>
+                    </p:cTn>
+                  </p:par>
+                </p:childTnLst>
+              </p:cTn>
+              <p:prevCondLst>
+                <p:cond evt="onPrev" delay="0">
+                  <p:tgtEl>
+                    <p:sldTgt/>
+                  </p:tgtEl>
+                </p:cond>
+              </p:prevCondLst>
+              <p:nextCondLst>
+                <p:cond evt="onNext" delay="0">
+                  <p:tgtEl>
+                    <p:sldTgt/>
+                  </p:tgtEl>
+                </p:cond>
+              </p:nextCondLst>
+            </p:seq>
+          </p:childTnLst>
+        </p:cTn>
+      </p:par>
+    </p:tnLst>
+  </p:timing>
 </p:sld>
 </file>
 
@@ -21271,6 +22007,21 @@
 </file>
 
 <file path=customXml/item1.xml><?xml version="1.0" encoding="utf-8"?>
+<?mso-contentType ?>
+<FormTemplates xmlns="http://schemas.microsoft.com/sharepoint/v3/contenttype/forms">
+  <Display>DocumentLibraryForm</Display>
+  <Edit>DocumentLibraryForm</Edit>
+  <New>DocumentLibraryForm</New>
+</FormTemplates>
+</file>
+
+<file path=customXml/item2.xml><?xml version="1.0" encoding="utf-8"?>
+<p:properties xmlns:p="http://schemas.microsoft.com/office/2006/metadata/properties" xmlns:xsi="http://www.w3.org/2001/XMLSchema-instance">
+  <documentManagement/>
+</p:properties>
+</file>
+
+<file path=customXml/item3.xml><?xml version="1.0" encoding="utf-8"?>
 <ct:contentTypeSchema xmlns:ct="http://schemas.microsoft.com/office/2006/metadata/contentType" xmlns:ma="http://schemas.microsoft.com/office/2006/metadata/properties/metaAttributes" ct:_="" ma:_="" ma:contentTypeName="Document" ma:contentTypeID="0x01010043F7775CCE86F349BB7C51FB3CE6B150" ma:contentTypeVersion="0" ma:contentTypeDescription="Create a new document." ma:contentTypeScope="" ma:versionID="bb563817a2861b6b5994bd26a2ba9e40">
   <xsd:schema xmlns:xsd="http://www.w3.org/2001/XMLSchema" xmlns:xs="http://www.w3.org/2001/XMLSchema" xmlns:p="http://schemas.microsoft.com/office/2006/metadata/properties" targetNamespace="http://schemas.microsoft.com/office/2006/metadata/properties" ma:root="true" ma:fieldsID="c64490b4aec6201516c3a874156f37b2">
     <xsd:element name="properties">
@@ -21382,21 +22133,6 @@
     <xs:element name="TermId" type="xs:string"/>
   </xs:schema>
 </ct:contentTypeSchema>
-</file>
-
-<file path=customXml/item2.xml><?xml version="1.0" encoding="utf-8"?>
-<?mso-contentType ?>
-<FormTemplates xmlns="http://schemas.microsoft.com/sharepoint/v3/contenttype/forms">
-  <Display>DocumentLibraryForm</Display>
-  <Edit>DocumentLibraryForm</Edit>
-  <New>DocumentLibraryForm</New>
-</FormTemplates>
-</file>
-
-<file path=customXml/item3.xml><?xml version="1.0" encoding="utf-8"?>
-<p:properties xmlns:p="http://schemas.microsoft.com/office/2006/metadata/properties" xmlns:xsi="http://www.w3.org/2001/XMLSchema-instance">
-  <documentManagement/>
-</p:properties>
 </file>
 
 <file path=customXml/item4.xml><?xml version="1.0" encoding="utf-8"?>
@@ -21550,6 +22286,29 @@
 </file>
 
 <file path=customXml/itemProps1.xml><?xml version="1.0" encoding="utf-8"?>
+<ds:datastoreItem xmlns:ds="http://schemas.openxmlformats.org/officeDocument/2006/customXml" ds:itemID="{6034B84F-8F8E-48B7-9EFF-C7DE1A66BD73}">
+  <ds:schemaRefs>
+    <ds:schemaRef ds:uri="http://schemas.microsoft.com/sharepoint/v3/contenttype/forms"/>
+  </ds:schemaRefs>
+</ds:datastoreItem>
+</file>
+
+<file path=customXml/itemProps2.xml><?xml version="1.0" encoding="utf-8"?>
+<ds:datastoreItem xmlns:ds="http://schemas.openxmlformats.org/officeDocument/2006/customXml" ds:itemID="{A5547237-B119-45CA-BEFC-A2DA2BDB03E7}">
+  <ds:schemaRefs>
+    <ds:schemaRef ds:uri="http://schemas.microsoft.com/office/2006/documentManagement/types"/>
+    <ds:schemaRef ds:uri="http://schemas.openxmlformats.org/package/2006/metadata/core-properties"/>
+    <ds:schemaRef ds:uri="http://schemas.microsoft.com/office/2006/metadata/properties"/>
+    <ds:schemaRef ds:uri="http://purl.org/dc/terms/"/>
+    <ds:schemaRef ds:uri="http://www.w3.org/XML/1998/namespace"/>
+    <ds:schemaRef ds:uri="http://purl.org/dc/elements/1.1/"/>
+    <ds:schemaRef ds:uri="http://schemas.microsoft.com/office/infopath/2007/PartnerControls"/>
+    <ds:schemaRef ds:uri="http://purl.org/dc/dcmitype/"/>
+  </ds:schemaRefs>
+</ds:datastoreItem>
+</file>
+
+<file path=customXml/itemProps3.xml><?xml version="1.0" encoding="utf-8"?>
 <ds:datastoreItem xmlns:ds="http://schemas.openxmlformats.org/officeDocument/2006/customXml" ds:itemID="{63F8C001-70B3-4AE4-BEC2-202AE4E30C7A}">
   <ds:schemaRefs>
     <ds:schemaRef ds:uri="http://schemas.microsoft.com/office/2006/metadata/contentType"/>
@@ -21565,29 +22324,6 @@
 </ds:datastoreItem>
 </file>
 
-<file path=customXml/itemProps2.xml><?xml version="1.0" encoding="utf-8"?>
-<ds:datastoreItem xmlns:ds="http://schemas.openxmlformats.org/officeDocument/2006/customXml" ds:itemID="{6034B84F-8F8E-48B7-9EFF-C7DE1A66BD73}">
-  <ds:schemaRefs>
-    <ds:schemaRef ds:uri="http://schemas.microsoft.com/sharepoint/v3/contenttype/forms"/>
-  </ds:schemaRefs>
-</ds:datastoreItem>
-</file>
-
-<file path=customXml/itemProps3.xml><?xml version="1.0" encoding="utf-8"?>
-<ds:datastoreItem xmlns:ds="http://schemas.openxmlformats.org/officeDocument/2006/customXml" ds:itemID="{A5547237-B119-45CA-BEFC-A2DA2BDB03E7}">
-  <ds:schemaRefs>
-    <ds:schemaRef ds:uri="http://schemas.microsoft.com/office/2006/documentManagement/types"/>
-    <ds:schemaRef ds:uri="http://schemas.openxmlformats.org/package/2006/metadata/core-properties"/>
-    <ds:schemaRef ds:uri="http://schemas.microsoft.com/office/2006/metadata/properties"/>
-    <ds:schemaRef ds:uri="http://purl.org/dc/terms/"/>
-    <ds:schemaRef ds:uri="http://www.w3.org/XML/1998/namespace"/>
-    <ds:schemaRef ds:uri="http://purl.org/dc/elements/1.1/"/>
-    <ds:schemaRef ds:uri="http://schemas.microsoft.com/office/infopath/2007/PartnerControls"/>
-    <ds:schemaRef ds:uri="http://purl.org/dc/dcmitype/"/>
-  </ds:schemaRefs>
-</ds:datastoreItem>
-</file>
-
 <file path=customXml/itemProps4.xml><?xml version="1.0" encoding="utf-8"?>
 <ds:datastoreItem xmlns:ds="http://schemas.openxmlformats.org/officeDocument/2006/customXml" ds:itemID="{8865FC99-B6BD-4E98-8312-F4F432C217EA}">
   <ds:schemaRefs>

--- a/Introduction to M Programming for the Power BI Warrior.pptx
+++ b/Introduction to M Programming for the Power BI Warrior.pptx
@@ -5,10 +5,10 @@
     <p:sldMasterId id="2147483648" r:id="rId5"/>
   </p:sldMasterIdLst>
   <p:notesMasterIdLst>
-    <p:notesMasterId r:id="rId56"/>
+    <p:notesMasterId r:id="rId57"/>
   </p:notesMasterIdLst>
   <p:handoutMasterIdLst>
-    <p:handoutMasterId r:id="rId57"/>
+    <p:handoutMasterId r:id="rId58"/>
   </p:handoutMasterIdLst>
   <p:sldIdLst>
     <p:sldId id="279" r:id="rId6"/>
@@ -60,7 +60,8 @@
     <p:sldId id="337" r:id="rId52"/>
     <p:sldId id="313" r:id="rId53"/>
     <p:sldId id="314" r:id="rId54"/>
-    <p:sldId id="307" r:id="rId55"/>
+    <p:sldId id="358" r:id="rId55"/>
+    <p:sldId id="307" r:id="rId56"/>
   </p:sldIdLst>
   <p:sldSz cx="9144000" cy="6858000" type="screen4x3"/>
   <p:notesSz cx="7315200" cy="9601200"/>
@@ -19653,6 +19654,711 @@
       </p:grpSpPr>
       <p:sp>
         <p:nvSpPr>
+          <p:cNvPr id="2" name="Title 1"/>
+          <p:cNvSpPr>
+            <a:spLocks noGrp="1"/>
+          </p:cNvSpPr>
+          <p:nvPr>
+            <p:ph type="title"/>
+          </p:nvPr>
+        </p:nvSpPr>
+        <p:spPr>
+          <a:xfrm>
+            <a:off x="947651" y="76200"/>
+            <a:ext cx="7815349" cy="838200"/>
+          </a:xfrm>
+        </p:spPr>
+        <p:txBody>
+          <a:bodyPr/>
+          <a:lstStyle/>
+          <a:p>
+            <a:r>
+              <a:rPr lang="en-US" sz="3200" dirty="0"/>
+              <a:t>Critical Path Training</a:t>
+            </a:r>
+            <a:br>
+              <a:rPr lang="en-US" sz="3200" dirty="0"/>
+            </a:br>
+            <a:r>
+              <a:rPr lang="en-US" sz="1600" dirty="0">
+                <a:solidFill>
+                  <a:schemeClr val="accent2">
+                    <a:lumMod val="20000"/>
+                    <a:lumOff val="80000"/>
+                  </a:schemeClr>
+                </a:solidFill>
+              </a:rPr>
+              <a:t>https://www.CriticalPathTrainig.com </a:t>
+            </a:r>
+            <a:endParaRPr lang="en-US" sz="3200" dirty="0">
+              <a:solidFill>
+                <a:schemeClr val="accent2">
+                  <a:lumMod val="20000"/>
+                  <a:lumOff val="80000"/>
+                </a:schemeClr>
+              </a:solidFill>
+            </a:endParaRPr>
+          </a:p>
+        </p:txBody>
+      </p:sp>
+      <p:sp>
+        <p:nvSpPr>
+          <p:cNvPr id="3" name="Content Placeholder 2"/>
+          <p:cNvSpPr>
+            <a:spLocks noGrp="1"/>
+          </p:cNvSpPr>
+          <p:nvPr>
+            <p:ph idx="1"/>
+          </p:nvPr>
+        </p:nvSpPr>
+        <p:spPr/>
+        <p:txBody>
+          <a:bodyPr>
+            <a:normAutofit fontScale="85000" lnSpcReduction="10000"/>
+          </a:bodyPr>
+          <a:lstStyle/>
+          <a:p>
+            <a:pPr>
+              <a:lnSpc>
+                <a:spcPct val="110000"/>
+              </a:lnSpc>
+            </a:pPr>
+            <a:r>
+              <a:rPr lang="en-US" b="1" dirty="0">
+                <a:solidFill>
+                  <a:srgbClr val="002060"/>
+                </a:solidFill>
+              </a:rPr>
+              <a:t>DDPBI: Deep Dive into Power BI </a:t>
+            </a:r>
+            <a:r>
+              <a:rPr lang="en-US" sz="2100" dirty="0">
+                <a:solidFill>
+                  <a:schemeClr val="tx2"/>
+                </a:solidFill>
+              </a:rPr>
+              <a:t>– 2 Days</a:t>
+            </a:r>
+          </a:p>
+          <a:p>
+            <a:pPr lvl="1">
+              <a:lnSpc>
+                <a:spcPct val="110000"/>
+              </a:lnSpc>
+            </a:pPr>
+            <a:r>
+              <a:rPr lang="en-US" dirty="0"/>
+              <a:t>For people just getting started with Power BI</a:t>
+            </a:r>
+          </a:p>
+          <a:p>
+            <a:pPr lvl="1">
+              <a:lnSpc>
+                <a:spcPct val="110000"/>
+              </a:lnSpc>
+            </a:pPr>
+            <a:endParaRPr lang="en-US" dirty="0"/>
+          </a:p>
+          <a:p>
+            <a:pPr>
+              <a:lnSpc>
+                <a:spcPct val="110000"/>
+              </a:lnSpc>
+            </a:pPr>
+            <a:r>
+              <a:rPr lang="en-US" b="1" dirty="0">
+                <a:solidFill>
+                  <a:srgbClr val="002060"/>
+                </a:solidFill>
+              </a:rPr>
+              <a:t>DDPAF: Deep Dive into Power Apps and Flow </a:t>
+            </a:r>
+            <a:r>
+              <a:rPr lang="en-US" sz="2100" dirty="0">
+                <a:solidFill>
+                  <a:schemeClr val="tx2"/>
+                </a:solidFill>
+              </a:rPr>
+              <a:t>– 2 Days</a:t>
+            </a:r>
+          </a:p>
+          <a:p>
+            <a:pPr lvl="1">
+              <a:lnSpc>
+                <a:spcPct val="110000"/>
+              </a:lnSpc>
+            </a:pPr>
+            <a:r>
+              <a:rPr lang="en-US" dirty="0"/>
+              <a:t>For people just getting started with Power Apps and Flow</a:t>
+            </a:r>
+          </a:p>
+          <a:p>
+            <a:pPr>
+              <a:lnSpc>
+                <a:spcPct val="110000"/>
+              </a:lnSpc>
+            </a:pPr>
+            <a:endParaRPr lang="en-US" b="1" dirty="0">
+              <a:solidFill>
+                <a:srgbClr val="002060"/>
+              </a:solidFill>
+            </a:endParaRPr>
+          </a:p>
+          <a:p>
+            <a:pPr>
+              <a:lnSpc>
+                <a:spcPct val="110000"/>
+              </a:lnSpc>
+            </a:pPr>
+            <a:r>
+              <a:rPr lang="en-US" b="1" dirty="0">
+                <a:solidFill>
+                  <a:srgbClr val="002060"/>
+                </a:solidFill>
+              </a:rPr>
+              <a:t>PBI365: Power BI Certification Bootcamp </a:t>
+            </a:r>
+            <a:r>
+              <a:rPr lang="en-US" sz="2100" dirty="0">
+                <a:solidFill>
+                  <a:schemeClr val="tx2"/>
+                </a:solidFill>
+              </a:rPr>
+              <a:t>– 3 Days</a:t>
+            </a:r>
+            <a:endParaRPr lang="en-US" dirty="0">
+              <a:solidFill>
+                <a:schemeClr val="tx2"/>
+              </a:solidFill>
+            </a:endParaRPr>
+          </a:p>
+          <a:p>
+            <a:pPr lvl="1">
+              <a:lnSpc>
+                <a:spcPct val="110000"/>
+              </a:lnSpc>
+            </a:pPr>
+            <a:r>
+              <a:rPr lang="en-US" dirty="0"/>
+              <a:t>For people who have used Power BI Desktop for 6 months or more</a:t>
+            </a:r>
+          </a:p>
+          <a:p>
+            <a:pPr lvl="1">
+              <a:lnSpc>
+                <a:spcPct val="110000"/>
+              </a:lnSpc>
+            </a:pPr>
+            <a:endParaRPr lang="en-US" dirty="0"/>
+          </a:p>
+          <a:p>
+            <a:pPr>
+              <a:lnSpc>
+                <a:spcPct val="110000"/>
+              </a:lnSpc>
+            </a:pPr>
+            <a:r>
+              <a:rPr lang="en-US" b="1" dirty="0">
+                <a:solidFill>
+                  <a:srgbClr val="002060"/>
+                </a:solidFill>
+              </a:rPr>
+              <a:t>PBD365: Power BI Developer Bootcamp </a:t>
+            </a:r>
+            <a:r>
+              <a:rPr lang="en-US" sz="2100" dirty="0">
+                <a:solidFill>
+                  <a:schemeClr val="tx2"/>
+                </a:solidFill>
+              </a:rPr>
+              <a:t>– 4 Days</a:t>
+            </a:r>
+            <a:endParaRPr lang="en-US" dirty="0">
+              <a:solidFill>
+                <a:schemeClr val="tx2"/>
+              </a:solidFill>
+            </a:endParaRPr>
+          </a:p>
+          <a:p>
+            <a:pPr lvl="1">
+              <a:lnSpc>
+                <a:spcPct val="110000"/>
+              </a:lnSpc>
+            </a:pPr>
+            <a:r>
+              <a:rPr lang="en-US" dirty="0"/>
+              <a:t>For professional developers working with the Power BI platform</a:t>
+            </a:r>
+          </a:p>
+        </p:txBody>
+      </p:sp>
+      <p:pic>
+        <p:nvPicPr>
+          <p:cNvPr id="6" name="Picture 5"/>
+          <p:cNvPicPr>
+            <a:picLocks noChangeAspect="1"/>
+          </p:cNvPicPr>
+          <p:nvPr/>
+        </p:nvPicPr>
+        <p:blipFill>
+          <a:blip r:embed="rId2">
+            <a:extLst>
+              <a:ext uri="{28A0092B-C50C-407E-A947-70E740481C1C}">
+                <a14:useLocalDpi xmlns:a14="http://schemas.microsoft.com/office/drawing/2010/main" val="0"/>
+              </a:ext>
+            </a:extLst>
+          </a:blip>
+          <a:stretch>
+            <a:fillRect/>
+          </a:stretch>
+        </p:blipFill>
+        <p:spPr>
+          <a:xfrm>
+            <a:off x="237973" y="152237"/>
+            <a:ext cx="626389" cy="626389"/>
+          </a:xfrm>
+          <a:prstGeom prst="rect">
+            <a:avLst/>
+          </a:prstGeom>
+        </p:spPr>
+      </p:pic>
+    </p:spTree>
+    <p:extLst>
+      <p:ext uri="{BB962C8B-B14F-4D97-AF65-F5344CB8AC3E}">
+        <p14:creationId xmlns:p14="http://schemas.microsoft.com/office/powerpoint/2010/main" val="2521154058"/>
+      </p:ext>
+    </p:extLst>
+  </p:cSld>
+  <p:clrMapOvr>
+    <a:masterClrMapping/>
+  </p:clrMapOvr>
+  <p:timing>
+    <p:tnLst>
+      <p:par>
+        <p:cTn id="1" dur="indefinite" restart="never" nodeType="tmRoot">
+          <p:childTnLst>
+            <p:seq concurrent="1" nextAc="seek">
+              <p:cTn id="2" dur="indefinite" nodeType="mainSeq">
+                <p:childTnLst>
+                  <p:par>
+                    <p:cTn id="3" fill="hold">
+                      <p:stCondLst>
+                        <p:cond delay="indefinite"/>
+                      </p:stCondLst>
+                      <p:childTnLst>
+                        <p:par>
+                          <p:cTn id="4" fill="hold">
+                            <p:stCondLst>
+                              <p:cond delay="0"/>
+                            </p:stCondLst>
+                            <p:childTnLst>
+                              <p:par>
+                                <p:cTn id="5" presetID="1" presetClass="entr" presetSubtype="0" fill="hold" nodeType="clickEffect">
+                                  <p:stCondLst>
+                                    <p:cond delay="0"/>
+                                  </p:stCondLst>
+                                  <p:childTnLst>
+                                    <p:set>
+                                      <p:cBhvr>
+                                        <p:cTn id="6" dur="1" fill="hold">
+                                          <p:stCondLst>
+                                            <p:cond delay="0"/>
+                                          </p:stCondLst>
+                                        </p:cTn>
+                                        <p:tgtEl>
+                                          <p:spTgt spid="3">
+                                            <p:txEl>
+                                              <p:pRg st="6" end="6"/>
+                                            </p:txEl>
+                                          </p:spTgt>
+                                        </p:tgtEl>
+                                        <p:attrNameLst>
+                                          <p:attrName>style.visibility</p:attrName>
+                                        </p:attrNameLst>
+                                      </p:cBhvr>
+                                      <p:to>
+                                        <p:strVal val="visible"/>
+                                      </p:to>
+                                    </p:set>
+                                  </p:childTnLst>
+                                </p:cTn>
+                              </p:par>
+                            </p:childTnLst>
+                          </p:cTn>
+                        </p:par>
+                      </p:childTnLst>
+                    </p:cTn>
+                  </p:par>
+                  <p:par>
+                    <p:cTn id="7" fill="hold">
+                      <p:stCondLst>
+                        <p:cond delay="indefinite"/>
+                      </p:stCondLst>
+                      <p:childTnLst>
+                        <p:par>
+                          <p:cTn id="8" fill="hold">
+                            <p:stCondLst>
+                              <p:cond delay="0"/>
+                            </p:stCondLst>
+                            <p:childTnLst>
+                              <p:par>
+                                <p:cTn id="9" presetID="1" presetClass="entr" presetSubtype="0" fill="hold" nodeType="clickEffect">
+                                  <p:stCondLst>
+                                    <p:cond delay="0"/>
+                                  </p:stCondLst>
+                                  <p:childTnLst>
+                                    <p:set>
+                                      <p:cBhvr>
+                                        <p:cTn id="10" dur="1" fill="hold">
+                                          <p:stCondLst>
+                                            <p:cond delay="0"/>
+                                          </p:stCondLst>
+                                        </p:cTn>
+                                        <p:tgtEl>
+                                          <p:spTgt spid="3">
+                                            <p:txEl>
+                                              <p:pRg st="7" end="7"/>
+                                            </p:txEl>
+                                          </p:spTgt>
+                                        </p:tgtEl>
+                                        <p:attrNameLst>
+                                          <p:attrName>style.visibility</p:attrName>
+                                        </p:attrNameLst>
+                                      </p:cBhvr>
+                                      <p:to>
+                                        <p:strVal val="visible"/>
+                                      </p:to>
+                                    </p:set>
+                                  </p:childTnLst>
+                                </p:cTn>
+                              </p:par>
+                            </p:childTnLst>
+                          </p:cTn>
+                        </p:par>
+                      </p:childTnLst>
+                    </p:cTn>
+                  </p:par>
+                  <p:par>
+                    <p:cTn id="11" fill="hold">
+                      <p:stCondLst>
+                        <p:cond delay="indefinite"/>
+                      </p:stCondLst>
+                      <p:childTnLst>
+                        <p:par>
+                          <p:cTn id="12" fill="hold">
+                            <p:stCondLst>
+                              <p:cond delay="0"/>
+                            </p:stCondLst>
+                            <p:childTnLst>
+                              <p:par>
+                                <p:cTn id="13" presetID="1" presetClass="entr" presetSubtype="0" fill="hold" nodeType="clickEffect">
+                                  <p:stCondLst>
+                                    <p:cond delay="0"/>
+                                  </p:stCondLst>
+                                  <p:childTnLst>
+                                    <p:set>
+                                      <p:cBhvr>
+                                        <p:cTn id="14" dur="1" fill="hold">
+                                          <p:stCondLst>
+                                            <p:cond delay="0"/>
+                                          </p:stCondLst>
+                                        </p:cTn>
+                                        <p:tgtEl>
+                                          <p:spTgt spid="3">
+                                            <p:txEl>
+                                              <p:pRg st="0" end="0"/>
+                                            </p:txEl>
+                                          </p:spTgt>
+                                        </p:tgtEl>
+                                        <p:attrNameLst>
+                                          <p:attrName>style.visibility</p:attrName>
+                                        </p:attrNameLst>
+                                      </p:cBhvr>
+                                      <p:to>
+                                        <p:strVal val="visible"/>
+                                      </p:to>
+                                    </p:set>
+                                  </p:childTnLst>
+                                </p:cTn>
+                              </p:par>
+                            </p:childTnLst>
+                          </p:cTn>
+                        </p:par>
+                      </p:childTnLst>
+                    </p:cTn>
+                  </p:par>
+                  <p:par>
+                    <p:cTn id="15" fill="hold">
+                      <p:stCondLst>
+                        <p:cond delay="indefinite"/>
+                      </p:stCondLst>
+                      <p:childTnLst>
+                        <p:par>
+                          <p:cTn id="16" fill="hold">
+                            <p:stCondLst>
+                              <p:cond delay="0"/>
+                            </p:stCondLst>
+                            <p:childTnLst>
+                              <p:par>
+                                <p:cTn id="17" presetID="1" presetClass="entr" presetSubtype="0" fill="hold" nodeType="clickEffect">
+                                  <p:stCondLst>
+                                    <p:cond delay="0"/>
+                                  </p:stCondLst>
+                                  <p:childTnLst>
+                                    <p:set>
+                                      <p:cBhvr>
+                                        <p:cTn id="18" dur="1" fill="hold">
+                                          <p:stCondLst>
+                                            <p:cond delay="0"/>
+                                          </p:stCondLst>
+                                        </p:cTn>
+                                        <p:tgtEl>
+                                          <p:spTgt spid="3">
+                                            <p:txEl>
+                                              <p:pRg st="1" end="1"/>
+                                            </p:txEl>
+                                          </p:spTgt>
+                                        </p:tgtEl>
+                                        <p:attrNameLst>
+                                          <p:attrName>style.visibility</p:attrName>
+                                        </p:attrNameLst>
+                                      </p:cBhvr>
+                                      <p:to>
+                                        <p:strVal val="visible"/>
+                                      </p:to>
+                                    </p:set>
+                                  </p:childTnLst>
+                                </p:cTn>
+                              </p:par>
+                            </p:childTnLst>
+                          </p:cTn>
+                        </p:par>
+                      </p:childTnLst>
+                    </p:cTn>
+                  </p:par>
+                  <p:par>
+                    <p:cTn id="19" fill="hold">
+                      <p:stCondLst>
+                        <p:cond delay="indefinite"/>
+                      </p:stCondLst>
+                      <p:childTnLst>
+                        <p:par>
+                          <p:cTn id="20" fill="hold">
+                            <p:stCondLst>
+                              <p:cond delay="0"/>
+                            </p:stCondLst>
+                            <p:childTnLst>
+                              <p:par>
+                                <p:cTn id="21" presetID="1" presetClass="entr" presetSubtype="0" fill="hold" nodeType="clickEffect">
+                                  <p:stCondLst>
+                                    <p:cond delay="0"/>
+                                  </p:stCondLst>
+                                  <p:childTnLst>
+                                    <p:set>
+                                      <p:cBhvr>
+                                        <p:cTn id="22" dur="1" fill="hold">
+                                          <p:stCondLst>
+                                            <p:cond delay="0"/>
+                                          </p:stCondLst>
+                                        </p:cTn>
+                                        <p:tgtEl>
+                                          <p:spTgt spid="3">
+                                            <p:txEl>
+                                              <p:pRg st="3" end="3"/>
+                                            </p:txEl>
+                                          </p:spTgt>
+                                        </p:tgtEl>
+                                        <p:attrNameLst>
+                                          <p:attrName>style.visibility</p:attrName>
+                                        </p:attrNameLst>
+                                      </p:cBhvr>
+                                      <p:to>
+                                        <p:strVal val="visible"/>
+                                      </p:to>
+                                    </p:set>
+                                  </p:childTnLst>
+                                </p:cTn>
+                              </p:par>
+                            </p:childTnLst>
+                          </p:cTn>
+                        </p:par>
+                      </p:childTnLst>
+                    </p:cTn>
+                  </p:par>
+                  <p:par>
+                    <p:cTn id="23" fill="hold">
+                      <p:stCondLst>
+                        <p:cond delay="indefinite"/>
+                      </p:stCondLst>
+                      <p:childTnLst>
+                        <p:par>
+                          <p:cTn id="24" fill="hold">
+                            <p:stCondLst>
+                              <p:cond delay="0"/>
+                            </p:stCondLst>
+                            <p:childTnLst>
+                              <p:par>
+                                <p:cTn id="25" presetID="1" presetClass="entr" presetSubtype="0" fill="hold" nodeType="clickEffect">
+                                  <p:stCondLst>
+                                    <p:cond delay="0"/>
+                                  </p:stCondLst>
+                                  <p:childTnLst>
+                                    <p:set>
+                                      <p:cBhvr>
+                                        <p:cTn id="26" dur="1" fill="hold">
+                                          <p:stCondLst>
+                                            <p:cond delay="0"/>
+                                          </p:stCondLst>
+                                        </p:cTn>
+                                        <p:tgtEl>
+                                          <p:spTgt spid="3">
+                                            <p:txEl>
+                                              <p:pRg st="4" end="4"/>
+                                            </p:txEl>
+                                          </p:spTgt>
+                                        </p:tgtEl>
+                                        <p:attrNameLst>
+                                          <p:attrName>style.visibility</p:attrName>
+                                        </p:attrNameLst>
+                                      </p:cBhvr>
+                                      <p:to>
+                                        <p:strVal val="visible"/>
+                                      </p:to>
+                                    </p:set>
+                                  </p:childTnLst>
+                                </p:cTn>
+                              </p:par>
+                            </p:childTnLst>
+                          </p:cTn>
+                        </p:par>
+                      </p:childTnLst>
+                    </p:cTn>
+                  </p:par>
+                  <p:par>
+                    <p:cTn id="27" fill="hold">
+                      <p:stCondLst>
+                        <p:cond delay="indefinite"/>
+                      </p:stCondLst>
+                      <p:childTnLst>
+                        <p:par>
+                          <p:cTn id="28" fill="hold">
+                            <p:stCondLst>
+                              <p:cond delay="0"/>
+                            </p:stCondLst>
+                            <p:childTnLst>
+                              <p:par>
+                                <p:cTn id="29" presetID="1" presetClass="entr" presetSubtype="0" fill="hold" nodeType="clickEffect">
+                                  <p:stCondLst>
+                                    <p:cond delay="0"/>
+                                  </p:stCondLst>
+                                  <p:childTnLst>
+                                    <p:set>
+                                      <p:cBhvr>
+                                        <p:cTn id="30" dur="1" fill="hold">
+                                          <p:stCondLst>
+                                            <p:cond delay="0"/>
+                                          </p:stCondLst>
+                                        </p:cTn>
+                                        <p:tgtEl>
+                                          <p:spTgt spid="3">
+                                            <p:txEl>
+                                              <p:pRg st="9" end="9"/>
+                                            </p:txEl>
+                                          </p:spTgt>
+                                        </p:tgtEl>
+                                        <p:attrNameLst>
+                                          <p:attrName>style.visibility</p:attrName>
+                                        </p:attrNameLst>
+                                      </p:cBhvr>
+                                      <p:to>
+                                        <p:strVal val="visible"/>
+                                      </p:to>
+                                    </p:set>
+                                  </p:childTnLst>
+                                </p:cTn>
+                              </p:par>
+                              <p:par>
+                                <p:cTn id="31" presetID="1" presetClass="entr" presetSubtype="0" fill="hold" nodeType="withEffect">
+                                  <p:stCondLst>
+                                    <p:cond delay="0"/>
+                                  </p:stCondLst>
+                                  <p:childTnLst>
+                                    <p:set>
+                                      <p:cBhvr>
+                                        <p:cTn id="32" dur="1" fill="hold">
+                                          <p:stCondLst>
+                                            <p:cond delay="0"/>
+                                          </p:stCondLst>
+                                        </p:cTn>
+                                        <p:tgtEl>
+                                          <p:spTgt spid="3">
+                                            <p:txEl>
+                                              <p:pRg st="10" end="10"/>
+                                            </p:txEl>
+                                          </p:spTgt>
+                                        </p:tgtEl>
+                                        <p:attrNameLst>
+                                          <p:attrName>style.visibility</p:attrName>
+                                        </p:attrNameLst>
+                                      </p:cBhvr>
+                                      <p:to>
+                                        <p:strVal val="visible"/>
+                                      </p:to>
+                                    </p:set>
+                                  </p:childTnLst>
+                                </p:cTn>
+                              </p:par>
+                            </p:childTnLst>
+                          </p:cTn>
+                        </p:par>
+                      </p:childTnLst>
+                    </p:cTn>
+                  </p:par>
+                </p:childTnLst>
+              </p:cTn>
+              <p:prevCondLst>
+                <p:cond evt="onPrev" delay="0">
+                  <p:tgtEl>
+                    <p:sldTgt/>
+                  </p:tgtEl>
+                </p:cond>
+              </p:prevCondLst>
+              <p:nextCondLst>
+                <p:cond evt="onNext" delay="0">
+                  <p:tgtEl>
+                    <p:sldTgt/>
+                  </p:tgtEl>
+                </p:cond>
+              </p:nextCondLst>
+            </p:seq>
+          </p:childTnLst>
+        </p:cTn>
+      </p:par>
+    </p:tnLst>
+  </p:timing>
+</p:sld>
+</file>
+
+<file path=ppt/slides/slide51.xml><?xml version="1.0" encoding="utf-8"?>
+<p:sld xmlns:a="http://schemas.openxmlformats.org/drawingml/2006/main" xmlns:r="http://schemas.openxmlformats.org/officeDocument/2006/relationships" xmlns:p="http://schemas.openxmlformats.org/presentationml/2006/main">
+  <p:cSld>
+    <p:spTree>
+      <p:nvGrpSpPr>
+        <p:cNvPr id="1" name=""/>
+        <p:cNvGrpSpPr/>
+        <p:nvPr/>
+      </p:nvGrpSpPr>
+      <p:grpSpPr>
+        <a:xfrm>
+          <a:off x="0" y="0"/>
+          <a:ext cx="0" cy="0"/>
+          <a:chOff x="0" y="0"/>
+          <a:chExt cx="0" cy="0"/>
+        </a:xfrm>
+      </p:grpSpPr>
+      <p:sp>
+        <p:nvSpPr>
           <p:cNvPr id="2" name="Title 1">
             <a:extLst>
               <a:ext uri="{FF2B5EF4-FFF2-40B4-BE49-F238E27FC236}">
@@ -22007,21 +22713,12 @@
 </file>
 
 <file path=customXml/item1.xml><?xml version="1.0" encoding="utf-8"?>
-<?mso-contentType ?>
-<FormTemplates xmlns="http://schemas.microsoft.com/sharepoint/v3/contenttype/forms">
-  <Display>DocumentLibraryForm</Display>
-  <Edit>DocumentLibraryForm</Edit>
-  <New>DocumentLibraryForm</New>
-</FormTemplates>
-</file>
-
-<file path=customXml/item2.xml><?xml version="1.0" encoding="utf-8"?>
 <p:properties xmlns:p="http://schemas.microsoft.com/office/2006/metadata/properties" xmlns:xsi="http://www.w3.org/2001/XMLSchema-instance">
   <documentManagement/>
 </p:properties>
 </file>
 
-<file path=customXml/item3.xml><?xml version="1.0" encoding="utf-8"?>
+<file path=customXml/item2.xml><?xml version="1.0" encoding="utf-8"?>
 <ct:contentTypeSchema xmlns:ct="http://schemas.microsoft.com/office/2006/metadata/contentType" xmlns:ma="http://schemas.microsoft.com/office/2006/metadata/properties/metaAttributes" ct:_="" ma:_="" ma:contentTypeName="Document" ma:contentTypeID="0x01010043F7775CCE86F349BB7C51FB3CE6B150" ma:contentTypeVersion="0" ma:contentTypeDescription="Create a new document." ma:contentTypeScope="" ma:versionID="bb563817a2861b6b5994bd26a2ba9e40">
   <xsd:schema xmlns:xsd="http://www.w3.org/2001/XMLSchema" xmlns:xs="http://www.w3.org/2001/XMLSchema" xmlns:p="http://schemas.microsoft.com/office/2006/metadata/properties" targetNamespace="http://schemas.microsoft.com/office/2006/metadata/properties" ma:root="true" ma:fieldsID="c64490b4aec6201516c3a874156f37b2">
     <xsd:element name="properties">
@@ -22133,6 +22830,15 @@
     <xs:element name="TermId" type="xs:string"/>
   </xs:schema>
 </ct:contentTypeSchema>
+</file>
+
+<file path=customXml/item3.xml><?xml version="1.0" encoding="utf-8"?>
+<?mso-contentType ?>
+<FormTemplates xmlns="http://schemas.microsoft.com/sharepoint/v3/contenttype/forms">
+  <Display>DocumentLibraryForm</Display>
+  <Edit>DocumentLibraryForm</Edit>
+  <New>DocumentLibraryForm</New>
+</FormTemplates>
 </file>
 
 <file path=customXml/item4.xml><?xml version="1.0" encoding="utf-8"?>
@@ -22286,14 +22992,6 @@
 </file>
 
 <file path=customXml/itemProps1.xml><?xml version="1.0" encoding="utf-8"?>
-<ds:datastoreItem xmlns:ds="http://schemas.openxmlformats.org/officeDocument/2006/customXml" ds:itemID="{6034B84F-8F8E-48B7-9EFF-C7DE1A66BD73}">
-  <ds:schemaRefs>
-    <ds:schemaRef ds:uri="http://schemas.microsoft.com/sharepoint/v3/contenttype/forms"/>
-  </ds:schemaRefs>
-</ds:datastoreItem>
-</file>
-
-<file path=customXml/itemProps2.xml><?xml version="1.0" encoding="utf-8"?>
 <ds:datastoreItem xmlns:ds="http://schemas.openxmlformats.org/officeDocument/2006/customXml" ds:itemID="{A5547237-B119-45CA-BEFC-A2DA2BDB03E7}">
   <ds:schemaRefs>
     <ds:schemaRef ds:uri="http://schemas.microsoft.com/office/2006/documentManagement/types"/>
@@ -22308,7 +23006,7 @@
 </ds:datastoreItem>
 </file>
 
-<file path=customXml/itemProps3.xml><?xml version="1.0" encoding="utf-8"?>
+<file path=customXml/itemProps2.xml><?xml version="1.0" encoding="utf-8"?>
 <ds:datastoreItem xmlns:ds="http://schemas.openxmlformats.org/officeDocument/2006/customXml" ds:itemID="{63F8C001-70B3-4AE4-BEC2-202AE4E30C7A}">
   <ds:schemaRefs>
     <ds:schemaRef ds:uri="http://schemas.microsoft.com/office/2006/metadata/contentType"/>
@@ -22324,6 +23022,14 @@
 </ds:datastoreItem>
 </file>
 
+<file path=customXml/itemProps3.xml><?xml version="1.0" encoding="utf-8"?>
+<ds:datastoreItem xmlns:ds="http://schemas.openxmlformats.org/officeDocument/2006/customXml" ds:itemID="{6034B84F-8F8E-48B7-9EFF-C7DE1A66BD73}">
+  <ds:schemaRefs>
+    <ds:schemaRef ds:uri="http://schemas.microsoft.com/sharepoint/v3/contenttype/forms"/>
+  </ds:schemaRefs>
+</ds:datastoreItem>
+</file>
+
 <file path=customXml/itemProps4.xml><?xml version="1.0" encoding="utf-8"?>
 <ds:datastoreItem xmlns:ds="http://schemas.openxmlformats.org/officeDocument/2006/customXml" ds:itemID="{8865FC99-B6BD-4E98-8312-F4F432C217EA}">
   <ds:schemaRefs>

--- a/Introduction to M Programming for the Power BI Warrior.pptx
+++ b/Introduction to M Programming for the Power BI Warrior.pptx
@@ -5,10 +5,10 @@
     <p:sldMasterId id="2147483648" r:id="rId5"/>
   </p:sldMasterIdLst>
   <p:notesMasterIdLst>
-    <p:notesMasterId r:id="rId57"/>
+    <p:notesMasterId r:id="rId62"/>
   </p:notesMasterIdLst>
   <p:handoutMasterIdLst>
-    <p:handoutMasterId r:id="rId58"/>
+    <p:handoutMasterId r:id="rId63"/>
   </p:handoutMasterIdLst>
   <p:sldIdLst>
     <p:sldId id="279" r:id="rId6"/>
@@ -60,8 +60,13 @@
     <p:sldId id="337" r:id="rId52"/>
     <p:sldId id="313" r:id="rId53"/>
     <p:sldId id="314" r:id="rId54"/>
-    <p:sldId id="358" r:id="rId55"/>
-    <p:sldId id="307" r:id="rId56"/>
+    <p:sldId id="361" r:id="rId55"/>
+    <p:sldId id="362" r:id="rId56"/>
+    <p:sldId id="359" r:id="rId57"/>
+    <p:sldId id="360" r:id="rId58"/>
+    <p:sldId id="363" r:id="rId59"/>
+    <p:sldId id="358" r:id="rId60"/>
+    <p:sldId id="307" r:id="rId61"/>
   </p:sldIdLst>
   <p:sldSz cx="9144000" cy="6858000" type="screen4x3"/>
   <p:notesSz cx="7315200" cy="9601200"/>
@@ -19654,6 +19659,5571 @@
       </p:grpSpPr>
       <p:sp>
         <p:nvSpPr>
+          <p:cNvPr id="30722" name="Title 1"/>
+          <p:cNvSpPr>
+            <a:spLocks noGrp="1"/>
+          </p:cNvSpPr>
+          <p:nvPr>
+            <p:ph type="title"/>
+          </p:nvPr>
+        </p:nvSpPr>
+        <p:spPr/>
+        <p:txBody>
+          <a:bodyPr/>
+          <a:lstStyle/>
+          <a:p>
+            <a:r>
+              <a:rPr lang="en-US" altLang="en-US" dirty="0"/>
+              <a:t>The Microsoft Graph API</a:t>
+            </a:r>
+          </a:p>
+        </p:txBody>
+      </p:sp>
+      <p:sp>
+        <p:nvSpPr>
+          <p:cNvPr id="3" name="Content Placeholder 2"/>
+          <p:cNvSpPr>
+            <a:spLocks noGrp="1"/>
+          </p:cNvSpPr>
+          <p:nvPr>
+            <p:ph idx="1"/>
+          </p:nvPr>
+        </p:nvSpPr>
+        <p:spPr/>
+        <p:txBody>
+          <a:bodyPr/>
+          <a:lstStyle/>
+          <a:p>
+            <a:r>
+              <a:rPr lang="en-US" sz="2400" dirty="0"/>
+              <a:t>Designed as a one-stop-shopping kind of service</a:t>
+            </a:r>
+          </a:p>
+          <a:p>
+            <a:pPr lvl="1"/>
+            <a:r>
+              <a:rPr lang="en-US" sz="2000" dirty="0"/>
+              <a:t>Abstracts away divisions between AD, Exchange and SharePoint</a:t>
+            </a:r>
+          </a:p>
+          <a:p>
+            <a:pPr lvl="1"/>
+            <a:r>
+              <a:rPr lang="en-US" sz="2000" dirty="0"/>
+              <a:t>No need to discover endpoints using the Discovery Service</a:t>
+            </a:r>
+          </a:p>
+          <a:p>
+            <a:pPr lvl="1"/>
+            <a:r>
+              <a:rPr lang="en-US" sz="2000" dirty="0"/>
+              <a:t>You can acquire and cache a single access token per user</a:t>
+            </a:r>
+          </a:p>
+        </p:txBody>
+      </p:sp>
+      <p:sp>
+        <p:nvSpPr>
+          <p:cNvPr id="32" name="Rectangle 31"/>
+          <p:cNvSpPr/>
+          <p:nvPr/>
+        </p:nvSpPr>
+        <p:spPr bwMode="auto">
+          <a:xfrm>
+            <a:off x="914400" y="3276600"/>
+            <a:ext cx="7548562" cy="2406650"/>
+          </a:xfrm>
+          <a:prstGeom prst="rect">
+            <a:avLst/>
+          </a:prstGeom>
+          <a:solidFill>
+            <a:schemeClr val="bg1">
+              <a:lumMod val="85000"/>
+            </a:schemeClr>
+          </a:solidFill>
+          <a:ln>
+            <a:solidFill>
+              <a:srgbClr val="000000"/>
+            </a:solidFill>
+            <a:headEnd type="none" w="med" len="med"/>
+            <a:tailEnd type="none" w="med" len="med"/>
+          </a:ln>
+          <a:effectLst/>
+        </p:spPr>
+        <p:style>
+          <a:lnRef idx="1">
+            <a:schemeClr val="accent2"/>
+          </a:lnRef>
+          <a:fillRef idx="3">
+            <a:schemeClr val="accent2"/>
+          </a:fillRef>
+          <a:effectRef idx="2">
+            <a:schemeClr val="accent2"/>
+          </a:effectRef>
+          <a:fontRef idx="minor">
+            <a:schemeClr val="lt1"/>
+          </a:fontRef>
+        </p:style>
+        <p:txBody>
+          <a:bodyPr lIns="100848" tIns="80678" rIns="100848" bIns="80678"/>
+          <a:lstStyle/>
+          <a:p>
+            <a:pPr algn="ctr" defTabSz="514235">
+              <a:lnSpc>
+                <a:spcPct val="90000"/>
+              </a:lnSpc>
+              <a:defRPr/>
+            </a:pPr>
+            <a:endParaRPr lang="en-US" sz="1324" dirty="0" err="1">
+              <a:gradFill>
+                <a:gsLst>
+                  <a:gs pos="0">
+                    <a:srgbClr val="FFFFFF"/>
+                  </a:gs>
+                  <a:gs pos="100000">
+                    <a:srgbClr val="FFFFFF"/>
+                  </a:gs>
+                </a:gsLst>
+                <a:lin ang="5400000" scaled="0"/>
+              </a:gradFill>
+              <a:ea typeface="Segoe UI" pitchFamily="34" charset="0"/>
+              <a:cs typeface="Segoe UI" pitchFamily="34" charset="0"/>
+            </a:endParaRPr>
+          </a:p>
+        </p:txBody>
+      </p:sp>
+      <p:sp>
+        <p:nvSpPr>
+          <p:cNvPr id="8" name="Rectangle 7"/>
+          <p:cNvSpPr/>
+          <p:nvPr/>
+        </p:nvSpPr>
+        <p:spPr>
+          <a:xfrm>
+            <a:off x="1255712" y="4098925"/>
+            <a:ext cx="1358900" cy="800100"/>
+          </a:xfrm>
+          <a:prstGeom prst="rect">
+            <a:avLst/>
+          </a:prstGeom>
+        </p:spPr>
+        <p:style>
+          <a:lnRef idx="2">
+            <a:schemeClr val="accent1">
+              <a:shade val="50000"/>
+            </a:schemeClr>
+          </a:lnRef>
+          <a:fillRef idx="1">
+            <a:schemeClr val="accent1"/>
+          </a:fillRef>
+          <a:effectRef idx="0">
+            <a:schemeClr val="accent1"/>
+          </a:effectRef>
+          <a:fontRef idx="minor">
+            <a:schemeClr val="lt1"/>
+          </a:fontRef>
+        </p:style>
+        <p:txBody>
+          <a:bodyPr anchor="ctr"/>
+          <a:lstStyle/>
+          <a:p>
+            <a:pPr algn="ctr">
+              <a:defRPr/>
+            </a:pPr>
+            <a:r>
+              <a:rPr lang="en-US" sz="1200" dirty="0"/>
+              <a:t>Your Client Application</a:t>
+            </a:r>
+          </a:p>
+        </p:txBody>
+      </p:sp>
+      <p:cxnSp>
+        <p:nvCxnSpPr>
+          <p:cNvPr id="16" name="Straight Arrow Connector 15"/>
+          <p:cNvCxnSpPr>
+            <a:stCxn id="8" idx="3"/>
+            <a:endCxn id="13" idx="1"/>
+          </p:cNvCxnSpPr>
+          <p:nvPr/>
+        </p:nvCxnSpPr>
+        <p:spPr>
+          <a:xfrm>
+            <a:off x="2614613" y="4498975"/>
+            <a:ext cx="650875" cy="0"/>
+          </a:xfrm>
+          <a:prstGeom prst="straightConnector1">
+            <a:avLst/>
+          </a:prstGeom>
+          <a:ln w="28575">
+            <a:solidFill>
+              <a:srgbClr val="800000"/>
+            </a:solidFill>
+            <a:tailEnd type="triangle"/>
+          </a:ln>
+        </p:spPr>
+        <p:style>
+          <a:lnRef idx="1">
+            <a:schemeClr val="accent1"/>
+          </a:lnRef>
+          <a:fillRef idx="0">
+            <a:schemeClr val="accent1"/>
+          </a:fillRef>
+          <a:effectRef idx="0">
+            <a:schemeClr val="accent1"/>
+          </a:effectRef>
+          <a:fontRef idx="minor">
+            <a:schemeClr val="tx1"/>
+          </a:fontRef>
+        </p:style>
+      </p:cxnSp>
+      <p:sp>
+        <p:nvSpPr>
+          <p:cNvPr id="22" name="Rounded Rectangle 21"/>
+          <p:cNvSpPr/>
+          <p:nvPr/>
+        </p:nvSpPr>
+        <p:spPr>
+          <a:xfrm>
+            <a:off x="6915150" y="3436939"/>
+            <a:ext cx="1325562" cy="604837"/>
+          </a:xfrm>
+          <a:prstGeom prst="roundRect">
+            <a:avLst/>
+          </a:prstGeom>
+          <a:solidFill>
+            <a:schemeClr val="accent5">
+              <a:lumMod val="20000"/>
+              <a:lumOff val="80000"/>
+            </a:schemeClr>
+          </a:solidFill>
+          <a:ln w="12700">
+            <a:solidFill>
+              <a:schemeClr val="tx1"/>
+            </a:solidFill>
+          </a:ln>
+        </p:spPr>
+        <p:style>
+          <a:lnRef idx="2">
+            <a:schemeClr val="accent1">
+              <a:shade val="50000"/>
+            </a:schemeClr>
+          </a:lnRef>
+          <a:fillRef idx="1">
+            <a:schemeClr val="accent1"/>
+          </a:fillRef>
+          <a:effectRef idx="0">
+            <a:schemeClr val="accent1"/>
+          </a:effectRef>
+          <a:fontRef idx="minor">
+            <a:schemeClr val="lt1"/>
+          </a:fontRef>
+        </p:style>
+        <p:txBody>
+          <a:bodyPr anchor="ctr"/>
+          <a:lstStyle/>
+          <a:p>
+            <a:pPr algn="ctr">
+              <a:defRPr/>
+            </a:pPr>
+            <a:r>
+              <a:rPr lang="en-US" sz="1050" dirty="0">
+                <a:solidFill>
+                  <a:schemeClr val="tx1"/>
+                </a:solidFill>
+              </a:rPr>
+              <a:t>Azure AD Data</a:t>
+            </a:r>
+          </a:p>
+          <a:p>
+            <a:pPr algn="ctr">
+              <a:defRPr/>
+            </a:pPr>
+            <a:r>
+              <a:rPr lang="en-US" sz="1000" dirty="0">
+                <a:solidFill>
+                  <a:srgbClr val="800000"/>
+                </a:solidFill>
+              </a:rPr>
+              <a:t>Users</a:t>
+            </a:r>
+          </a:p>
+          <a:p>
+            <a:pPr algn="ctr">
+              <a:defRPr/>
+            </a:pPr>
+            <a:r>
+              <a:rPr lang="en-US" sz="1000" dirty="0">
+                <a:solidFill>
+                  <a:srgbClr val="800000"/>
+                </a:solidFill>
+              </a:rPr>
+              <a:t>Groups</a:t>
+            </a:r>
+          </a:p>
+        </p:txBody>
+      </p:sp>
+      <p:sp>
+        <p:nvSpPr>
+          <p:cNvPr id="23" name="Rounded Rectangle 22"/>
+          <p:cNvSpPr/>
+          <p:nvPr/>
+        </p:nvSpPr>
+        <p:spPr>
+          <a:xfrm>
+            <a:off x="6915150" y="4114800"/>
+            <a:ext cx="1325562" cy="692150"/>
+          </a:xfrm>
+          <a:prstGeom prst="roundRect">
+            <a:avLst/>
+          </a:prstGeom>
+          <a:solidFill>
+            <a:schemeClr val="accent5">
+              <a:lumMod val="20000"/>
+              <a:lumOff val="80000"/>
+            </a:schemeClr>
+          </a:solidFill>
+          <a:ln w="12700">
+            <a:solidFill>
+              <a:schemeClr val="tx1"/>
+            </a:solidFill>
+          </a:ln>
+        </p:spPr>
+        <p:style>
+          <a:lnRef idx="2">
+            <a:schemeClr val="accent1">
+              <a:shade val="50000"/>
+            </a:schemeClr>
+          </a:lnRef>
+          <a:fillRef idx="1">
+            <a:schemeClr val="accent1"/>
+          </a:fillRef>
+          <a:effectRef idx="0">
+            <a:schemeClr val="accent1"/>
+          </a:effectRef>
+          <a:fontRef idx="minor">
+            <a:schemeClr val="lt1"/>
+          </a:fontRef>
+        </p:style>
+        <p:txBody>
+          <a:bodyPr anchor="ctr"/>
+          <a:lstStyle/>
+          <a:p>
+            <a:pPr algn="ctr">
+              <a:defRPr/>
+            </a:pPr>
+            <a:r>
+              <a:rPr lang="en-US" sz="1050" dirty="0">
+                <a:solidFill>
+                  <a:schemeClr val="tx1"/>
+                </a:solidFill>
+              </a:rPr>
+              <a:t>Outlook Data</a:t>
+            </a:r>
+          </a:p>
+          <a:p>
+            <a:pPr algn="ctr">
+              <a:defRPr/>
+            </a:pPr>
+            <a:r>
+              <a:rPr lang="en-US" sz="1000" dirty="0">
+                <a:solidFill>
+                  <a:srgbClr val="800000"/>
+                </a:solidFill>
+              </a:rPr>
+              <a:t>Mail</a:t>
+            </a:r>
+          </a:p>
+          <a:p>
+            <a:pPr algn="ctr">
+              <a:defRPr/>
+            </a:pPr>
+            <a:r>
+              <a:rPr lang="en-US" sz="1000" dirty="0">
+                <a:solidFill>
+                  <a:srgbClr val="800000"/>
+                </a:solidFill>
+              </a:rPr>
+              <a:t>Calendar</a:t>
+            </a:r>
+          </a:p>
+          <a:p>
+            <a:pPr algn="ctr">
+              <a:defRPr/>
+            </a:pPr>
+            <a:r>
+              <a:rPr lang="en-US" sz="1000" dirty="0">
+                <a:solidFill>
+                  <a:srgbClr val="800000"/>
+                </a:solidFill>
+              </a:rPr>
+              <a:t>Contacts</a:t>
+            </a:r>
+          </a:p>
+        </p:txBody>
+      </p:sp>
+      <p:sp>
+        <p:nvSpPr>
+          <p:cNvPr id="24" name="Rounded Rectangle 23"/>
+          <p:cNvSpPr/>
+          <p:nvPr/>
+        </p:nvSpPr>
+        <p:spPr>
+          <a:xfrm>
+            <a:off x="6935788" y="4899026"/>
+            <a:ext cx="1325563" cy="690563"/>
+          </a:xfrm>
+          <a:prstGeom prst="roundRect">
+            <a:avLst/>
+          </a:prstGeom>
+          <a:solidFill>
+            <a:schemeClr val="accent5">
+              <a:lumMod val="20000"/>
+              <a:lumOff val="80000"/>
+            </a:schemeClr>
+          </a:solidFill>
+          <a:ln w="12700">
+            <a:solidFill>
+              <a:schemeClr val="tx1"/>
+            </a:solidFill>
+          </a:ln>
+        </p:spPr>
+        <p:style>
+          <a:lnRef idx="2">
+            <a:schemeClr val="accent1">
+              <a:shade val="50000"/>
+            </a:schemeClr>
+          </a:lnRef>
+          <a:fillRef idx="1">
+            <a:schemeClr val="accent1"/>
+          </a:fillRef>
+          <a:effectRef idx="0">
+            <a:schemeClr val="accent1"/>
+          </a:effectRef>
+          <a:fontRef idx="minor">
+            <a:schemeClr val="lt1"/>
+          </a:fontRef>
+        </p:style>
+        <p:txBody>
+          <a:bodyPr anchor="ctr"/>
+          <a:lstStyle/>
+          <a:p>
+            <a:pPr algn="ctr">
+              <a:defRPr/>
+            </a:pPr>
+            <a:r>
+              <a:rPr lang="en-US" sz="1050" dirty="0">
+                <a:solidFill>
+                  <a:schemeClr val="tx1"/>
+                </a:solidFill>
+              </a:rPr>
+              <a:t>SharePoint Data</a:t>
+            </a:r>
+          </a:p>
+          <a:p>
+            <a:pPr algn="ctr">
+              <a:defRPr/>
+            </a:pPr>
+            <a:r>
+              <a:rPr lang="en-US" sz="1000" dirty="0">
+                <a:solidFill>
+                  <a:srgbClr val="800000"/>
+                </a:solidFill>
+              </a:rPr>
+              <a:t>OneDrive Files</a:t>
+            </a:r>
+          </a:p>
+          <a:p>
+            <a:pPr algn="ctr">
+              <a:defRPr/>
+            </a:pPr>
+            <a:r>
+              <a:rPr lang="en-US" sz="1000" dirty="0">
+                <a:solidFill>
+                  <a:srgbClr val="800000"/>
+                </a:solidFill>
+              </a:rPr>
+              <a:t>Team Site Files</a:t>
+            </a:r>
+          </a:p>
+        </p:txBody>
+      </p:sp>
+      <p:cxnSp>
+        <p:nvCxnSpPr>
+          <p:cNvPr id="25" name="Straight Arrow Connector 24"/>
+          <p:cNvCxnSpPr>
+            <a:stCxn id="13" idx="3"/>
+            <a:endCxn id="22" idx="1"/>
+          </p:cNvCxnSpPr>
+          <p:nvPr/>
+        </p:nvCxnSpPr>
+        <p:spPr>
+          <a:xfrm flipV="1">
+            <a:off x="6088062" y="3740151"/>
+            <a:ext cx="827088" cy="758825"/>
+          </a:xfrm>
+          <a:prstGeom prst="straightConnector1">
+            <a:avLst/>
+          </a:prstGeom>
+          <a:ln w="28575">
+            <a:solidFill>
+              <a:srgbClr val="800000"/>
+            </a:solidFill>
+            <a:tailEnd type="triangle"/>
+          </a:ln>
+        </p:spPr>
+        <p:style>
+          <a:lnRef idx="1">
+            <a:schemeClr val="accent1"/>
+          </a:lnRef>
+          <a:fillRef idx="0">
+            <a:schemeClr val="accent1"/>
+          </a:fillRef>
+          <a:effectRef idx="0">
+            <a:schemeClr val="accent1"/>
+          </a:effectRef>
+          <a:fontRef idx="minor">
+            <a:schemeClr val="tx1"/>
+          </a:fontRef>
+        </p:style>
+      </p:cxnSp>
+      <p:cxnSp>
+        <p:nvCxnSpPr>
+          <p:cNvPr id="28" name="Straight Arrow Connector 27"/>
+          <p:cNvCxnSpPr>
+            <a:stCxn id="13" idx="3"/>
+            <a:endCxn id="23" idx="1"/>
+          </p:cNvCxnSpPr>
+          <p:nvPr/>
+        </p:nvCxnSpPr>
+        <p:spPr>
+          <a:xfrm flipV="1">
+            <a:off x="6088062" y="4460875"/>
+            <a:ext cx="827088" cy="38100"/>
+          </a:xfrm>
+          <a:prstGeom prst="straightConnector1">
+            <a:avLst/>
+          </a:prstGeom>
+          <a:ln w="28575">
+            <a:solidFill>
+              <a:srgbClr val="800000"/>
+            </a:solidFill>
+            <a:tailEnd type="triangle"/>
+          </a:ln>
+        </p:spPr>
+        <p:style>
+          <a:lnRef idx="1">
+            <a:schemeClr val="accent1"/>
+          </a:lnRef>
+          <a:fillRef idx="0">
+            <a:schemeClr val="accent1"/>
+          </a:fillRef>
+          <a:effectRef idx="0">
+            <a:schemeClr val="accent1"/>
+          </a:effectRef>
+          <a:fontRef idx="minor">
+            <a:schemeClr val="tx1"/>
+          </a:fontRef>
+        </p:style>
+      </p:cxnSp>
+      <p:cxnSp>
+        <p:nvCxnSpPr>
+          <p:cNvPr id="30" name="Straight Arrow Connector 29"/>
+          <p:cNvCxnSpPr>
+            <a:stCxn id="13" idx="3"/>
+            <a:endCxn id="24" idx="1"/>
+          </p:cNvCxnSpPr>
+          <p:nvPr/>
+        </p:nvCxnSpPr>
+        <p:spPr>
+          <a:xfrm>
+            <a:off x="6088063" y="4498976"/>
+            <a:ext cx="847725" cy="746125"/>
+          </a:xfrm>
+          <a:prstGeom prst="straightConnector1">
+            <a:avLst/>
+          </a:prstGeom>
+          <a:ln w="28575">
+            <a:solidFill>
+              <a:srgbClr val="800000"/>
+            </a:solidFill>
+            <a:tailEnd type="triangle"/>
+          </a:ln>
+        </p:spPr>
+        <p:style>
+          <a:lnRef idx="1">
+            <a:schemeClr val="accent1"/>
+          </a:lnRef>
+          <a:fillRef idx="0">
+            <a:schemeClr val="accent1"/>
+          </a:fillRef>
+          <a:effectRef idx="0">
+            <a:schemeClr val="accent1"/>
+          </a:effectRef>
+          <a:fontRef idx="minor">
+            <a:schemeClr val="tx1"/>
+          </a:fontRef>
+        </p:style>
+      </p:cxnSp>
+      <p:sp>
+        <p:nvSpPr>
+          <p:cNvPr id="13" name="Rectangle 12"/>
+          <p:cNvSpPr/>
+          <p:nvPr/>
+        </p:nvSpPr>
+        <p:spPr>
+          <a:xfrm>
+            <a:off x="3265488" y="4237039"/>
+            <a:ext cx="2822575" cy="523875"/>
+          </a:xfrm>
+          <a:prstGeom prst="rect">
+            <a:avLst/>
+          </a:prstGeom>
+          <a:solidFill>
+            <a:schemeClr val="bg1"/>
+          </a:solidFill>
+          <a:ln w="12700">
+            <a:solidFill>
+              <a:schemeClr val="tx1"/>
+            </a:solidFill>
+          </a:ln>
+        </p:spPr>
+        <p:style>
+          <a:lnRef idx="2">
+            <a:schemeClr val="accent1">
+              <a:shade val="50000"/>
+            </a:schemeClr>
+          </a:lnRef>
+          <a:fillRef idx="1">
+            <a:schemeClr val="accent1"/>
+          </a:fillRef>
+          <a:effectRef idx="0">
+            <a:schemeClr val="accent1"/>
+          </a:effectRef>
+          <a:fontRef idx="minor">
+            <a:schemeClr val="lt1"/>
+          </a:fontRef>
+        </p:style>
+        <p:txBody>
+          <a:bodyPr anchor="ctr"/>
+          <a:lstStyle/>
+          <a:p>
+            <a:pPr>
+              <a:defRPr/>
+            </a:pPr>
+            <a:r>
+              <a:rPr lang="en-US" sz="1400" dirty="0">
+                <a:solidFill>
+                  <a:schemeClr val="tx1">
+                    <a:lumMod val="50000"/>
+                  </a:schemeClr>
+                </a:solidFill>
+              </a:rPr>
+              <a:t>Microsoft Graph API</a:t>
+            </a:r>
+            <a:endParaRPr lang="en-US" sz="1400" dirty="0">
+              <a:solidFill>
+                <a:schemeClr val="tx2">
+                  <a:lumMod val="75000"/>
+                </a:schemeClr>
+              </a:solidFill>
+            </a:endParaRPr>
+          </a:p>
+          <a:p>
+            <a:pPr>
+              <a:defRPr/>
+            </a:pPr>
+            <a:r>
+              <a:rPr lang="en-US" sz="1000" b="1" dirty="0">
+                <a:solidFill>
+                  <a:srgbClr val="800000"/>
+                </a:solidFill>
+              </a:rPr>
+              <a:t>https://graph.Microsoft.com</a:t>
+            </a:r>
+          </a:p>
+        </p:txBody>
+      </p:sp>
+    </p:spTree>
+    <p:extLst>
+      <p:ext uri="{BB962C8B-B14F-4D97-AF65-F5344CB8AC3E}">
+        <p14:creationId xmlns:p14="http://schemas.microsoft.com/office/powerpoint/2010/main" val="4282090055"/>
+      </p:ext>
+    </p:extLst>
+  </p:cSld>
+  <p:clrMapOvr>
+    <a:masterClrMapping/>
+  </p:clrMapOvr>
+  <p:transition spd="slow"/>
+</p:sld>
+</file>
+
+<file path=ppt/slides/slide51.xml><?xml version="1.0" encoding="utf-8"?>
+<p:sld xmlns:a="http://schemas.openxmlformats.org/drawingml/2006/main" xmlns:r="http://schemas.openxmlformats.org/officeDocument/2006/relationships" xmlns:p="http://schemas.openxmlformats.org/presentationml/2006/main">
+  <p:cSld>
+    <p:spTree>
+      <p:nvGrpSpPr>
+        <p:cNvPr id="1" name=""/>
+        <p:cNvGrpSpPr/>
+        <p:nvPr/>
+      </p:nvGrpSpPr>
+      <p:grpSpPr>
+        <a:xfrm>
+          <a:off x="0" y="0"/>
+          <a:ext cx="0" cy="0"/>
+          <a:chOff x="0" y="0"/>
+          <a:chExt cx="0" cy="0"/>
+        </a:xfrm>
+      </p:grpSpPr>
+      <p:sp>
+        <p:nvSpPr>
+          <p:cNvPr id="2" name="Title 1">
+            <a:extLst>
+              <a:ext uri="{FF2B5EF4-FFF2-40B4-BE49-F238E27FC236}">
+                <a16:creationId xmlns:a16="http://schemas.microsoft.com/office/drawing/2014/main" id="{07503519-6DAC-44F7-89CD-F7CBE9E62725}"/>
+              </a:ext>
+            </a:extLst>
+          </p:cNvPr>
+          <p:cNvSpPr>
+            <a:spLocks noGrp="1"/>
+          </p:cNvSpPr>
+          <p:nvPr>
+            <p:ph type="title"/>
+          </p:nvPr>
+        </p:nvSpPr>
+        <p:spPr/>
+        <p:txBody>
+          <a:bodyPr/>
+          <a:lstStyle/>
+          <a:p>
+            <a:r>
+              <a:rPr lang="en-US" dirty="0"/>
+              <a:t>More Info on the Microsoft Graph API</a:t>
+            </a:r>
+          </a:p>
+        </p:txBody>
+      </p:sp>
+      <p:sp>
+        <p:nvSpPr>
+          <p:cNvPr id="3" name="Content Placeholder 2">
+            <a:extLst>
+              <a:ext uri="{FF2B5EF4-FFF2-40B4-BE49-F238E27FC236}">
+                <a16:creationId xmlns:a16="http://schemas.microsoft.com/office/drawing/2014/main" id="{8F20990A-0C0F-4A06-9B8F-444E5F94E755}"/>
+              </a:ext>
+            </a:extLst>
+          </p:cNvPr>
+          <p:cNvSpPr>
+            <a:spLocks noGrp="1"/>
+          </p:cNvSpPr>
+          <p:nvPr>
+            <p:ph idx="1"/>
+          </p:nvPr>
+        </p:nvSpPr>
+        <p:spPr/>
+        <p:txBody>
+          <a:bodyPr>
+            <a:normAutofit/>
+          </a:bodyPr>
+          <a:lstStyle/>
+          <a:p>
+            <a:r>
+              <a:rPr lang="en-US" sz="2000" dirty="0">
+                <a:hlinkClick r:id="rId2"/>
+              </a:rPr>
+              <a:t>https://developer.microsoft.com/en-us/graph/docs/api-reference/v1.0</a:t>
+            </a:r>
+            <a:r>
+              <a:rPr lang="en-US" sz="2000" dirty="0"/>
+              <a:t> </a:t>
+            </a:r>
+          </a:p>
+        </p:txBody>
+      </p:sp>
+      <p:pic>
+        <p:nvPicPr>
+          <p:cNvPr id="4" name="Picture 3">
+            <a:extLst>
+              <a:ext uri="{FF2B5EF4-FFF2-40B4-BE49-F238E27FC236}">
+                <a16:creationId xmlns:a16="http://schemas.microsoft.com/office/drawing/2014/main" id="{D822C81E-9BE7-4420-8601-F70EF55EDEDB}"/>
+              </a:ext>
+            </a:extLst>
+          </p:cNvPr>
+          <p:cNvPicPr>
+            <a:picLocks noChangeAspect="1"/>
+          </p:cNvPicPr>
+          <p:nvPr/>
+        </p:nvPicPr>
+        <p:blipFill rotWithShape="1">
+          <a:blip r:embed="rId3"/>
+          <a:srcRect r="21667"/>
+          <a:stretch/>
+        </p:blipFill>
+        <p:spPr>
+          <a:xfrm>
+            <a:off x="838200" y="2133600"/>
+            <a:ext cx="7536890" cy="4038600"/>
+          </a:xfrm>
+          <a:prstGeom prst="rect">
+            <a:avLst/>
+          </a:prstGeom>
+          <a:ln>
+            <a:solidFill>
+              <a:schemeClr val="tx1"/>
+            </a:solidFill>
+          </a:ln>
+        </p:spPr>
+      </p:pic>
+    </p:spTree>
+    <p:extLst>
+      <p:ext uri="{BB962C8B-B14F-4D97-AF65-F5344CB8AC3E}">
+        <p14:creationId xmlns:p14="http://schemas.microsoft.com/office/powerpoint/2010/main" val="2866516834"/>
+      </p:ext>
+    </p:extLst>
+  </p:cSld>
+  <p:clrMapOvr>
+    <a:masterClrMapping/>
+  </p:clrMapOvr>
+</p:sld>
+</file>
+
+<file path=ppt/slides/slide52.xml><?xml version="1.0" encoding="utf-8"?>
+<p:sld xmlns:a="http://schemas.openxmlformats.org/drawingml/2006/main" xmlns:r="http://schemas.openxmlformats.org/officeDocument/2006/relationships" xmlns:p="http://schemas.openxmlformats.org/presentationml/2006/main">
+  <p:cSld>
+    <p:spTree>
+      <p:nvGrpSpPr>
+        <p:cNvPr id="1" name=""/>
+        <p:cNvGrpSpPr/>
+        <p:nvPr/>
+      </p:nvGrpSpPr>
+      <p:grpSpPr>
+        <a:xfrm>
+          <a:off x="0" y="0"/>
+          <a:ext cx="0" cy="0"/>
+          <a:chOff x="0" y="0"/>
+          <a:chExt cx="0" cy="0"/>
+        </a:xfrm>
+      </p:grpSpPr>
+      <p:sp>
+        <p:nvSpPr>
+          <p:cNvPr id="2" name="Title 1">
+            <a:extLst>
+              <a:ext uri="{FF2B5EF4-FFF2-40B4-BE49-F238E27FC236}">
+                <a16:creationId xmlns:a16="http://schemas.microsoft.com/office/drawing/2014/main" id="{AD981AE7-B3C8-48CE-830C-35A847BFED08}"/>
+              </a:ext>
+            </a:extLst>
+          </p:cNvPr>
+          <p:cNvSpPr>
+            <a:spLocks noGrp="1"/>
+          </p:cNvSpPr>
+          <p:nvPr>
+            <p:ph type="title"/>
+          </p:nvPr>
+        </p:nvSpPr>
+        <p:spPr/>
+        <p:txBody>
+          <a:bodyPr/>
+          <a:lstStyle/>
+          <a:p>
+            <a:r>
+              <a:rPr lang="en-US" dirty="0" err="1"/>
+              <a:t>MyGraph</a:t>
+            </a:r>
+            <a:r>
+              <a:rPr lang="en-US" dirty="0"/>
+              <a:t> Demo</a:t>
+            </a:r>
+          </a:p>
+        </p:txBody>
+      </p:sp>
+      <p:sp>
+        <p:nvSpPr>
+          <p:cNvPr id="3" name="Content Placeholder 2">
+            <a:extLst>
+              <a:ext uri="{FF2B5EF4-FFF2-40B4-BE49-F238E27FC236}">
+                <a16:creationId xmlns:a16="http://schemas.microsoft.com/office/drawing/2014/main" id="{1EAFA396-4BB0-4E35-9112-6ACAE678612A}"/>
+              </a:ext>
+            </a:extLst>
+          </p:cNvPr>
+          <p:cNvSpPr>
+            <a:spLocks noGrp="1"/>
+          </p:cNvSpPr>
+          <p:nvPr>
+            <p:ph idx="1"/>
+          </p:nvPr>
+        </p:nvSpPr>
+        <p:spPr/>
+        <p:txBody>
+          <a:bodyPr/>
+          <a:lstStyle/>
+          <a:p>
+            <a:r>
+              <a:rPr lang="en-US" dirty="0"/>
+              <a:t>Project originally created by Matt Masson</a:t>
+            </a:r>
+          </a:p>
+          <a:p>
+            <a:pPr lvl="1"/>
+            <a:r>
+              <a:rPr lang="en-US" dirty="0"/>
+              <a:t>Connector designed to query Microsoft Graph API</a:t>
+            </a:r>
+          </a:p>
+          <a:p>
+            <a:pPr lvl="1"/>
+            <a:r>
+              <a:rPr lang="en-US" dirty="0"/>
+              <a:t>Connector provides code to authenticate with OAuth2 </a:t>
+            </a:r>
+          </a:p>
+        </p:txBody>
+      </p:sp>
+      <p:grpSp>
+        <p:nvGrpSpPr>
+          <p:cNvPr id="50" name="Group 49">
+            <a:extLst>
+              <a:ext uri="{FF2B5EF4-FFF2-40B4-BE49-F238E27FC236}">
+                <a16:creationId xmlns:a16="http://schemas.microsoft.com/office/drawing/2014/main" id="{36861C30-98B2-44DC-A284-551EA18C55A0}"/>
+              </a:ext>
+            </a:extLst>
+          </p:cNvPr>
+          <p:cNvGrpSpPr/>
+          <p:nvPr/>
+        </p:nvGrpSpPr>
+        <p:grpSpPr>
+          <a:xfrm>
+            <a:off x="3376039" y="3013857"/>
+            <a:ext cx="1942040" cy="3359141"/>
+            <a:chOff x="3376039" y="3013857"/>
+            <a:chExt cx="1942040" cy="3359141"/>
+          </a:xfrm>
+        </p:grpSpPr>
+        <p:pic>
+          <p:nvPicPr>
+            <p:cNvPr id="7" name="Picture 6">
+              <a:extLst>
+                <a:ext uri="{FF2B5EF4-FFF2-40B4-BE49-F238E27FC236}">
+                  <a16:creationId xmlns:a16="http://schemas.microsoft.com/office/drawing/2014/main" id="{2EE1662B-7B22-46A0-B348-ACBB4BE0FCA2}"/>
+                </a:ext>
+              </a:extLst>
+            </p:cNvPr>
+            <p:cNvPicPr>
+              <a:picLocks noChangeAspect="1"/>
+            </p:cNvPicPr>
+            <p:nvPr/>
+          </p:nvPicPr>
+          <p:blipFill rotWithShape="1">
+            <a:blip r:embed="rId2"/>
+            <a:srcRect b="52825"/>
+            <a:stretch/>
+          </p:blipFill>
+          <p:spPr>
+            <a:xfrm>
+              <a:off x="3376039" y="3013857"/>
+              <a:ext cx="1805561" cy="1253251"/>
+            </a:xfrm>
+            <a:prstGeom prst="rect">
+              <a:avLst/>
+            </a:prstGeom>
+            <a:ln>
+              <a:solidFill>
+                <a:schemeClr val="tx1"/>
+              </a:solidFill>
+            </a:ln>
+          </p:spPr>
+        </p:pic>
+        <p:sp>
+          <p:nvSpPr>
+            <p:cNvPr id="9" name="TextBox 8">
+              <a:extLst>
+                <a:ext uri="{FF2B5EF4-FFF2-40B4-BE49-F238E27FC236}">
+                  <a16:creationId xmlns:a16="http://schemas.microsoft.com/office/drawing/2014/main" id="{BAAE8EAE-3B2D-4631-A103-D495F285F4BC}"/>
+                </a:ext>
+              </a:extLst>
+            </p:cNvPr>
+            <p:cNvSpPr txBox="1"/>
+            <p:nvPr/>
+          </p:nvSpPr>
+          <p:spPr>
+            <a:xfrm>
+              <a:off x="3399934" y="6095999"/>
+              <a:ext cx="1918145" cy="276999"/>
+            </a:xfrm>
+            <a:prstGeom prst="rect">
+              <a:avLst/>
+            </a:prstGeom>
+            <a:noFill/>
+          </p:spPr>
+          <p:txBody>
+            <a:bodyPr wrap="square" rtlCol="0">
+              <a:spAutoFit/>
+            </a:bodyPr>
+            <a:lstStyle/>
+            <a:p>
+              <a:pPr algn="ctr"/>
+              <a:r>
+                <a:rPr lang="en-US" sz="1200" dirty="0"/>
+                <a:t>Custom Data Connector</a:t>
+              </a:r>
+            </a:p>
+          </p:txBody>
+        </p:sp>
+      </p:grpSp>
+      <p:sp>
+        <p:nvSpPr>
+          <p:cNvPr id="10" name="TextBox 9">
+            <a:extLst>
+              <a:ext uri="{FF2B5EF4-FFF2-40B4-BE49-F238E27FC236}">
+                <a16:creationId xmlns:a16="http://schemas.microsoft.com/office/drawing/2014/main" id="{5F66AECC-D20B-4101-9BEA-E9542F3788D4}"/>
+              </a:ext>
+            </a:extLst>
+          </p:cNvPr>
+          <p:cNvSpPr txBox="1"/>
+          <p:nvPr/>
+        </p:nvSpPr>
+        <p:spPr>
+          <a:xfrm>
+            <a:off x="6514105" y="6033700"/>
+            <a:ext cx="1918145" cy="276999"/>
+          </a:xfrm>
+          <a:prstGeom prst="rect">
+            <a:avLst/>
+          </a:prstGeom>
+          <a:noFill/>
+        </p:spPr>
+        <p:txBody>
+          <a:bodyPr wrap="square" rtlCol="0">
+            <a:spAutoFit/>
+          </a:bodyPr>
+          <a:lstStyle/>
+          <a:p>
+            <a:pPr algn="ctr"/>
+            <a:r>
+              <a:rPr lang="en-US" sz="1200" dirty="0"/>
+              <a:t>Microsoft Graph API</a:t>
+            </a:r>
+          </a:p>
+        </p:txBody>
+      </p:sp>
+      <p:sp>
+        <p:nvSpPr>
+          <p:cNvPr id="11" name="Rectangle: Rounded Corners 10">
+            <a:extLst>
+              <a:ext uri="{FF2B5EF4-FFF2-40B4-BE49-F238E27FC236}">
+                <a16:creationId xmlns:a16="http://schemas.microsoft.com/office/drawing/2014/main" id="{48D1DE1F-316B-4190-926F-8E21AD12CA26}"/>
+              </a:ext>
+            </a:extLst>
+          </p:cNvPr>
+          <p:cNvSpPr/>
+          <p:nvPr/>
+        </p:nvSpPr>
+        <p:spPr>
+          <a:xfrm>
+            <a:off x="6419836" y="4267200"/>
+            <a:ext cx="2012414" cy="1447799"/>
+          </a:xfrm>
+          <a:prstGeom prst="roundRect">
+            <a:avLst/>
+          </a:prstGeom>
+        </p:spPr>
+        <p:style>
+          <a:lnRef idx="2">
+            <a:schemeClr val="accent1">
+              <a:shade val="50000"/>
+            </a:schemeClr>
+          </a:lnRef>
+          <a:fillRef idx="1">
+            <a:schemeClr val="accent1"/>
+          </a:fillRef>
+          <a:effectRef idx="0">
+            <a:schemeClr val="accent1"/>
+          </a:effectRef>
+          <a:fontRef idx="minor">
+            <a:schemeClr val="lt1"/>
+          </a:fontRef>
+        </p:style>
+        <p:txBody>
+          <a:bodyPr rtlCol="0" anchor="ctr"/>
+          <a:lstStyle/>
+          <a:p>
+            <a:r>
+              <a:rPr lang="en-US" sz="1400" dirty="0"/>
+              <a:t>Email Messages</a:t>
+            </a:r>
+          </a:p>
+          <a:p>
+            <a:r>
+              <a:rPr lang="en-US" sz="1400" dirty="0"/>
+              <a:t>Calendar Events</a:t>
+            </a:r>
+          </a:p>
+          <a:p>
+            <a:r>
+              <a:rPr lang="en-US" sz="1400" dirty="0"/>
+              <a:t>SharePoint Content</a:t>
+            </a:r>
+          </a:p>
+          <a:p>
+            <a:r>
+              <a:rPr lang="en-US" sz="1400" dirty="0"/>
+              <a:t>OneDrive Search</a:t>
+            </a:r>
+          </a:p>
+        </p:txBody>
+      </p:sp>
+      <p:grpSp>
+        <p:nvGrpSpPr>
+          <p:cNvPr id="51" name="Group 50">
+            <a:extLst>
+              <a:ext uri="{FF2B5EF4-FFF2-40B4-BE49-F238E27FC236}">
+                <a16:creationId xmlns:a16="http://schemas.microsoft.com/office/drawing/2014/main" id="{6D50EF98-9F26-4313-AC73-5E49792C0625}"/>
+              </a:ext>
+            </a:extLst>
+          </p:cNvPr>
+          <p:cNvGrpSpPr/>
+          <p:nvPr/>
+        </p:nvGrpSpPr>
+        <p:grpSpPr>
+          <a:xfrm>
+            <a:off x="901255" y="3200400"/>
+            <a:ext cx="2396249" cy="3172599"/>
+            <a:chOff x="901255" y="3200400"/>
+            <a:chExt cx="2396249" cy="3172599"/>
+          </a:xfrm>
+        </p:grpSpPr>
+        <p:pic>
+          <p:nvPicPr>
+            <p:cNvPr id="4" name="Picture 3">
+              <a:extLst>
+                <a:ext uri="{FF2B5EF4-FFF2-40B4-BE49-F238E27FC236}">
+                  <a16:creationId xmlns:a16="http://schemas.microsoft.com/office/drawing/2014/main" id="{8C6DA38B-DDD3-42DB-8FDB-25D1E66918EA}"/>
+                </a:ext>
+              </a:extLst>
+            </p:cNvPr>
+            <p:cNvPicPr>
+              <a:picLocks noChangeAspect="1"/>
+            </p:cNvPicPr>
+            <p:nvPr/>
+          </p:nvPicPr>
+          <p:blipFill>
+            <a:blip r:embed="rId3"/>
+            <a:stretch>
+              <a:fillRect/>
+            </a:stretch>
+          </p:blipFill>
+          <p:spPr>
+            <a:xfrm>
+              <a:off x="977455" y="3200400"/>
+              <a:ext cx="1765745" cy="2702781"/>
+            </a:xfrm>
+            <a:prstGeom prst="rect">
+              <a:avLst/>
+            </a:prstGeom>
+            <a:ln>
+              <a:solidFill>
+                <a:schemeClr val="tx1"/>
+              </a:solidFill>
+            </a:ln>
+          </p:spPr>
+        </p:pic>
+        <p:sp>
+          <p:nvSpPr>
+            <p:cNvPr id="5" name="TextBox 4">
+              <a:extLst>
+                <a:ext uri="{FF2B5EF4-FFF2-40B4-BE49-F238E27FC236}">
+                  <a16:creationId xmlns:a16="http://schemas.microsoft.com/office/drawing/2014/main" id="{22CB1BE3-427E-43F0-8DEA-BF4166D0EEEB}"/>
+                </a:ext>
+              </a:extLst>
+            </p:cNvPr>
+            <p:cNvSpPr txBox="1"/>
+            <p:nvPr/>
+          </p:nvSpPr>
+          <p:spPr>
+            <a:xfrm>
+              <a:off x="901255" y="6096000"/>
+              <a:ext cx="1918145" cy="276999"/>
+            </a:xfrm>
+            <a:prstGeom prst="rect">
+              <a:avLst/>
+            </a:prstGeom>
+            <a:noFill/>
+          </p:spPr>
+          <p:txBody>
+            <a:bodyPr wrap="square" rtlCol="0">
+              <a:spAutoFit/>
+            </a:bodyPr>
+            <a:lstStyle/>
+            <a:p>
+              <a:pPr algn="ctr"/>
+              <a:r>
+                <a:rPr lang="en-US" sz="1200" dirty="0"/>
+                <a:t>Power BI Desktop Project</a:t>
+              </a:r>
+            </a:p>
+          </p:txBody>
+        </p:sp>
+        <p:cxnSp>
+          <p:nvCxnSpPr>
+            <p:cNvPr id="13" name="Straight Arrow Connector 12">
+              <a:extLst>
+                <a:ext uri="{FF2B5EF4-FFF2-40B4-BE49-F238E27FC236}">
+                  <a16:creationId xmlns:a16="http://schemas.microsoft.com/office/drawing/2014/main" id="{860BB26E-7287-4075-B9C5-F3ACD182AED3}"/>
+                </a:ext>
+              </a:extLst>
+            </p:cNvPr>
+            <p:cNvCxnSpPr>
+              <a:cxnSpLocks/>
+            </p:cNvCxnSpPr>
+            <p:nvPr/>
+          </p:nvCxnSpPr>
+          <p:spPr>
+            <a:xfrm>
+              <a:off x="1986595" y="4608413"/>
+              <a:ext cx="1296416" cy="76874"/>
+            </a:xfrm>
+            <a:prstGeom prst="straightConnector1">
+              <a:avLst/>
+            </a:prstGeom>
+            <a:ln>
+              <a:solidFill>
+                <a:srgbClr val="FF0000"/>
+              </a:solidFill>
+              <a:tailEnd type="triangle"/>
+            </a:ln>
+          </p:spPr>
+          <p:style>
+            <a:lnRef idx="1">
+              <a:schemeClr val="accent1"/>
+            </a:lnRef>
+            <a:fillRef idx="0">
+              <a:schemeClr val="accent1"/>
+            </a:fillRef>
+            <a:effectRef idx="0">
+              <a:schemeClr val="accent1"/>
+            </a:effectRef>
+            <a:fontRef idx="minor">
+              <a:schemeClr val="tx1"/>
+            </a:fontRef>
+          </p:style>
+        </p:cxnSp>
+        <p:cxnSp>
+          <p:nvCxnSpPr>
+            <p:cNvPr id="16" name="Straight Arrow Connector 15">
+              <a:extLst>
+                <a:ext uri="{FF2B5EF4-FFF2-40B4-BE49-F238E27FC236}">
+                  <a16:creationId xmlns:a16="http://schemas.microsoft.com/office/drawing/2014/main" id="{0C6B7A6A-50D1-47C8-A33A-4AFB61423005}"/>
+                </a:ext>
+              </a:extLst>
+            </p:cNvPr>
+            <p:cNvCxnSpPr>
+              <a:cxnSpLocks/>
+            </p:cNvCxnSpPr>
+            <p:nvPr/>
+          </p:nvCxnSpPr>
+          <p:spPr>
+            <a:xfrm>
+              <a:off x="2110673" y="4764860"/>
+              <a:ext cx="1174693" cy="82269"/>
+            </a:xfrm>
+            <a:prstGeom prst="straightConnector1">
+              <a:avLst/>
+            </a:prstGeom>
+            <a:ln>
+              <a:solidFill>
+                <a:srgbClr val="FF0000"/>
+              </a:solidFill>
+              <a:tailEnd type="triangle"/>
+            </a:ln>
+          </p:spPr>
+          <p:style>
+            <a:lnRef idx="1">
+              <a:schemeClr val="accent1"/>
+            </a:lnRef>
+            <a:fillRef idx="0">
+              <a:schemeClr val="accent1"/>
+            </a:fillRef>
+            <a:effectRef idx="0">
+              <a:schemeClr val="accent1"/>
+            </a:effectRef>
+            <a:fontRef idx="minor">
+              <a:schemeClr val="tx1"/>
+            </a:fontRef>
+          </p:style>
+        </p:cxnSp>
+        <p:cxnSp>
+          <p:nvCxnSpPr>
+            <p:cNvPr id="17" name="Straight Arrow Connector 16">
+              <a:extLst>
+                <a:ext uri="{FF2B5EF4-FFF2-40B4-BE49-F238E27FC236}">
+                  <a16:creationId xmlns:a16="http://schemas.microsoft.com/office/drawing/2014/main" id="{5D5DF7FA-8384-43E2-97D9-FA7398148DB7}"/>
+                </a:ext>
+              </a:extLst>
+            </p:cNvPr>
+            <p:cNvCxnSpPr>
+              <a:cxnSpLocks/>
+            </p:cNvCxnSpPr>
+            <p:nvPr/>
+          </p:nvCxnSpPr>
+          <p:spPr>
+            <a:xfrm>
+              <a:off x="2174060" y="4925352"/>
+              <a:ext cx="1123444" cy="87664"/>
+            </a:xfrm>
+            <a:prstGeom prst="straightConnector1">
+              <a:avLst/>
+            </a:prstGeom>
+            <a:ln>
+              <a:solidFill>
+                <a:srgbClr val="FF0000"/>
+              </a:solidFill>
+              <a:tailEnd type="triangle"/>
+            </a:ln>
+          </p:spPr>
+          <p:style>
+            <a:lnRef idx="1">
+              <a:schemeClr val="accent1"/>
+            </a:lnRef>
+            <a:fillRef idx="0">
+              <a:schemeClr val="accent1"/>
+            </a:fillRef>
+            <a:effectRef idx="0">
+              <a:schemeClr val="accent1"/>
+            </a:effectRef>
+            <a:fontRef idx="minor">
+              <a:schemeClr val="tx1"/>
+            </a:fontRef>
+          </p:style>
+        </p:cxnSp>
+        <p:cxnSp>
+          <p:nvCxnSpPr>
+            <p:cNvPr id="18" name="Straight Arrow Connector 17">
+              <a:extLst>
+                <a:ext uri="{FF2B5EF4-FFF2-40B4-BE49-F238E27FC236}">
+                  <a16:creationId xmlns:a16="http://schemas.microsoft.com/office/drawing/2014/main" id="{1684B75E-1541-4B22-ACB9-5A0A555F913C}"/>
+                </a:ext>
+              </a:extLst>
+            </p:cNvPr>
+            <p:cNvCxnSpPr>
+              <a:cxnSpLocks/>
+            </p:cNvCxnSpPr>
+            <p:nvPr/>
+          </p:nvCxnSpPr>
+          <p:spPr>
+            <a:xfrm>
+              <a:off x="1768110" y="5251733"/>
+              <a:ext cx="1501072" cy="16182"/>
+            </a:xfrm>
+            <a:prstGeom prst="straightConnector1">
+              <a:avLst/>
+            </a:prstGeom>
+            <a:ln>
+              <a:solidFill>
+                <a:srgbClr val="FF0000"/>
+              </a:solidFill>
+              <a:tailEnd type="triangle"/>
+            </a:ln>
+          </p:spPr>
+          <p:style>
+            <a:lnRef idx="1">
+              <a:schemeClr val="accent1"/>
+            </a:lnRef>
+            <a:fillRef idx="0">
+              <a:schemeClr val="accent1"/>
+            </a:fillRef>
+            <a:effectRef idx="0">
+              <a:schemeClr val="accent1"/>
+            </a:effectRef>
+            <a:fontRef idx="minor">
+              <a:schemeClr val="tx1"/>
+            </a:fontRef>
+          </p:style>
+        </p:cxnSp>
+        <p:cxnSp>
+          <p:nvCxnSpPr>
+            <p:cNvPr id="19" name="Straight Arrow Connector 18">
+              <a:extLst>
+                <a:ext uri="{FF2B5EF4-FFF2-40B4-BE49-F238E27FC236}">
+                  <a16:creationId xmlns:a16="http://schemas.microsoft.com/office/drawing/2014/main" id="{1916EBE2-DEFD-4A49-808E-91A7C58BFA25}"/>
+                </a:ext>
+              </a:extLst>
+            </p:cNvPr>
+            <p:cNvCxnSpPr>
+              <a:cxnSpLocks/>
+            </p:cNvCxnSpPr>
+            <p:nvPr/>
+          </p:nvCxnSpPr>
+          <p:spPr>
+            <a:xfrm flipV="1">
+              <a:off x="1592782" y="5369065"/>
+              <a:ext cx="1668308" cy="48553"/>
+            </a:xfrm>
+            <a:prstGeom prst="straightConnector1">
+              <a:avLst/>
+            </a:prstGeom>
+            <a:ln>
+              <a:solidFill>
+                <a:srgbClr val="FF0000"/>
+              </a:solidFill>
+              <a:tailEnd type="triangle"/>
+            </a:ln>
+          </p:spPr>
+          <p:style>
+            <a:lnRef idx="1">
+              <a:schemeClr val="accent1"/>
+            </a:lnRef>
+            <a:fillRef idx="0">
+              <a:schemeClr val="accent1"/>
+            </a:fillRef>
+            <a:effectRef idx="0">
+              <a:schemeClr val="accent1"/>
+            </a:effectRef>
+            <a:fontRef idx="minor">
+              <a:schemeClr val="tx1"/>
+            </a:fontRef>
+          </p:style>
+        </p:cxnSp>
+        <p:cxnSp>
+          <p:nvCxnSpPr>
+            <p:cNvPr id="20" name="Straight Arrow Connector 19">
+              <a:extLst>
+                <a:ext uri="{FF2B5EF4-FFF2-40B4-BE49-F238E27FC236}">
+                  <a16:creationId xmlns:a16="http://schemas.microsoft.com/office/drawing/2014/main" id="{9772726A-96BB-466B-9EBC-E32288F0854E}"/>
+                </a:ext>
+              </a:extLst>
+            </p:cNvPr>
+            <p:cNvCxnSpPr>
+              <a:cxnSpLocks/>
+            </p:cNvCxnSpPr>
+            <p:nvPr/>
+          </p:nvCxnSpPr>
+          <p:spPr>
+            <a:xfrm>
+              <a:off x="1917131" y="5085844"/>
+              <a:ext cx="1356097" cy="48552"/>
+            </a:xfrm>
+            <a:prstGeom prst="straightConnector1">
+              <a:avLst/>
+            </a:prstGeom>
+            <a:ln>
+              <a:solidFill>
+                <a:srgbClr val="FF0000"/>
+              </a:solidFill>
+              <a:tailEnd type="triangle"/>
+            </a:ln>
+          </p:spPr>
+          <p:style>
+            <a:lnRef idx="1">
+              <a:schemeClr val="accent1"/>
+            </a:lnRef>
+            <a:fillRef idx="0">
+              <a:schemeClr val="accent1"/>
+            </a:fillRef>
+            <a:effectRef idx="0">
+              <a:schemeClr val="accent1"/>
+            </a:effectRef>
+            <a:fontRef idx="minor">
+              <a:schemeClr val="tx1"/>
+            </a:fontRef>
+          </p:style>
+        </p:cxnSp>
+        <p:cxnSp>
+          <p:nvCxnSpPr>
+            <p:cNvPr id="21" name="Straight Arrow Connector 20">
+              <a:extLst>
+                <a:ext uri="{FF2B5EF4-FFF2-40B4-BE49-F238E27FC236}">
+                  <a16:creationId xmlns:a16="http://schemas.microsoft.com/office/drawing/2014/main" id="{90C5FA28-6D16-415F-9ED9-7BC5468B845F}"/>
+                </a:ext>
+              </a:extLst>
+            </p:cNvPr>
+            <p:cNvCxnSpPr>
+              <a:cxnSpLocks/>
+            </p:cNvCxnSpPr>
+            <p:nvPr/>
+          </p:nvCxnSpPr>
+          <p:spPr>
+            <a:xfrm flipV="1">
+              <a:off x="1594131" y="5486400"/>
+              <a:ext cx="1688880" cy="80921"/>
+            </a:xfrm>
+            <a:prstGeom prst="straightConnector1">
+              <a:avLst/>
+            </a:prstGeom>
+            <a:ln>
+              <a:solidFill>
+                <a:srgbClr val="FF0000"/>
+              </a:solidFill>
+              <a:tailEnd type="triangle"/>
+            </a:ln>
+          </p:spPr>
+          <p:style>
+            <a:lnRef idx="1">
+              <a:schemeClr val="accent1"/>
+            </a:lnRef>
+            <a:fillRef idx="0">
+              <a:schemeClr val="accent1"/>
+            </a:fillRef>
+            <a:effectRef idx="0">
+              <a:schemeClr val="accent1"/>
+            </a:effectRef>
+            <a:fontRef idx="minor">
+              <a:schemeClr val="tx1"/>
+            </a:fontRef>
+          </p:style>
+        </p:cxnSp>
+        <p:cxnSp>
+          <p:nvCxnSpPr>
+            <p:cNvPr id="22" name="Straight Arrow Connector 21">
+              <a:extLst>
+                <a:ext uri="{FF2B5EF4-FFF2-40B4-BE49-F238E27FC236}">
+                  <a16:creationId xmlns:a16="http://schemas.microsoft.com/office/drawing/2014/main" id="{4E5C8E2A-2769-4C58-8106-B98F6CDF8299}"/>
+                </a:ext>
+              </a:extLst>
+            </p:cNvPr>
+            <p:cNvCxnSpPr>
+              <a:cxnSpLocks/>
+            </p:cNvCxnSpPr>
+            <p:nvPr/>
+          </p:nvCxnSpPr>
+          <p:spPr>
+            <a:xfrm flipV="1">
+              <a:off x="1808570" y="5567320"/>
+              <a:ext cx="1488934" cy="173980"/>
+            </a:xfrm>
+            <a:prstGeom prst="straightConnector1">
+              <a:avLst/>
+            </a:prstGeom>
+            <a:ln>
+              <a:solidFill>
+                <a:srgbClr val="FF0000"/>
+              </a:solidFill>
+              <a:tailEnd type="triangle"/>
+            </a:ln>
+          </p:spPr>
+          <p:style>
+            <a:lnRef idx="1">
+              <a:schemeClr val="accent1"/>
+            </a:lnRef>
+            <a:fillRef idx="0">
+              <a:schemeClr val="accent1"/>
+            </a:fillRef>
+            <a:effectRef idx="0">
+              <a:schemeClr val="accent1"/>
+            </a:effectRef>
+            <a:fontRef idx="minor">
+              <a:schemeClr val="tx1"/>
+            </a:fontRef>
+          </p:style>
+        </p:cxnSp>
+      </p:grpSp>
+      <p:grpSp>
+        <p:nvGrpSpPr>
+          <p:cNvPr id="49" name="Group 48">
+            <a:extLst>
+              <a:ext uri="{FF2B5EF4-FFF2-40B4-BE49-F238E27FC236}">
+                <a16:creationId xmlns:a16="http://schemas.microsoft.com/office/drawing/2014/main" id="{599FC6B5-9C68-48FD-80EA-595BBFD67D6A}"/>
+              </a:ext>
+            </a:extLst>
+          </p:cNvPr>
+          <p:cNvGrpSpPr/>
+          <p:nvPr/>
+        </p:nvGrpSpPr>
+        <p:grpSpPr>
+          <a:xfrm>
+            <a:off x="3396554" y="4267200"/>
+            <a:ext cx="1861245" cy="1371600"/>
+            <a:chOff x="3396554" y="4267200"/>
+            <a:chExt cx="1861245" cy="1371600"/>
+          </a:xfrm>
+        </p:grpSpPr>
+        <p:sp>
+          <p:nvSpPr>
+            <p:cNvPr id="8" name="Rectangle 7">
+              <a:extLst>
+                <a:ext uri="{FF2B5EF4-FFF2-40B4-BE49-F238E27FC236}">
+                  <a16:creationId xmlns:a16="http://schemas.microsoft.com/office/drawing/2014/main" id="{CB375B52-C49D-481D-801E-613B8A777FED}"/>
+                </a:ext>
+              </a:extLst>
+            </p:cNvPr>
+            <p:cNvSpPr/>
+            <p:nvPr/>
+          </p:nvSpPr>
+          <p:spPr>
+            <a:xfrm>
+              <a:off x="3396554" y="4566237"/>
+              <a:ext cx="1861245" cy="1072563"/>
+            </a:xfrm>
+            <a:prstGeom prst="rect">
+              <a:avLst/>
+            </a:prstGeom>
+            <a:solidFill>
+              <a:schemeClr val="accent2"/>
+            </a:solidFill>
+          </p:spPr>
+          <p:style>
+            <a:lnRef idx="2">
+              <a:schemeClr val="accent1">
+                <a:shade val="50000"/>
+              </a:schemeClr>
+            </a:lnRef>
+            <a:fillRef idx="1">
+              <a:schemeClr val="accent1"/>
+            </a:fillRef>
+            <a:effectRef idx="0">
+              <a:schemeClr val="accent1"/>
+            </a:effectRef>
+            <a:fontRef idx="minor">
+              <a:schemeClr val="lt1"/>
+            </a:fontRef>
+          </p:style>
+          <p:txBody>
+            <a:bodyPr rtlCol="0" anchor="ctr"/>
+            <a:lstStyle/>
+            <a:p>
+              <a:pPr algn="ctr"/>
+              <a:r>
+                <a:rPr lang="en-US" sz="1100" dirty="0" err="1">
+                  <a:solidFill>
+                    <a:schemeClr val="tx1"/>
+                  </a:solidFill>
+                </a:rPr>
+                <a:t>MyGraph.mez</a:t>
+              </a:r>
+              <a:endParaRPr lang="en-US" sz="1100" dirty="0">
+                <a:solidFill>
+                  <a:schemeClr val="tx1"/>
+                </a:solidFill>
+              </a:endParaRPr>
+            </a:p>
+          </p:txBody>
+        </p:sp>
+        <p:sp>
+          <p:nvSpPr>
+            <p:cNvPr id="47" name="Arrow: Down 46">
+              <a:extLst>
+                <a:ext uri="{FF2B5EF4-FFF2-40B4-BE49-F238E27FC236}">
+                  <a16:creationId xmlns:a16="http://schemas.microsoft.com/office/drawing/2014/main" id="{F647EDA9-8DFD-4253-A216-18D87B0E0460}"/>
+                </a:ext>
+              </a:extLst>
+            </p:cNvPr>
+            <p:cNvSpPr/>
+            <p:nvPr/>
+          </p:nvSpPr>
+          <p:spPr>
+            <a:xfrm>
+              <a:off x="4139238" y="4267200"/>
+              <a:ext cx="375874" cy="241955"/>
+            </a:xfrm>
+            <a:prstGeom prst="downArrow">
+              <a:avLst/>
+            </a:prstGeom>
+          </p:spPr>
+          <p:style>
+            <a:lnRef idx="2">
+              <a:schemeClr val="accent1">
+                <a:shade val="50000"/>
+              </a:schemeClr>
+            </a:lnRef>
+            <a:fillRef idx="1">
+              <a:schemeClr val="accent1"/>
+            </a:fillRef>
+            <a:effectRef idx="0">
+              <a:schemeClr val="accent1"/>
+            </a:effectRef>
+            <a:fontRef idx="minor">
+              <a:schemeClr val="lt1"/>
+            </a:fontRef>
+          </p:style>
+          <p:txBody>
+            <a:bodyPr rtlCol="0" anchor="ctr"/>
+            <a:lstStyle/>
+            <a:p>
+              <a:pPr algn="ctr"/>
+              <a:endParaRPr lang="en-US"/>
+            </a:p>
+          </p:txBody>
+        </p:sp>
+      </p:grpSp>
+      <p:sp>
+        <p:nvSpPr>
+          <p:cNvPr id="48" name="Arrow: Right 47">
+            <a:extLst>
+              <a:ext uri="{FF2B5EF4-FFF2-40B4-BE49-F238E27FC236}">
+                <a16:creationId xmlns:a16="http://schemas.microsoft.com/office/drawing/2014/main" id="{BDA3193A-D753-452B-A781-95EA3599F0BB}"/>
+              </a:ext>
+            </a:extLst>
+          </p:cNvPr>
+          <p:cNvSpPr/>
+          <p:nvPr/>
+        </p:nvSpPr>
+        <p:spPr>
+          <a:xfrm>
+            <a:off x="5381124" y="4800600"/>
+            <a:ext cx="943475" cy="503055"/>
+          </a:xfrm>
+          <a:prstGeom prst="rightArrow">
+            <a:avLst/>
+          </a:prstGeom>
+        </p:spPr>
+        <p:style>
+          <a:lnRef idx="2">
+            <a:schemeClr val="accent1">
+              <a:shade val="50000"/>
+            </a:schemeClr>
+          </a:lnRef>
+          <a:fillRef idx="1">
+            <a:schemeClr val="accent1"/>
+          </a:fillRef>
+          <a:effectRef idx="0">
+            <a:schemeClr val="accent1"/>
+          </a:effectRef>
+          <a:fontRef idx="minor">
+            <a:schemeClr val="lt1"/>
+          </a:fontRef>
+        </p:style>
+        <p:txBody>
+          <a:bodyPr rtlCol="0" anchor="ctr"/>
+          <a:lstStyle/>
+          <a:p>
+            <a:pPr algn="ctr"/>
+            <a:r>
+              <a:rPr lang="en-US" sz="1200" dirty="0"/>
+              <a:t>OAuth2</a:t>
+            </a:r>
+          </a:p>
+        </p:txBody>
+      </p:sp>
+    </p:spTree>
+    <p:extLst>
+      <p:ext uri="{BB962C8B-B14F-4D97-AF65-F5344CB8AC3E}">
+        <p14:creationId xmlns:p14="http://schemas.microsoft.com/office/powerpoint/2010/main" val="1268238916"/>
+      </p:ext>
+    </p:extLst>
+  </p:cSld>
+  <p:clrMapOvr>
+    <a:masterClrMapping/>
+  </p:clrMapOvr>
+  <p:timing>
+    <p:tnLst>
+      <p:par>
+        <p:cTn id="1" dur="indefinite" restart="never" nodeType="tmRoot">
+          <p:childTnLst>
+            <p:seq concurrent="1" nextAc="seek">
+              <p:cTn id="2" dur="indefinite" nodeType="mainSeq">
+                <p:childTnLst>
+                  <p:par>
+                    <p:cTn id="3" fill="hold">
+                      <p:stCondLst>
+                        <p:cond delay="indefinite"/>
+                      </p:stCondLst>
+                      <p:childTnLst>
+                        <p:par>
+                          <p:cTn id="4" fill="hold">
+                            <p:stCondLst>
+                              <p:cond delay="0"/>
+                            </p:stCondLst>
+                            <p:childTnLst>
+                              <p:par>
+                                <p:cTn id="5" presetID="1" presetClass="entr" presetSubtype="0" fill="hold" nodeType="clickEffect">
+                                  <p:stCondLst>
+                                    <p:cond delay="0"/>
+                                  </p:stCondLst>
+                                  <p:childTnLst>
+                                    <p:set>
+                                      <p:cBhvr>
+                                        <p:cTn id="6" dur="1" fill="hold">
+                                          <p:stCondLst>
+                                            <p:cond delay="0"/>
+                                          </p:stCondLst>
+                                        </p:cTn>
+                                        <p:tgtEl>
+                                          <p:spTgt spid="50"/>
+                                        </p:tgtEl>
+                                        <p:attrNameLst>
+                                          <p:attrName>style.visibility</p:attrName>
+                                        </p:attrNameLst>
+                                      </p:cBhvr>
+                                      <p:to>
+                                        <p:strVal val="visible"/>
+                                      </p:to>
+                                    </p:set>
+                                  </p:childTnLst>
+                                </p:cTn>
+                              </p:par>
+                            </p:childTnLst>
+                          </p:cTn>
+                        </p:par>
+                      </p:childTnLst>
+                    </p:cTn>
+                  </p:par>
+                  <p:par>
+                    <p:cTn id="7" fill="hold">
+                      <p:stCondLst>
+                        <p:cond delay="indefinite"/>
+                      </p:stCondLst>
+                      <p:childTnLst>
+                        <p:par>
+                          <p:cTn id="8" fill="hold">
+                            <p:stCondLst>
+                              <p:cond delay="0"/>
+                            </p:stCondLst>
+                            <p:childTnLst>
+                              <p:par>
+                                <p:cTn id="9" presetID="1" presetClass="entr" presetSubtype="0" fill="hold" nodeType="clickEffect">
+                                  <p:stCondLst>
+                                    <p:cond delay="0"/>
+                                  </p:stCondLst>
+                                  <p:childTnLst>
+                                    <p:set>
+                                      <p:cBhvr>
+                                        <p:cTn id="10" dur="1" fill="hold">
+                                          <p:stCondLst>
+                                            <p:cond delay="0"/>
+                                          </p:stCondLst>
+                                        </p:cTn>
+                                        <p:tgtEl>
+                                          <p:spTgt spid="49"/>
+                                        </p:tgtEl>
+                                        <p:attrNameLst>
+                                          <p:attrName>style.visibility</p:attrName>
+                                        </p:attrNameLst>
+                                      </p:cBhvr>
+                                      <p:to>
+                                        <p:strVal val="visible"/>
+                                      </p:to>
+                                    </p:set>
+                                  </p:childTnLst>
+                                </p:cTn>
+                              </p:par>
+                            </p:childTnLst>
+                          </p:cTn>
+                        </p:par>
+                      </p:childTnLst>
+                    </p:cTn>
+                  </p:par>
+                  <p:par>
+                    <p:cTn id="11" fill="hold">
+                      <p:stCondLst>
+                        <p:cond delay="indefinite"/>
+                      </p:stCondLst>
+                      <p:childTnLst>
+                        <p:par>
+                          <p:cTn id="12" fill="hold">
+                            <p:stCondLst>
+                              <p:cond delay="0"/>
+                            </p:stCondLst>
+                            <p:childTnLst>
+                              <p:par>
+                                <p:cTn id="13" presetID="1" presetClass="entr" presetSubtype="0" fill="hold" nodeType="clickEffect">
+                                  <p:stCondLst>
+                                    <p:cond delay="0"/>
+                                  </p:stCondLst>
+                                  <p:childTnLst>
+                                    <p:set>
+                                      <p:cBhvr>
+                                        <p:cTn id="14" dur="1" fill="hold">
+                                          <p:stCondLst>
+                                            <p:cond delay="0"/>
+                                          </p:stCondLst>
+                                        </p:cTn>
+                                        <p:tgtEl>
+                                          <p:spTgt spid="51"/>
+                                        </p:tgtEl>
+                                        <p:attrNameLst>
+                                          <p:attrName>style.visibility</p:attrName>
+                                        </p:attrNameLst>
+                                      </p:cBhvr>
+                                      <p:to>
+                                        <p:strVal val="visible"/>
+                                      </p:to>
+                                    </p:set>
+                                  </p:childTnLst>
+                                </p:cTn>
+                              </p:par>
+                            </p:childTnLst>
+                          </p:cTn>
+                        </p:par>
+                      </p:childTnLst>
+                    </p:cTn>
+                  </p:par>
+                  <p:par>
+                    <p:cTn id="15" fill="hold">
+                      <p:stCondLst>
+                        <p:cond delay="indefinite"/>
+                      </p:stCondLst>
+                      <p:childTnLst>
+                        <p:par>
+                          <p:cTn id="16" fill="hold">
+                            <p:stCondLst>
+                              <p:cond delay="0"/>
+                            </p:stCondLst>
+                            <p:childTnLst>
+                              <p:par>
+                                <p:cTn id="17" presetID="1" presetClass="entr" presetSubtype="0" fill="hold" grpId="0" nodeType="clickEffect">
+                                  <p:stCondLst>
+                                    <p:cond delay="0"/>
+                                  </p:stCondLst>
+                                  <p:childTnLst>
+                                    <p:set>
+                                      <p:cBhvr>
+                                        <p:cTn id="18" dur="1" fill="hold">
+                                          <p:stCondLst>
+                                            <p:cond delay="0"/>
+                                          </p:stCondLst>
+                                        </p:cTn>
+                                        <p:tgtEl>
+                                          <p:spTgt spid="10"/>
+                                        </p:tgtEl>
+                                        <p:attrNameLst>
+                                          <p:attrName>style.visibility</p:attrName>
+                                        </p:attrNameLst>
+                                      </p:cBhvr>
+                                      <p:to>
+                                        <p:strVal val="visible"/>
+                                      </p:to>
+                                    </p:set>
+                                  </p:childTnLst>
+                                </p:cTn>
+                              </p:par>
+                              <p:par>
+                                <p:cTn id="19" presetID="1" presetClass="entr" presetSubtype="0" fill="hold" grpId="0" nodeType="withEffect">
+                                  <p:stCondLst>
+                                    <p:cond delay="0"/>
+                                  </p:stCondLst>
+                                  <p:childTnLst>
+                                    <p:set>
+                                      <p:cBhvr>
+                                        <p:cTn id="20" dur="1" fill="hold">
+                                          <p:stCondLst>
+                                            <p:cond delay="0"/>
+                                          </p:stCondLst>
+                                        </p:cTn>
+                                        <p:tgtEl>
+                                          <p:spTgt spid="11"/>
+                                        </p:tgtEl>
+                                        <p:attrNameLst>
+                                          <p:attrName>style.visibility</p:attrName>
+                                        </p:attrNameLst>
+                                      </p:cBhvr>
+                                      <p:to>
+                                        <p:strVal val="visible"/>
+                                      </p:to>
+                                    </p:set>
+                                  </p:childTnLst>
+                                </p:cTn>
+                              </p:par>
+                              <p:par>
+                                <p:cTn id="21" presetID="1" presetClass="entr" presetSubtype="0" fill="hold" grpId="0" nodeType="withEffect">
+                                  <p:stCondLst>
+                                    <p:cond delay="0"/>
+                                  </p:stCondLst>
+                                  <p:childTnLst>
+                                    <p:set>
+                                      <p:cBhvr>
+                                        <p:cTn id="22" dur="1" fill="hold">
+                                          <p:stCondLst>
+                                            <p:cond delay="0"/>
+                                          </p:stCondLst>
+                                        </p:cTn>
+                                        <p:tgtEl>
+                                          <p:spTgt spid="48"/>
+                                        </p:tgtEl>
+                                        <p:attrNameLst>
+                                          <p:attrName>style.visibility</p:attrName>
+                                        </p:attrNameLst>
+                                      </p:cBhvr>
+                                      <p:to>
+                                        <p:strVal val="visible"/>
+                                      </p:to>
+                                    </p:set>
+                                  </p:childTnLst>
+                                </p:cTn>
+                              </p:par>
+                            </p:childTnLst>
+                          </p:cTn>
+                        </p:par>
+                      </p:childTnLst>
+                    </p:cTn>
+                  </p:par>
+                </p:childTnLst>
+              </p:cTn>
+              <p:prevCondLst>
+                <p:cond evt="onPrev" delay="0">
+                  <p:tgtEl>
+                    <p:sldTgt/>
+                  </p:tgtEl>
+                </p:cond>
+              </p:prevCondLst>
+              <p:nextCondLst>
+                <p:cond evt="onNext" delay="0">
+                  <p:tgtEl>
+                    <p:sldTgt/>
+                  </p:tgtEl>
+                </p:cond>
+              </p:nextCondLst>
+            </p:seq>
+          </p:childTnLst>
+        </p:cTn>
+      </p:par>
+    </p:tnLst>
+    <p:bldLst>
+      <p:bldP spid="10" grpId="0"/>
+      <p:bldP spid="11" grpId="0" animBg="1"/>
+      <p:bldP spid="48" grpId="0" animBg="1"/>
+    </p:bldLst>
+  </p:timing>
+</p:sld>
+</file>
+
+<file path=ppt/slides/slide53.xml><?xml version="1.0" encoding="utf-8"?>
+<p:sld xmlns:a="http://schemas.openxmlformats.org/drawingml/2006/main" xmlns:r="http://schemas.openxmlformats.org/officeDocument/2006/relationships" xmlns:p="http://schemas.openxmlformats.org/presentationml/2006/main">
+  <p:cSld>
+    <p:spTree>
+      <p:nvGrpSpPr>
+        <p:cNvPr id="1" name=""/>
+        <p:cNvGrpSpPr/>
+        <p:nvPr/>
+      </p:nvGrpSpPr>
+      <p:grpSpPr>
+        <a:xfrm>
+          <a:off x="0" y="0"/>
+          <a:ext cx="0" cy="0"/>
+          <a:chOff x="0" y="0"/>
+          <a:chExt cx="0" cy="0"/>
+        </a:xfrm>
+      </p:grpSpPr>
+      <p:sp>
+        <p:nvSpPr>
+          <p:cNvPr id="2" name="Title 1"/>
+          <p:cNvSpPr>
+            <a:spLocks noGrp="1"/>
+          </p:cNvSpPr>
+          <p:nvPr>
+            <p:ph type="title"/>
+          </p:nvPr>
+        </p:nvSpPr>
+        <p:spPr/>
+        <p:txBody>
+          <a:bodyPr/>
+          <a:lstStyle/>
+          <a:p>
+            <a:r>
+              <a:rPr lang="en-US" b="1" dirty="0"/>
+              <a:t>Authorization Code Grant Flow</a:t>
+            </a:r>
+            <a:endParaRPr lang="en-US" dirty="0"/>
+          </a:p>
+        </p:txBody>
+      </p:sp>
+      <p:sp>
+        <p:nvSpPr>
+          <p:cNvPr id="3" name="Content Placeholder 2"/>
+          <p:cNvSpPr>
+            <a:spLocks noGrp="1"/>
+          </p:cNvSpPr>
+          <p:nvPr>
+            <p:ph idx="1"/>
+          </p:nvPr>
+        </p:nvSpPr>
+        <p:spPr>
+          <a:xfrm>
+            <a:off x="381000" y="1219200"/>
+            <a:ext cx="8382000" cy="5181600"/>
+          </a:xfrm>
+        </p:spPr>
+        <p:txBody>
+          <a:bodyPr>
+            <a:normAutofit/>
+          </a:bodyPr>
+          <a:lstStyle/>
+          <a:p>
+            <a:r>
+              <a:rPr lang="en-US" sz="2000" dirty="0"/>
+              <a:t>Sequence of Requests in Authorization Code Grant Flow</a:t>
+            </a:r>
+          </a:p>
+          <a:p>
+            <a:pPr lvl="1"/>
+            <a:r>
+              <a:rPr lang="en-US" sz="1800" dirty="0"/>
+              <a:t>Application redirects to AAD authorization endpoint</a:t>
+            </a:r>
+          </a:p>
+          <a:p>
+            <a:pPr lvl="1"/>
+            <a:r>
+              <a:rPr lang="en-US" sz="1800" dirty="0"/>
+              <a:t>User prompted to log  on at Windows logon page</a:t>
+            </a:r>
+          </a:p>
+          <a:p>
+            <a:pPr lvl="1"/>
+            <a:r>
+              <a:rPr lang="en-US" sz="1800" dirty="0"/>
+              <a:t>User prompted to consent to permissions (first access)</a:t>
+            </a:r>
+          </a:p>
+          <a:p>
+            <a:pPr lvl="1"/>
+            <a:r>
+              <a:rPr lang="en-US" sz="1800" dirty="0"/>
+              <a:t>AAD redirects to application with authorization code</a:t>
+            </a:r>
+          </a:p>
+          <a:p>
+            <a:pPr lvl="1"/>
+            <a:r>
+              <a:rPr lang="en-US" sz="1800" dirty="0"/>
+              <a:t>Application redirects to AAD access token endpoint</a:t>
+            </a:r>
+          </a:p>
+        </p:txBody>
+      </p:sp>
+      <p:sp>
+        <p:nvSpPr>
+          <p:cNvPr id="4" name="Rectangle 3"/>
+          <p:cNvSpPr/>
+          <p:nvPr/>
+        </p:nvSpPr>
+        <p:spPr bwMode="auto">
+          <a:xfrm>
+            <a:off x="782058" y="3626241"/>
+            <a:ext cx="360754" cy="2819400"/>
+          </a:xfrm>
+          <a:prstGeom prst="rect">
+            <a:avLst/>
+          </a:prstGeom>
+          <a:solidFill>
+            <a:schemeClr val="tx2"/>
+          </a:solidFill>
+          <a:ln>
+            <a:headEnd type="none" w="med" len="med"/>
+            <a:tailEnd type="none" w="med" len="med"/>
+          </a:ln>
+        </p:spPr>
+        <p:style>
+          <a:lnRef idx="3">
+            <a:schemeClr val="lt1"/>
+          </a:lnRef>
+          <a:fillRef idx="1">
+            <a:schemeClr val="accent3"/>
+          </a:fillRef>
+          <a:effectRef idx="1">
+            <a:schemeClr val="accent3"/>
+          </a:effectRef>
+          <a:fontRef idx="minor">
+            <a:schemeClr val="lt1"/>
+          </a:fontRef>
+        </p:style>
+        <p:txBody>
+          <a:bodyPr vert="horz" wrap="square" lIns="0" tIns="45708" rIns="0" bIns="45708" numCol="1" rtlCol="0" anchor="ctr" anchorCtr="0" compatLnSpc="1">
+            <a:prstTxWarp prst="textNoShape">
+              <a:avLst/>
+            </a:prstTxWarp>
+          </a:bodyPr>
+          <a:lstStyle>
+            <a:defPPr>
+              <a:defRPr lang="en-US"/>
+            </a:defPPr>
+            <a:lvl1pPr marL="0" algn="l" defTabSz="914363" rtl="0" eaLnBrk="1" latinLnBrk="0" hangingPunct="1">
+              <a:defRPr sz="1800" kern="1200">
+                <a:solidFill>
+                  <a:schemeClr val="lt1"/>
+                </a:solidFill>
+                <a:latin typeface="+mn-lt"/>
+                <a:ea typeface="+mn-ea"/>
+                <a:cs typeface="+mn-cs"/>
+              </a:defRPr>
+            </a:lvl1pPr>
+            <a:lvl2pPr marL="457182" algn="l" defTabSz="914363" rtl="0" eaLnBrk="1" latinLnBrk="0" hangingPunct="1">
+              <a:defRPr sz="1800" kern="1200">
+                <a:solidFill>
+                  <a:schemeClr val="lt1"/>
+                </a:solidFill>
+                <a:latin typeface="+mn-lt"/>
+                <a:ea typeface="+mn-ea"/>
+                <a:cs typeface="+mn-cs"/>
+              </a:defRPr>
+            </a:lvl2pPr>
+            <a:lvl3pPr marL="914363" algn="l" defTabSz="914363" rtl="0" eaLnBrk="1" latinLnBrk="0" hangingPunct="1">
+              <a:defRPr sz="1800" kern="1200">
+                <a:solidFill>
+                  <a:schemeClr val="lt1"/>
+                </a:solidFill>
+                <a:latin typeface="+mn-lt"/>
+                <a:ea typeface="+mn-ea"/>
+                <a:cs typeface="+mn-cs"/>
+              </a:defRPr>
+            </a:lvl3pPr>
+            <a:lvl4pPr marL="1371545" algn="l" defTabSz="914363" rtl="0" eaLnBrk="1" latinLnBrk="0" hangingPunct="1">
+              <a:defRPr sz="1800" kern="1200">
+                <a:solidFill>
+                  <a:schemeClr val="lt1"/>
+                </a:solidFill>
+                <a:latin typeface="+mn-lt"/>
+                <a:ea typeface="+mn-ea"/>
+                <a:cs typeface="+mn-cs"/>
+              </a:defRPr>
+            </a:lvl4pPr>
+            <a:lvl5pPr marL="1828727" algn="l" defTabSz="914363" rtl="0" eaLnBrk="1" latinLnBrk="0" hangingPunct="1">
+              <a:defRPr sz="1800" kern="1200">
+                <a:solidFill>
+                  <a:schemeClr val="lt1"/>
+                </a:solidFill>
+                <a:latin typeface="+mn-lt"/>
+                <a:ea typeface="+mn-ea"/>
+                <a:cs typeface="+mn-cs"/>
+              </a:defRPr>
+            </a:lvl5pPr>
+            <a:lvl6pPr marL="2285909" algn="l" defTabSz="914363" rtl="0" eaLnBrk="1" latinLnBrk="0" hangingPunct="1">
+              <a:defRPr sz="1800" kern="1200">
+                <a:solidFill>
+                  <a:schemeClr val="lt1"/>
+                </a:solidFill>
+                <a:latin typeface="+mn-lt"/>
+                <a:ea typeface="+mn-ea"/>
+                <a:cs typeface="+mn-cs"/>
+              </a:defRPr>
+            </a:lvl6pPr>
+            <a:lvl7pPr marL="2743090" algn="l" defTabSz="914363" rtl="0" eaLnBrk="1" latinLnBrk="0" hangingPunct="1">
+              <a:defRPr sz="1800" kern="1200">
+                <a:solidFill>
+                  <a:schemeClr val="lt1"/>
+                </a:solidFill>
+                <a:latin typeface="+mn-lt"/>
+                <a:ea typeface="+mn-ea"/>
+                <a:cs typeface="+mn-cs"/>
+              </a:defRPr>
+            </a:lvl7pPr>
+            <a:lvl8pPr marL="3200272" algn="l" defTabSz="914363" rtl="0" eaLnBrk="1" latinLnBrk="0" hangingPunct="1">
+              <a:defRPr sz="1800" kern="1200">
+                <a:solidFill>
+                  <a:schemeClr val="lt1"/>
+                </a:solidFill>
+                <a:latin typeface="+mn-lt"/>
+                <a:ea typeface="+mn-ea"/>
+                <a:cs typeface="+mn-cs"/>
+              </a:defRPr>
+            </a:lvl8pPr>
+            <a:lvl9pPr marL="3657454" algn="l" defTabSz="914363" rtl="0" eaLnBrk="1" latinLnBrk="0" hangingPunct="1">
+              <a:defRPr sz="1800" kern="1200">
+                <a:solidFill>
+                  <a:schemeClr val="lt1"/>
+                </a:solidFill>
+                <a:latin typeface="+mn-lt"/>
+                <a:ea typeface="+mn-ea"/>
+                <a:cs typeface="+mn-cs"/>
+              </a:defRPr>
+            </a:lvl9pPr>
+          </a:lstStyle>
+          <a:p>
+            <a:pPr algn="ctr" defTabSz="913916" fontAlgn="base">
+              <a:spcBef>
+                <a:spcPct val="0"/>
+              </a:spcBef>
+              <a:spcAft>
+                <a:spcPct val="0"/>
+              </a:spcAft>
+            </a:pPr>
+            <a:endParaRPr lang="en-US" sz="1600" dirty="0">
+              <a:solidFill>
+                <a:schemeClr val="tx1"/>
+              </a:solidFill>
+            </a:endParaRPr>
+          </a:p>
+        </p:txBody>
+      </p:sp>
+      <p:sp>
+        <p:nvSpPr>
+          <p:cNvPr id="5" name="Rectangle 4"/>
+          <p:cNvSpPr/>
+          <p:nvPr/>
+        </p:nvSpPr>
+        <p:spPr bwMode="auto">
+          <a:xfrm>
+            <a:off x="3347416" y="3626241"/>
+            <a:ext cx="360754" cy="2819400"/>
+          </a:xfrm>
+          <a:prstGeom prst="rect">
+            <a:avLst/>
+          </a:prstGeom>
+          <a:solidFill>
+            <a:schemeClr val="accent2"/>
+          </a:solidFill>
+          <a:ln>
+            <a:headEnd type="none" w="med" len="med"/>
+            <a:tailEnd type="none" w="med" len="med"/>
+          </a:ln>
+        </p:spPr>
+        <p:style>
+          <a:lnRef idx="3">
+            <a:schemeClr val="lt1"/>
+          </a:lnRef>
+          <a:fillRef idx="1">
+            <a:schemeClr val="accent3"/>
+          </a:fillRef>
+          <a:effectRef idx="1">
+            <a:schemeClr val="accent3"/>
+          </a:effectRef>
+          <a:fontRef idx="minor">
+            <a:schemeClr val="lt1"/>
+          </a:fontRef>
+        </p:style>
+        <p:txBody>
+          <a:bodyPr vert="horz" wrap="square" lIns="0" tIns="45708" rIns="0" bIns="45708" numCol="1" rtlCol="0" anchor="ctr" anchorCtr="0" compatLnSpc="1">
+            <a:prstTxWarp prst="textNoShape">
+              <a:avLst/>
+            </a:prstTxWarp>
+          </a:bodyPr>
+          <a:lstStyle>
+            <a:defPPr>
+              <a:defRPr lang="en-US"/>
+            </a:defPPr>
+            <a:lvl1pPr marL="0" algn="l" defTabSz="914363" rtl="0" eaLnBrk="1" latinLnBrk="0" hangingPunct="1">
+              <a:defRPr sz="1800" kern="1200">
+                <a:solidFill>
+                  <a:schemeClr val="lt1"/>
+                </a:solidFill>
+                <a:latin typeface="+mn-lt"/>
+                <a:ea typeface="+mn-ea"/>
+                <a:cs typeface="+mn-cs"/>
+              </a:defRPr>
+            </a:lvl1pPr>
+            <a:lvl2pPr marL="457182" algn="l" defTabSz="914363" rtl="0" eaLnBrk="1" latinLnBrk="0" hangingPunct="1">
+              <a:defRPr sz="1800" kern="1200">
+                <a:solidFill>
+                  <a:schemeClr val="lt1"/>
+                </a:solidFill>
+                <a:latin typeface="+mn-lt"/>
+                <a:ea typeface="+mn-ea"/>
+                <a:cs typeface="+mn-cs"/>
+              </a:defRPr>
+            </a:lvl2pPr>
+            <a:lvl3pPr marL="914363" algn="l" defTabSz="914363" rtl="0" eaLnBrk="1" latinLnBrk="0" hangingPunct="1">
+              <a:defRPr sz="1800" kern="1200">
+                <a:solidFill>
+                  <a:schemeClr val="lt1"/>
+                </a:solidFill>
+                <a:latin typeface="+mn-lt"/>
+                <a:ea typeface="+mn-ea"/>
+                <a:cs typeface="+mn-cs"/>
+              </a:defRPr>
+            </a:lvl3pPr>
+            <a:lvl4pPr marL="1371545" algn="l" defTabSz="914363" rtl="0" eaLnBrk="1" latinLnBrk="0" hangingPunct="1">
+              <a:defRPr sz="1800" kern="1200">
+                <a:solidFill>
+                  <a:schemeClr val="lt1"/>
+                </a:solidFill>
+                <a:latin typeface="+mn-lt"/>
+                <a:ea typeface="+mn-ea"/>
+                <a:cs typeface="+mn-cs"/>
+              </a:defRPr>
+            </a:lvl4pPr>
+            <a:lvl5pPr marL="1828727" algn="l" defTabSz="914363" rtl="0" eaLnBrk="1" latinLnBrk="0" hangingPunct="1">
+              <a:defRPr sz="1800" kern="1200">
+                <a:solidFill>
+                  <a:schemeClr val="lt1"/>
+                </a:solidFill>
+                <a:latin typeface="+mn-lt"/>
+                <a:ea typeface="+mn-ea"/>
+                <a:cs typeface="+mn-cs"/>
+              </a:defRPr>
+            </a:lvl5pPr>
+            <a:lvl6pPr marL="2285909" algn="l" defTabSz="914363" rtl="0" eaLnBrk="1" latinLnBrk="0" hangingPunct="1">
+              <a:defRPr sz="1800" kern="1200">
+                <a:solidFill>
+                  <a:schemeClr val="lt1"/>
+                </a:solidFill>
+                <a:latin typeface="+mn-lt"/>
+                <a:ea typeface="+mn-ea"/>
+                <a:cs typeface="+mn-cs"/>
+              </a:defRPr>
+            </a:lvl6pPr>
+            <a:lvl7pPr marL="2743090" algn="l" defTabSz="914363" rtl="0" eaLnBrk="1" latinLnBrk="0" hangingPunct="1">
+              <a:defRPr sz="1800" kern="1200">
+                <a:solidFill>
+                  <a:schemeClr val="lt1"/>
+                </a:solidFill>
+                <a:latin typeface="+mn-lt"/>
+                <a:ea typeface="+mn-ea"/>
+                <a:cs typeface="+mn-cs"/>
+              </a:defRPr>
+            </a:lvl7pPr>
+            <a:lvl8pPr marL="3200272" algn="l" defTabSz="914363" rtl="0" eaLnBrk="1" latinLnBrk="0" hangingPunct="1">
+              <a:defRPr sz="1800" kern="1200">
+                <a:solidFill>
+                  <a:schemeClr val="lt1"/>
+                </a:solidFill>
+                <a:latin typeface="+mn-lt"/>
+                <a:ea typeface="+mn-ea"/>
+                <a:cs typeface="+mn-cs"/>
+              </a:defRPr>
+            </a:lvl8pPr>
+            <a:lvl9pPr marL="3657454" algn="l" defTabSz="914363" rtl="0" eaLnBrk="1" latinLnBrk="0" hangingPunct="1">
+              <a:defRPr sz="1800" kern="1200">
+                <a:solidFill>
+                  <a:schemeClr val="lt1"/>
+                </a:solidFill>
+                <a:latin typeface="+mn-lt"/>
+                <a:ea typeface="+mn-ea"/>
+                <a:cs typeface="+mn-cs"/>
+              </a:defRPr>
+            </a:lvl9pPr>
+          </a:lstStyle>
+          <a:p>
+            <a:pPr algn="ctr" defTabSz="913916" fontAlgn="base">
+              <a:spcBef>
+                <a:spcPct val="0"/>
+              </a:spcBef>
+              <a:spcAft>
+                <a:spcPct val="0"/>
+              </a:spcAft>
+            </a:pPr>
+            <a:endParaRPr lang="en-US" sz="1600" dirty="0">
+              <a:solidFill>
+                <a:schemeClr val="tx1"/>
+              </a:solidFill>
+            </a:endParaRPr>
+          </a:p>
+        </p:txBody>
+      </p:sp>
+      <p:sp>
+        <p:nvSpPr>
+          <p:cNvPr id="6" name="Rectangle 5"/>
+          <p:cNvSpPr/>
+          <p:nvPr/>
+        </p:nvSpPr>
+        <p:spPr bwMode="auto">
+          <a:xfrm>
+            <a:off x="5912773" y="3626241"/>
+            <a:ext cx="360754" cy="2819400"/>
+          </a:xfrm>
+          <a:prstGeom prst="rect">
+            <a:avLst/>
+          </a:prstGeom>
+          <a:solidFill>
+            <a:schemeClr val="accent3"/>
+          </a:solidFill>
+          <a:ln>
+            <a:headEnd type="none" w="med" len="med"/>
+            <a:tailEnd type="none" w="med" len="med"/>
+          </a:ln>
+        </p:spPr>
+        <p:style>
+          <a:lnRef idx="3">
+            <a:schemeClr val="lt1"/>
+          </a:lnRef>
+          <a:fillRef idx="1">
+            <a:schemeClr val="accent3"/>
+          </a:fillRef>
+          <a:effectRef idx="1">
+            <a:schemeClr val="accent3"/>
+          </a:effectRef>
+          <a:fontRef idx="minor">
+            <a:schemeClr val="lt1"/>
+          </a:fontRef>
+        </p:style>
+        <p:txBody>
+          <a:bodyPr vert="horz" wrap="square" lIns="0" tIns="45708" rIns="0" bIns="45708" numCol="1" rtlCol="0" anchor="ctr" anchorCtr="0" compatLnSpc="1">
+            <a:prstTxWarp prst="textNoShape">
+              <a:avLst/>
+            </a:prstTxWarp>
+          </a:bodyPr>
+          <a:lstStyle>
+            <a:defPPr>
+              <a:defRPr lang="en-US"/>
+            </a:defPPr>
+            <a:lvl1pPr marL="0" algn="l" defTabSz="914363" rtl="0" eaLnBrk="1" latinLnBrk="0" hangingPunct="1">
+              <a:defRPr sz="1800" kern="1200">
+                <a:solidFill>
+                  <a:schemeClr val="lt1"/>
+                </a:solidFill>
+                <a:latin typeface="+mn-lt"/>
+                <a:ea typeface="+mn-ea"/>
+                <a:cs typeface="+mn-cs"/>
+              </a:defRPr>
+            </a:lvl1pPr>
+            <a:lvl2pPr marL="457182" algn="l" defTabSz="914363" rtl="0" eaLnBrk="1" latinLnBrk="0" hangingPunct="1">
+              <a:defRPr sz="1800" kern="1200">
+                <a:solidFill>
+                  <a:schemeClr val="lt1"/>
+                </a:solidFill>
+                <a:latin typeface="+mn-lt"/>
+                <a:ea typeface="+mn-ea"/>
+                <a:cs typeface="+mn-cs"/>
+              </a:defRPr>
+            </a:lvl2pPr>
+            <a:lvl3pPr marL="914363" algn="l" defTabSz="914363" rtl="0" eaLnBrk="1" latinLnBrk="0" hangingPunct="1">
+              <a:defRPr sz="1800" kern="1200">
+                <a:solidFill>
+                  <a:schemeClr val="lt1"/>
+                </a:solidFill>
+                <a:latin typeface="+mn-lt"/>
+                <a:ea typeface="+mn-ea"/>
+                <a:cs typeface="+mn-cs"/>
+              </a:defRPr>
+            </a:lvl3pPr>
+            <a:lvl4pPr marL="1371545" algn="l" defTabSz="914363" rtl="0" eaLnBrk="1" latinLnBrk="0" hangingPunct="1">
+              <a:defRPr sz="1800" kern="1200">
+                <a:solidFill>
+                  <a:schemeClr val="lt1"/>
+                </a:solidFill>
+                <a:latin typeface="+mn-lt"/>
+                <a:ea typeface="+mn-ea"/>
+                <a:cs typeface="+mn-cs"/>
+              </a:defRPr>
+            </a:lvl4pPr>
+            <a:lvl5pPr marL="1828727" algn="l" defTabSz="914363" rtl="0" eaLnBrk="1" latinLnBrk="0" hangingPunct="1">
+              <a:defRPr sz="1800" kern="1200">
+                <a:solidFill>
+                  <a:schemeClr val="lt1"/>
+                </a:solidFill>
+                <a:latin typeface="+mn-lt"/>
+                <a:ea typeface="+mn-ea"/>
+                <a:cs typeface="+mn-cs"/>
+              </a:defRPr>
+            </a:lvl5pPr>
+            <a:lvl6pPr marL="2285909" algn="l" defTabSz="914363" rtl="0" eaLnBrk="1" latinLnBrk="0" hangingPunct="1">
+              <a:defRPr sz="1800" kern="1200">
+                <a:solidFill>
+                  <a:schemeClr val="lt1"/>
+                </a:solidFill>
+                <a:latin typeface="+mn-lt"/>
+                <a:ea typeface="+mn-ea"/>
+                <a:cs typeface="+mn-cs"/>
+              </a:defRPr>
+            </a:lvl6pPr>
+            <a:lvl7pPr marL="2743090" algn="l" defTabSz="914363" rtl="0" eaLnBrk="1" latinLnBrk="0" hangingPunct="1">
+              <a:defRPr sz="1800" kern="1200">
+                <a:solidFill>
+                  <a:schemeClr val="lt1"/>
+                </a:solidFill>
+                <a:latin typeface="+mn-lt"/>
+                <a:ea typeface="+mn-ea"/>
+                <a:cs typeface="+mn-cs"/>
+              </a:defRPr>
+            </a:lvl7pPr>
+            <a:lvl8pPr marL="3200272" algn="l" defTabSz="914363" rtl="0" eaLnBrk="1" latinLnBrk="0" hangingPunct="1">
+              <a:defRPr sz="1800" kern="1200">
+                <a:solidFill>
+                  <a:schemeClr val="lt1"/>
+                </a:solidFill>
+                <a:latin typeface="+mn-lt"/>
+                <a:ea typeface="+mn-ea"/>
+                <a:cs typeface="+mn-cs"/>
+              </a:defRPr>
+            </a:lvl8pPr>
+            <a:lvl9pPr marL="3657454" algn="l" defTabSz="914363" rtl="0" eaLnBrk="1" latinLnBrk="0" hangingPunct="1">
+              <a:defRPr sz="1800" kern="1200">
+                <a:solidFill>
+                  <a:schemeClr val="lt1"/>
+                </a:solidFill>
+                <a:latin typeface="+mn-lt"/>
+                <a:ea typeface="+mn-ea"/>
+                <a:cs typeface="+mn-cs"/>
+              </a:defRPr>
+            </a:lvl9pPr>
+          </a:lstStyle>
+          <a:p>
+            <a:pPr algn="ctr" defTabSz="913916" fontAlgn="base">
+              <a:spcBef>
+                <a:spcPct val="0"/>
+              </a:spcBef>
+              <a:spcAft>
+                <a:spcPct val="0"/>
+              </a:spcAft>
+            </a:pPr>
+            <a:endParaRPr lang="en-US" sz="1600" dirty="0">
+              <a:solidFill>
+                <a:schemeClr val="tx1"/>
+              </a:solidFill>
+            </a:endParaRPr>
+          </a:p>
+        </p:txBody>
+      </p:sp>
+      <p:sp>
+        <p:nvSpPr>
+          <p:cNvPr id="7" name="Rectangle 6"/>
+          <p:cNvSpPr/>
+          <p:nvPr/>
+        </p:nvSpPr>
+        <p:spPr bwMode="auto">
+          <a:xfrm>
+            <a:off x="7530103" y="3623030"/>
+            <a:ext cx="360754" cy="2816831"/>
+          </a:xfrm>
+          <a:prstGeom prst="rect">
+            <a:avLst/>
+          </a:prstGeom>
+          <a:solidFill>
+            <a:schemeClr val="accent4"/>
+          </a:solidFill>
+          <a:ln>
+            <a:headEnd type="none" w="med" len="med"/>
+            <a:tailEnd type="none" w="med" len="med"/>
+          </a:ln>
+        </p:spPr>
+        <p:style>
+          <a:lnRef idx="3">
+            <a:schemeClr val="lt1"/>
+          </a:lnRef>
+          <a:fillRef idx="1">
+            <a:schemeClr val="accent3"/>
+          </a:fillRef>
+          <a:effectRef idx="1">
+            <a:schemeClr val="accent3"/>
+          </a:effectRef>
+          <a:fontRef idx="minor">
+            <a:schemeClr val="lt1"/>
+          </a:fontRef>
+        </p:style>
+        <p:txBody>
+          <a:bodyPr vert="horz" wrap="square" lIns="0" tIns="45708" rIns="0" bIns="45708" numCol="1" rtlCol="0" anchor="ctr" anchorCtr="0" compatLnSpc="1">
+            <a:prstTxWarp prst="textNoShape">
+              <a:avLst/>
+            </a:prstTxWarp>
+          </a:bodyPr>
+          <a:lstStyle>
+            <a:defPPr>
+              <a:defRPr lang="en-US"/>
+            </a:defPPr>
+            <a:lvl1pPr marL="0" algn="l" defTabSz="914363" rtl="0" eaLnBrk="1" latinLnBrk="0" hangingPunct="1">
+              <a:defRPr sz="1800" kern="1200">
+                <a:solidFill>
+                  <a:schemeClr val="lt1"/>
+                </a:solidFill>
+                <a:latin typeface="+mn-lt"/>
+                <a:ea typeface="+mn-ea"/>
+                <a:cs typeface="+mn-cs"/>
+              </a:defRPr>
+            </a:lvl1pPr>
+            <a:lvl2pPr marL="457182" algn="l" defTabSz="914363" rtl="0" eaLnBrk="1" latinLnBrk="0" hangingPunct="1">
+              <a:defRPr sz="1800" kern="1200">
+                <a:solidFill>
+                  <a:schemeClr val="lt1"/>
+                </a:solidFill>
+                <a:latin typeface="+mn-lt"/>
+                <a:ea typeface="+mn-ea"/>
+                <a:cs typeface="+mn-cs"/>
+              </a:defRPr>
+            </a:lvl2pPr>
+            <a:lvl3pPr marL="914363" algn="l" defTabSz="914363" rtl="0" eaLnBrk="1" latinLnBrk="0" hangingPunct="1">
+              <a:defRPr sz="1800" kern="1200">
+                <a:solidFill>
+                  <a:schemeClr val="lt1"/>
+                </a:solidFill>
+                <a:latin typeface="+mn-lt"/>
+                <a:ea typeface="+mn-ea"/>
+                <a:cs typeface="+mn-cs"/>
+              </a:defRPr>
+            </a:lvl3pPr>
+            <a:lvl4pPr marL="1371545" algn="l" defTabSz="914363" rtl="0" eaLnBrk="1" latinLnBrk="0" hangingPunct="1">
+              <a:defRPr sz="1800" kern="1200">
+                <a:solidFill>
+                  <a:schemeClr val="lt1"/>
+                </a:solidFill>
+                <a:latin typeface="+mn-lt"/>
+                <a:ea typeface="+mn-ea"/>
+                <a:cs typeface="+mn-cs"/>
+              </a:defRPr>
+            </a:lvl4pPr>
+            <a:lvl5pPr marL="1828727" algn="l" defTabSz="914363" rtl="0" eaLnBrk="1" latinLnBrk="0" hangingPunct="1">
+              <a:defRPr sz="1800" kern="1200">
+                <a:solidFill>
+                  <a:schemeClr val="lt1"/>
+                </a:solidFill>
+                <a:latin typeface="+mn-lt"/>
+                <a:ea typeface="+mn-ea"/>
+                <a:cs typeface="+mn-cs"/>
+              </a:defRPr>
+            </a:lvl5pPr>
+            <a:lvl6pPr marL="2285909" algn="l" defTabSz="914363" rtl="0" eaLnBrk="1" latinLnBrk="0" hangingPunct="1">
+              <a:defRPr sz="1800" kern="1200">
+                <a:solidFill>
+                  <a:schemeClr val="lt1"/>
+                </a:solidFill>
+                <a:latin typeface="+mn-lt"/>
+                <a:ea typeface="+mn-ea"/>
+                <a:cs typeface="+mn-cs"/>
+              </a:defRPr>
+            </a:lvl6pPr>
+            <a:lvl7pPr marL="2743090" algn="l" defTabSz="914363" rtl="0" eaLnBrk="1" latinLnBrk="0" hangingPunct="1">
+              <a:defRPr sz="1800" kern="1200">
+                <a:solidFill>
+                  <a:schemeClr val="lt1"/>
+                </a:solidFill>
+                <a:latin typeface="+mn-lt"/>
+                <a:ea typeface="+mn-ea"/>
+                <a:cs typeface="+mn-cs"/>
+              </a:defRPr>
+            </a:lvl7pPr>
+            <a:lvl8pPr marL="3200272" algn="l" defTabSz="914363" rtl="0" eaLnBrk="1" latinLnBrk="0" hangingPunct="1">
+              <a:defRPr sz="1800" kern="1200">
+                <a:solidFill>
+                  <a:schemeClr val="lt1"/>
+                </a:solidFill>
+                <a:latin typeface="+mn-lt"/>
+                <a:ea typeface="+mn-ea"/>
+                <a:cs typeface="+mn-cs"/>
+              </a:defRPr>
+            </a:lvl8pPr>
+            <a:lvl9pPr marL="3657454" algn="l" defTabSz="914363" rtl="0" eaLnBrk="1" latinLnBrk="0" hangingPunct="1">
+              <a:defRPr sz="1800" kern="1200">
+                <a:solidFill>
+                  <a:schemeClr val="lt1"/>
+                </a:solidFill>
+                <a:latin typeface="+mn-lt"/>
+                <a:ea typeface="+mn-ea"/>
+                <a:cs typeface="+mn-cs"/>
+              </a:defRPr>
+            </a:lvl9pPr>
+          </a:lstStyle>
+          <a:p>
+            <a:pPr algn="ctr" defTabSz="913916" fontAlgn="base">
+              <a:spcBef>
+                <a:spcPct val="0"/>
+              </a:spcBef>
+              <a:spcAft>
+                <a:spcPct val="0"/>
+              </a:spcAft>
+            </a:pPr>
+            <a:endParaRPr lang="en-US" sz="1600" dirty="0">
+              <a:solidFill>
+                <a:schemeClr val="tx1"/>
+              </a:solidFill>
+            </a:endParaRPr>
+          </a:p>
+        </p:txBody>
+      </p:sp>
+      <p:sp>
+        <p:nvSpPr>
+          <p:cNvPr id="8" name="TextBox 9"/>
+          <p:cNvSpPr txBox="1"/>
+          <p:nvPr/>
+        </p:nvSpPr>
+        <p:spPr>
+          <a:xfrm>
+            <a:off x="273820" y="6426831"/>
+            <a:ext cx="1559420" cy="441932"/>
+          </a:xfrm>
+          <a:prstGeom prst="rect">
+            <a:avLst/>
+          </a:prstGeom>
+          <a:noFill/>
+        </p:spPr>
+        <p:txBody>
+          <a:bodyPr wrap="none" lIns="179238" tIns="143391" rIns="179238" bIns="143391" rtlCol="0">
+            <a:spAutoFit/>
+          </a:bodyPr>
+          <a:lstStyle>
+            <a:defPPr>
+              <a:defRPr lang="en-US"/>
+            </a:defPPr>
+            <a:lvl1pPr marL="0" algn="l" defTabSz="914363" rtl="0" eaLnBrk="1" latinLnBrk="0" hangingPunct="1">
+              <a:defRPr sz="1800" kern="1200">
+                <a:solidFill>
+                  <a:schemeClr val="tx1"/>
+                </a:solidFill>
+                <a:latin typeface="+mn-lt"/>
+                <a:ea typeface="+mn-ea"/>
+                <a:cs typeface="+mn-cs"/>
+              </a:defRPr>
+            </a:lvl1pPr>
+            <a:lvl2pPr marL="457182" algn="l" defTabSz="914363" rtl="0" eaLnBrk="1" latinLnBrk="0" hangingPunct="1">
+              <a:defRPr sz="1800" kern="1200">
+                <a:solidFill>
+                  <a:schemeClr val="tx1"/>
+                </a:solidFill>
+                <a:latin typeface="+mn-lt"/>
+                <a:ea typeface="+mn-ea"/>
+                <a:cs typeface="+mn-cs"/>
+              </a:defRPr>
+            </a:lvl2pPr>
+            <a:lvl3pPr marL="914363" algn="l" defTabSz="914363" rtl="0" eaLnBrk="1" latinLnBrk="0" hangingPunct="1">
+              <a:defRPr sz="1800" kern="1200">
+                <a:solidFill>
+                  <a:schemeClr val="tx1"/>
+                </a:solidFill>
+                <a:latin typeface="+mn-lt"/>
+                <a:ea typeface="+mn-ea"/>
+                <a:cs typeface="+mn-cs"/>
+              </a:defRPr>
+            </a:lvl3pPr>
+            <a:lvl4pPr marL="1371545" algn="l" defTabSz="914363" rtl="0" eaLnBrk="1" latinLnBrk="0" hangingPunct="1">
+              <a:defRPr sz="1800" kern="1200">
+                <a:solidFill>
+                  <a:schemeClr val="tx1"/>
+                </a:solidFill>
+                <a:latin typeface="+mn-lt"/>
+                <a:ea typeface="+mn-ea"/>
+                <a:cs typeface="+mn-cs"/>
+              </a:defRPr>
+            </a:lvl4pPr>
+            <a:lvl5pPr marL="1828727" algn="l" defTabSz="914363" rtl="0" eaLnBrk="1" latinLnBrk="0" hangingPunct="1">
+              <a:defRPr sz="1800" kern="1200">
+                <a:solidFill>
+                  <a:schemeClr val="tx1"/>
+                </a:solidFill>
+                <a:latin typeface="+mn-lt"/>
+                <a:ea typeface="+mn-ea"/>
+                <a:cs typeface="+mn-cs"/>
+              </a:defRPr>
+            </a:lvl5pPr>
+            <a:lvl6pPr marL="2285909" algn="l" defTabSz="914363" rtl="0" eaLnBrk="1" latinLnBrk="0" hangingPunct="1">
+              <a:defRPr sz="1800" kern="1200">
+                <a:solidFill>
+                  <a:schemeClr val="tx1"/>
+                </a:solidFill>
+                <a:latin typeface="+mn-lt"/>
+                <a:ea typeface="+mn-ea"/>
+                <a:cs typeface="+mn-cs"/>
+              </a:defRPr>
+            </a:lvl6pPr>
+            <a:lvl7pPr marL="2743090" algn="l" defTabSz="914363" rtl="0" eaLnBrk="1" latinLnBrk="0" hangingPunct="1">
+              <a:defRPr sz="1800" kern="1200">
+                <a:solidFill>
+                  <a:schemeClr val="tx1"/>
+                </a:solidFill>
+                <a:latin typeface="+mn-lt"/>
+                <a:ea typeface="+mn-ea"/>
+                <a:cs typeface="+mn-cs"/>
+              </a:defRPr>
+            </a:lvl7pPr>
+            <a:lvl8pPr marL="3200272" algn="l" defTabSz="914363" rtl="0" eaLnBrk="1" latinLnBrk="0" hangingPunct="1">
+              <a:defRPr sz="1800" kern="1200">
+                <a:solidFill>
+                  <a:schemeClr val="tx1"/>
+                </a:solidFill>
+                <a:latin typeface="+mn-lt"/>
+                <a:ea typeface="+mn-ea"/>
+                <a:cs typeface="+mn-cs"/>
+              </a:defRPr>
+            </a:lvl8pPr>
+            <a:lvl9pPr marL="3657454" algn="l" defTabSz="914363" rtl="0" eaLnBrk="1" latinLnBrk="0" hangingPunct="1">
+              <a:defRPr sz="1800" kern="1200">
+                <a:solidFill>
+                  <a:schemeClr val="tx1"/>
+                </a:solidFill>
+                <a:latin typeface="+mn-lt"/>
+                <a:ea typeface="+mn-ea"/>
+                <a:cs typeface="+mn-cs"/>
+              </a:defRPr>
+            </a:lvl9pPr>
+          </a:lstStyle>
+          <a:p>
+            <a:pPr algn="ctr">
+              <a:lnSpc>
+                <a:spcPct val="90000"/>
+              </a:lnSpc>
+              <a:spcAft>
+                <a:spcPts val="588"/>
+              </a:spcAft>
+            </a:pPr>
+            <a:r>
+              <a:rPr lang="en-US" sz="1100" b="1" dirty="0"/>
+              <a:t>Client Application</a:t>
+            </a:r>
+          </a:p>
+        </p:txBody>
+      </p:sp>
+      <p:sp>
+        <p:nvSpPr>
+          <p:cNvPr id="9" name="TextBox 10"/>
+          <p:cNvSpPr txBox="1"/>
+          <p:nvPr/>
+        </p:nvSpPr>
+        <p:spPr>
+          <a:xfrm>
+            <a:off x="2569730" y="6198231"/>
+            <a:ext cx="1998758" cy="671226"/>
+          </a:xfrm>
+          <a:prstGeom prst="rect">
+            <a:avLst/>
+          </a:prstGeom>
+          <a:noFill/>
+        </p:spPr>
+        <p:txBody>
+          <a:bodyPr wrap="square" lIns="179238" tIns="143391" rIns="179238" bIns="143391" rtlCol="0">
+            <a:spAutoFit/>
+          </a:bodyPr>
+          <a:lstStyle>
+            <a:defPPr>
+              <a:defRPr lang="en-US"/>
+            </a:defPPr>
+            <a:lvl1pPr marL="0" algn="l" defTabSz="914363" rtl="0" eaLnBrk="1" latinLnBrk="0" hangingPunct="1">
+              <a:defRPr sz="1800" kern="1200">
+                <a:solidFill>
+                  <a:schemeClr val="tx1"/>
+                </a:solidFill>
+                <a:latin typeface="+mn-lt"/>
+                <a:ea typeface="+mn-ea"/>
+                <a:cs typeface="+mn-cs"/>
+              </a:defRPr>
+            </a:lvl1pPr>
+            <a:lvl2pPr marL="457182" algn="l" defTabSz="914363" rtl="0" eaLnBrk="1" latinLnBrk="0" hangingPunct="1">
+              <a:defRPr sz="1800" kern="1200">
+                <a:solidFill>
+                  <a:schemeClr val="tx1"/>
+                </a:solidFill>
+                <a:latin typeface="+mn-lt"/>
+                <a:ea typeface="+mn-ea"/>
+                <a:cs typeface="+mn-cs"/>
+              </a:defRPr>
+            </a:lvl2pPr>
+            <a:lvl3pPr marL="914363" algn="l" defTabSz="914363" rtl="0" eaLnBrk="1" latinLnBrk="0" hangingPunct="1">
+              <a:defRPr sz="1800" kern="1200">
+                <a:solidFill>
+                  <a:schemeClr val="tx1"/>
+                </a:solidFill>
+                <a:latin typeface="+mn-lt"/>
+                <a:ea typeface="+mn-ea"/>
+                <a:cs typeface="+mn-cs"/>
+              </a:defRPr>
+            </a:lvl3pPr>
+            <a:lvl4pPr marL="1371545" algn="l" defTabSz="914363" rtl="0" eaLnBrk="1" latinLnBrk="0" hangingPunct="1">
+              <a:defRPr sz="1800" kern="1200">
+                <a:solidFill>
+                  <a:schemeClr val="tx1"/>
+                </a:solidFill>
+                <a:latin typeface="+mn-lt"/>
+                <a:ea typeface="+mn-ea"/>
+                <a:cs typeface="+mn-cs"/>
+              </a:defRPr>
+            </a:lvl4pPr>
+            <a:lvl5pPr marL="1828727" algn="l" defTabSz="914363" rtl="0" eaLnBrk="1" latinLnBrk="0" hangingPunct="1">
+              <a:defRPr sz="1800" kern="1200">
+                <a:solidFill>
+                  <a:schemeClr val="tx1"/>
+                </a:solidFill>
+                <a:latin typeface="+mn-lt"/>
+                <a:ea typeface="+mn-ea"/>
+                <a:cs typeface="+mn-cs"/>
+              </a:defRPr>
+            </a:lvl5pPr>
+            <a:lvl6pPr marL="2285909" algn="l" defTabSz="914363" rtl="0" eaLnBrk="1" latinLnBrk="0" hangingPunct="1">
+              <a:defRPr sz="1800" kern="1200">
+                <a:solidFill>
+                  <a:schemeClr val="tx1"/>
+                </a:solidFill>
+                <a:latin typeface="+mn-lt"/>
+                <a:ea typeface="+mn-ea"/>
+                <a:cs typeface="+mn-cs"/>
+              </a:defRPr>
+            </a:lvl6pPr>
+            <a:lvl7pPr marL="2743090" algn="l" defTabSz="914363" rtl="0" eaLnBrk="1" latinLnBrk="0" hangingPunct="1">
+              <a:defRPr sz="1800" kern="1200">
+                <a:solidFill>
+                  <a:schemeClr val="tx1"/>
+                </a:solidFill>
+                <a:latin typeface="+mn-lt"/>
+                <a:ea typeface="+mn-ea"/>
+                <a:cs typeface="+mn-cs"/>
+              </a:defRPr>
+            </a:lvl7pPr>
+            <a:lvl8pPr marL="3200272" algn="l" defTabSz="914363" rtl="0" eaLnBrk="1" latinLnBrk="0" hangingPunct="1">
+              <a:defRPr sz="1800" kern="1200">
+                <a:solidFill>
+                  <a:schemeClr val="tx1"/>
+                </a:solidFill>
+                <a:latin typeface="+mn-lt"/>
+                <a:ea typeface="+mn-ea"/>
+                <a:cs typeface="+mn-cs"/>
+              </a:defRPr>
+            </a:lvl8pPr>
+            <a:lvl9pPr marL="3657454" algn="l" defTabSz="914363" rtl="0" eaLnBrk="1" latinLnBrk="0" hangingPunct="1">
+              <a:defRPr sz="1800" kern="1200">
+                <a:solidFill>
+                  <a:schemeClr val="tx1"/>
+                </a:solidFill>
+                <a:latin typeface="+mn-lt"/>
+                <a:ea typeface="+mn-ea"/>
+                <a:cs typeface="+mn-cs"/>
+              </a:defRPr>
+            </a:lvl9pPr>
+          </a:lstStyle>
+          <a:p>
+            <a:pPr algn="ctr">
+              <a:lnSpc>
+                <a:spcPct val="90000"/>
+              </a:lnSpc>
+              <a:spcAft>
+                <a:spcPts val="588"/>
+              </a:spcAft>
+            </a:pPr>
+            <a:endParaRPr lang="en-US" sz="1100" b="1" dirty="0"/>
+          </a:p>
+          <a:p>
+            <a:pPr algn="ctr">
+              <a:lnSpc>
+                <a:spcPct val="90000"/>
+              </a:lnSpc>
+              <a:spcAft>
+                <a:spcPts val="588"/>
+              </a:spcAft>
+            </a:pPr>
+            <a:r>
+              <a:rPr lang="en-US" sz="1100" b="1" dirty="0"/>
+              <a:t>Authorization Endpoint</a:t>
+            </a:r>
+          </a:p>
+        </p:txBody>
+      </p:sp>
+      <p:sp>
+        <p:nvSpPr>
+          <p:cNvPr id="10" name="TextBox 11"/>
+          <p:cNvSpPr txBox="1"/>
+          <p:nvPr/>
+        </p:nvSpPr>
+        <p:spPr>
+          <a:xfrm>
+            <a:off x="5333350" y="6198231"/>
+            <a:ext cx="1455225" cy="671226"/>
+          </a:xfrm>
+          <a:prstGeom prst="rect">
+            <a:avLst/>
+          </a:prstGeom>
+          <a:noFill/>
+        </p:spPr>
+        <p:txBody>
+          <a:bodyPr wrap="none" lIns="179238" tIns="143391" rIns="179238" bIns="143391" rtlCol="0">
+            <a:spAutoFit/>
+          </a:bodyPr>
+          <a:lstStyle>
+            <a:defPPr>
+              <a:defRPr lang="en-US"/>
+            </a:defPPr>
+            <a:lvl1pPr marL="0" algn="l" defTabSz="914363" rtl="0" eaLnBrk="1" latinLnBrk="0" hangingPunct="1">
+              <a:defRPr sz="1800" kern="1200">
+                <a:solidFill>
+                  <a:schemeClr val="tx1"/>
+                </a:solidFill>
+                <a:latin typeface="+mn-lt"/>
+                <a:ea typeface="+mn-ea"/>
+                <a:cs typeface="+mn-cs"/>
+              </a:defRPr>
+            </a:lvl1pPr>
+            <a:lvl2pPr marL="457182" algn="l" defTabSz="914363" rtl="0" eaLnBrk="1" latinLnBrk="0" hangingPunct="1">
+              <a:defRPr sz="1800" kern="1200">
+                <a:solidFill>
+                  <a:schemeClr val="tx1"/>
+                </a:solidFill>
+                <a:latin typeface="+mn-lt"/>
+                <a:ea typeface="+mn-ea"/>
+                <a:cs typeface="+mn-cs"/>
+              </a:defRPr>
+            </a:lvl2pPr>
+            <a:lvl3pPr marL="914363" algn="l" defTabSz="914363" rtl="0" eaLnBrk="1" latinLnBrk="0" hangingPunct="1">
+              <a:defRPr sz="1800" kern="1200">
+                <a:solidFill>
+                  <a:schemeClr val="tx1"/>
+                </a:solidFill>
+                <a:latin typeface="+mn-lt"/>
+                <a:ea typeface="+mn-ea"/>
+                <a:cs typeface="+mn-cs"/>
+              </a:defRPr>
+            </a:lvl3pPr>
+            <a:lvl4pPr marL="1371545" algn="l" defTabSz="914363" rtl="0" eaLnBrk="1" latinLnBrk="0" hangingPunct="1">
+              <a:defRPr sz="1800" kern="1200">
+                <a:solidFill>
+                  <a:schemeClr val="tx1"/>
+                </a:solidFill>
+                <a:latin typeface="+mn-lt"/>
+                <a:ea typeface="+mn-ea"/>
+                <a:cs typeface="+mn-cs"/>
+              </a:defRPr>
+            </a:lvl4pPr>
+            <a:lvl5pPr marL="1828727" algn="l" defTabSz="914363" rtl="0" eaLnBrk="1" latinLnBrk="0" hangingPunct="1">
+              <a:defRPr sz="1800" kern="1200">
+                <a:solidFill>
+                  <a:schemeClr val="tx1"/>
+                </a:solidFill>
+                <a:latin typeface="+mn-lt"/>
+                <a:ea typeface="+mn-ea"/>
+                <a:cs typeface="+mn-cs"/>
+              </a:defRPr>
+            </a:lvl5pPr>
+            <a:lvl6pPr marL="2285909" algn="l" defTabSz="914363" rtl="0" eaLnBrk="1" latinLnBrk="0" hangingPunct="1">
+              <a:defRPr sz="1800" kern="1200">
+                <a:solidFill>
+                  <a:schemeClr val="tx1"/>
+                </a:solidFill>
+                <a:latin typeface="+mn-lt"/>
+                <a:ea typeface="+mn-ea"/>
+                <a:cs typeface="+mn-cs"/>
+              </a:defRPr>
+            </a:lvl6pPr>
+            <a:lvl7pPr marL="2743090" algn="l" defTabSz="914363" rtl="0" eaLnBrk="1" latinLnBrk="0" hangingPunct="1">
+              <a:defRPr sz="1800" kern="1200">
+                <a:solidFill>
+                  <a:schemeClr val="tx1"/>
+                </a:solidFill>
+                <a:latin typeface="+mn-lt"/>
+                <a:ea typeface="+mn-ea"/>
+                <a:cs typeface="+mn-cs"/>
+              </a:defRPr>
+            </a:lvl7pPr>
+            <a:lvl8pPr marL="3200272" algn="l" defTabSz="914363" rtl="0" eaLnBrk="1" latinLnBrk="0" hangingPunct="1">
+              <a:defRPr sz="1800" kern="1200">
+                <a:solidFill>
+                  <a:schemeClr val="tx1"/>
+                </a:solidFill>
+                <a:latin typeface="+mn-lt"/>
+                <a:ea typeface="+mn-ea"/>
+                <a:cs typeface="+mn-cs"/>
+              </a:defRPr>
+            </a:lvl8pPr>
+            <a:lvl9pPr marL="3657454" algn="l" defTabSz="914363" rtl="0" eaLnBrk="1" latinLnBrk="0" hangingPunct="1">
+              <a:defRPr sz="1800" kern="1200">
+                <a:solidFill>
+                  <a:schemeClr val="tx1"/>
+                </a:solidFill>
+                <a:latin typeface="+mn-lt"/>
+                <a:ea typeface="+mn-ea"/>
+                <a:cs typeface="+mn-cs"/>
+              </a:defRPr>
+            </a:lvl9pPr>
+          </a:lstStyle>
+          <a:p>
+            <a:pPr algn="ctr">
+              <a:lnSpc>
+                <a:spcPct val="90000"/>
+              </a:lnSpc>
+              <a:spcAft>
+                <a:spcPts val="588"/>
+              </a:spcAft>
+            </a:pPr>
+            <a:endParaRPr lang="en-US" sz="1100" b="1" dirty="0"/>
+          </a:p>
+          <a:p>
+            <a:pPr algn="ctr">
+              <a:lnSpc>
+                <a:spcPct val="90000"/>
+              </a:lnSpc>
+              <a:spcAft>
+                <a:spcPts val="588"/>
+              </a:spcAft>
+            </a:pPr>
+            <a:r>
+              <a:rPr lang="en-US" sz="1100" b="1" dirty="0"/>
+              <a:t>Token Endpoint	</a:t>
+            </a:r>
+          </a:p>
+        </p:txBody>
+      </p:sp>
+      <p:sp>
+        <p:nvSpPr>
+          <p:cNvPr id="11" name="TextBox 12"/>
+          <p:cNvSpPr txBox="1"/>
+          <p:nvPr/>
+        </p:nvSpPr>
+        <p:spPr>
+          <a:xfrm>
+            <a:off x="6957855" y="6434391"/>
+            <a:ext cx="1722927" cy="441932"/>
+          </a:xfrm>
+          <a:prstGeom prst="rect">
+            <a:avLst/>
+          </a:prstGeom>
+          <a:noFill/>
+        </p:spPr>
+        <p:txBody>
+          <a:bodyPr wrap="none" lIns="179238" tIns="143391" rIns="179238" bIns="143391" rtlCol="0">
+            <a:spAutoFit/>
+          </a:bodyPr>
+          <a:lstStyle>
+            <a:defPPr>
+              <a:defRPr lang="en-US"/>
+            </a:defPPr>
+            <a:lvl1pPr marL="0" algn="l" defTabSz="914363" rtl="0" eaLnBrk="1" latinLnBrk="0" hangingPunct="1">
+              <a:defRPr sz="1800" kern="1200">
+                <a:solidFill>
+                  <a:schemeClr val="tx1"/>
+                </a:solidFill>
+                <a:latin typeface="+mn-lt"/>
+                <a:ea typeface="+mn-ea"/>
+                <a:cs typeface="+mn-cs"/>
+              </a:defRPr>
+            </a:lvl1pPr>
+            <a:lvl2pPr marL="457182" algn="l" defTabSz="914363" rtl="0" eaLnBrk="1" latinLnBrk="0" hangingPunct="1">
+              <a:defRPr sz="1800" kern="1200">
+                <a:solidFill>
+                  <a:schemeClr val="tx1"/>
+                </a:solidFill>
+                <a:latin typeface="+mn-lt"/>
+                <a:ea typeface="+mn-ea"/>
+                <a:cs typeface="+mn-cs"/>
+              </a:defRPr>
+            </a:lvl2pPr>
+            <a:lvl3pPr marL="914363" algn="l" defTabSz="914363" rtl="0" eaLnBrk="1" latinLnBrk="0" hangingPunct="1">
+              <a:defRPr sz="1800" kern="1200">
+                <a:solidFill>
+                  <a:schemeClr val="tx1"/>
+                </a:solidFill>
+                <a:latin typeface="+mn-lt"/>
+                <a:ea typeface="+mn-ea"/>
+                <a:cs typeface="+mn-cs"/>
+              </a:defRPr>
+            </a:lvl3pPr>
+            <a:lvl4pPr marL="1371545" algn="l" defTabSz="914363" rtl="0" eaLnBrk="1" latinLnBrk="0" hangingPunct="1">
+              <a:defRPr sz="1800" kern="1200">
+                <a:solidFill>
+                  <a:schemeClr val="tx1"/>
+                </a:solidFill>
+                <a:latin typeface="+mn-lt"/>
+                <a:ea typeface="+mn-ea"/>
+                <a:cs typeface="+mn-cs"/>
+              </a:defRPr>
+            </a:lvl4pPr>
+            <a:lvl5pPr marL="1828727" algn="l" defTabSz="914363" rtl="0" eaLnBrk="1" latinLnBrk="0" hangingPunct="1">
+              <a:defRPr sz="1800" kern="1200">
+                <a:solidFill>
+                  <a:schemeClr val="tx1"/>
+                </a:solidFill>
+                <a:latin typeface="+mn-lt"/>
+                <a:ea typeface="+mn-ea"/>
+                <a:cs typeface="+mn-cs"/>
+              </a:defRPr>
+            </a:lvl5pPr>
+            <a:lvl6pPr marL="2285909" algn="l" defTabSz="914363" rtl="0" eaLnBrk="1" latinLnBrk="0" hangingPunct="1">
+              <a:defRPr sz="1800" kern="1200">
+                <a:solidFill>
+                  <a:schemeClr val="tx1"/>
+                </a:solidFill>
+                <a:latin typeface="+mn-lt"/>
+                <a:ea typeface="+mn-ea"/>
+                <a:cs typeface="+mn-cs"/>
+              </a:defRPr>
+            </a:lvl6pPr>
+            <a:lvl7pPr marL="2743090" algn="l" defTabSz="914363" rtl="0" eaLnBrk="1" latinLnBrk="0" hangingPunct="1">
+              <a:defRPr sz="1800" kern="1200">
+                <a:solidFill>
+                  <a:schemeClr val="tx1"/>
+                </a:solidFill>
+                <a:latin typeface="+mn-lt"/>
+                <a:ea typeface="+mn-ea"/>
+                <a:cs typeface="+mn-cs"/>
+              </a:defRPr>
+            </a:lvl7pPr>
+            <a:lvl8pPr marL="3200272" algn="l" defTabSz="914363" rtl="0" eaLnBrk="1" latinLnBrk="0" hangingPunct="1">
+              <a:defRPr sz="1800" kern="1200">
+                <a:solidFill>
+                  <a:schemeClr val="tx1"/>
+                </a:solidFill>
+                <a:latin typeface="+mn-lt"/>
+                <a:ea typeface="+mn-ea"/>
+                <a:cs typeface="+mn-cs"/>
+              </a:defRPr>
+            </a:lvl8pPr>
+            <a:lvl9pPr marL="3657454" algn="l" defTabSz="914363" rtl="0" eaLnBrk="1" latinLnBrk="0" hangingPunct="1">
+              <a:defRPr sz="1800" kern="1200">
+                <a:solidFill>
+                  <a:schemeClr val="tx1"/>
+                </a:solidFill>
+                <a:latin typeface="+mn-lt"/>
+                <a:ea typeface="+mn-ea"/>
+                <a:cs typeface="+mn-cs"/>
+              </a:defRPr>
+            </a:lvl9pPr>
+          </a:lstStyle>
+          <a:p>
+            <a:pPr algn="ctr">
+              <a:lnSpc>
+                <a:spcPct val="90000"/>
+              </a:lnSpc>
+              <a:spcAft>
+                <a:spcPts val="588"/>
+              </a:spcAft>
+            </a:pPr>
+            <a:r>
+              <a:rPr lang="en-US" sz="1100" b="1" dirty="0"/>
+              <a:t>Microsoft Graph API</a:t>
+            </a:r>
+          </a:p>
+        </p:txBody>
+      </p:sp>
+      <p:cxnSp>
+        <p:nvCxnSpPr>
+          <p:cNvPr id="12" name="Straight Arrow Connector 11"/>
+          <p:cNvCxnSpPr/>
+          <p:nvPr/>
+        </p:nvCxnSpPr>
+        <p:spPr>
+          <a:xfrm>
+            <a:off x="1142812" y="3929750"/>
+            <a:ext cx="2204605" cy="0"/>
+          </a:xfrm>
+          <a:prstGeom prst="straightConnector1">
+            <a:avLst/>
+          </a:prstGeom>
+          <a:ln w="28575">
+            <a:solidFill>
+              <a:schemeClr val="tx1"/>
+            </a:solidFill>
+            <a:headEnd type="none"/>
+            <a:tailEnd type="triangle"/>
+          </a:ln>
+        </p:spPr>
+        <p:style>
+          <a:lnRef idx="1">
+            <a:schemeClr val="accent1"/>
+          </a:lnRef>
+          <a:fillRef idx="0">
+            <a:schemeClr val="accent1"/>
+          </a:fillRef>
+          <a:effectRef idx="0">
+            <a:schemeClr val="accent1"/>
+          </a:effectRef>
+          <a:fontRef idx="minor">
+            <a:schemeClr val="tx1"/>
+          </a:fontRef>
+        </p:style>
+      </p:cxnSp>
+      <p:cxnSp>
+        <p:nvCxnSpPr>
+          <p:cNvPr id="13" name="Straight Arrow Connector 12"/>
+          <p:cNvCxnSpPr/>
+          <p:nvPr/>
+        </p:nvCxnSpPr>
+        <p:spPr>
+          <a:xfrm>
+            <a:off x="1142812" y="4264910"/>
+            <a:ext cx="2204605" cy="0"/>
+          </a:xfrm>
+          <a:prstGeom prst="straightConnector1">
+            <a:avLst/>
+          </a:prstGeom>
+          <a:ln w="28575">
+            <a:solidFill>
+              <a:schemeClr val="tx1"/>
+            </a:solidFill>
+            <a:headEnd type="triangle" w="med" len="med"/>
+            <a:tailEnd type="none" w="med" len="med"/>
+          </a:ln>
+        </p:spPr>
+        <p:style>
+          <a:lnRef idx="1">
+            <a:schemeClr val="accent1"/>
+          </a:lnRef>
+          <a:fillRef idx="0">
+            <a:schemeClr val="accent1"/>
+          </a:fillRef>
+          <a:effectRef idx="0">
+            <a:schemeClr val="accent1"/>
+          </a:effectRef>
+          <a:fontRef idx="minor">
+            <a:schemeClr val="tx1"/>
+          </a:fontRef>
+        </p:style>
+      </p:cxnSp>
+      <p:cxnSp>
+        <p:nvCxnSpPr>
+          <p:cNvPr id="14" name="Straight Arrow Connector 13"/>
+          <p:cNvCxnSpPr/>
+          <p:nvPr/>
+        </p:nvCxnSpPr>
+        <p:spPr>
+          <a:xfrm>
+            <a:off x="1142812" y="4647613"/>
+            <a:ext cx="1815077" cy="0"/>
+          </a:xfrm>
+          <a:prstGeom prst="straightConnector1">
+            <a:avLst/>
+          </a:prstGeom>
+          <a:ln w="28575">
+            <a:solidFill>
+              <a:schemeClr val="tx1"/>
+            </a:solidFill>
+            <a:headEnd type="triangle" w="med" len="med"/>
+            <a:tailEnd type="none" w="med" len="med"/>
+          </a:ln>
+        </p:spPr>
+        <p:style>
+          <a:lnRef idx="1">
+            <a:schemeClr val="accent1"/>
+          </a:lnRef>
+          <a:fillRef idx="0">
+            <a:schemeClr val="accent1"/>
+          </a:fillRef>
+          <a:effectRef idx="0">
+            <a:schemeClr val="accent1"/>
+          </a:effectRef>
+          <a:fontRef idx="minor">
+            <a:schemeClr val="tx1"/>
+          </a:fontRef>
+        </p:style>
+      </p:cxnSp>
+      <p:cxnSp>
+        <p:nvCxnSpPr>
+          <p:cNvPr id="15" name="Straight Connector 14"/>
+          <p:cNvCxnSpPr/>
+          <p:nvPr/>
+        </p:nvCxnSpPr>
+        <p:spPr>
+          <a:xfrm flipV="1">
+            <a:off x="2957889" y="4264911"/>
+            <a:ext cx="0" cy="382702"/>
+          </a:xfrm>
+          <a:prstGeom prst="line">
+            <a:avLst/>
+          </a:prstGeom>
+          <a:ln w="28575">
+            <a:solidFill>
+              <a:schemeClr val="tx1"/>
+            </a:solidFill>
+            <a:headEnd type="none"/>
+            <a:tailEnd type="none"/>
+          </a:ln>
+        </p:spPr>
+        <p:style>
+          <a:lnRef idx="1">
+            <a:schemeClr val="accent1"/>
+          </a:lnRef>
+          <a:fillRef idx="0">
+            <a:schemeClr val="accent1"/>
+          </a:fillRef>
+          <a:effectRef idx="0">
+            <a:schemeClr val="accent1"/>
+          </a:effectRef>
+          <a:fontRef idx="minor">
+            <a:schemeClr val="tx1"/>
+          </a:fontRef>
+        </p:style>
+      </p:cxnSp>
+      <p:sp>
+        <p:nvSpPr>
+          <p:cNvPr id="16" name="TextBox 19"/>
+          <p:cNvSpPr txBox="1"/>
+          <p:nvPr/>
+        </p:nvSpPr>
+        <p:spPr>
+          <a:xfrm>
+            <a:off x="1069807" y="3581400"/>
+            <a:ext cx="2040321" cy="428082"/>
+          </a:xfrm>
+          <a:prstGeom prst="rect">
+            <a:avLst/>
+          </a:prstGeom>
+          <a:noFill/>
+        </p:spPr>
+        <p:txBody>
+          <a:bodyPr wrap="none" lIns="179238" tIns="143391" rIns="179238" bIns="143391" rtlCol="0">
+            <a:spAutoFit/>
+          </a:bodyPr>
+          <a:lstStyle>
+            <a:defPPr>
+              <a:defRPr lang="en-US"/>
+            </a:defPPr>
+            <a:lvl1pPr marL="0" algn="l" defTabSz="914363" rtl="0" eaLnBrk="1" latinLnBrk="0" hangingPunct="1">
+              <a:defRPr sz="1800" kern="1200">
+                <a:solidFill>
+                  <a:schemeClr val="tx1"/>
+                </a:solidFill>
+                <a:latin typeface="+mn-lt"/>
+                <a:ea typeface="+mn-ea"/>
+                <a:cs typeface="+mn-cs"/>
+              </a:defRPr>
+            </a:lvl1pPr>
+            <a:lvl2pPr marL="457182" algn="l" defTabSz="914363" rtl="0" eaLnBrk="1" latinLnBrk="0" hangingPunct="1">
+              <a:defRPr sz="1800" kern="1200">
+                <a:solidFill>
+                  <a:schemeClr val="tx1"/>
+                </a:solidFill>
+                <a:latin typeface="+mn-lt"/>
+                <a:ea typeface="+mn-ea"/>
+                <a:cs typeface="+mn-cs"/>
+              </a:defRPr>
+            </a:lvl2pPr>
+            <a:lvl3pPr marL="914363" algn="l" defTabSz="914363" rtl="0" eaLnBrk="1" latinLnBrk="0" hangingPunct="1">
+              <a:defRPr sz="1800" kern="1200">
+                <a:solidFill>
+                  <a:schemeClr val="tx1"/>
+                </a:solidFill>
+                <a:latin typeface="+mn-lt"/>
+                <a:ea typeface="+mn-ea"/>
+                <a:cs typeface="+mn-cs"/>
+              </a:defRPr>
+            </a:lvl3pPr>
+            <a:lvl4pPr marL="1371545" algn="l" defTabSz="914363" rtl="0" eaLnBrk="1" latinLnBrk="0" hangingPunct="1">
+              <a:defRPr sz="1800" kern="1200">
+                <a:solidFill>
+                  <a:schemeClr val="tx1"/>
+                </a:solidFill>
+                <a:latin typeface="+mn-lt"/>
+                <a:ea typeface="+mn-ea"/>
+                <a:cs typeface="+mn-cs"/>
+              </a:defRPr>
+            </a:lvl4pPr>
+            <a:lvl5pPr marL="1828727" algn="l" defTabSz="914363" rtl="0" eaLnBrk="1" latinLnBrk="0" hangingPunct="1">
+              <a:defRPr sz="1800" kern="1200">
+                <a:solidFill>
+                  <a:schemeClr val="tx1"/>
+                </a:solidFill>
+                <a:latin typeface="+mn-lt"/>
+                <a:ea typeface="+mn-ea"/>
+                <a:cs typeface="+mn-cs"/>
+              </a:defRPr>
+            </a:lvl5pPr>
+            <a:lvl6pPr marL="2285909" algn="l" defTabSz="914363" rtl="0" eaLnBrk="1" latinLnBrk="0" hangingPunct="1">
+              <a:defRPr sz="1800" kern="1200">
+                <a:solidFill>
+                  <a:schemeClr val="tx1"/>
+                </a:solidFill>
+                <a:latin typeface="+mn-lt"/>
+                <a:ea typeface="+mn-ea"/>
+                <a:cs typeface="+mn-cs"/>
+              </a:defRPr>
+            </a:lvl6pPr>
+            <a:lvl7pPr marL="2743090" algn="l" defTabSz="914363" rtl="0" eaLnBrk="1" latinLnBrk="0" hangingPunct="1">
+              <a:defRPr sz="1800" kern="1200">
+                <a:solidFill>
+                  <a:schemeClr val="tx1"/>
+                </a:solidFill>
+                <a:latin typeface="+mn-lt"/>
+                <a:ea typeface="+mn-ea"/>
+                <a:cs typeface="+mn-cs"/>
+              </a:defRPr>
+            </a:lvl7pPr>
+            <a:lvl8pPr marL="3200272" algn="l" defTabSz="914363" rtl="0" eaLnBrk="1" latinLnBrk="0" hangingPunct="1">
+              <a:defRPr sz="1800" kern="1200">
+                <a:solidFill>
+                  <a:schemeClr val="tx1"/>
+                </a:solidFill>
+                <a:latin typeface="+mn-lt"/>
+                <a:ea typeface="+mn-ea"/>
+                <a:cs typeface="+mn-cs"/>
+              </a:defRPr>
+            </a:lvl8pPr>
+            <a:lvl9pPr marL="3657454" algn="l" defTabSz="914363" rtl="0" eaLnBrk="1" latinLnBrk="0" hangingPunct="1">
+              <a:defRPr sz="1800" kern="1200">
+                <a:solidFill>
+                  <a:schemeClr val="tx1"/>
+                </a:solidFill>
+                <a:latin typeface="+mn-lt"/>
+                <a:ea typeface="+mn-ea"/>
+                <a:cs typeface="+mn-cs"/>
+              </a:defRPr>
+            </a:lvl9pPr>
+          </a:lstStyle>
+          <a:p>
+            <a:pPr>
+              <a:lnSpc>
+                <a:spcPct val="90000"/>
+              </a:lnSpc>
+              <a:spcAft>
+                <a:spcPts val="588"/>
+              </a:spcAft>
+            </a:pPr>
+            <a:r>
+              <a:rPr lang="en-US" sz="1000" b="1" dirty="0"/>
+              <a:t>Request authorization code</a:t>
+            </a:r>
+          </a:p>
+        </p:txBody>
+      </p:sp>
+      <p:sp>
+        <p:nvSpPr>
+          <p:cNvPr id="17" name="TextBox 20"/>
+          <p:cNvSpPr txBox="1"/>
+          <p:nvPr/>
+        </p:nvSpPr>
+        <p:spPr>
+          <a:xfrm>
+            <a:off x="1386410" y="3941750"/>
+            <a:ext cx="2011467" cy="428082"/>
+          </a:xfrm>
+          <a:prstGeom prst="rect">
+            <a:avLst/>
+          </a:prstGeom>
+          <a:noFill/>
+        </p:spPr>
+        <p:txBody>
+          <a:bodyPr wrap="none" lIns="179238" tIns="143391" rIns="179238" bIns="143391" rtlCol="0">
+            <a:spAutoFit/>
+          </a:bodyPr>
+          <a:lstStyle>
+            <a:defPPr>
+              <a:defRPr lang="en-US"/>
+            </a:defPPr>
+            <a:lvl1pPr marL="0" algn="l" defTabSz="914363" rtl="0" eaLnBrk="1" latinLnBrk="0" hangingPunct="1">
+              <a:defRPr sz="1800" kern="1200">
+                <a:solidFill>
+                  <a:schemeClr val="tx1"/>
+                </a:solidFill>
+                <a:latin typeface="+mn-lt"/>
+                <a:ea typeface="+mn-ea"/>
+                <a:cs typeface="+mn-cs"/>
+              </a:defRPr>
+            </a:lvl1pPr>
+            <a:lvl2pPr marL="457182" algn="l" defTabSz="914363" rtl="0" eaLnBrk="1" latinLnBrk="0" hangingPunct="1">
+              <a:defRPr sz="1800" kern="1200">
+                <a:solidFill>
+                  <a:schemeClr val="tx1"/>
+                </a:solidFill>
+                <a:latin typeface="+mn-lt"/>
+                <a:ea typeface="+mn-ea"/>
+                <a:cs typeface="+mn-cs"/>
+              </a:defRPr>
+            </a:lvl2pPr>
+            <a:lvl3pPr marL="914363" algn="l" defTabSz="914363" rtl="0" eaLnBrk="1" latinLnBrk="0" hangingPunct="1">
+              <a:defRPr sz="1800" kern="1200">
+                <a:solidFill>
+                  <a:schemeClr val="tx1"/>
+                </a:solidFill>
+                <a:latin typeface="+mn-lt"/>
+                <a:ea typeface="+mn-ea"/>
+                <a:cs typeface="+mn-cs"/>
+              </a:defRPr>
+            </a:lvl3pPr>
+            <a:lvl4pPr marL="1371545" algn="l" defTabSz="914363" rtl="0" eaLnBrk="1" latinLnBrk="0" hangingPunct="1">
+              <a:defRPr sz="1800" kern="1200">
+                <a:solidFill>
+                  <a:schemeClr val="tx1"/>
+                </a:solidFill>
+                <a:latin typeface="+mn-lt"/>
+                <a:ea typeface="+mn-ea"/>
+                <a:cs typeface="+mn-cs"/>
+              </a:defRPr>
+            </a:lvl4pPr>
+            <a:lvl5pPr marL="1828727" algn="l" defTabSz="914363" rtl="0" eaLnBrk="1" latinLnBrk="0" hangingPunct="1">
+              <a:defRPr sz="1800" kern="1200">
+                <a:solidFill>
+                  <a:schemeClr val="tx1"/>
+                </a:solidFill>
+                <a:latin typeface="+mn-lt"/>
+                <a:ea typeface="+mn-ea"/>
+                <a:cs typeface="+mn-cs"/>
+              </a:defRPr>
+            </a:lvl5pPr>
+            <a:lvl6pPr marL="2285909" algn="l" defTabSz="914363" rtl="0" eaLnBrk="1" latinLnBrk="0" hangingPunct="1">
+              <a:defRPr sz="1800" kern="1200">
+                <a:solidFill>
+                  <a:schemeClr val="tx1"/>
+                </a:solidFill>
+                <a:latin typeface="+mn-lt"/>
+                <a:ea typeface="+mn-ea"/>
+                <a:cs typeface="+mn-cs"/>
+              </a:defRPr>
+            </a:lvl6pPr>
+            <a:lvl7pPr marL="2743090" algn="l" defTabSz="914363" rtl="0" eaLnBrk="1" latinLnBrk="0" hangingPunct="1">
+              <a:defRPr sz="1800" kern="1200">
+                <a:solidFill>
+                  <a:schemeClr val="tx1"/>
+                </a:solidFill>
+                <a:latin typeface="+mn-lt"/>
+                <a:ea typeface="+mn-ea"/>
+                <a:cs typeface="+mn-cs"/>
+              </a:defRPr>
+            </a:lvl7pPr>
+            <a:lvl8pPr marL="3200272" algn="l" defTabSz="914363" rtl="0" eaLnBrk="1" latinLnBrk="0" hangingPunct="1">
+              <a:defRPr sz="1800" kern="1200">
+                <a:solidFill>
+                  <a:schemeClr val="tx1"/>
+                </a:solidFill>
+                <a:latin typeface="+mn-lt"/>
+                <a:ea typeface="+mn-ea"/>
+                <a:cs typeface="+mn-cs"/>
+              </a:defRPr>
+            </a:lvl8pPr>
+            <a:lvl9pPr marL="3657454" algn="l" defTabSz="914363" rtl="0" eaLnBrk="1" latinLnBrk="0" hangingPunct="1">
+              <a:defRPr sz="1800" kern="1200">
+                <a:solidFill>
+                  <a:schemeClr val="tx1"/>
+                </a:solidFill>
+                <a:latin typeface="+mn-lt"/>
+                <a:ea typeface="+mn-ea"/>
+                <a:cs typeface="+mn-cs"/>
+              </a:defRPr>
+            </a:lvl9pPr>
+          </a:lstStyle>
+          <a:p>
+            <a:pPr>
+              <a:lnSpc>
+                <a:spcPct val="90000"/>
+              </a:lnSpc>
+              <a:spcAft>
+                <a:spcPts val="588"/>
+              </a:spcAft>
+            </a:pPr>
+            <a:r>
+              <a:rPr lang="en-US" sz="1000" b="1" dirty="0"/>
+              <a:t>Sign-in via browser pop-up</a:t>
+            </a:r>
+          </a:p>
+        </p:txBody>
+      </p:sp>
+      <p:sp>
+        <p:nvSpPr>
+          <p:cNvPr id="18" name="TextBox 21"/>
+          <p:cNvSpPr txBox="1"/>
+          <p:nvPr/>
+        </p:nvSpPr>
+        <p:spPr>
+          <a:xfrm>
+            <a:off x="1142811" y="4341158"/>
+            <a:ext cx="1948950" cy="428082"/>
+          </a:xfrm>
+          <a:prstGeom prst="rect">
+            <a:avLst/>
+          </a:prstGeom>
+          <a:noFill/>
+        </p:spPr>
+        <p:txBody>
+          <a:bodyPr wrap="none" lIns="179238" tIns="143391" rIns="179238" bIns="143391" rtlCol="0">
+            <a:spAutoFit/>
+          </a:bodyPr>
+          <a:lstStyle>
+            <a:defPPr>
+              <a:defRPr lang="en-US"/>
+            </a:defPPr>
+            <a:lvl1pPr marL="0" algn="l" defTabSz="914363" rtl="0" eaLnBrk="1" latinLnBrk="0" hangingPunct="1">
+              <a:defRPr sz="1800" kern="1200">
+                <a:solidFill>
+                  <a:schemeClr val="tx1"/>
+                </a:solidFill>
+                <a:latin typeface="+mn-lt"/>
+                <a:ea typeface="+mn-ea"/>
+                <a:cs typeface="+mn-cs"/>
+              </a:defRPr>
+            </a:lvl1pPr>
+            <a:lvl2pPr marL="457182" algn="l" defTabSz="914363" rtl="0" eaLnBrk="1" latinLnBrk="0" hangingPunct="1">
+              <a:defRPr sz="1800" kern="1200">
+                <a:solidFill>
+                  <a:schemeClr val="tx1"/>
+                </a:solidFill>
+                <a:latin typeface="+mn-lt"/>
+                <a:ea typeface="+mn-ea"/>
+                <a:cs typeface="+mn-cs"/>
+              </a:defRPr>
+            </a:lvl2pPr>
+            <a:lvl3pPr marL="914363" algn="l" defTabSz="914363" rtl="0" eaLnBrk="1" latinLnBrk="0" hangingPunct="1">
+              <a:defRPr sz="1800" kern="1200">
+                <a:solidFill>
+                  <a:schemeClr val="tx1"/>
+                </a:solidFill>
+                <a:latin typeface="+mn-lt"/>
+                <a:ea typeface="+mn-ea"/>
+                <a:cs typeface="+mn-cs"/>
+              </a:defRPr>
+            </a:lvl3pPr>
+            <a:lvl4pPr marL="1371545" algn="l" defTabSz="914363" rtl="0" eaLnBrk="1" latinLnBrk="0" hangingPunct="1">
+              <a:defRPr sz="1800" kern="1200">
+                <a:solidFill>
+                  <a:schemeClr val="tx1"/>
+                </a:solidFill>
+                <a:latin typeface="+mn-lt"/>
+                <a:ea typeface="+mn-ea"/>
+                <a:cs typeface="+mn-cs"/>
+              </a:defRPr>
+            </a:lvl4pPr>
+            <a:lvl5pPr marL="1828727" algn="l" defTabSz="914363" rtl="0" eaLnBrk="1" latinLnBrk="0" hangingPunct="1">
+              <a:defRPr sz="1800" kern="1200">
+                <a:solidFill>
+                  <a:schemeClr val="tx1"/>
+                </a:solidFill>
+                <a:latin typeface="+mn-lt"/>
+                <a:ea typeface="+mn-ea"/>
+                <a:cs typeface="+mn-cs"/>
+              </a:defRPr>
+            </a:lvl5pPr>
+            <a:lvl6pPr marL="2285909" algn="l" defTabSz="914363" rtl="0" eaLnBrk="1" latinLnBrk="0" hangingPunct="1">
+              <a:defRPr sz="1800" kern="1200">
+                <a:solidFill>
+                  <a:schemeClr val="tx1"/>
+                </a:solidFill>
+                <a:latin typeface="+mn-lt"/>
+                <a:ea typeface="+mn-ea"/>
+                <a:cs typeface="+mn-cs"/>
+              </a:defRPr>
+            </a:lvl6pPr>
+            <a:lvl7pPr marL="2743090" algn="l" defTabSz="914363" rtl="0" eaLnBrk="1" latinLnBrk="0" hangingPunct="1">
+              <a:defRPr sz="1800" kern="1200">
+                <a:solidFill>
+                  <a:schemeClr val="tx1"/>
+                </a:solidFill>
+                <a:latin typeface="+mn-lt"/>
+                <a:ea typeface="+mn-ea"/>
+                <a:cs typeface="+mn-cs"/>
+              </a:defRPr>
+            </a:lvl7pPr>
+            <a:lvl8pPr marL="3200272" algn="l" defTabSz="914363" rtl="0" eaLnBrk="1" latinLnBrk="0" hangingPunct="1">
+              <a:defRPr sz="1800" kern="1200">
+                <a:solidFill>
+                  <a:schemeClr val="tx1"/>
+                </a:solidFill>
+                <a:latin typeface="+mn-lt"/>
+                <a:ea typeface="+mn-ea"/>
+                <a:cs typeface="+mn-cs"/>
+              </a:defRPr>
+            </a:lvl8pPr>
+            <a:lvl9pPr marL="3657454" algn="l" defTabSz="914363" rtl="0" eaLnBrk="1" latinLnBrk="0" hangingPunct="1">
+              <a:defRPr sz="1800" kern="1200">
+                <a:solidFill>
+                  <a:schemeClr val="tx1"/>
+                </a:solidFill>
+                <a:latin typeface="+mn-lt"/>
+                <a:ea typeface="+mn-ea"/>
+                <a:cs typeface="+mn-cs"/>
+              </a:defRPr>
+            </a:lvl9pPr>
+          </a:lstStyle>
+          <a:p>
+            <a:pPr>
+              <a:lnSpc>
+                <a:spcPct val="90000"/>
+              </a:lnSpc>
+              <a:spcAft>
+                <a:spcPts val="588"/>
+              </a:spcAft>
+            </a:pPr>
+            <a:r>
+              <a:rPr lang="en-US" sz="1000" b="1" dirty="0"/>
+              <a:t>Return authorization code</a:t>
+            </a:r>
+          </a:p>
+        </p:txBody>
+      </p:sp>
+      <p:cxnSp>
+        <p:nvCxnSpPr>
+          <p:cNvPr id="19" name="Straight Arrow Connector 18"/>
+          <p:cNvCxnSpPr/>
+          <p:nvPr/>
+        </p:nvCxnSpPr>
+        <p:spPr>
+          <a:xfrm>
+            <a:off x="1147215" y="5111679"/>
+            <a:ext cx="4765558" cy="0"/>
+          </a:xfrm>
+          <a:prstGeom prst="straightConnector1">
+            <a:avLst/>
+          </a:prstGeom>
+          <a:ln w="28575">
+            <a:solidFill>
+              <a:schemeClr val="tx1"/>
+            </a:solidFill>
+            <a:headEnd type="none"/>
+            <a:tailEnd type="triangle"/>
+          </a:ln>
+        </p:spPr>
+        <p:style>
+          <a:lnRef idx="1">
+            <a:schemeClr val="accent1"/>
+          </a:lnRef>
+          <a:fillRef idx="0">
+            <a:schemeClr val="accent1"/>
+          </a:fillRef>
+          <a:effectRef idx="0">
+            <a:schemeClr val="accent1"/>
+          </a:effectRef>
+          <a:fontRef idx="minor">
+            <a:schemeClr val="tx1"/>
+          </a:fontRef>
+        </p:style>
+      </p:cxnSp>
+      <p:cxnSp>
+        <p:nvCxnSpPr>
+          <p:cNvPr id="20" name="Straight Arrow Connector 19"/>
+          <p:cNvCxnSpPr/>
+          <p:nvPr/>
+        </p:nvCxnSpPr>
+        <p:spPr>
+          <a:xfrm>
+            <a:off x="1132365" y="5455040"/>
+            <a:ext cx="4765558" cy="0"/>
+          </a:xfrm>
+          <a:prstGeom prst="straightConnector1">
+            <a:avLst/>
+          </a:prstGeom>
+          <a:ln w="28575">
+            <a:solidFill>
+              <a:schemeClr val="tx1"/>
+            </a:solidFill>
+            <a:headEnd type="triangle" w="med" len="med"/>
+            <a:tailEnd type="none" w="med" len="med"/>
+          </a:ln>
+        </p:spPr>
+        <p:style>
+          <a:lnRef idx="1">
+            <a:schemeClr val="accent1"/>
+          </a:lnRef>
+          <a:fillRef idx="0">
+            <a:schemeClr val="accent1"/>
+          </a:fillRef>
+          <a:effectRef idx="0">
+            <a:schemeClr val="accent1"/>
+          </a:effectRef>
+          <a:fontRef idx="minor">
+            <a:schemeClr val="tx1"/>
+          </a:fontRef>
+        </p:style>
+      </p:cxnSp>
+      <p:sp>
+        <p:nvSpPr>
+          <p:cNvPr id="21" name="TextBox 25"/>
+          <p:cNvSpPr txBox="1"/>
+          <p:nvPr/>
+        </p:nvSpPr>
+        <p:spPr>
+          <a:xfrm>
+            <a:off x="992969" y="4726870"/>
+            <a:ext cx="5044349" cy="428082"/>
+          </a:xfrm>
+          <a:prstGeom prst="rect">
+            <a:avLst/>
+          </a:prstGeom>
+          <a:noFill/>
+        </p:spPr>
+        <p:txBody>
+          <a:bodyPr wrap="none" lIns="179238" tIns="143391" rIns="179238" bIns="143391" rtlCol="0">
+            <a:spAutoFit/>
+          </a:bodyPr>
+          <a:lstStyle>
+            <a:defPPr>
+              <a:defRPr lang="en-US"/>
+            </a:defPPr>
+            <a:lvl1pPr marL="0" algn="l" defTabSz="914363" rtl="0" eaLnBrk="1" latinLnBrk="0" hangingPunct="1">
+              <a:defRPr sz="1800" kern="1200">
+                <a:solidFill>
+                  <a:schemeClr val="tx1"/>
+                </a:solidFill>
+                <a:latin typeface="+mn-lt"/>
+                <a:ea typeface="+mn-ea"/>
+                <a:cs typeface="+mn-cs"/>
+              </a:defRPr>
+            </a:lvl1pPr>
+            <a:lvl2pPr marL="457182" algn="l" defTabSz="914363" rtl="0" eaLnBrk="1" latinLnBrk="0" hangingPunct="1">
+              <a:defRPr sz="1800" kern="1200">
+                <a:solidFill>
+                  <a:schemeClr val="tx1"/>
+                </a:solidFill>
+                <a:latin typeface="+mn-lt"/>
+                <a:ea typeface="+mn-ea"/>
+                <a:cs typeface="+mn-cs"/>
+              </a:defRPr>
+            </a:lvl2pPr>
+            <a:lvl3pPr marL="914363" algn="l" defTabSz="914363" rtl="0" eaLnBrk="1" latinLnBrk="0" hangingPunct="1">
+              <a:defRPr sz="1800" kern="1200">
+                <a:solidFill>
+                  <a:schemeClr val="tx1"/>
+                </a:solidFill>
+                <a:latin typeface="+mn-lt"/>
+                <a:ea typeface="+mn-ea"/>
+                <a:cs typeface="+mn-cs"/>
+              </a:defRPr>
+            </a:lvl3pPr>
+            <a:lvl4pPr marL="1371545" algn="l" defTabSz="914363" rtl="0" eaLnBrk="1" latinLnBrk="0" hangingPunct="1">
+              <a:defRPr sz="1800" kern="1200">
+                <a:solidFill>
+                  <a:schemeClr val="tx1"/>
+                </a:solidFill>
+                <a:latin typeface="+mn-lt"/>
+                <a:ea typeface="+mn-ea"/>
+                <a:cs typeface="+mn-cs"/>
+              </a:defRPr>
+            </a:lvl4pPr>
+            <a:lvl5pPr marL="1828727" algn="l" defTabSz="914363" rtl="0" eaLnBrk="1" latinLnBrk="0" hangingPunct="1">
+              <a:defRPr sz="1800" kern="1200">
+                <a:solidFill>
+                  <a:schemeClr val="tx1"/>
+                </a:solidFill>
+                <a:latin typeface="+mn-lt"/>
+                <a:ea typeface="+mn-ea"/>
+                <a:cs typeface="+mn-cs"/>
+              </a:defRPr>
+            </a:lvl5pPr>
+            <a:lvl6pPr marL="2285909" algn="l" defTabSz="914363" rtl="0" eaLnBrk="1" latinLnBrk="0" hangingPunct="1">
+              <a:defRPr sz="1800" kern="1200">
+                <a:solidFill>
+                  <a:schemeClr val="tx1"/>
+                </a:solidFill>
+                <a:latin typeface="+mn-lt"/>
+                <a:ea typeface="+mn-ea"/>
+                <a:cs typeface="+mn-cs"/>
+              </a:defRPr>
+            </a:lvl6pPr>
+            <a:lvl7pPr marL="2743090" algn="l" defTabSz="914363" rtl="0" eaLnBrk="1" latinLnBrk="0" hangingPunct="1">
+              <a:defRPr sz="1800" kern="1200">
+                <a:solidFill>
+                  <a:schemeClr val="tx1"/>
+                </a:solidFill>
+                <a:latin typeface="+mn-lt"/>
+                <a:ea typeface="+mn-ea"/>
+                <a:cs typeface="+mn-cs"/>
+              </a:defRPr>
+            </a:lvl7pPr>
+            <a:lvl8pPr marL="3200272" algn="l" defTabSz="914363" rtl="0" eaLnBrk="1" latinLnBrk="0" hangingPunct="1">
+              <a:defRPr sz="1800" kern="1200">
+                <a:solidFill>
+                  <a:schemeClr val="tx1"/>
+                </a:solidFill>
+                <a:latin typeface="+mn-lt"/>
+                <a:ea typeface="+mn-ea"/>
+                <a:cs typeface="+mn-cs"/>
+              </a:defRPr>
+            </a:lvl8pPr>
+            <a:lvl9pPr marL="3657454" algn="l" defTabSz="914363" rtl="0" eaLnBrk="1" latinLnBrk="0" hangingPunct="1">
+              <a:defRPr sz="1800" kern="1200">
+                <a:solidFill>
+                  <a:schemeClr val="tx1"/>
+                </a:solidFill>
+                <a:latin typeface="+mn-lt"/>
+                <a:ea typeface="+mn-ea"/>
+                <a:cs typeface="+mn-cs"/>
+              </a:defRPr>
+            </a:lvl9pPr>
+          </a:lstStyle>
+          <a:p>
+            <a:pPr>
+              <a:lnSpc>
+                <a:spcPct val="90000"/>
+              </a:lnSpc>
+              <a:spcAft>
+                <a:spcPts val="588"/>
+              </a:spcAft>
+            </a:pPr>
+            <a:r>
+              <a:rPr lang="en-US" sz="1000" b="1" dirty="0"/>
+              <a:t>Redeem authorization code and acquire access token for Office 365 resource</a:t>
+            </a:r>
+          </a:p>
+        </p:txBody>
+      </p:sp>
+      <p:sp>
+        <p:nvSpPr>
+          <p:cNvPr id="22" name="TextBox 26"/>
+          <p:cNvSpPr txBox="1"/>
+          <p:nvPr/>
+        </p:nvSpPr>
+        <p:spPr>
+          <a:xfrm>
+            <a:off x="1219801" y="5093786"/>
+            <a:ext cx="3250782" cy="428082"/>
+          </a:xfrm>
+          <a:prstGeom prst="rect">
+            <a:avLst/>
+          </a:prstGeom>
+          <a:noFill/>
+        </p:spPr>
+        <p:txBody>
+          <a:bodyPr wrap="square" lIns="179238" tIns="143391" rIns="179238" bIns="143391" rtlCol="0">
+            <a:spAutoFit/>
+          </a:bodyPr>
+          <a:lstStyle>
+            <a:defPPr>
+              <a:defRPr lang="en-US"/>
+            </a:defPPr>
+            <a:lvl1pPr marL="0" algn="l" defTabSz="914363" rtl="0" eaLnBrk="1" latinLnBrk="0" hangingPunct="1">
+              <a:defRPr sz="1800" kern="1200">
+                <a:solidFill>
+                  <a:schemeClr val="tx1"/>
+                </a:solidFill>
+                <a:latin typeface="+mn-lt"/>
+                <a:ea typeface="+mn-ea"/>
+                <a:cs typeface="+mn-cs"/>
+              </a:defRPr>
+            </a:lvl1pPr>
+            <a:lvl2pPr marL="457182" algn="l" defTabSz="914363" rtl="0" eaLnBrk="1" latinLnBrk="0" hangingPunct="1">
+              <a:defRPr sz="1800" kern="1200">
+                <a:solidFill>
+                  <a:schemeClr val="tx1"/>
+                </a:solidFill>
+                <a:latin typeface="+mn-lt"/>
+                <a:ea typeface="+mn-ea"/>
+                <a:cs typeface="+mn-cs"/>
+              </a:defRPr>
+            </a:lvl2pPr>
+            <a:lvl3pPr marL="914363" algn="l" defTabSz="914363" rtl="0" eaLnBrk="1" latinLnBrk="0" hangingPunct="1">
+              <a:defRPr sz="1800" kern="1200">
+                <a:solidFill>
+                  <a:schemeClr val="tx1"/>
+                </a:solidFill>
+                <a:latin typeface="+mn-lt"/>
+                <a:ea typeface="+mn-ea"/>
+                <a:cs typeface="+mn-cs"/>
+              </a:defRPr>
+            </a:lvl3pPr>
+            <a:lvl4pPr marL="1371545" algn="l" defTabSz="914363" rtl="0" eaLnBrk="1" latinLnBrk="0" hangingPunct="1">
+              <a:defRPr sz="1800" kern="1200">
+                <a:solidFill>
+                  <a:schemeClr val="tx1"/>
+                </a:solidFill>
+                <a:latin typeface="+mn-lt"/>
+                <a:ea typeface="+mn-ea"/>
+                <a:cs typeface="+mn-cs"/>
+              </a:defRPr>
+            </a:lvl4pPr>
+            <a:lvl5pPr marL="1828727" algn="l" defTabSz="914363" rtl="0" eaLnBrk="1" latinLnBrk="0" hangingPunct="1">
+              <a:defRPr sz="1800" kern="1200">
+                <a:solidFill>
+                  <a:schemeClr val="tx1"/>
+                </a:solidFill>
+                <a:latin typeface="+mn-lt"/>
+                <a:ea typeface="+mn-ea"/>
+                <a:cs typeface="+mn-cs"/>
+              </a:defRPr>
+            </a:lvl5pPr>
+            <a:lvl6pPr marL="2285909" algn="l" defTabSz="914363" rtl="0" eaLnBrk="1" latinLnBrk="0" hangingPunct="1">
+              <a:defRPr sz="1800" kern="1200">
+                <a:solidFill>
+                  <a:schemeClr val="tx1"/>
+                </a:solidFill>
+                <a:latin typeface="+mn-lt"/>
+                <a:ea typeface="+mn-ea"/>
+                <a:cs typeface="+mn-cs"/>
+              </a:defRPr>
+            </a:lvl6pPr>
+            <a:lvl7pPr marL="2743090" algn="l" defTabSz="914363" rtl="0" eaLnBrk="1" latinLnBrk="0" hangingPunct="1">
+              <a:defRPr sz="1800" kern="1200">
+                <a:solidFill>
+                  <a:schemeClr val="tx1"/>
+                </a:solidFill>
+                <a:latin typeface="+mn-lt"/>
+                <a:ea typeface="+mn-ea"/>
+                <a:cs typeface="+mn-cs"/>
+              </a:defRPr>
+            </a:lvl7pPr>
+            <a:lvl8pPr marL="3200272" algn="l" defTabSz="914363" rtl="0" eaLnBrk="1" latinLnBrk="0" hangingPunct="1">
+              <a:defRPr sz="1800" kern="1200">
+                <a:solidFill>
+                  <a:schemeClr val="tx1"/>
+                </a:solidFill>
+                <a:latin typeface="+mn-lt"/>
+                <a:ea typeface="+mn-ea"/>
+                <a:cs typeface="+mn-cs"/>
+              </a:defRPr>
+            </a:lvl8pPr>
+            <a:lvl9pPr marL="3657454" algn="l" defTabSz="914363" rtl="0" eaLnBrk="1" latinLnBrk="0" hangingPunct="1">
+              <a:defRPr sz="1800" kern="1200">
+                <a:solidFill>
+                  <a:schemeClr val="tx1"/>
+                </a:solidFill>
+                <a:latin typeface="+mn-lt"/>
+                <a:ea typeface="+mn-ea"/>
+                <a:cs typeface="+mn-cs"/>
+              </a:defRPr>
+            </a:lvl9pPr>
+          </a:lstStyle>
+          <a:p>
+            <a:pPr>
+              <a:lnSpc>
+                <a:spcPct val="90000"/>
+              </a:lnSpc>
+              <a:spcAft>
+                <a:spcPts val="588"/>
+              </a:spcAft>
+            </a:pPr>
+            <a:r>
+              <a:rPr lang="en-US" sz="1000" b="1" dirty="0"/>
+              <a:t>Return access token and refresh token</a:t>
+            </a:r>
+          </a:p>
+        </p:txBody>
+      </p:sp>
+      <p:cxnSp>
+        <p:nvCxnSpPr>
+          <p:cNvPr id="23" name="Straight Arrow Connector 22"/>
+          <p:cNvCxnSpPr/>
+          <p:nvPr/>
+        </p:nvCxnSpPr>
+        <p:spPr>
+          <a:xfrm>
+            <a:off x="1161231" y="5836040"/>
+            <a:ext cx="6368872" cy="0"/>
+          </a:xfrm>
+          <a:prstGeom prst="straightConnector1">
+            <a:avLst/>
+          </a:prstGeom>
+          <a:ln w="28575">
+            <a:solidFill>
+              <a:schemeClr val="tx1"/>
+            </a:solidFill>
+            <a:headEnd type="none" w="med" len="med"/>
+            <a:tailEnd type="triangle" w="med" len="med"/>
+          </a:ln>
+        </p:spPr>
+        <p:style>
+          <a:lnRef idx="1">
+            <a:schemeClr val="accent1"/>
+          </a:lnRef>
+          <a:fillRef idx="0">
+            <a:schemeClr val="accent1"/>
+          </a:fillRef>
+          <a:effectRef idx="0">
+            <a:schemeClr val="accent1"/>
+          </a:effectRef>
+          <a:fontRef idx="minor">
+            <a:schemeClr val="tx1"/>
+          </a:fontRef>
+        </p:style>
+      </p:cxnSp>
+      <p:sp>
+        <p:nvSpPr>
+          <p:cNvPr id="24" name="TextBox 32"/>
+          <p:cNvSpPr txBox="1"/>
+          <p:nvPr/>
+        </p:nvSpPr>
+        <p:spPr>
+          <a:xfrm>
+            <a:off x="1165628" y="5836040"/>
+            <a:ext cx="1810295" cy="386469"/>
+          </a:xfrm>
+          <a:prstGeom prst="rect">
+            <a:avLst/>
+          </a:prstGeom>
+          <a:noFill/>
+        </p:spPr>
+        <p:txBody>
+          <a:bodyPr wrap="none" lIns="179238" tIns="143391" rIns="179238" bIns="143391" rtlCol="0">
+            <a:spAutoFit/>
+          </a:bodyPr>
+          <a:lstStyle>
+            <a:defPPr>
+              <a:defRPr lang="en-US"/>
+            </a:defPPr>
+            <a:lvl1pPr marL="0" algn="l" defTabSz="914363" rtl="0" eaLnBrk="1" latinLnBrk="0" hangingPunct="1">
+              <a:defRPr sz="1800" kern="1200">
+                <a:solidFill>
+                  <a:schemeClr val="tx1"/>
+                </a:solidFill>
+                <a:latin typeface="+mn-lt"/>
+                <a:ea typeface="+mn-ea"/>
+                <a:cs typeface="+mn-cs"/>
+              </a:defRPr>
+            </a:lvl1pPr>
+            <a:lvl2pPr marL="457182" algn="l" defTabSz="914363" rtl="0" eaLnBrk="1" latinLnBrk="0" hangingPunct="1">
+              <a:defRPr sz="1800" kern="1200">
+                <a:solidFill>
+                  <a:schemeClr val="tx1"/>
+                </a:solidFill>
+                <a:latin typeface="+mn-lt"/>
+                <a:ea typeface="+mn-ea"/>
+                <a:cs typeface="+mn-cs"/>
+              </a:defRPr>
+            </a:lvl2pPr>
+            <a:lvl3pPr marL="914363" algn="l" defTabSz="914363" rtl="0" eaLnBrk="1" latinLnBrk="0" hangingPunct="1">
+              <a:defRPr sz="1800" kern="1200">
+                <a:solidFill>
+                  <a:schemeClr val="tx1"/>
+                </a:solidFill>
+                <a:latin typeface="+mn-lt"/>
+                <a:ea typeface="+mn-ea"/>
+                <a:cs typeface="+mn-cs"/>
+              </a:defRPr>
+            </a:lvl3pPr>
+            <a:lvl4pPr marL="1371545" algn="l" defTabSz="914363" rtl="0" eaLnBrk="1" latinLnBrk="0" hangingPunct="1">
+              <a:defRPr sz="1800" kern="1200">
+                <a:solidFill>
+                  <a:schemeClr val="tx1"/>
+                </a:solidFill>
+                <a:latin typeface="+mn-lt"/>
+                <a:ea typeface="+mn-ea"/>
+                <a:cs typeface="+mn-cs"/>
+              </a:defRPr>
+            </a:lvl4pPr>
+            <a:lvl5pPr marL="1828727" algn="l" defTabSz="914363" rtl="0" eaLnBrk="1" latinLnBrk="0" hangingPunct="1">
+              <a:defRPr sz="1800" kern="1200">
+                <a:solidFill>
+                  <a:schemeClr val="tx1"/>
+                </a:solidFill>
+                <a:latin typeface="+mn-lt"/>
+                <a:ea typeface="+mn-ea"/>
+                <a:cs typeface="+mn-cs"/>
+              </a:defRPr>
+            </a:lvl5pPr>
+            <a:lvl6pPr marL="2285909" algn="l" defTabSz="914363" rtl="0" eaLnBrk="1" latinLnBrk="0" hangingPunct="1">
+              <a:defRPr sz="1800" kern="1200">
+                <a:solidFill>
+                  <a:schemeClr val="tx1"/>
+                </a:solidFill>
+                <a:latin typeface="+mn-lt"/>
+                <a:ea typeface="+mn-ea"/>
+                <a:cs typeface="+mn-cs"/>
+              </a:defRPr>
+            </a:lvl6pPr>
+            <a:lvl7pPr marL="2743090" algn="l" defTabSz="914363" rtl="0" eaLnBrk="1" latinLnBrk="0" hangingPunct="1">
+              <a:defRPr sz="1800" kern="1200">
+                <a:solidFill>
+                  <a:schemeClr val="tx1"/>
+                </a:solidFill>
+                <a:latin typeface="+mn-lt"/>
+                <a:ea typeface="+mn-ea"/>
+                <a:cs typeface="+mn-cs"/>
+              </a:defRPr>
+            </a:lvl7pPr>
+            <a:lvl8pPr marL="3200272" algn="l" defTabSz="914363" rtl="0" eaLnBrk="1" latinLnBrk="0" hangingPunct="1">
+              <a:defRPr sz="1800" kern="1200">
+                <a:solidFill>
+                  <a:schemeClr val="tx1"/>
+                </a:solidFill>
+                <a:latin typeface="+mn-lt"/>
+                <a:ea typeface="+mn-ea"/>
+                <a:cs typeface="+mn-cs"/>
+              </a:defRPr>
+            </a:lvl8pPr>
+            <a:lvl9pPr marL="3657454" algn="l" defTabSz="914363" rtl="0" eaLnBrk="1" latinLnBrk="0" hangingPunct="1">
+              <a:defRPr sz="1800" kern="1200">
+                <a:solidFill>
+                  <a:schemeClr val="tx1"/>
+                </a:solidFill>
+                <a:latin typeface="+mn-lt"/>
+                <a:ea typeface="+mn-ea"/>
+                <a:cs typeface="+mn-cs"/>
+              </a:defRPr>
+            </a:lvl9pPr>
+          </a:lstStyle>
+          <a:p>
+            <a:pPr>
+              <a:lnSpc>
+                <a:spcPct val="90000"/>
+              </a:lnSpc>
+              <a:spcAft>
+                <a:spcPts val="588"/>
+              </a:spcAft>
+            </a:pPr>
+            <a:r>
+              <a:rPr lang="en-US" sz="1050" b="1" dirty="0"/>
+              <a:t>Return Http Response</a:t>
+            </a:r>
+          </a:p>
+        </p:txBody>
+      </p:sp>
+      <p:sp>
+        <p:nvSpPr>
+          <p:cNvPr id="25" name="TextBox 33"/>
+          <p:cNvSpPr txBox="1"/>
+          <p:nvPr/>
+        </p:nvSpPr>
+        <p:spPr>
+          <a:xfrm>
+            <a:off x="1006707" y="5488805"/>
+            <a:ext cx="3308296" cy="428082"/>
+          </a:xfrm>
+          <a:prstGeom prst="rect">
+            <a:avLst/>
+          </a:prstGeom>
+          <a:noFill/>
+        </p:spPr>
+        <p:txBody>
+          <a:bodyPr wrap="none" lIns="179238" tIns="143391" rIns="179238" bIns="143391" rtlCol="0">
+            <a:spAutoFit/>
+          </a:bodyPr>
+          <a:lstStyle>
+            <a:defPPr>
+              <a:defRPr lang="en-US"/>
+            </a:defPPr>
+            <a:lvl1pPr marL="0" algn="l" defTabSz="914363" rtl="0" eaLnBrk="1" latinLnBrk="0" hangingPunct="1">
+              <a:defRPr sz="1800" kern="1200">
+                <a:solidFill>
+                  <a:schemeClr val="tx1"/>
+                </a:solidFill>
+                <a:latin typeface="+mn-lt"/>
+                <a:ea typeface="+mn-ea"/>
+                <a:cs typeface="+mn-cs"/>
+              </a:defRPr>
+            </a:lvl1pPr>
+            <a:lvl2pPr marL="457182" algn="l" defTabSz="914363" rtl="0" eaLnBrk="1" latinLnBrk="0" hangingPunct="1">
+              <a:defRPr sz="1800" kern="1200">
+                <a:solidFill>
+                  <a:schemeClr val="tx1"/>
+                </a:solidFill>
+                <a:latin typeface="+mn-lt"/>
+                <a:ea typeface="+mn-ea"/>
+                <a:cs typeface="+mn-cs"/>
+              </a:defRPr>
+            </a:lvl2pPr>
+            <a:lvl3pPr marL="914363" algn="l" defTabSz="914363" rtl="0" eaLnBrk="1" latinLnBrk="0" hangingPunct="1">
+              <a:defRPr sz="1800" kern="1200">
+                <a:solidFill>
+                  <a:schemeClr val="tx1"/>
+                </a:solidFill>
+                <a:latin typeface="+mn-lt"/>
+                <a:ea typeface="+mn-ea"/>
+                <a:cs typeface="+mn-cs"/>
+              </a:defRPr>
+            </a:lvl3pPr>
+            <a:lvl4pPr marL="1371545" algn="l" defTabSz="914363" rtl="0" eaLnBrk="1" latinLnBrk="0" hangingPunct="1">
+              <a:defRPr sz="1800" kern="1200">
+                <a:solidFill>
+                  <a:schemeClr val="tx1"/>
+                </a:solidFill>
+                <a:latin typeface="+mn-lt"/>
+                <a:ea typeface="+mn-ea"/>
+                <a:cs typeface="+mn-cs"/>
+              </a:defRPr>
+            </a:lvl4pPr>
+            <a:lvl5pPr marL="1828727" algn="l" defTabSz="914363" rtl="0" eaLnBrk="1" latinLnBrk="0" hangingPunct="1">
+              <a:defRPr sz="1800" kern="1200">
+                <a:solidFill>
+                  <a:schemeClr val="tx1"/>
+                </a:solidFill>
+                <a:latin typeface="+mn-lt"/>
+                <a:ea typeface="+mn-ea"/>
+                <a:cs typeface="+mn-cs"/>
+              </a:defRPr>
+            </a:lvl5pPr>
+            <a:lvl6pPr marL="2285909" algn="l" defTabSz="914363" rtl="0" eaLnBrk="1" latinLnBrk="0" hangingPunct="1">
+              <a:defRPr sz="1800" kern="1200">
+                <a:solidFill>
+                  <a:schemeClr val="tx1"/>
+                </a:solidFill>
+                <a:latin typeface="+mn-lt"/>
+                <a:ea typeface="+mn-ea"/>
+                <a:cs typeface="+mn-cs"/>
+              </a:defRPr>
+            </a:lvl6pPr>
+            <a:lvl7pPr marL="2743090" algn="l" defTabSz="914363" rtl="0" eaLnBrk="1" latinLnBrk="0" hangingPunct="1">
+              <a:defRPr sz="1800" kern="1200">
+                <a:solidFill>
+                  <a:schemeClr val="tx1"/>
+                </a:solidFill>
+                <a:latin typeface="+mn-lt"/>
+                <a:ea typeface="+mn-ea"/>
+                <a:cs typeface="+mn-cs"/>
+              </a:defRPr>
+            </a:lvl7pPr>
+            <a:lvl8pPr marL="3200272" algn="l" defTabSz="914363" rtl="0" eaLnBrk="1" latinLnBrk="0" hangingPunct="1">
+              <a:defRPr sz="1800" kern="1200">
+                <a:solidFill>
+                  <a:schemeClr val="tx1"/>
+                </a:solidFill>
+                <a:latin typeface="+mn-lt"/>
+                <a:ea typeface="+mn-ea"/>
+                <a:cs typeface="+mn-cs"/>
+              </a:defRPr>
+            </a:lvl8pPr>
+            <a:lvl9pPr marL="3657454" algn="l" defTabSz="914363" rtl="0" eaLnBrk="1" latinLnBrk="0" hangingPunct="1">
+              <a:defRPr sz="1800" kern="1200">
+                <a:solidFill>
+                  <a:schemeClr val="tx1"/>
+                </a:solidFill>
+                <a:latin typeface="+mn-lt"/>
+                <a:ea typeface="+mn-ea"/>
+                <a:cs typeface="+mn-cs"/>
+              </a:defRPr>
+            </a:lvl9pPr>
+          </a:lstStyle>
+          <a:p>
+            <a:pPr>
+              <a:lnSpc>
+                <a:spcPct val="90000"/>
+              </a:lnSpc>
+              <a:spcAft>
+                <a:spcPts val="588"/>
+              </a:spcAft>
+            </a:pPr>
+            <a:r>
+              <a:rPr lang="en-US" sz="1000" b="1" dirty="0"/>
+              <a:t>Call Microsoft </a:t>
+            </a:r>
+            <a:r>
+              <a:rPr lang="en-US" sz="1000" b="1" dirty="0" err="1"/>
+              <a:t>Garph</a:t>
+            </a:r>
+            <a:r>
+              <a:rPr lang="en-US" sz="1000" b="1" dirty="0"/>
+              <a:t> API using the access token</a:t>
+            </a:r>
+          </a:p>
+        </p:txBody>
+      </p:sp>
+      <p:cxnSp>
+        <p:nvCxnSpPr>
+          <p:cNvPr id="26" name="Straight Arrow Connector 25"/>
+          <p:cNvCxnSpPr/>
+          <p:nvPr/>
+        </p:nvCxnSpPr>
+        <p:spPr>
+          <a:xfrm>
+            <a:off x="1150604" y="6167320"/>
+            <a:ext cx="6286016" cy="0"/>
+          </a:xfrm>
+          <a:prstGeom prst="straightConnector1">
+            <a:avLst/>
+          </a:prstGeom>
+          <a:ln w="28575">
+            <a:solidFill>
+              <a:schemeClr val="tx1"/>
+            </a:solidFill>
+            <a:headEnd type="triangle" w="med" len="med"/>
+            <a:tailEnd type="none" w="med" len="med"/>
+          </a:ln>
+        </p:spPr>
+        <p:style>
+          <a:lnRef idx="1">
+            <a:schemeClr val="accent1"/>
+          </a:lnRef>
+          <a:fillRef idx="0">
+            <a:schemeClr val="accent1"/>
+          </a:fillRef>
+          <a:effectRef idx="0">
+            <a:schemeClr val="accent1"/>
+          </a:effectRef>
+          <a:fontRef idx="minor">
+            <a:schemeClr val="tx1"/>
+          </a:fontRef>
+        </p:style>
+      </p:cxnSp>
+    </p:spTree>
+    <p:extLst>
+      <p:ext uri="{BB962C8B-B14F-4D97-AF65-F5344CB8AC3E}">
+        <p14:creationId xmlns:p14="http://schemas.microsoft.com/office/powerpoint/2010/main" val="843398720"/>
+      </p:ext>
+    </p:extLst>
+  </p:cSld>
+  <p:clrMapOvr>
+    <a:masterClrMapping/>
+  </p:clrMapOvr>
+  <p:timing>
+    <p:tnLst>
+      <p:par>
+        <p:cTn id="1" dur="indefinite" restart="never" nodeType="tmRoot">
+          <p:childTnLst>
+            <p:seq concurrent="1" nextAc="seek">
+              <p:cTn id="2" dur="indefinite" nodeType="mainSeq">
+                <p:childTnLst>
+                  <p:par>
+                    <p:cTn id="3" fill="hold">
+                      <p:stCondLst>
+                        <p:cond delay="indefinite"/>
+                      </p:stCondLst>
+                      <p:childTnLst>
+                        <p:par>
+                          <p:cTn id="4" fill="hold">
+                            <p:stCondLst>
+                              <p:cond delay="0"/>
+                            </p:stCondLst>
+                            <p:childTnLst>
+                              <p:par>
+                                <p:cTn id="5" presetID="22" presetClass="entr" presetSubtype="8" fill="hold" nodeType="clickEffect">
+                                  <p:stCondLst>
+                                    <p:cond delay="0"/>
+                                  </p:stCondLst>
+                                  <p:childTnLst>
+                                    <p:set>
+                                      <p:cBhvr>
+                                        <p:cTn id="6" dur="1" fill="hold">
+                                          <p:stCondLst>
+                                            <p:cond delay="0"/>
+                                          </p:stCondLst>
+                                        </p:cTn>
+                                        <p:tgtEl>
+                                          <p:spTgt spid="12"/>
+                                        </p:tgtEl>
+                                        <p:attrNameLst>
+                                          <p:attrName>style.visibility</p:attrName>
+                                        </p:attrNameLst>
+                                      </p:cBhvr>
+                                      <p:to>
+                                        <p:strVal val="visible"/>
+                                      </p:to>
+                                    </p:set>
+                                    <p:animEffect transition="in" filter="wipe(left)">
+                                      <p:cBhvr>
+                                        <p:cTn id="7" dur="500"/>
+                                        <p:tgtEl>
+                                          <p:spTgt spid="12"/>
+                                        </p:tgtEl>
+                                      </p:cBhvr>
+                                    </p:animEffect>
+                                  </p:childTnLst>
+                                </p:cTn>
+                              </p:par>
+                              <p:par>
+                                <p:cTn id="8" presetID="22" presetClass="entr" presetSubtype="8" fill="hold" grpId="0" nodeType="withEffect">
+                                  <p:stCondLst>
+                                    <p:cond delay="0"/>
+                                  </p:stCondLst>
+                                  <p:childTnLst>
+                                    <p:set>
+                                      <p:cBhvr>
+                                        <p:cTn id="9" dur="1" fill="hold">
+                                          <p:stCondLst>
+                                            <p:cond delay="0"/>
+                                          </p:stCondLst>
+                                        </p:cTn>
+                                        <p:tgtEl>
+                                          <p:spTgt spid="16"/>
+                                        </p:tgtEl>
+                                        <p:attrNameLst>
+                                          <p:attrName>style.visibility</p:attrName>
+                                        </p:attrNameLst>
+                                      </p:cBhvr>
+                                      <p:to>
+                                        <p:strVal val="visible"/>
+                                      </p:to>
+                                    </p:set>
+                                    <p:animEffect transition="in" filter="wipe(left)">
+                                      <p:cBhvr>
+                                        <p:cTn id="10" dur="500"/>
+                                        <p:tgtEl>
+                                          <p:spTgt spid="16"/>
+                                        </p:tgtEl>
+                                      </p:cBhvr>
+                                    </p:animEffect>
+                                  </p:childTnLst>
+                                </p:cTn>
+                              </p:par>
+                            </p:childTnLst>
+                          </p:cTn>
+                        </p:par>
+                      </p:childTnLst>
+                    </p:cTn>
+                  </p:par>
+                  <p:par>
+                    <p:cTn id="11" fill="hold">
+                      <p:stCondLst>
+                        <p:cond delay="indefinite"/>
+                      </p:stCondLst>
+                      <p:childTnLst>
+                        <p:par>
+                          <p:cTn id="12" fill="hold">
+                            <p:stCondLst>
+                              <p:cond delay="0"/>
+                            </p:stCondLst>
+                            <p:childTnLst>
+                              <p:par>
+                                <p:cTn id="13" presetID="22" presetClass="entr" presetSubtype="2" fill="hold" grpId="0" nodeType="clickEffect">
+                                  <p:stCondLst>
+                                    <p:cond delay="0"/>
+                                  </p:stCondLst>
+                                  <p:childTnLst>
+                                    <p:set>
+                                      <p:cBhvr>
+                                        <p:cTn id="14" dur="1" fill="hold">
+                                          <p:stCondLst>
+                                            <p:cond delay="0"/>
+                                          </p:stCondLst>
+                                        </p:cTn>
+                                        <p:tgtEl>
+                                          <p:spTgt spid="17"/>
+                                        </p:tgtEl>
+                                        <p:attrNameLst>
+                                          <p:attrName>style.visibility</p:attrName>
+                                        </p:attrNameLst>
+                                      </p:cBhvr>
+                                      <p:to>
+                                        <p:strVal val="visible"/>
+                                      </p:to>
+                                    </p:set>
+                                    <p:animEffect transition="in" filter="wipe(right)">
+                                      <p:cBhvr>
+                                        <p:cTn id="15" dur="500"/>
+                                        <p:tgtEl>
+                                          <p:spTgt spid="17"/>
+                                        </p:tgtEl>
+                                      </p:cBhvr>
+                                    </p:animEffect>
+                                  </p:childTnLst>
+                                </p:cTn>
+                              </p:par>
+                              <p:par>
+                                <p:cTn id="16" presetID="22" presetClass="entr" presetSubtype="2" fill="hold" nodeType="withEffect">
+                                  <p:stCondLst>
+                                    <p:cond delay="0"/>
+                                  </p:stCondLst>
+                                  <p:childTnLst>
+                                    <p:set>
+                                      <p:cBhvr>
+                                        <p:cTn id="17" dur="1" fill="hold">
+                                          <p:stCondLst>
+                                            <p:cond delay="0"/>
+                                          </p:stCondLst>
+                                        </p:cTn>
+                                        <p:tgtEl>
+                                          <p:spTgt spid="13"/>
+                                        </p:tgtEl>
+                                        <p:attrNameLst>
+                                          <p:attrName>style.visibility</p:attrName>
+                                        </p:attrNameLst>
+                                      </p:cBhvr>
+                                      <p:to>
+                                        <p:strVal val="visible"/>
+                                      </p:to>
+                                    </p:set>
+                                    <p:animEffect transition="in" filter="wipe(right)">
+                                      <p:cBhvr>
+                                        <p:cTn id="18" dur="500"/>
+                                        <p:tgtEl>
+                                          <p:spTgt spid="13"/>
+                                        </p:tgtEl>
+                                      </p:cBhvr>
+                                    </p:animEffect>
+                                  </p:childTnLst>
+                                </p:cTn>
+                              </p:par>
+                            </p:childTnLst>
+                          </p:cTn>
+                        </p:par>
+                      </p:childTnLst>
+                    </p:cTn>
+                  </p:par>
+                  <p:par>
+                    <p:cTn id="19" fill="hold">
+                      <p:stCondLst>
+                        <p:cond delay="indefinite"/>
+                      </p:stCondLst>
+                      <p:childTnLst>
+                        <p:par>
+                          <p:cTn id="20" fill="hold">
+                            <p:stCondLst>
+                              <p:cond delay="0"/>
+                            </p:stCondLst>
+                            <p:childTnLst>
+                              <p:par>
+                                <p:cTn id="21" presetID="22" presetClass="entr" presetSubtype="2" fill="hold" nodeType="clickEffect">
+                                  <p:stCondLst>
+                                    <p:cond delay="0"/>
+                                  </p:stCondLst>
+                                  <p:childTnLst>
+                                    <p:set>
+                                      <p:cBhvr>
+                                        <p:cTn id="22" dur="1" fill="hold">
+                                          <p:stCondLst>
+                                            <p:cond delay="0"/>
+                                          </p:stCondLst>
+                                        </p:cTn>
+                                        <p:tgtEl>
+                                          <p:spTgt spid="14"/>
+                                        </p:tgtEl>
+                                        <p:attrNameLst>
+                                          <p:attrName>style.visibility</p:attrName>
+                                        </p:attrNameLst>
+                                      </p:cBhvr>
+                                      <p:to>
+                                        <p:strVal val="visible"/>
+                                      </p:to>
+                                    </p:set>
+                                    <p:animEffect transition="in" filter="wipe(right)">
+                                      <p:cBhvr>
+                                        <p:cTn id="23" dur="500"/>
+                                        <p:tgtEl>
+                                          <p:spTgt spid="14"/>
+                                        </p:tgtEl>
+                                      </p:cBhvr>
+                                    </p:animEffect>
+                                  </p:childTnLst>
+                                </p:cTn>
+                              </p:par>
+                              <p:par>
+                                <p:cTn id="24" presetID="22" presetClass="entr" presetSubtype="2" fill="hold" grpId="0" nodeType="withEffect">
+                                  <p:stCondLst>
+                                    <p:cond delay="0"/>
+                                  </p:stCondLst>
+                                  <p:childTnLst>
+                                    <p:set>
+                                      <p:cBhvr>
+                                        <p:cTn id="25" dur="1" fill="hold">
+                                          <p:stCondLst>
+                                            <p:cond delay="0"/>
+                                          </p:stCondLst>
+                                        </p:cTn>
+                                        <p:tgtEl>
+                                          <p:spTgt spid="18"/>
+                                        </p:tgtEl>
+                                        <p:attrNameLst>
+                                          <p:attrName>style.visibility</p:attrName>
+                                        </p:attrNameLst>
+                                      </p:cBhvr>
+                                      <p:to>
+                                        <p:strVal val="visible"/>
+                                      </p:to>
+                                    </p:set>
+                                    <p:animEffect transition="in" filter="wipe(right)">
+                                      <p:cBhvr>
+                                        <p:cTn id="26" dur="500"/>
+                                        <p:tgtEl>
+                                          <p:spTgt spid="18"/>
+                                        </p:tgtEl>
+                                      </p:cBhvr>
+                                    </p:animEffect>
+                                  </p:childTnLst>
+                                </p:cTn>
+                              </p:par>
+                              <p:par>
+                                <p:cTn id="27" presetID="22" presetClass="entr" presetSubtype="2" fill="hold" nodeType="withEffect">
+                                  <p:stCondLst>
+                                    <p:cond delay="0"/>
+                                  </p:stCondLst>
+                                  <p:childTnLst>
+                                    <p:set>
+                                      <p:cBhvr>
+                                        <p:cTn id="28" dur="1" fill="hold">
+                                          <p:stCondLst>
+                                            <p:cond delay="0"/>
+                                          </p:stCondLst>
+                                        </p:cTn>
+                                        <p:tgtEl>
+                                          <p:spTgt spid="15"/>
+                                        </p:tgtEl>
+                                        <p:attrNameLst>
+                                          <p:attrName>style.visibility</p:attrName>
+                                        </p:attrNameLst>
+                                      </p:cBhvr>
+                                      <p:to>
+                                        <p:strVal val="visible"/>
+                                      </p:to>
+                                    </p:set>
+                                    <p:animEffect transition="in" filter="wipe(right)">
+                                      <p:cBhvr>
+                                        <p:cTn id="29" dur="500"/>
+                                        <p:tgtEl>
+                                          <p:spTgt spid="15"/>
+                                        </p:tgtEl>
+                                      </p:cBhvr>
+                                    </p:animEffect>
+                                  </p:childTnLst>
+                                </p:cTn>
+                              </p:par>
+                            </p:childTnLst>
+                          </p:cTn>
+                        </p:par>
+                      </p:childTnLst>
+                    </p:cTn>
+                  </p:par>
+                  <p:par>
+                    <p:cTn id="30" fill="hold">
+                      <p:stCondLst>
+                        <p:cond delay="indefinite"/>
+                      </p:stCondLst>
+                      <p:childTnLst>
+                        <p:par>
+                          <p:cTn id="31" fill="hold">
+                            <p:stCondLst>
+                              <p:cond delay="0"/>
+                            </p:stCondLst>
+                            <p:childTnLst>
+                              <p:par>
+                                <p:cTn id="32" presetID="22" presetClass="entr" presetSubtype="8" fill="hold" nodeType="clickEffect">
+                                  <p:stCondLst>
+                                    <p:cond delay="0"/>
+                                  </p:stCondLst>
+                                  <p:childTnLst>
+                                    <p:set>
+                                      <p:cBhvr>
+                                        <p:cTn id="33" dur="1" fill="hold">
+                                          <p:stCondLst>
+                                            <p:cond delay="0"/>
+                                          </p:stCondLst>
+                                        </p:cTn>
+                                        <p:tgtEl>
+                                          <p:spTgt spid="19"/>
+                                        </p:tgtEl>
+                                        <p:attrNameLst>
+                                          <p:attrName>style.visibility</p:attrName>
+                                        </p:attrNameLst>
+                                      </p:cBhvr>
+                                      <p:to>
+                                        <p:strVal val="visible"/>
+                                      </p:to>
+                                    </p:set>
+                                    <p:animEffect transition="in" filter="wipe(left)">
+                                      <p:cBhvr>
+                                        <p:cTn id="34" dur="500"/>
+                                        <p:tgtEl>
+                                          <p:spTgt spid="19"/>
+                                        </p:tgtEl>
+                                      </p:cBhvr>
+                                    </p:animEffect>
+                                  </p:childTnLst>
+                                </p:cTn>
+                              </p:par>
+                              <p:par>
+                                <p:cTn id="35" presetID="22" presetClass="entr" presetSubtype="8" fill="hold" grpId="0" nodeType="withEffect">
+                                  <p:stCondLst>
+                                    <p:cond delay="0"/>
+                                  </p:stCondLst>
+                                  <p:childTnLst>
+                                    <p:set>
+                                      <p:cBhvr>
+                                        <p:cTn id="36" dur="1" fill="hold">
+                                          <p:stCondLst>
+                                            <p:cond delay="0"/>
+                                          </p:stCondLst>
+                                        </p:cTn>
+                                        <p:tgtEl>
+                                          <p:spTgt spid="21"/>
+                                        </p:tgtEl>
+                                        <p:attrNameLst>
+                                          <p:attrName>style.visibility</p:attrName>
+                                        </p:attrNameLst>
+                                      </p:cBhvr>
+                                      <p:to>
+                                        <p:strVal val="visible"/>
+                                      </p:to>
+                                    </p:set>
+                                    <p:animEffect transition="in" filter="wipe(left)">
+                                      <p:cBhvr>
+                                        <p:cTn id="37" dur="500"/>
+                                        <p:tgtEl>
+                                          <p:spTgt spid="21"/>
+                                        </p:tgtEl>
+                                      </p:cBhvr>
+                                    </p:animEffect>
+                                  </p:childTnLst>
+                                </p:cTn>
+                              </p:par>
+                            </p:childTnLst>
+                          </p:cTn>
+                        </p:par>
+                      </p:childTnLst>
+                    </p:cTn>
+                  </p:par>
+                  <p:par>
+                    <p:cTn id="38" fill="hold">
+                      <p:stCondLst>
+                        <p:cond delay="indefinite"/>
+                      </p:stCondLst>
+                      <p:childTnLst>
+                        <p:par>
+                          <p:cTn id="39" fill="hold">
+                            <p:stCondLst>
+                              <p:cond delay="0"/>
+                            </p:stCondLst>
+                            <p:childTnLst>
+                              <p:par>
+                                <p:cTn id="40" presetID="22" presetClass="entr" presetSubtype="4" fill="hold" nodeType="clickEffect">
+                                  <p:stCondLst>
+                                    <p:cond delay="0"/>
+                                  </p:stCondLst>
+                                  <p:childTnLst>
+                                    <p:set>
+                                      <p:cBhvr>
+                                        <p:cTn id="41" dur="1" fill="hold">
+                                          <p:stCondLst>
+                                            <p:cond delay="0"/>
+                                          </p:stCondLst>
+                                        </p:cTn>
+                                        <p:tgtEl>
+                                          <p:spTgt spid="20"/>
+                                        </p:tgtEl>
+                                        <p:attrNameLst>
+                                          <p:attrName>style.visibility</p:attrName>
+                                        </p:attrNameLst>
+                                      </p:cBhvr>
+                                      <p:to>
+                                        <p:strVal val="visible"/>
+                                      </p:to>
+                                    </p:set>
+                                    <p:animEffect transition="in" filter="wipe(down)">
+                                      <p:cBhvr>
+                                        <p:cTn id="42" dur="500"/>
+                                        <p:tgtEl>
+                                          <p:spTgt spid="20"/>
+                                        </p:tgtEl>
+                                      </p:cBhvr>
+                                    </p:animEffect>
+                                  </p:childTnLst>
+                                </p:cTn>
+                              </p:par>
+                              <p:par>
+                                <p:cTn id="43" presetID="22" presetClass="entr" presetSubtype="2" fill="hold" grpId="0" nodeType="withEffect">
+                                  <p:stCondLst>
+                                    <p:cond delay="0"/>
+                                  </p:stCondLst>
+                                  <p:childTnLst>
+                                    <p:set>
+                                      <p:cBhvr>
+                                        <p:cTn id="44" dur="1" fill="hold">
+                                          <p:stCondLst>
+                                            <p:cond delay="0"/>
+                                          </p:stCondLst>
+                                        </p:cTn>
+                                        <p:tgtEl>
+                                          <p:spTgt spid="22"/>
+                                        </p:tgtEl>
+                                        <p:attrNameLst>
+                                          <p:attrName>style.visibility</p:attrName>
+                                        </p:attrNameLst>
+                                      </p:cBhvr>
+                                      <p:to>
+                                        <p:strVal val="visible"/>
+                                      </p:to>
+                                    </p:set>
+                                    <p:animEffect transition="in" filter="wipe(right)">
+                                      <p:cBhvr>
+                                        <p:cTn id="45" dur="500"/>
+                                        <p:tgtEl>
+                                          <p:spTgt spid="22"/>
+                                        </p:tgtEl>
+                                      </p:cBhvr>
+                                    </p:animEffect>
+                                  </p:childTnLst>
+                                </p:cTn>
+                              </p:par>
+                            </p:childTnLst>
+                          </p:cTn>
+                        </p:par>
+                      </p:childTnLst>
+                    </p:cTn>
+                  </p:par>
+                  <p:par>
+                    <p:cTn id="46" fill="hold">
+                      <p:stCondLst>
+                        <p:cond delay="indefinite"/>
+                      </p:stCondLst>
+                      <p:childTnLst>
+                        <p:par>
+                          <p:cTn id="47" fill="hold">
+                            <p:stCondLst>
+                              <p:cond delay="0"/>
+                            </p:stCondLst>
+                            <p:childTnLst>
+                              <p:par>
+                                <p:cTn id="48" presetID="22" presetClass="entr" presetSubtype="8" fill="hold" grpId="0" nodeType="clickEffect">
+                                  <p:stCondLst>
+                                    <p:cond delay="0"/>
+                                  </p:stCondLst>
+                                  <p:childTnLst>
+                                    <p:set>
+                                      <p:cBhvr>
+                                        <p:cTn id="49" dur="1" fill="hold">
+                                          <p:stCondLst>
+                                            <p:cond delay="0"/>
+                                          </p:stCondLst>
+                                        </p:cTn>
+                                        <p:tgtEl>
+                                          <p:spTgt spid="25"/>
+                                        </p:tgtEl>
+                                        <p:attrNameLst>
+                                          <p:attrName>style.visibility</p:attrName>
+                                        </p:attrNameLst>
+                                      </p:cBhvr>
+                                      <p:to>
+                                        <p:strVal val="visible"/>
+                                      </p:to>
+                                    </p:set>
+                                    <p:animEffect transition="in" filter="wipe(left)">
+                                      <p:cBhvr>
+                                        <p:cTn id="50" dur="500"/>
+                                        <p:tgtEl>
+                                          <p:spTgt spid="25"/>
+                                        </p:tgtEl>
+                                      </p:cBhvr>
+                                    </p:animEffect>
+                                  </p:childTnLst>
+                                </p:cTn>
+                              </p:par>
+                              <p:par>
+                                <p:cTn id="51" presetID="22" presetClass="entr" presetSubtype="8" fill="hold" nodeType="withEffect">
+                                  <p:stCondLst>
+                                    <p:cond delay="0"/>
+                                  </p:stCondLst>
+                                  <p:childTnLst>
+                                    <p:set>
+                                      <p:cBhvr>
+                                        <p:cTn id="52" dur="1" fill="hold">
+                                          <p:stCondLst>
+                                            <p:cond delay="0"/>
+                                          </p:stCondLst>
+                                        </p:cTn>
+                                        <p:tgtEl>
+                                          <p:spTgt spid="23"/>
+                                        </p:tgtEl>
+                                        <p:attrNameLst>
+                                          <p:attrName>style.visibility</p:attrName>
+                                        </p:attrNameLst>
+                                      </p:cBhvr>
+                                      <p:to>
+                                        <p:strVal val="visible"/>
+                                      </p:to>
+                                    </p:set>
+                                    <p:animEffect transition="in" filter="wipe(left)">
+                                      <p:cBhvr>
+                                        <p:cTn id="53" dur="500"/>
+                                        <p:tgtEl>
+                                          <p:spTgt spid="23"/>
+                                        </p:tgtEl>
+                                      </p:cBhvr>
+                                    </p:animEffect>
+                                  </p:childTnLst>
+                                </p:cTn>
+                              </p:par>
+                            </p:childTnLst>
+                          </p:cTn>
+                        </p:par>
+                      </p:childTnLst>
+                    </p:cTn>
+                  </p:par>
+                  <p:par>
+                    <p:cTn id="54" fill="hold">
+                      <p:stCondLst>
+                        <p:cond delay="indefinite"/>
+                      </p:stCondLst>
+                      <p:childTnLst>
+                        <p:par>
+                          <p:cTn id="55" fill="hold">
+                            <p:stCondLst>
+                              <p:cond delay="0"/>
+                            </p:stCondLst>
+                            <p:childTnLst>
+                              <p:par>
+                                <p:cTn id="56" presetID="22" presetClass="entr" presetSubtype="4" fill="hold" grpId="0" nodeType="clickEffect">
+                                  <p:stCondLst>
+                                    <p:cond delay="0"/>
+                                  </p:stCondLst>
+                                  <p:childTnLst>
+                                    <p:set>
+                                      <p:cBhvr>
+                                        <p:cTn id="57" dur="1" fill="hold">
+                                          <p:stCondLst>
+                                            <p:cond delay="0"/>
+                                          </p:stCondLst>
+                                        </p:cTn>
+                                        <p:tgtEl>
+                                          <p:spTgt spid="24"/>
+                                        </p:tgtEl>
+                                        <p:attrNameLst>
+                                          <p:attrName>style.visibility</p:attrName>
+                                        </p:attrNameLst>
+                                      </p:cBhvr>
+                                      <p:to>
+                                        <p:strVal val="visible"/>
+                                      </p:to>
+                                    </p:set>
+                                    <p:animEffect transition="in" filter="wipe(down)">
+                                      <p:cBhvr>
+                                        <p:cTn id="58" dur="500"/>
+                                        <p:tgtEl>
+                                          <p:spTgt spid="24"/>
+                                        </p:tgtEl>
+                                      </p:cBhvr>
+                                    </p:animEffect>
+                                  </p:childTnLst>
+                                </p:cTn>
+                              </p:par>
+                              <p:par>
+                                <p:cTn id="59" presetID="22" presetClass="entr" presetSubtype="2" fill="hold" nodeType="withEffect">
+                                  <p:stCondLst>
+                                    <p:cond delay="0"/>
+                                  </p:stCondLst>
+                                  <p:childTnLst>
+                                    <p:set>
+                                      <p:cBhvr>
+                                        <p:cTn id="60" dur="1" fill="hold">
+                                          <p:stCondLst>
+                                            <p:cond delay="0"/>
+                                          </p:stCondLst>
+                                        </p:cTn>
+                                        <p:tgtEl>
+                                          <p:spTgt spid="26"/>
+                                        </p:tgtEl>
+                                        <p:attrNameLst>
+                                          <p:attrName>style.visibility</p:attrName>
+                                        </p:attrNameLst>
+                                      </p:cBhvr>
+                                      <p:to>
+                                        <p:strVal val="visible"/>
+                                      </p:to>
+                                    </p:set>
+                                    <p:animEffect transition="in" filter="wipe(right)">
+                                      <p:cBhvr>
+                                        <p:cTn id="61" dur="500"/>
+                                        <p:tgtEl>
+                                          <p:spTgt spid="26"/>
+                                        </p:tgtEl>
+                                      </p:cBhvr>
+                                    </p:animEffect>
+                                  </p:childTnLst>
+                                </p:cTn>
+                              </p:par>
+                            </p:childTnLst>
+                          </p:cTn>
+                        </p:par>
+                      </p:childTnLst>
+                    </p:cTn>
+                  </p:par>
+                </p:childTnLst>
+              </p:cTn>
+              <p:prevCondLst>
+                <p:cond evt="onPrev" delay="0">
+                  <p:tgtEl>
+                    <p:sldTgt/>
+                  </p:tgtEl>
+                </p:cond>
+              </p:prevCondLst>
+              <p:nextCondLst>
+                <p:cond evt="onNext" delay="0">
+                  <p:tgtEl>
+                    <p:sldTgt/>
+                  </p:tgtEl>
+                </p:cond>
+              </p:nextCondLst>
+            </p:seq>
+          </p:childTnLst>
+        </p:cTn>
+      </p:par>
+    </p:tnLst>
+    <p:bldLst>
+      <p:bldP spid="16" grpId="0"/>
+      <p:bldP spid="17" grpId="0"/>
+      <p:bldP spid="18" grpId="0"/>
+      <p:bldP spid="21" grpId="0"/>
+      <p:bldP spid="22" grpId="0"/>
+      <p:bldP spid="24" grpId="0"/>
+      <p:bldP spid="25" grpId="0"/>
+    </p:bldLst>
+  </p:timing>
+</p:sld>
+</file>
+
+<file path=ppt/slides/slide54.xml><?xml version="1.0" encoding="utf-8"?>
+<p:sld xmlns:a="http://schemas.openxmlformats.org/drawingml/2006/main" xmlns:r="http://schemas.openxmlformats.org/officeDocument/2006/relationships" xmlns:p="http://schemas.openxmlformats.org/presentationml/2006/main">
+  <p:cSld>
+    <p:spTree>
+      <p:nvGrpSpPr>
+        <p:cNvPr id="1" name=""/>
+        <p:cNvGrpSpPr/>
+        <p:nvPr/>
+      </p:nvGrpSpPr>
+      <p:grpSpPr>
+        <a:xfrm>
+          <a:off x="0" y="0"/>
+          <a:ext cx="0" cy="0"/>
+          <a:chOff x="0" y="0"/>
+          <a:chExt cx="0" cy="0"/>
+        </a:xfrm>
+      </p:grpSpPr>
+      <p:sp>
+        <p:nvSpPr>
+          <p:cNvPr id="2" name="Title 1">
+            <a:extLst>
+              <a:ext uri="{FF2B5EF4-FFF2-40B4-BE49-F238E27FC236}">
+                <a16:creationId xmlns:a16="http://schemas.microsoft.com/office/drawing/2014/main" id="{558583F4-1127-48B4-A172-467A14E950A5}"/>
+              </a:ext>
+            </a:extLst>
+          </p:cNvPr>
+          <p:cNvSpPr>
+            <a:spLocks noGrp="1"/>
+          </p:cNvSpPr>
+          <p:nvPr>
+            <p:ph type="title"/>
+          </p:nvPr>
+        </p:nvSpPr>
+        <p:spPr/>
+        <p:txBody>
+          <a:bodyPr/>
+          <a:lstStyle/>
+          <a:p>
+            <a:r>
+              <a:rPr lang="en-US" dirty="0"/>
+              <a:t>Registering an Azure Application</a:t>
+            </a:r>
+          </a:p>
+        </p:txBody>
+      </p:sp>
+      <p:sp>
+        <p:nvSpPr>
+          <p:cNvPr id="3" name="Content Placeholder 2">
+            <a:extLst>
+              <a:ext uri="{FF2B5EF4-FFF2-40B4-BE49-F238E27FC236}">
+                <a16:creationId xmlns:a16="http://schemas.microsoft.com/office/drawing/2014/main" id="{38B1C06C-A653-4DCE-8170-D31D25BCF4B4}"/>
+              </a:ext>
+            </a:extLst>
+          </p:cNvPr>
+          <p:cNvSpPr>
+            <a:spLocks noGrp="1"/>
+          </p:cNvSpPr>
+          <p:nvPr>
+            <p:ph idx="1"/>
+          </p:nvPr>
+        </p:nvSpPr>
+        <p:spPr/>
+        <p:txBody>
+          <a:bodyPr>
+            <a:normAutofit/>
+          </a:bodyPr>
+          <a:lstStyle/>
+          <a:p>
+            <a:r>
+              <a:rPr lang="en-US" sz="2400" dirty="0"/>
+              <a:t>Can be done using Azure portal</a:t>
+            </a:r>
+          </a:p>
+          <a:p>
+            <a:endParaRPr lang="en-US" sz="2400" dirty="0"/>
+          </a:p>
+          <a:p>
+            <a:endParaRPr lang="en-US" sz="2400" dirty="0"/>
+          </a:p>
+          <a:p>
+            <a:endParaRPr lang="en-US" sz="2400" dirty="0"/>
+          </a:p>
+          <a:p>
+            <a:endParaRPr lang="en-US" sz="2400" dirty="0"/>
+          </a:p>
+          <a:p>
+            <a:r>
+              <a:rPr lang="en-US" sz="2400" dirty="0"/>
+              <a:t>Details you need for the custom data connector</a:t>
+            </a:r>
+          </a:p>
+          <a:p>
+            <a:pPr lvl="1"/>
+            <a:r>
+              <a:rPr lang="en-US" sz="2000" dirty="0"/>
+              <a:t>Client ID</a:t>
+            </a:r>
+          </a:p>
+          <a:p>
+            <a:pPr lvl="1"/>
+            <a:r>
+              <a:rPr lang="en-US" sz="2000" dirty="0"/>
+              <a:t>Client Secret</a:t>
+            </a:r>
+          </a:p>
+          <a:p>
+            <a:pPr lvl="1"/>
+            <a:r>
+              <a:rPr lang="en-US" sz="2000" dirty="0"/>
+              <a:t>Redirect URL</a:t>
+            </a:r>
+          </a:p>
+        </p:txBody>
+      </p:sp>
+      <p:pic>
+        <p:nvPicPr>
+          <p:cNvPr id="4" name="Picture 3">
+            <a:extLst>
+              <a:ext uri="{FF2B5EF4-FFF2-40B4-BE49-F238E27FC236}">
+                <a16:creationId xmlns:a16="http://schemas.microsoft.com/office/drawing/2014/main" id="{5CAA967F-23D8-40DE-A168-1D065B9905FF}"/>
+              </a:ext>
+            </a:extLst>
+          </p:cNvPr>
+          <p:cNvPicPr/>
+          <p:nvPr/>
+        </p:nvPicPr>
+        <p:blipFill>
+          <a:blip r:embed="rId2" cstate="print">
+            <a:extLst>
+              <a:ext uri="{28A0092B-C50C-407E-A947-70E740481C1C}">
+                <a14:useLocalDpi xmlns:a14="http://schemas.microsoft.com/office/drawing/2010/main" val="0"/>
+              </a:ext>
+            </a:extLst>
+          </a:blip>
+          <a:srcRect/>
+          <a:stretch>
+            <a:fillRect/>
+          </a:stretch>
+        </p:blipFill>
+        <p:spPr bwMode="auto">
+          <a:xfrm>
+            <a:off x="838200" y="1905000"/>
+            <a:ext cx="5772723" cy="1752600"/>
+          </a:xfrm>
+          <a:prstGeom prst="rect">
+            <a:avLst/>
+          </a:prstGeom>
+          <a:noFill/>
+          <a:ln>
+            <a:solidFill>
+              <a:schemeClr val="tx1">
+                <a:lumMod val="50000"/>
+                <a:lumOff val="50000"/>
+              </a:schemeClr>
+            </a:solidFill>
+          </a:ln>
+        </p:spPr>
+      </p:pic>
+    </p:spTree>
+    <p:extLst>
+      <p:ext uri="{BB962C8B-B14F-4D97-AF65-F5344CB8AC3E}">
+        <p14:creationId xmlns:p14="http://schemas.microsoft.com/office/powerpoint/2010/main" val="2634985516"/>
+      </p:ext>
+    </p:extLst>
+  </p:cSld>
+  <p:clrMapOvr>
+    <a:masterClrMapping/>
+  </p:clrMapOvr>
+  <p:timing>
+    <p:tnLst>
+      <p:par>
+        <p:cTn id="1" dur="indefinite" restart="never" nodeType="tmRoot">
+          <p:childTnLst>
+            <p:seq concurrent="1" nextAc="seek">
+              <p:cTn id="2" dur="indefinite" nodeType="mainSeq">
+                <p:childTnLst>
+                  <p:par>
+                    <p:cTn id="3" fill="hold">
+                      <p:stCondLst>
+                        <p:cond delay="indefinite"/>
+                      </p:stCondLst>
+                      <p:childTnLst>
+                        <p:par>
+                          <p:cTn id="4" fill="hold">
+                            <p:stCondLst>
+                              <p:cond delay="0"/>
+                            </p:stCondLst>
+                            <p:childTnLst>
+                              <p:par>
+                                <p:cTn id="5" presetID="1" presetClass="entr" presetSubtype="0" fill="hold" nodeType="clickEffect">
+                                  <p:stCondLst>
+                                    <p:cond delay="0"/>
+                                  </p:stCondLst>
+                                  <p:childTnLst>
+                                    <p:set>
+                                      <p:cBhvr>
+                                        <p:cTn id="6" dur="1" fill="hold">
+                                          <p:stCondLst>
+                                            <p:cond delay="0"/>
+                                          </p:stCondLst>
+                                        </p:cTn>
+                                        <p:tgtEl>
+                                          <p:spTgt spid="3">
+                                            <p:txEl>
+                                              <p:pRg st="5" end="5"/>
+                                            </p:txEl>
+                                          </p:spTgt>
+                                        </p:tgtEl>
+                                        <p:attrNameLst>
+                                          <p:attrName>style.visibility</p:attrName>
+                                        </p:attrNameLst>
+                                      </p:cBhvr>
+                                      <p:to>
+                                        <p:strVal val="visible"/>
+                                      </p:to>
+                                    </p:set>
+                                  </p:childTnLst>
+                                </p:cTn>
+                              </p:par>
+                              <p:par>
+                                <p:cTn id="7" presetID="1" presetClass="entr" presetSubtype="0" fill="hold" nodeType="withEffect">
+                                  <p:stCondLst>
+                                    <p:cond delay="0"/>
+                                  </p:stCondLst>
+                                  <p:childTnLst>
+                                    <p:set>
+                                      <p:cBhvr>
+                                        <p:cTn id="8" dur="1" fill="hold">
+                                          <p:stCondLst>
+                                            <p:cond delay="0"/>
+                                          </p:stCondLst>
+                                        </p:cTn>
+                                        <p:tgtEl>
+                                          <p:spTgt spid="3">
+                                            <p:txEl>
+                                              <p:pRg st="6" end="6"/>
+                                            </p:txEl>
+                                          </p:spTgt>
+                                        </p:tgtEl>
+                                        <p:attrNameLst>
+                                          <p:attrName>style.visibility</p:attrName>
+                                        </p:attrNameLst>
+                                      </p:cBhvr>
+                                      <p:to>
+                                        <p:strVal val="visible"/>
+                                      </p:to>
+                                    </p:set>
+                                  </p:childTnLst>
+                                </p:cTn>
+                              </p:par>
+                              <p:par>
+                                <p:cTn id="9" presetID="1" presetClass="entr" presetSubtype="0" fill="hold" nodeType="withEffect">
+                                  <p:stCondLst>
+                                    <p:cond delay="0"/>
+                                  </p:stCondLst>
+                                  <p:childTnLst>
+                                    <p:set>
+                                      <p:cBhvr>
+                                        <p:cTn id="10" dur="1" fill="hold">
+                                          <p:stCondLst>
+                                            <p:cond delay="0"/>
+                                          </p:stCondLst>
+                                        </p:cTn>
+                                        <p:tgtEl>
+                                          <p:spTgt spid="3">
+                                            <p:txEl>
+                                              <p:pRg st="7" end="7"/>
+                                            </p:txEl>
+                                          </p:spTgt>
+                                        </p:tgtEl>
+                                        <p:attrNameLst>
+                                          <p:attrName>style.visibility</p:attrName>
+                                        </p:attrNameLst>
+                                      </p:cBhvr>
+                                      <p:to>
+                                        <p:strVal val="visible"/>
+                                      </p:to>
+                                    </p:set>
+                                  </p:childTnLst>
+                                </p:cTn>
+                              </p:par>
+                              <p:par>
+                                <p:cTn id="11" presetID="1" presetClass="entr" presetSubtype="0" fill="hold" nodeType="withEffect">
+                                  <p:stCondLst>
+                                    <p:cond delay="0"/>
+                                  </p:stCondLst>
+                                  <p:childTnLst>
+                                    <p:set>
+                                      <p:cBhvr>
+                                        <p:cTn id="12" dur="1" fill="hold">
+                                          <p:stCondLst>
+                                            <p:cond delay="0"/>
+                                          </p:stCondLst>
+                                        </p:cTn>
+                                        <p:tgtEl>
+                                          <p:spTgt spid="3">
+                                            <p:txEl>
+                                              <p:pRg st="8" end="8"/>
+                                            </p:txEl>
+                                          </p:spTgt>
+                                        </p:tgtEl>
+                                        <p:attrNameLst>
+                                          <p:attrName>style.visibility</p:attrName>
+                                        </p:attrNameLst>
+                                      </p:cBhvr>
+                                      <p:to>
+                                        <p:strVal val="visible"/>
+                                      </p:to>
+                                    </p:set>
+                                  </p:childTnLst>
+                                </p:cTn>
+                              </p:par>
+                            </p:childTnLst>
+                          </p:cTn>
+                        </p:par>
+                      </p:childTnLst>
+                    </p:cTn>
+                  </p:par>
+                </p:childTnLst>
+              </p:cTn>
+              <p:prevCondLst>
+                <p:cond evt="onPrev" delay="0">
+                  <p:tgtEl>
+                    <p:sldTgt/>
+                  </p:tgtEl>
+                </p:cond>
+              </p:prevCondLst>
+              <p:nextCondLst>
+                <p:cond evt="onNext" delay="0">
+                  <p:tgtEl>
+                    <p:sldTgt/>
+                  </p:tgtEl>
+                </p:cond>
+              </p:nextCondLst>
+            </p:seq>
+          </p:childTnLst>
+        </p:cTn>
+      </p:par>
+    </p:tnLst>
+  </p:timing>
+</p:sld>
+</file>
+
+<file path=ppt/slides/slide55.xml><?xml version="1.0" encoding="utf-8"?>
+<p:sld xmlns:a="http://schemas.openxmlformats.org/drawingml/2006/main" xmlns:r="http://schemas.openxmlformats.org/officeDocument/2006/relationships" xmlns:p="http://schemas.openxmlformats.org/presentationml/2006/main">
+  <p:cSld>
+    <p:spTree>
+      <p:nvGrpSpPr>
+        <p:cNvPr id="1" name=""/>
+        <p:cNvGrpSpPr/>
+        <p:nvPr/>
+      </p:nvGrpSpPr>
+      <p:grpSpPr>
+        <a:xfrm>
+          <a:off x="0" y="0"/>
+          <a:ext cx="0" cy="0"/>
+          <a:chOff x="0" y="0"/>
+          <a:chExt cx="0" cy="0"/>
+        </a:xfrm>
+      </p:grpSpPr>
+      <p:sp>
+        <p:nvSpPr>
           <p:cNvPr id="2" name="Title 1"/>
           <p:cNvSpPr>
             <a:spLocks noGrp="1"/>
@@ -19969,7 +25539,38 @@
                                         <p:tgtEl>
                                           <p:spTgt spid="3">
                                             <p:txEl>
-                                              <p:pRg st="6" end="6"/>
+                                              <p:pRg st="0" end="0"/>
+                                            </p:txEl>
+                                          </p:spTgt>
+                                        </p:tgtEl>
+                                        <p:attrNameLst>
+                                          <p:attrName>style.visibility</p:attrName>
+                                        </p:attrNameLst>
+                                      </p:cBhvr>
+                                      <p:to>
+                                        <p:strVal val="visible"/>
+                                      </p:to>
+                                    </p:set>
+                                  </p:childTnLst>
+                                </p:cTn>
+                              </p:par>
+                              <p:par>
+                                <p:cTn id="7" presetID="1" presetClass="entr" presetSubtype="0" fill="hold" nodeType="withEffect">
+                                  <p:stCondLst>
+                                    <p:cond delay="0"/>
+                                  </p:stCondLst>
+                                  <p:childTnLst>
+                                    <p:set>
+                                      <p:cBhvr>
+                                        <p:cTn id="8" dur="1" fill="hold">
+                                          <p:stCondLst>
+                                            <p:cond delay="0"/>
+                                          </p:stCondLst>
+                                        </p:cTn>
+                                        <p:tgtEl>
+                                          <p:spTgt spid="3">
+                                            <p:txEl>
+                                              <p:pRg st="1" end="1"/>
                                             </p:txEl>
                                           </p:spTgt>
                                         </p:tgtEl>
@@ -19991,26 +25592,26 @@
                     </p:cTn>
                   </p:par>
                   <p:par>
-                    <p:cTn id="7" fill="hold">
+                    <p:cTn id="9" fill="hold">
                       <p:stCondLst>
                         <p:cond delay="indefinite"/>
                       </p:stCondLst>
                       <p:childTnLst>
                         <p:par>
-                          <p:cTn id="8" fill="hold">
+                          <p:cTn id="10" fill="hold">
                             <p:stCondLst>
                               <p:cond delay="0"/>
                             </p:stCondLst>
                             <p:childTnLst>
                               <p:par>
-                                <p:cTn id="9" presetID="1" presetClass="entr" presetSubtype="0" fill="hold" nodeType="clickEffect">
+                                <p:cTn id="11" presetID="1" presetClass="entr" presetSubtype="0" fill="hold" nodeType="clickEffect">
                                   <p:stCondLst>
                                     <p:cond delay="0"/>
                                   </p:stCondLst>
                                   <p:childTnLst>
                                     <p:set>
                                       <p:cBhvr>
-                                        <p:cTn id="10" dur="1" fill="hold">
+                                        <p:cTn id="12" dur="1" fill="hold">
                                           <p:stCondLst>
                                             <p:cond delay="0"/>
                                           </p:stCondLst>
@@ -20018,7 +25619,7 @@
                                         <p:tgtEl>
                                           <p:spTgt spid="3">
                                             <p:txEl>
-                                              <p:pRg st="7" end="7"/>
+                                              <p:pRg st="3" end="3"/>
                                             </p:txEl>
                                           </p:spTgt>
                                         </p:tgtEl>
@@ -20033,26 +25634,8 @@
                                   </p:childTnLst>
                                 </p:cTn>
                               </p:par>
-                            </p:childTnLst>
-                          </p:cTn>
-                        </p:par>
-                      </p:childTnLst>
-                    </p:cTn>
-                  </p:par>
-                  <p:par>
-                    <p:cTn id="11" fill="hold">
-                      <p:stCondLst>
-                        <p:cond delay="indefinite"/>
-                      </p:stCondLst>
-                      <p:childTnLst>
-                        <p:par>
-                          <p:cTn id="12" fill="hold">
-                            <p:stCondLst>
-                              <p:cond delay="0"/>
-                            </p:stCondLst>
-                            <p:childTnLst>
                               <p:par>
-                                <p:cTn id="13" presetID="1" presetClass="entr" presetSubtype="0" fill="hold" nodeType="clickEffect">
+                                <p:cTn id="13" presetID="1" presetClass="entr" presetSubtype="0" fill="hold" nodeType="withEffect">
                                   <p:stCondLst>
                                     <p:cond delay="0"/>
                                   </p:stCondLst>
@@ -20067,7 +25650,7 @@
                                         <p:tgtEl>
                                           <p:spTgt spid="3">
                                             <p:txEl>
-                                              <p:pRg st="0" end="0"/>
+                                              <p:pRg st="4" end="4"/>
                                             </p:txEl>
                                           </p:spTgt>
                                         </p:tgtEl>
@@ -20116,7 +25699,38 @@
                                         <p:tgtEl>
                                           <p:spTgt spid="3">
                                             <p:txEl>
-                                              <p:pRg st="1" end="1"/>
+                                              <p:pRg st="6" end="6"/>
+                                            </p:txEl>
+                                          </p:spTgt>
+                                        </p:tgtEl>
+                                        <p:attrNameLst>
+                                          <p:attrName>style.visibility</p:attrName>
+                                        </p:attrNameLst>
+                                      </p:cBhvr>
+                                      <p:to>
+                                        <p:strVal val="visible"/>
+                                      </p:to>
+                                    </p:set>
+                                  </p:childTnLst>
+                                </p:cTn>
+                              </p:par>
+                              <p:par>
+                                <p:cTn id="19" presetID="1" presetClass="entr" presetSubtype="0" fill="hold" nodeType="withEffect">
+                                  <p:stCondLst>
+                                    <p:cond delay="0"/>
+                                  </p:stCondLst>
+                                  <p:childTnLst>
+                                    <p:set>
+                                      <p:cBhvr>
+                                        <p:cTn id="20" dur="1" fill="hold">
+                                          <p:stCondLst>
+                                            <p:cond delay="0"/>
+                                          </p:stCondLst>
+                                        </p:cTn>
+                                        <p:tgtEl>
+                                          <p:spTgt spid="3">
+                                            <p:txEl>
+                                              <p:pRg st="7" end="7"/>
                                             </p:txEl>
                                           </p:spTgt>
                                         </p:tgtEl>
@@ -20138,124 +25752,26 @@
                     </p:cTn>
                   </p:par>
                   <p:par>
-                    <p:cTn id="19" fill="hold">
+                    <p:cTn id="21" fill="hold">
                       <p:stCondLst>
                         <p:cond delay="indefinite"/>
                       </p:stCondLst>
                       <p:childTnLst>
                         <p:par>
-                          <p:cTn id="20" fill="hold">
+                          <p:cTn id="22" fill="hold">
                             <p:stCondLst>
                               <p:cond delay="0"/>
                             </p:stCondLst>
                             <p:childTnLst>
                               <p:par>
-                                <p:cTn id="21" presetID="1" presetClass="entr" presetSubtype="0" fill="hold" nodeType="clickEffect">
+                                <p:cTn id="23" presetID="1" presetClass="entr" presetSubtype="0" fill="hold" nodeType="clickEffect">
                                   <p:stCondLst>
                                     <p:cond delay="0"/>
                                   </p:stCondLst>
                                   <p:childTnLst>
                                     <p:set>
                                       <p:cBhvr>
-                                        <p:cTn id="22" dur="1" fill="hold">
-                                          <p:stCondLst>
-                                            <p:cond delay="0"/>
-                                          </p:stCondLst>
-                                        </p:cTn>
-                                        <p:tgtEl>
-                                          <p:spTgt spid="3">
-                                            <p:txEl>
-                                              <p:pRg st="3" end="3"/>
-                                            </p:txEl>
-                                          </p:spTgt>
-                                        </p:tgtEl>
-                                        <p:attrNameLst>
-                                          <p:attrName>style.visibility</p:attrName>
-                                        </p:attrNameLst>
-                                      </p:cBhvr>
-                                      <p:to>
-                                        <p:strVal val="visible"/>
-                                      </p:to>
-                                    </p:set>
-                                  </p:childTnLst>
-                                </p:cTn>
-                              </p:par>
-                            </p:childTnLst>
-                          </p:cTn>
-                        </p:par>
-                      </p:childTnLst>
-                    </p:cTn>
-                  </p:par>
-                  <p:par>
-                    <p:cTn id="23" fill="hold">
-                      <p:stCondLst>
-                        <p:cond delay="indefinite"/>
-                      </p:stCondLst>
-                      <p:childTnLst>
-                        <p:par>
-                          <p:cTn id="24" fill="hold">
-                            <p:stCondLst>
-                              <p:cond delay="0"/>
-                            </p:stCondLst>
-                            <p:childTnLst>
-                              <p:par>
-                                <p:cTn id="25" presetID="1" presetClass="entr" presetSubtype="0" fill="hold" nodeType="clickEffect">
-                                  <p:stCondLst>
-                                    <p:cond delay="0"/>
-                                  </p:stCondLst>
-                                  <p:childTnLst>
-                                    <p:set>
-                                      <p:cBhvr>
-                                        <p:cTn id="26" dur="1" fill="hold">
-                                          <p:stCondLst>
-                                            <p:cond delay="0"/>
-                                          </p:stCondLst>
-                                        </p:cTn>
-                                        <p:tgtEl>
-                                          <p:spTgt spid="3">
-                                            <p:txEl>
-                                              <p:pRg st="4" end="4"/>
-                                            </p:txEl>
-                                          </p:spTgt>
-                                        </p:tgtEl>
-                                        <p:attrNameLst>
-                                          <p:attrName>style.visibility</p:attrName>
-                                        </p:attrNameLst>
-                                      </p:cBhvr>
-                                      <p:to>
-                                        <p:strVal val="visible"/>
-                                      </p:to>
-                                    </p:set>
-                                  </p:childTnLst>
-                                </p:cTn>
-                              </p:par>
-                            </p:childTnLst>
-                          </p:cTn>
-                        </p:par>
-                      </p:childTnLst>
-                    </p:cTn>
-                  </p:par>
-                  <p:par>
-                    <p:cTn id="27" fill="hold">
-                      <p:stCondLst>
-                        <p:cond delay="indefinite"/>
-                      </p:stCondLst>
-                      <p:childTnLst>
-                        <p:par>
-                          <p:cTn id="28" fill="hold">
-                            <p:stCondLst>
-                              <p:cond delay="0"/>
-                            </p:stCondLst>
-                            <p:childTnLst>
-                              <p:par>
-                                <p:cTn id="29" presetID="1" presetClass="entr" presetSubtype="0" fill="hold" nodeType="clickEffect">
-                                  <p:stCondLst>
-                                    <p:cond delay="0"/>
-                                  </p:stCondLst>
-                                  <p:childTnLst>
-                                    <p:set>
-                                      <p:cBhvr>
-                                        <p:cTn id="30" dur="1" fill="hold">
+                                        <p:cTn id="24" dur="1" fill="hold">
                                           <p:stCondLst>
                                             <p:cond delay="0"/>
                                           </p:stCondLst>
@@ -20279,14 +25795,14 @@
                                 </p:cTn>
                               </p:par>
                               <p:par>
-                                <p:cTn id="31" presetID="1" presetClass="entr" presetSubtype="0" fill="hold" nodeType="withEffect">
+                                <p:cTn id="25" presetID="1" presetClass="entr" presetSubtype="0" fill="hold" nodeType="withEffect">
                                   <p:stCondLst>
                                     <p:cond delay="0"/>
                                   </p:stCondLst>
                                   <p:childTnLst>
                                     <p:set>
                                       <p:cBhvr>
-                                        <p:cTn id="32" dur="1" fill="hold">
+                                        <p:cTn id="26" dur="1" fill="hold">
                                           <p:stCondLst>
                                             <p:cond delay="0"/>
                                           </p:stCondLst>
@@ -20340,7 +25856,7 @@
 </p:sld>
 </file>
 
-<file path=ppt/slides/slide51.xml><?xml version="1.0" encoding="utf-8"?>
+<file path=ppt/slides/slide56.xml><?xml version="1.0" encoding="utf-8"?>
 <p:sld xmlns:a="http://schemas.openxmlformats.org/drawingml/2006/main" xmlns:r="http://schemas.openxmlformats.org/officeDocument/2006/relationships" xmlns:p="http://schemas.openxmlformats.org/presentationml/2006/main">
   <p:cSld>
     <p:spTree>
@@ -20467,6 +25983,1470 @@
           </a:p>
         </p:txBody>
       </p:sp>
+      <p:grpSp>
+        <p:nvGrpSpPr>
+          <p:cNvPr id="21" name="Group 20">
+            <a:extLst>
+              <a:ext uri="{FF2B5EF4-FFF2-40B4-BE49-F238E27FC236}">
+                <a16:creationId xmlns:a16="http://schemas.microsoft.com/office/drawing/2014/main" id="{7C0F6EA2-8BC0-4E77-8AD8-5CC73B51EF90}"/>
+              </a:ext>
+            </a:extLst>
+          </p:cNvPr>
+          <p:cNvGrpSpPr/>
+          <p:nvPr/>
+        </p:nvGrpSpPr>
+        <p:grpSpPr>
+          <a:xfrm>
+            <a:off x="4457700" y="3657600"/>
+            <a:ext cx="4457700" cy="2909217"/>
+            <a:chOff x="4457700" y="3657600"/>
+            <a:chExt cx="4457700" cy="2909217"/>
+          </a:xfrm>
+        </p:grpSpPr>
+        <p:grpSp>
+          <p:nvGrpSpPr>
+            <p:cNvPr id="19" name="Group 18">
+              <a:extLst>
+                <a:ext uri="{FF2B5EF4-FFF2-40B4-BE49-F238E27FC236}">
+                  <a16:creationId xmlns:a16="http://schemas.microsoft.com/office/drawing/2014/main" id="{BC2B0BD1-3B95-49AE-A2AE-A38C4B5AE78C}"/>
+                </a:ext>
+              </a:extLst>
+            </p:cNvPr>
+            <p:cNvGrpSpPr/>
+            <p:nvPr/>
+          </p:nvGrpSpPr>
+          <p:grpSpPr>
+            <a:xfrm>
+              <a:off x="4457700" y="4800600"/>
+              <a:ext cx="3956375" cy="1766217"/>
+              <a:chOff x="1755612" y="4147038"/>
+              <a:chExt cx="5632775" cy="2514600"/>
+            </a:xfrm>
+          </p:grpSpPr>
+          <p:grpSp>
+            <p:nvGrpSpPr>
+              <p:cNvPr id="4" name="Group 3">
+                <a:extLst>
+                  <a:ext uri="{FF2B5EF4-FFF2-40B4-BE49-F238E27FC236}">
+                    <a16:creationId xmlns:a16="http://schemas.microsoft.com/office/drawing/2014/main" id="{6279DA60-2145-44CE-BC58-8AB8680727B2}"/>
+                  </a:ext>
+                </a:extLst>
+              </p:cNvPr>
+              <p:cNvGrpSpPr/>
+              <p:nvPr/>
+            </p:nvGrpSpPr>
+            <p:grpSpPr>
+              <a:xfrm>
+                <a:off x="1755612" y="4230859"/>
+                <a:ext cx="1514527" cy="2337803"/>
+                <a:chOff x="838200" y="4097612"/>
+                <a:chExt cx="1638300" cy="2528857"/>
+              </a:xfrm>
+            </p:grpSpPr>
+            <p:pic>
+              <p:nvPicPr>
+                <p:cNvPr id="5" name="Picture 4">
+                  <a:extLst>
+                    <a:ext uri="{FF2B5EF4-FFF2-40B4-BE49-F238E27FC236}">
+                      <a16:creationId xmlns:a16="http://schemas.microsoft.com/office/drawing/2014/main" id="{FC941530-0307-42FC-85B6-54FDA1781BA7}"/>
+                    </a:ext>
+                  </a:extLst>
+                </p:cNvPr>
+                <p:cNvPicPr>
+                  <a:picLocks noChangeAspect="1"/>
+                </p:cNvPicPr>
+                <p:nvPr/>
+              </p:nvPicPr>
+              <p:blipFill>
+                <a:blip r:embed="rId2"/>
+                <a:stretch>
+                  <a:fillRect/>
+                </a:stretch>
+              </p:blipFill>
+              <p:spPr>
+                <a:xfrm>
+                  <a:off x="838200" y="4340469"/>
+                  <a:ext cx="1638300" cy="2286000"/>
+                </a:xfrm>
+                <a:prstGeom prst="rect">
+                  <a:avLst/>
+                </a:prstGeom>
+              </p:spPr>
+            </p:pic>
+            <p:pic>
+              <p:nvPicPr>
+                <p:cNvPr id="6" name="Picture 5">
+                  <a:extLst>
+                    <a:ext uri="{FF2B5EF4-FFF2-40B4-BE49-F238E27FC236}">
+                      <a16:creationId xmlns:a16="http://schemas.microsoft.com/office/drawing/2014/main" id="{884B2387-F403-4153-AFF1-4E1286A24C51}"/>
+                    </a:ext>
+                  </a:extLst>
+                </p:cNvPr>
+                <p:cNvPicPr>
+                  <a:picLocks noChangeAspect="1"/>
+                </p:cNvPicPr>
+                <p:nvPr/>
+              </p:nvPicPr>
+              <p:blipFill>
+                <a:blip r:embed="rId3"/>
+                <a:stretch>
+                  <a:fillRect/>
+                </a:stretch>
+              </p:blipFill>
+              <p:spPr>
+                <a:xfrm>
+                  <a:off x="1217001" y="4097612"/>
+                  <a:ext cx="854686" cy="1205718"/>
+                </a:xfrm>
+                <a:prstGeom prst="rect">
+                  <a:avLst/>
+                </a:prstGeom>
+              </p:spPr>
+            </p:pic>
+            <p:sp>
+              <p:nvSpPr>
+                <p:cNvPr id="7" name="Freeform: Shape 6">
+                  <a:extLst>
+                    <a:ext uri="{FF2B5EF4-FFF2-40B4-BE49-F238E27FC236}">
+                      <a16:creationId xmlns:a16="http://schemas.microsoft.com/office/drawing/2014/main" id="{59A445B1-D128-4780-8B47-1FF4A0533FC3}"/>
+                    </a:ext>
+                  </a:extLst>
+                </p:cNvPr>
+                <p:cNvSpPr/>
+                <p:nvPr/>
+              </p:nvSpPr>
+              <p:spPr>
+                <a:xfrm>
+                  <a:off x="1196109" y="4844473"/>
+                  <a:ext cx="895927" cy="466436"/>
+                </a:xfrm>
+                <a:custGeom>
+                  <a:avLst/>
+                  <a:gdLst>
+                    <a:gd name="connsiteX0" fmla="*/ 133927 w 895927"/>
+                    <a:gd name="connsiteY0" fmla="*/ 73891 h 466436"/>
+                    <a:gd name="connsiteX1" fmla="*/ 161636 w 895927"/>
+                    <a:gd name="connsiteY1" fmla="*/ 198582 h 466436"/>
+                    <a:gd name="connsiteX2" fmla="*/ 240146 w 895927"/>
+                    <a:gd name="connsiteY2" fmla="*/ 415636 h 466436"/>
+                    <a:gd name="connsiteX3" fmla="*/ 401782 w 895927"/>
+                    <a:gd name="connsiteY3" fmla="*/ 415636 h 466436"/>
+                    <a:gd name="connsiteX4" fmla="*/ 517236 w 895927"/>
+                    <a:gd name="connsiteY4" fmla="*/ 447963 h 466436"/>
+                    <a:gd name="connsiteX5" fmla="*/ 701964 w 895927"/>
+                    <a:gd name="connsiteY5" fmla="*/ 364836 h 466436"/>
+                    <a:gd name="connsiteX6" fmla="*/ 771236 w 895927"/>
+                    <a:gd name="connsiteY6" fmla="*/ 295563 h 466436"/>
+                    <a:gd name="connsiteX7" fmla="*/ 794327 w 895927"/>
+                    <a:gd name="connsiteY7" fmla="*/ 129309 h 466436"/>
+                    <a:gd name="connsiteX8" fmla="*/ 808182 w 895927"/>
+                    <a:gd name="connsiteY8" fmla="*/ 55418 h 466436"/>
+                    <a:gd name="connsiteX9" fmla="*/ 803564 w 895927"/>
+                    <a:gd name="connsiteY9" fmla="*/ 0 h 466436"/>
+                    <a:gd name="connsiteX10" fmla="*/ 882073 w 895927"/>
+                    <a:gd name="connsiteY10" fmla="*/ 23091 h 466436"/>
+                    <a:gd name="connsiteX11" fmla="*/ 895927 w 895927"/>
+                    <a:gd name="connsiteY11" fmla="*/ 466436 h 466436"/>
+                    <a:gd name="connsiteX12" fmla="*/ 0 w 895927"/>
+                    <a:gd name="connsiteY12" fmla="*/ 466436 h 466436"/>
+                    <a:gd name="connsiteX13" fmla="*/ 23091 w 895927"/>
+                    <a:gd name="connsiteY13" fmla="*/ 18472 h 466436"/>
+                    <a:gd name="connsiteX14" fmla="*/ 32327 w 895927"/>
+                    <a:gd name="connsiteY14" fmla="*/ 13854 h 466436"/>
+                    <a:gd name="connsiteX15" fmla="*/ 87746 w 895927"/>
+                    <a:gd name="connsiteY15" fmla="*/ 46182 h 466436"/>
+                    <a:gd name="connsiteX16" fmla="*/ 46182 w 895927"/>
+                    <a:gd name="connsiteY16" fmla="*/ 106218 h 466436"/>
+                    <a:gd name="connsiteX17" fmla="*/ 133927 w 895927"/>
+                    <a:gd name="connsiteY17" fmla="*/ 73891 h 466436"/>
+                  </a:gdLst>
+                  <a:ahLst/>
+                  <a:cxnLst>
+                    <a:cxn ang="0">
+                      <a:pos x="connsiteX0" y="connsiteY0"/>
+                    </a:cxn>
+                    <a:cxn ang="0">
+                      <a:pos x="connsiteX1" y="connsiteY1"/>
+                    </a:cxn>
+                    <a:cxn ang="0">
+                      <a:pos x="connsiteX2" y="connsiteY2"/>
+                    </a:cxn>
+                    <a:cxn ang="0">
+                      <a:pos x="connsiteX3" y="connsiteY3"/>
+                    </a:cxn>
+                    <a:cxn ang="0">
+                      <a:pos x="connsiteX4" y="connsiteY4"/>
+                    </a:cxn>
+                    <a:cxn ang="0">
+                      <a:pos x="connsiteX5" y="connsiteY5"/>
+                    </a:cxn>
+                    <a:cxn ang="0">
+                      <a:pos x="connsiteX6" y="connsiteY6"/>
+                    </a:cxn>
+                    <a:cxn ang="0">
+                      <a:pos x="connsiteX7" y="connsiteY7"/>
+                    </a:cxn>
+                    <a:cxn ang="0">
+                      <a:pos x="connsiteX8" y="connsiteY8"/>
+                    </a:cxn>
+                    <a:cxn ang="0">
+                      <a:pos x="connsiteX9" y="connsiteY9"/>
+                    </a:cxn>
+                    <a:cxn ang="0">
+                      <a:pos x="connsiteX10" y="connsiteY10"/>
+                    </a:cxn>
+                    <a:cxn ang="0">
+                      <a:pos x="connsiteX11" y="connsiteY11"/>
+                    </a:cxn>
+                    <a:cxn ang="0">
+                      <a:pos x="connsiteX12" y="connsiteY12"/>
+                    </a:cxn>
+                    <a:cxn ang="0">
+                      <a:pos x="connsiteX13" y="connsiteY13"/>
+                    </a:cxn>
+                    <a:cxn ang="0">
+                      <a:pos x="connsiteX14" y="connsiteY14"/>
+                    </a:cxn>
+                    <a:cxn ang="0">
+                      <a:pos x="connsiteX15" y="connsiteY15"/>
+                    </a:cxn>
+                    <a:cxn ang="0">
+                      <a:pos x="connsiteX16" y="connsiteY16"/>
+                    </a:cxn>
+                    <a:cxn ang="0">
+                      <a:pos x="connsiteX17" y="connsiteY17"/>
+                    </a:cxn>
+                  </a:cxnLst>
+                  <a:rect l="l" t="t" r="r" b="b"/>
+                  <a:pathLst>
+                    <a:path w="895927" h="466436">
+                      <a:moveTo>
+                        <a:pt x="133927" y="73891"/>
+                      </a:moveTo>
+                      <a:lnTo>
+                        <a:pt x="161636" y="198582"/>
+                      </a:lnTo>
+                      <a:lnTo>
+                        <a:pt x="240146" y="415636"/>
+                      </a:lnTo>
+                      <a:lnTo>
+                        <a:pt x="401782" y="415636"/>
+                      </a:lnTo>
+                      <a:lnTo>
+                        <a:pt x="517236" y="447963"/>
+                      </a:lnTo>
+                      <a:lnTo>
+                        <a:pt x="701964" y="364836"/>
+                      </a:lnTo>
+                      <a:lnTo>
+                        <a:pt x="771236" y="295563"/>
+                      </a:lnTo>
+                      <a:lnTo>
+                        <a:pt x="794327" y="129309"/>
+                      </a:lnTo>
+                      <a:lnTo>
+                        <a:pt x="808182" y="55418"/>
+                      </a:lnTo>
+                      <a:lnTo>
+                        <a:pt x="803564" y="0"/>
+                      </a:lnTo>
+                      <a:lnTo>
+                        <a:pt x="882073" y="23091"/>
+                      </a:lnTo>
+                      <a:lnTo>
+                        <a:pt x="895927" y="466436"/>
+                      </a:lnTo>
+                      <a:lnTo>
+                        <a:pt x="0" y="466436"/>
+                      </a:lnTo>
+                      <a:lnTo>
+                        <a:pt x="23091" y="18472"/>
+                      </a:lnTo>
+                      <a:lnTo>
+                        <a:pt x="32327" y="13854"/>
+                      </a:lnTo>
+                      <a:lnTo>
+                        <a:pt x="87746" y="46182"/>
+                      </a:lnTo>
+                      <a:lnTo>
+                        <a:pt x="46182" y="106218"/>
+                      </a:lnTo>
+                      <a:lnTo>
+                        <a:pt x="133927" y="73891"/>
+                      </a:lnTo>
+                      <a:close/>
+                    </a:path>
+                  </a:pathLst>
+                </a:custGeom>
+                <a:solidFill>
+                  <a:srgbClr val="9D0204"/>
+                </a:solidFill>
+                <a:ln>
+                  <a:noFill/>
+                </a:ln>
+              </p:spPr>
+              <p:style>
+                <a:lnRef idx="2">
+                  <a:schemeClr val="accent1">
+                    <a:shade val="50000"/>
+                  </a:schemeClr>
+                </a:lnRef>
+                <a:fillRef idx="1">
+                  <a:schemeClr val="accent1"/>
+                </a:fillRef>
+                <a:effectRef idx="0">
+                  <a:schemeClr val="accent1"/>
+                </a:effectRef>
+                <a:fontRef idx="minor">
+                  <a:schemeClr val="lt1"/>
+                </a:fontRef>
+              </p:style>
+              <p:txBody>
+                <a:bodyPr rtlCol="0" anchor="ctr"/>
+                <a:lstStyle/>
+                <a:p>
+                  <a:pPr algn="ctr"/>
+                  <a:endParaRPr lang="en-US"/>
+                </a:p>
+              </p:txBody>
+            </p:sp>
+          </p:grpSp>
+          <p:grpSp>
+            <p:nvGrpSpPr>
+              <p:cNvPr id="8" name="Group 7">
+                <a:extLst>
+                  <a:ext uri="{FF2B5EF4-FFF2-40B4-BE49-F238E27FC236}">
+                    <a16:creationId xmlns:a16="http://schemas.microsoft.com/office/drawing/2014/main" id="{06E43078-B579-41C9-9BE9-EDC0D21C8B9A}"/>
+                  </a:ext>
+                </a:extLst>
+              </p:cNvPr>
+              <p:cNvGrpSpPr/>
+              <p:nvPr/>
+            </p:nvGrpSpPr>
+            <p:grpSpPr>
+              <a:xfrm>
+                <a:off x="5669636" y="4197187"/>
+                <a:ext cx="1718751" cy="2371475"/>
+                <a:chOff x="4992217" y="3940816"/>
+                <a:chExt cx="1914525" cy="2641596"/>
+              </a:xfrm>
+            </p:grpSpPr>
+            <p:pic>
+              <p:nvPicPr>
+                <p:cNvPr id="9" name="Picture 8">
+                  <a:extLst>
+                    <a:ext uri="{FF2B5EF4-FFF2-40B4-BE49-F238E27FC236}">
+                      <a16:creationId xmlns:a16="http://schemas.microsoft.com/office/drawing/2014/main" id="{DAAA2CFE-8C48-4A40-A540-55FE15E4C82D}"/>
+                    </a:ext>
+                  </a:extLst>
+                </p:cNvPr>
+                <p:cNvPicPr>
+                  <a:picLocks noChangeAspect="1"/>
+                </p:cNvPicPr>
+                <p:nvPr/>
+              </p:nvPicPr>
+              <p:blipFill rotWithShape="1">
+                <a:blip r:embed="rId4"/>
+                <a:srcRect b="5764"/>
+                <a:stretch/>
+              </p:blipFill>
+              <p:spPr>
+                <a:xfrm>
+                  <a:off x="4992217" y="4024247"/>
+                  <a:ext cx="1914525" cy="2558165"/>
+                </a:xfrm>
+                <a:prstGeom prst="rect">
+                  <a:avLst/>
+                </a:prstGeom>
+              </p:spPr>
+            </p:pic>
+            <p:pic>
+              <p:nvPicPr>
+                <p:cNvPr id="10" name="Picture 9">
+                  <a:extLst>
+                    <a:ext uri="{FF2B5EF4-FFF2-40B4-BE49-F238E27FC236}">
+                      <a16:creationId xmlns:a16="http://schemas.microsoft.com/office/drawing/2014/main" id="{51A79D03-B2EC-44EA-BEA8-0D8D24DCA2EB}"/>
+                    </a:ext>
+                  </a:extLst>
+                </p:cNvPr>
+                <p:cNvPicPr>
+                  <a:picLocks noChangeAspect="1"/>
+                </p:cNvPicPr>
+                <p:nvPr/>
+              </p:nvPicPr>
+              <p:blipFill>
+                <a:blip r:embed="rId5"/>
+                <a:stretch>
+                  <a:fillRect/>
+                </a:stretch>
+              </p:blipFill>
+              <p:spPr>
+                <a:xfrm>
+                  <a:off x="5573355" y="3940816"/>
+                  <a:ext cx="909271" cy="1164584"/>
+                </a:xfrm>
+                <a:prstGeom prst="rect">
+                  <a:avLst/>
+                </a:prstGeom>
+              </p:spPr>
+            </p:pic>
+            <p:sp>
+              <p:nvSpPr>
+                <p:cNvPr id="11" name="Freeform: Shape 10">
+                  <a:extLst>
+                    <a:ext uri="{FF2B5EF4-FFF2-40B4-BE49-F238E27FC236}">
+                      <a16:creationId xmlns:a16="http://schemas.microsoft.com/office/drawing/2014/main" id="{A07D3154-DEBE-426E-8315-CB75019A4A62}"/>
+                    </a:ext>
+                  </a:extLst>
+                </p:cNvPr>
+                <p:cNvSpPr/>
+                <p:nvPr/>
+              </p:nvSpPr>
+              <p:spPr>
+                <a:xfrm>
+                  <a:off x="5592523" y="4676012"/>
+                  <a:ext cx="838200" cy="429388"/>
+                </a:xfrm>
+                <a:custGeom>
+                  <a:avLst/>
+                  <a:gdLst>
+                    <a:gd name="connsiteX0" fmla="*/ 0 w 937491"/>
+                    <a:gd name="connsiteY0" fmla="*/ 13855 h 526473"/>
+                    <a:gd name="connsiteX1" fmla="*/ 4618 w 937491"/>
+                    <a:gd name="connsiteY1" fmla="*/ 526473 h 526473"/>
+                    <a:gd name="connsiteX2" fmla="*/ 937491 w 937491"/>
+                    <a:gd name="connsiteY2" fmla="*/ 512618 h 526473"/>
+                    <a:gd name="connsiteX3" fmla="*/ 914400 w 937491"/>
+                    <a:gd name="connsiteY3" fmla="*/ 0 h 526473"/>
+                    <a:gd name="connsiteX4" fmla="*/ 886691 w 937491"/>
+                    <a:gd name="connsiteY4" fmla="*/ 60037 h 526473"/>
+                    <a:gd name="connsiteX5" fmla="*/ 858982 w 937491"/>
+                    <a:gd name="connsiteY5" fmla="*/ 157018 h 526473"/>
+                    <a:gd name="connsiteX6" fmla="*/ 863600 w 937491"/>
+                    <a:gd name="connsiteY6" fmla="*/ 240146 h 526473"/>
+                    <a:gd name="connsiteX7" fmla="*/ 849745 w 937491"/>
+                    <a:gd name="connsiteY7" fmla="*/ 304800 h 526473"/>
+                    <a:gd name="connsiteX8" fmla="*/ 812800 w 937491"/>
+                    <a:gd name="connsiteY8" fmla="*/ 392546 h 526473"/>
+                    <a:gd name="connsiteX9" fmla="*/ 725054 w 937491"/>
+                    <a:gd name="connsiteY9" fmla="*/ 397164 h 526473"/>
+                    <a:gd name="connsiteX10" fmla="*/ 651164 w 937491"/>
+                    <a:gd name="connsiteY10" fmla="*/ 415637 h 526473"/>
+                    <a:gd name="connsiteX11" fmla="*/ 568036 w 937491"/>
+                    <a:gd name="connsiteY11" fmla="*/ 457200 h 526473"/>
+                    <a:gd name="connsiteX12" fmla="*/ 457200 w 937491"/>
+                    <a:gd name="connsiteY12" fmla="*/ 447964 h 526473"/>
+                    <a:gd name="connsiteX13" fmla="*/ 249382 w 937491"/>
+                    <a:gd name="connsiteY13" fmla="*/ 411018 h 526473"/>
+                    <a:gd name="connsiteX14" fmla="*/ 193964 w 937491"/>
+                    <a:gd name="connsiteY14" fmla="*/ 360218 h 526473"/>
+                    <a:gd name="connsiteX15" fmla="*/ 110836 w 937491"/>
+                    <a:gd name="connsiteY15" fmla="*/ 272473 h 526473"/>
+                    <a:gd name="connsiteX16" fmla="*/ 69273 w 937491"/>
+                    <a:gd name="connsiteY16" fmla="*/ 129309 h 526473"/>
+                    <a:gd name="connsiteX17" fmla="*/ 50800 w 937491"/>
+                    <a:gd name="connsiteY17" fmla="*/ 101600 h 526473"/>
+                    <a:gd name="connsiteX18" fmla="*/ 0 w 937491"/>
+                    <a:gd name="connsiteY18" fmla="*/ 13855 h 526473"/>
+                  </a:gdLst>
+                  <a:ahLst/>
+                  <a:cxnLst>
+                    <a:cxn ang="0">
+                      <a:pos x="connsiteX0" y="connsiteY0"/>
+                    </a:cxn>
+                    <a:cxn ang="0">
+                      <a:pos x="connsiteX1" y="connsiteY1"/>
+                    </a:cxn>
+                    <a:cxn ang="0">
+                      <a:pos x="connsiteX2" y="connsiteY2"/>
+                    </a:cxn>
+                    <a:cxn ang="0">
+                      <a:pos x="connsiteX3" y="connsiteY3"/>
+                    </a:cxn>
+                    <a:cxn ang="0">
+                      <a:pos x="connsiteX4" y="connsiteY4"/>
+                    </a:cxn>
+                    <a:cxn ang="0">
+                      <a:pos x="connsiteX5" y="connsiteY5"/>
+                    </a:cxn>
+                    <a:cxn ang="0">
+                      <a:pos x="connsiteX6" y="connsiteY6"/>
+                    </a:cxn>
+                    <a:cxn ang="0">
+                      <a:pos x="connsiteX7" y="connsiteY7"/>
+                    </a:cxn>
+                    <a:cxn ang="0">
+                      <a:pos x="connsiteX8" y="connsiteY8"/>
+                    </a:cxn>
+                    <a:cxn ang="0">
+                      <a:pos x="connsiteX9" y="connsiteY9"/>
+                    </a:cxn>
+                    <a:cxn ang="0">
+                      <a:pos x="connsiteX10" y="connsiteY10"/>
+                    </a:cxn>
+                    <a:cxn ang="0">
+                      <a:pos x="connsiteX11" y="connsiteY11"/>
+                    </a:cxn>
+                    <a:cxn ang="0">
+                      <a:pos x="connsiteX12" y="connsiteY12"/>
+                    </a:cxn>
+                    <a:cxn ang="0">
+                      <a:pos x="connsiteX13" y="connsiteY13"/>
+                    </a:cxn>
+                    <a:cxn ang="0">
+                      <a:pos x="connsiteX14" y="connsiteY14"/>
+                    </a:cxn>
+                    <a:cxn ang="0">
+                      <a:pos x="connsiteX15" y="connsiteY15"/>
+                    </a:cxn>
+                    <a:cxn ang="0">
+                      <a:pos x="connsiteX16" y="connsiteY16"/>
+                    </a:cxn>
+                    <a:cxn ang="0">
+                      <a:pos x="connsiteX17" y="connsiteY17"/>
+                    </a:cxn>
+                    <a:cxn ang="0">
+                      <a:pos x="connsiteX18" y="connsiteY18"/>
+                    </a:cxn>
+                  </a:cxnLst>
+                  <a:rect l="l" t="t" r="r" b="b"/>
+                  <a:pathLst>
+                    <a:path w="937491" h="526473">
+                      <a:moveTo>
+                        <a:pt x="0" y="13855"/>
+                      </a:moveTo>
+                      <a:cubicBezTo>
+                        <a:pt x="1539" y="184728"/>
+                        <a:pt x="3079" y="355600"/>
+                        <a:pt x="4618" y="526473"/>
+                      </a:cubicBezTo>
+                      <a:lnTo>
+                        <a:pt x="937491" y="512618"/>
+                      </a:lnTo>
+                      <a:lnTo>
+                        <a:pt x="914400" y="0"/>
+                      </a:lnTo>
+                      <a:lnTo>
+                        <a:pt x="886691" y="60037"/>
+                      </a:lnTo>
+                      <a:lnTo>
+                        <a:pt x="858982" y="157018"/>
+                      </a:lnTo>
+                      <a:lnTo>
+                        <a:pt x="863600" y="240146"/>
+                      </a:lnTo>
+                      <a:lnTo>
+                        <a:pt x="849745" y="304800"/>
+                      </a:lnTo>
+                      <a:lnTo>
+                        <a:pt x="812800" y="392546"/>
+                      </a:lnTo>
+                      <a:lnTo>
+                        <a:pt x="725054" y="397164"/>
+                      </a:lnTo>
+                      <a:lnTo>
+                        <a:pt x="651164" y="415637"/>
+                      </a:lnTo>
+                      <a:lnTo>
+                        <a:pt x="568036" y="457200"/>
+                      </a:lnTo>
+                      <a:lnTo>
+                        <a:pt x="457200" y="447964"/>
+                      </a:lnTo>
+                      <a:lnTo>
+                        <a:pt x="249382" y="411018"/>
+                      </a:lnTo>
+                      <a:lnTo>
+                        <a:pt x="193964" y="360218"/>
+                      </a:lnTo>
+                      <a:lnTo>
+                        <a:pt x="110836" y="272473"/>
+                      </a:lnTo>
+                      <a:lnTo>
+                        <a:pt x="69273" y="129309"/>
+                      </a:lnTo>
+                      <a:lnTo>
+                        <a:pt x="50800" y="101600"/>
+                      </a:lnTo>
+                      <a:lnTo>
+                        <a:pt x="0" y="13855"/>
+                      </a:lnTo>
+                      <a:close/>
+                    </a:path>
+                  </a:pathLst>
+                </a:custGeom>
+                <a:solidFill>
+                  <a:srgbClr val="E4B106"/>
+                </a:solidFill>
+                <a:ln>
+                  <a:noFill/>
+                </a:ln>
+              </p:spPr>
+              <p:style>
+                <a:lnRef idx="2">
+                  <a:schemeClr val="accent1">
+                    <a:shade val="50000"/>
+                  </a:schemeClr>
+                </a:lnRef>
+                <a:fillRef idx="1">
+                  <a:schemeClr val="accent1"/>
+                </a:fillRef>
+                <a:effectRef idx="0">
+                  <a:schemeClr val="accent1"/>
+                </a:effectRef>
+                <a:fontRef idx="minor">
+                  <a:schemeClr val="lt1"/>
+                </a:fontRef>
+              </p:style>
+              <p:txBody>
+                <a:bodyPr rtlCol="0" anchor="ctr"/>
+                <a:lstStyle/>
+                <a:p>
+                  <a:pPr algn="ctr"/>
+                  <a:endParaRPr lang="en-US" dirty="0"/>
+                </a:p>
+              </p:txBody>
+            </p:sp>
+            <p:sp>
+              <p:nvSpPr>
+                <p:cNvPr id="12" name="Freeform: Shape 11">
+                  <a:extLst>
+                    <a:ext uri="{FF2B5EF4-FFF2-40B4-BE49-F238E27FC236}">
+                      <a16:creationId xmlns:a16="http://schemas.microsoft.com/office/drawing/2014/main" id="{A17DFE19-AD04-4DE8-A8D6-6BFEDC18EF35}"/>
+                    </a:ext>
+                  </a:extLst>
+                </p:cNvPr>
+                <p:cNvSpPr/>
+                <p:nvPr/>
+              </p:nvSpPr>
+              <p:spPr>
+                <a:xfrm>
+                  <a:off x="5528789" y="4568639"/>
+                  <a:ext cx="965668" cy="543356"/>
+                </a:xfrm>
+                <a:custGeom>
+                  <a:avLst/>
+                  <a:gdLst>
+                    <a:gd name="connsiteX0" fmla="*/ 46182 w 969819"/>
+                    <a:gd name="connsiteY0" fmla="*/ 9236 h 549563"/>
+                    <a:gd name="connsiteX1" fmla="*/ 92364 w 969819"/>
+                    <a:gd name="connsiteY1" fmla="*/ 110836 h 549563"/>
+                    <a:gd name="connsiteX2" fmla="*/ 129309 w 969819"/>
+                    <a:gd name="connsiteY2" fmla="*/ 235527 h 549563"/>
+                    <a:gd name="connsiteX3" fmla="*/ 193964 w 969819"/>
+                    <a:gd name="connsiteY3" fmla="*/ 290945 h 549563"/>
+                    <a:gd name="connsiteX4" fmla="*/ 193964 w 969819"/>
+                    <a:gd name="connsiteY4" fmla="*/ 323272 h 549563"/>
+                    <a:gd name="connsiteX5" fmla="*/ 226291 w 969819"/>
+                    <a:gd name="connsiteY5" fmla="*/ 374072 h 549563"/>
+                    <a:gd name="connsiteX6" fmla="*/ 286328 w 969819"/>
+                    <a:gd name="connsiteY6" fmla="*/ 452581 h 549563"/>
+                    <a:gd name="connsiteX7" fmla="*/ 429491 w 969819"/>
+                    <a:gd name="connsiteY7" fmla="*/ 489527 h 549563"/>
+                    <a:gd name="connsiteX8" fmla="*/ 544946 w 969819"/>
+                    <a:gd name="connsiteY8" fmla="*/ 471054 h 549563"/>
+                    <a:gd name="connsiteX9" fmla="*/ 651164 w 969819"/>
+                    <a:gd name="connsiteY9" fmla="*/ 397163 h 549563"/>
+                    <a:gd name="connsiteX10" fmla="*/ 762000 w 969819"/>
+                    <a:gd name="connsiteY10" fmla="*/ 290945 h 549563"/>
+                    <a:gd name="connsiteX11" fmla="*/ 808182 w 969819"/>
+                    <a:gd name="connsiteY11" fmla="*/ 193963 h 549563"/>
+                    <a:gd name="connsiteX12" fmla="*/ 812800 w 969819"/>
+                    <a:gd name="connsiteY12" fmla="*/ 129309 h 549563"/>
+                    <a:gd name="connsiteX13" fmla="*/ 863600 w 969819"/>
+                    <a:gd name="connsiteY13" fmla="*/ 92363 h 549563"/>
+                    <a:gd name="connsiteX14" fmla="*/ 909782 w 969819"/>
+                    <a:gd name="connsiteY14" fmla="*/ 41563 h 549563"/>
+                    <a:gd name="connsiteX15" fmla="*/ 909782 w 969819"/>
+                    <a:gd name="connsiteY15" fmla="*/ 0 h 549563"/>
+                    <a:gd name="connsiteX16" fmla="*/ 955964 w 969819"/>
+                    <a:gd name="connsiteY16" fmla="*/ 36945 h 549563"/>
+                    <a:gd name="connsiteX17" fmla="*/ 969819 w 969819"/>
+                    <a:gd name="connsiteY17" fmla="*/ 549563 h 549563"/>
+                    <a:gd name="connsiteX18" fmla="*/ 0 w 969819"/>
+                    <a:gd name="connsiteY18" fmla="*/ 549563 h 549563"/>
+                    <a:gd name="connsiteX19" fmla="*/ 46182 w 969819"/>
+                    <a:gd name="connsiteY19" fmla="*/ 9236 h 549563"/>
+                  </a:gdLst>
+                  <a:ahLst/>
+                  <a:cxnLst>
+                    <a:cxn ang="0">
+                      <a:pos x="connsiteX0" y="connsiteY0"/>
+                    </a:cxn>
+                    <a:cxn ang="0">
+                      <a:pos x="connsiteX1" y="connsiteY1"/>
+                    </a:cxn>
+                    <a:cxn ang="0">
+                      <a:pos x="connsiteX2" y="connsiteY2"/>
+                    </a:cxn>
+                    <a:cxn ang="0">
+                      <a:pos x="connsiteX3" y="connsiteY3"/>
+                    </a:cxn>
+                    <a:cxn ang="0">
+                      <a:pos x="connsiteX4" y="connsiteY4"/>
+                    </a:cxn>
+                    <a:cxn ang="0">
+                      <a:pos x="connsiteX5" y="connsiteY5"/>
+                    </a:cxn>
+                    <a:cxn ang="0">
+                      <a:pos x="connsiteX6" y="connsiteY6"/>
+                    </a:cxn>
+                    <a:cxn ang="0">
+                      <a:pos x="connsiteX7" y="connsiteY7"/>
+                    </a:cxn>
+                    <a:cxn ang="0">
+                      <a:pos x="connsiteX8" y="connsiteY8"/>
+                    </a:cxn>
+                    <a:cxn ang="0">
+                      <a:pos x="connsiteX9" y="connsiteY9"/>
+                    </a:cxn>
+                    <a:cxn ang="0">
+                      <a:pos x="connsiteX10" y="connsiteY10"/>
+                    </a:cxn>
+                    <a:cxn ang="0">
+                      <a:pos x="connsiteX11" y="connsiteY11"/>
+                    </a:cxn>
+                    <a:cxn ang="0">
+                      <a:pos x="connsiteX12" y="connsiteY12"/>
+                    </a:cxn>
+                    <a:cxn ang="0">
+                      <a:pos x="connsiteX13" y="connsiteY13"/>
+                    </a:cxn>
+                    <a:cxn ang="0">
+                      <a:pos x="connsiteX14" y="connsiteY14"/>
+                    </a:cxn>
+                    <a:cxn ang="0">
+                      <a:pos x="connsiteX15" y="connsiteY15"/>
+                    </a:cxn>
+                    <a:cxn ang="0">
+                      <a:pos x="connsiteX16" y="connsiteY16"/>
+                    </a:cxn>
+                    <a:cxn ang="0">
+                      <a:pos x="connsiteX17" y="connsiteY17"/>
+                    </a:cxn>
+                    <a:cxn ang="0">
+                      <a:pos x="connsiteX18" y="connsiteY18"/>
+                    </a:cxn>
+                    <a:cxn ang="0">
+                      <a:pos x="connsiteX19" y="connsiteY19"/>
+                    </a:cxn>
+                  </a:cxnLst>
+                  <a:rect l="l" t="t" r="r" b="b"/>
+                  <a:pathLst>
+                    <a:path w="969819" h="549563">
+                      <a:moveTo>
+                        <a:pt x="46182" y="9236"/>
+                      </a:moveTo>
+                      <a:lnTo>
+                        <a:pt x="92364" y="110836"/>
+                      </a:lnTo>
+                      <a:lnTo>
+                        <a:pt x="129309" y="235527"/>
+                      </a:lnTo>
+                      <a:lnTo>
+                        <a:pt x="193964" y="290945"/>
+                      </a:lnTo>
+                      <a:lnTo>
+                        <a:pt x="193964" y="323272"/>
+                      </a:lnTo>
+                      <a:lnTo>
+                        <a:pt x="226291" y="374072"/>
+                      </a:lnTo>
+                      <a:lnTo>
+                        <a:pt x="286328" y="452581"/>
+                      </a:lnTo>
+                      <a:lnTo>
+                        <a:pt x="429491" y="489527"/>
+                      </a:lnTo>
+                      <a:lnTo>
+                        <a:pt x="544946" y="471054"/>
+                      </a:lnTo>
+                      <a:lnTo>
+                        <a:pt x="651164" y="397163"/>
+                      </a:lnTo>
+                      <a:lnTo>
+                        <a:pt x="762000" y="290945"/>
+                      </a:lnTo>
+                      <a:lnTo>
+                        <a:pt x="808182" y="193963"/>
+                      </a:lnTo>
+                      <a:lnTo>
+                        <a:pt x="812800" y="129309"/>
+                      </a:lnTo>
+                      <a:lnTo>
+                        <a:pt x="863600" y="92363"/>
+                      </a:lnTo>
+                      <a:lnTo>
+                        <a:pt x="909782" y="41563"/>
+                      </a:lnTo>
+                      <a:lnTo>
+                        <a:pt x="909782" y="0"/>
+                      </a:lnTo>
+                      <a:lnTo>
+                        <a:pt x="955964" y="36945"/>
+                      </a:lnTo>
+                      <a:lnTo>
+                        <a:pt x="969819" y="549563"/>
+                      </a:lnTo>
+                      <a:lnTo>
+                        <a:pt x="0" y="549563"/>
+                      </a:lnTo>
+                      <a:lnTo>
+                        <a:pt x="46182" y="9236"/>
+                      </a:lnTo>
+                      <a:close/>
+                    </a:path>
+                  </a:pathLst>
+                </a:custGeom>
+                <a:solidFill>
+                  <a:srgbClr val="D3A202"/>
+                </a:solidFill>
+                <a:ln>
+                  <a:noFill/>
+                </a:ln>
+              </p:spPr>
+              <p:style>
+                <a:lnRef idx="2">
+                  <a:schemeClr val="accent1">
+                    <a:shade val="50000"/>
+                  </a:schemeClr>
+                </a:lnRef>
+                <a:fillRef idx="1">
+                  <a:schemeClr val="accent1"/>
+                </a:fillRef>
+                <a:effectRef idx="0">
+                  <a:schemeClr val="accent1"/>
+                </a:effectRef>
+                <a:fontRef idx="minor">
+                  <a:schemeClr val="lt1"/>
+                </a:fontRef>
+              </p:style>
+              <p:txBody>
+                <a:bodyPr rtlCol="0" anchor="ctr"/>
+                <a:lstStyle/>
+                <a:p>
+                  <a:pPr algn="ctr"/>
+                  <a:endParaRPr lang="en-US"/>
+                </a:p>
+              </p:txBody>
+            </p:sp>
+          </p:grpSp>
+          <p:grpSp>
+            <p:nvGrpSpPr>
+              <p:cNvPr id="13" name="Group 12">
+                <a:extLst>
+                  <a:ext uri="{FF2B5EF4-FFF2-40B4-BE49-F238E27FC236}">
+                    <a16:creationId xmlns:a16="http://schemas.microsoft.com/office/drawing/2014/main" id="{FE6DB8EB-0697-4FD3-AACD-FAB1B86B6130}"/>
+                  </a:ext>
+                </a:extLst>
+              </p:cNvPr>
+              <p:cNvGrpSpPr/>
+              <p:nvPr/>
+            </p:nvGrpSpPr>
+            <p:grpSpPr>
+              <a:xfrm>
+                <a:off x="3728926" y="4147038"/>
+                <a:ext cx="1572795" cy="2514600"/>
+                <a:chOff x="3148571" y="3886200"/>
+                <a:chExt cx="1724025" cy="2756389"/>
+              </a:xfrm>
+            </p:grpSpPr>
+            <p:pic>
+              <p:nvPicPr>
+                <p:cNvPr id="14" name="Picture 13">
+                  <a:extLst>
+                    <a:ext uri="{FF2B5EF4-FFF2-40B4-BE49-F238E27FC236}">
+                      <a16:creationId xmlns:a16="http://schemas.microsoft.com/office/drawing/2014/main" id="{B0C6A106-2638-4833-9A5B-42738145EDC7}"/>
+                    </a:ext>
+                  </a:extLst>
+                </p:cNvPr>
+                <p:cNvPicPr>
+                  <a:picLocks noChangeAspect="1"/>
+                </p:cNvPicPr>
+                <p:nvPr/>
+              </p:nvPicPr>
+              <p:blipFill>
+                <a:blip r:embed="rId6"/>
+                <a:stretch>
+                  <a:fillRect/>
+                </a:stretch>
+              </p:blipFill>
+              <p:spPr>
+                <a:xfrm>
+                  <a:off x="3148571" y="4108939"/>
+                  <a:ext cx="1724025" cy="2533650"/>
+                </a:xfrm>
+                <a:prstGeom prst="rect">
+                  <a:avLst/>
+                </a:prstGeom>
+              </p:spPr>
+            </p:pic>
+            <p:pic>
+              <p:nvPicPr>
+                <p:cNvPr id="15" name="Picture 14">
+                  <a:extLst>
+                    <a:ext uri="{FF2B5EF4-FFF2-40B4-BE49-F238E27FC236}">
+                      <a16:creationId xmlns:a16="http://schemas.microsoft.com/office/drawing/2014/main" id="{F05F3118-00FD-4E97-A251-8F1796190554}"/>
+                    </a:ext>
+                  </a:extLst>
+                </p:cNvPr>
+                <p:cNvPicPr>
+                  <a:picLocks noChangeAspect="1"/>
+                </p:cNvPicPr>
+                <p:nvPr/>
+              </p:nvPicPr>
+              <p:blipFill>
+                <a:blip r:embed="rId7"/>
+                <a:stretch>
+                  <a:fillRect/>
+                </a:stretch>
+              </p:blipFill>
+              <p:spPr>
+                <a:xfrm>
+                  <a:off x="3549155" y="3886200"/>
+                  <a:ext cx="1001368" cy="1181100"/>
+                </a:xfrm>
+                <a:prstGeom prst="rect">
+                  <a:avLst/>
+                </a:prstGeom>
+                <a:effectLst/>
+              </p:spPr>
+            </p:pic>
+            <p:sp>
+              <p:nvSpPr>
+                <p:cNvPr id="16" name="Freeform: Shape 15">
+                  <a:extLst>
+                    <a:ext uri="{FF2B5EF4-FFF2-40B4-BE49-F238E27FC236}">
+                      <a16:creationId xmlns:a16="http://schemas.microsoft.com/office/drawing/2014/main" id="{8047812D-3787-42F9-8BC8-350E42E6CF90}"/>
+                    </a:ext>
+                  </a:extLst>
+                </p:cNvPr>
+                <p:cNvSpPr/>
+                <p:nvPr/>
+              </p:nvSpPr>
+              <p:spPr>
+                <a:xfrm>
+                  <a:off x="3523673" y="4735945"/>
+                  <a:ext cx="1043709" cy="369455"/>
+                </a:xfrm>
+                <a:custGeom>
+                  <a:avLst/>
+                  <a:gdLst>
+                    <a:gd name="connsiteX0" fmla="*/ 166254 w 1043709"/>
+                    <a:gd name="connsiteY0" fmla="*/ 32327 h 369455"/>
+                    <a:gd name="connsiteX1" fmla="*/ 263236 w 1043709"/>
+                    <a:gd name="connsiteY1" fmla="*/ 277091 h 369455"/>
+                    <a:gd name="connsiteX2" fmla="*/ 461818 w 1043709"/>
+                    <a:gd name="connsiteY2" fmla="*/ 318655 h 369455"/>
+                    <a:gd name="connsiteX3" fmla="*/ 826654 w 1043709"/>
+                    <a:gd name="connsiteY3" fmla="*/ 323273 h 369455"/>
+                    <a:gd name="connsiteX4" fmla="*/ 914400 w 1043709"/>
+                    <a:gd name="connsiteY4" fmla="*/ 78509 h 369455"/>
+                    <a:gd name="connsiteX5" fmla="*/ 974436 w 1043709"/>
+                    <a:gd name="connsiteY5" fmla="*/ 41564 h 369455"/>
+                    <a:gd name="connsiteX6" fmla="*/ 1020618 w 1043709"/>
+                    <a:gd name="connsiteY6" fmla="*/ 0 h 369455"/>
+                    <a:gd name="connsiteX7" fmla="*/ 1043709 w 1043709"/>
+                    <a:gd name="connsiteY7" fmla="*/ 369455 h 369455"/>
+                    <a:gd name="connsiteX8" fmla="*/ 0 w 1043709"/>
+                    <a:gd name="connsiteY8" fmla="*/ 360218 h 369455"/>
+                    <a:gd name="connsiteX9" fmla="*/ 32327 w 1043709"/>
+                    <a:gd name="connsiteY9" fmla="*/ 41564 h 369455"/>
+                    <a:gd name="connsiteX10" fmla="*/ 50800 w 1043709"/>
+                    <a:gd name="connsiteY10" fmla="*/ 18473 h 369455"/>
+                    <a:gd name="connsiteX11" fmla="*/ 78509 w 1043709"/>
+                    <a:gd name="connsiteY11" fmla="*/ 18473 h 369455"/>
+                    <a:gd name="connsiteX12" fmla="*/ 166254 w 1043709"/>
+                    <a:gd name="connsiteY12" fmla="*/ 32327 h 369455"/>
+                  </a:gdLst>
+                  <a:ahLst/>
+                  <a:cxnLst>
+                    <a:cxn ang="0">
+                      <a:pos x="connsiteX0" y="connsiteY0"/>
+                    </a:cxn>
+                    <a:cxn ang="0">
+                      <a:pos x="connsiteX1" y="connsiteY1"/>
+                    </a:cxn>
+                    <a:cxn ang="0">
+                      <a:pos x="connsiteX2" y="connsiteY2"/>
+                    </a:cxn>
+                    <a:cxn ang="0">
+                      <a:pos x="connsiteX3" y="connsiteY3"/>
+                    </a:cxn>
+                    <a:cxn ang="0">
+                      <a:pos x="connsiteX4" y="connsiteY4"/>
+                    </a:cxn>
+                    <a:cxn ang="0">
+                      <a:pos x="connsiteX5" y="connsiteY5"/>
+                    </a:cxn>
+                    <a:cxn ang="0">
+                      <a:pos x="connsiteX6" y="connsiteY6"/>
+                    </a:cxn>
+                    <a:cxn ang="0">
+                      <a:pos x="connsiteX7" y="connsiteY7"/>
+                    </a:cxn>
+                    <a:cxn ang="0">
+                      <a:pos x="connsiteX8" y="connsiteY8"/>
+                    </a:cxn>
+                    <a:cxn ang="0">
+                      <a:pos x="connsiteX9" y="connsiteY9"/>
+                    </a:cxn>
+                    <a:cxn ang="0">
+                      <a:pos x="connsiteX10" y="connsiteY10"/>
+                    </a:cxn>
+                    <a:cxn ang="0">
+                      <a:pos x="connsiteX11" y="connsiteY11"/>
+                    </a:cxn>
+                    <a:cxn ang="0">
+                      <a:pos x="connsiteX12" y="connsiteY12"/>
+                    </a:cxn>
+                  </a:cxnLst>
+                  <a:rect l="l" t="t" r="r" b="b"/>
+                  <a:pathLst>
+                    <a:path w="1043709" h="369455">
+                      <a:moveTo>
+                        <a:pt x="166254" y="32327"/>
+                      </a:moveTo>
+                      <a:lnTo>
+                        <a:pt x="263236" y="277091"/>
+                      </a:lnTo>
+                      <a:lnTo>
+                        <a:pt x="461818" y="318655"/>
+                      </a:lnTo>
+                      <a:lnTo>
+                        <a:pt x="826654" y="323273"/>
+                      </a:lnTo>
+                      <a:lnTo>
+                        <a:pt x="914400" y="78509"/>
+                      </a:lnTo>
+                      <a:lnTo>
+                        <a:pt x="974436" y="41564"/>
+                      </a:lnTo>
+                      <a:lnTo>
+                        <a:pt x="1020618" y="0"/>
+                      </a:lnTo>
+                      <a:lnTo>
+                        <a:pt x="1043709" y="369455"/>
+                      </a:lnTo>
+                      <a:lnTo>
+                        <a:pt x="0" y="360218"/>
+                      </a:lnTo>
+                      <a:lnTo>
+                        <a:pt x="32327" y="41564"/>
+                      </a:lnTo>
+                      <a:lnTo>
+                        <a:pt x="50800" y="18473"/>
+                      </a:lnTo>
+                      <a:lnTo>
+                        <a:pt x="78509" y="18473"/>
+                      </a:lnTo>
+                      <a:lnTo>
+                        <a:pt x="166254" y="32327"/>
+                      </a:lnTo>
+                      <a:close/>
+                    </a:path>
+                  </a:pathLst>
+                </a:custGeom>
+                <a:solidFill>
+                  <a:srgbClr val="1B55A7"/>
+                </a:solidFill>
+                <a:ln>
+                  <a:noFill/>
+                </a:ln>
+              </p:spPr>
+              <p:style>
+                <a:lnRef idx="2">
+                  <a:schemeClr val="accent1">
+                    <a:shade val="50000"/>
+                  </a:schemeClr>
+                </a:lnRef>
+                <a:fillRef idx="1">
+                  <a:schemeClr val="accent1"/>
+                </a:fillRef>
+                <a:effectRef idx="0">
+                  <a:schemeClr val="accent1"/>
+                </a:effectRef>
+                <a:fontRef idx="minor">
+                  <a:schemeClr val="lt1"/>
+                </a:fontRef>
+              </p:style>
+              <p:txBody>
+                <a:bodyPr rtlCol="0" anchor="ctr"/>
+                <a:lstStyle/>
+                <a:p>
+                  <a:pPr algn="ctr"/>
+                  <a:endParaRPr lang="en-US"/>
+                </a:p>
+              </p:txBody>
+            </p:sp>
+            <p:sp>
+              <p:nvSpPr>
+                <p:cNvPr id="17" name="Freeform: Shape 16">
+                  <a:extLst>
+                    <a:ext uri="{FF2B5EF4-FFF2-40B4-BE49-F238E27FC236}">
+                      <a16:creationId xmlns:a16="http://schemas.microsoft.com/office/drawing/2014/main" id="{46BAF4C3-2492-478A-AB7B-B83DA1B1774C}"/>
+                    </a:ext>
+                  </a:extLst>
+                </p:cNvPr>
+                <p:cNvSpPr/>
+                <p:nvPr/>
+              </p:nvSpPr>
+              <p:spPr>
+                <a:xfrm>
+                  <a:off x="3495962" y="4645891"/>
+                  <a:ext cx="1058453" cy="521854"/>
+                </a:xfrm>
+                <a:custGeom>
+                  <a:avLst/>
+                  <a:gdLst>
+                    <a:gd name="connsiteX0" fmla="*/ 50800 w 1020618"/>
+                    <a:gd name="connsiteY0" fmla="*/ 41564 h 489527"/>
+                    <a:gd name="connsiteX1" fmla="*/ 106218 w 1020618"/>
+                    <a:gd name="connsiteY1" fmla="*/ 0 h 489527"/>
+                    <a:gd name="connsiteX2" fmla="*/ 124691 w 1020618"/>
+                    <a:gd name="connsiteY2" fmla="*/ 36945 h 489527"/>
+                    <a:gd name="connsiteX3" fmla="*/ 157018 w 1020618"/>
+                    <a:gd name="connsiteY3" fmla="*/ 78509 h 489527"/>
+                    <a:gd name="connsiteX4" fmla="*/ 180109 w 1020618"/>
+                    <a:gd name="connsiteY4" fmla="*/ 110836 h 489527"/>
+                    <a:gd name="connsiteX5" fmla="*/ 207818 w 1020618"/>
+                    <a:gd name="connsiteY5" fmla="*/ 180109 h 489527"/>
+                    <a:gd name="connsiteX6" fmla="*/ 304800 w 1020618"/>
+                    <a:gd name="connsiteY6" fmla="*/ 341745 h 489527"/>
+                    <a:gd name="connsiteX7" fmla="*/ 780473 w 1020618"/>
+                    <a:gd name="connsiteY7" fmla="*/ 369455 h 489527"/>
+                    <a:gd name="connsiteX8" fmla="*/ 845127 w 1020618"/>
+                    <a:gd name="connsiteY8" fmla="*/ 290945 h 489527"/>
+                    <a:gd name="connsiteX9" fmla="*/ 886691 w 1020618"/>
+                    <a:gd name="connsiteY9" fmla="*/ 189345 h 489527"/>
+                    <a:gd name="connsiteX10" fmla="*/ 886691 w 1020618"/>
+                    <a:gd name="connsiteY10" fmla="*/ 115455 h 489527"/>
+                    <a:gd name="connsiteX11" fmla="*/ 928255 w 1020618"/>
+                    <a:gd name="connsiteY11" fmla="*/ 69273 h 489527"/>
+                    <a:gd name="connsiteX12" fmla="*/ 1020618 w 1020618"/>
+                    <a:gd name="connsiteY12" fmla="*/ 32327 h 489527"/>
+                    <a:gd name="connsiteX13" fmla="*/ 1020618 w 1020618"/>
+                    <a:gd name="connsiteY13" fmla="*/ 489527 h 489527"/>
+                    <a:gd name="connsiteX14" fmla="*/ 0 w 1020618"/>
+                    <a:gd name="connsiteY14" fmla="*/ 461818 h 489527"/>
+                    <a:gd name="connsiteX15" fmla="*/ 13855 w 1020618"/>
+                    <a:gd name="connsiteY15" fmla="*/ 106218 h 489527"/>
+                    <a:gd name="connsiteX16" fmla="*/ 23091 w 1020618"/>
+                    <a:gd name="connsiteY16" fmla="*/ 87745 h 489527"/>
+                    <a:gd name="connsiteX17" fmla="*/ 50800 w 1020618"/>
+                    <a:gd name="connsiteY17" fmla="*/ 41564 h 489527"/>
+                  </a:gdLst>
+                  <a:ahLst/>
+                  <a:cxnLst>
+                    <a:cxn ang="0">
+                      <a:pos x="connsiteX0" y="connsiteY0"/>
+                    </a:cxn>
+                    <a:cxn ang="0">
+                      <a:pos x="connsiteX1" y="connsiteY1"/>
+                    </a:cxn>
+                    <a:cxn ang="0">
+                      <a:pos x="connsiteX2" y="connsiteY2"/>
+                    </a:cxn>
+                    <a:cxn ang="0">
+                      <a:pos x="connsiteX3" y="connsiteY3"/>
+                    </a:cxn>
+                    <a:cxn ang="0">
+                      <a:pos x="connsiteX4" y="connsiteY4"/>
+                    </a:cxn>
+                    <a:cxn ang="0">
+                      <a:pos x="connsiteX5" y="connsiteY5"/>
+                    </a:cxn>
+                    <a:cxn ang="0">
+                      <a:pos x="connsiteX6" y="connsiteY6"/>
+                    </a:cxn>
+                    <a:cxn ang="0">
+                      <a:pos x="connsiteX7" y="connsiteY7"/>
+                    </a:cxn>
+                    <a:cxn ang="0">
+                      <a:pos x="connsiteX8" y="connsiteY8"/>
+                    </a:cxn>
+                    <a:cxn ang="0">
+                      <a:pos x="connsiteX9" y="connsiteY9"/>
+                    </a:cxn>
+                    <a:cxn ang="0">
+                      <a:pos x="connsiteX10" y="connsiteY10"/>
+                    </a:cxn>
+                    <a:cxn ang="0">
+                      <a:pos x="connsiteX11" y="connsiteY11"/>
+                    </a:cxn>
+                    <a:cxn ang="0">
+                      <a:pos x="connsiteX12" y="connsiteY12"/>
+                    </a:cxn>
+                    <a:cxn ang="0">
+                      <a:pos x="connsiteX13" y="connsiteY13"/>
+                    </a:cxn>
+                    <a:cxn ang="0">
+                      <a:pos x="connsiteX14" y="connsiteY14"/>
+                    </a:cxn>
+                    <a:cxn ang="0">
+                      <a:pos x="connsiteX15" y="connsiteY15"/>
+                    </a:cxn>
+                    <a:cxn ang="0">
+                      <a:pos x="connsiteX16" y="connsiteY16"/>
+                    </a:cxn>
+                    <a:cxn ang="0">
+                      <a:pos x="connsiteX17" y="connsiteY17"/>
+                    </a:cxn>
+                  </a:cxnLst>
+                  <a:rect l="l" t="t" r="r" b="b"/>
+                  <a:pathLst>
+                    <a:path w="1020618" h="489527">
+                      <a:moveTo>
+                        <a:pt x="50800" y="41564"/>
+                      </a:moveTo>
+                      <a:lnTo>
+                        <a:pt x="106218" y="0"/>
+                      </a:lnTo>
+                      <a:lnTo>
+                        <a:pt x="124691" y="36945"/>
+                      </a:lnTo>
+                      <a:lnTo>
+                        <a:pt x="157018" y="78509"/>
+                      </a:lnTo>
+                      <a:lnTo>
+                        <a:pt x="180109" y="110836"/>
+                      </a:lnTo>
+                      <a:lnTo>
+                        <a:pt x="207818" y="180109"/>
+                      </a:lnTo>
+                      <a:lnTo>
+                        <a:pt x="304800" y="341745"/>
+                      </a:lnTo>
+                      <a:lnTo>
+                        <a:pt x="780473" y="369455"/>
+                      </a:lnTo>
+                      <a:lnTo>
+                        <a:pt x="845127" y="290945"/>
+                      </a:lnTo>
+                      <a:lnTo>
+                        <a:pt x="886691" y="189345"/>
+                      </a:lnTo>
+                      <a:lnTo>
+                        <a:pt x="886691" y="115455"/>
+                      </a:lnTo>
+                      <a:lnTo>
+                        <a:pt x="928255" y="69273"/>
+                      </a:lnTo>
+                      <a:lnTo>
+                        <a:pt x="1020618" y="32327"/>
+                      </a:lnTo>
+                      <a:lnTo>
+                        <a:pt x="1020618" y="489527"/>
+                      </a:lnTo>
+                      <a:lnTo>
+                        <a:pt x="0" y="461818"/>
+                      </a:lnTo>
+                      <a:lnTo>
+                        <a:pt x="13855" y="106218"/>
+                      </a:lnTo>
+                      <a:lnTo>
+                        <a:pt x="23091" y="87745"/>
+                      </a:lnTo>
+                      <a:lnTo>
+                        <a:pt x="50800" y="41564"/>
+                      </a:lnTo>
+                      <a:close/>
+                    </a:path>
+                  </a:pathLst>
+                </a:custGeom>
+                <a:solidFill>
+                  <a:srgbClr val="1950A1"/>
+                </a:solidFill>
+                <a:ln>
+                  <a:noFill/>
+                </a:ln>
+              </p:spPr>
+              <p:style>
+                <a:lnRef idx="2">
+                  <a:schemeClr val="accent1">
+                    <a:shade val="50000"/>
+                  </a:schemeClr>
+                </a:lnRef>
+                <a:fillRef idx="1">
+                  <a:schemeClr val="accent1"/>
+                </a:fillRef>
+                <a:effectRef idx="0">
+                  <a:schemeClr val="accent1"/>
+                </a:effectRef>
+                <a:fontRef idx="minor">
+                  <a:schemeClr val="lt1"/>
+                </a:fontRef>
+              </p:style>
+              <p:txBody>
+                <a:bodyPr rtlCol="0" anchor="ctr"/>
+                <a:lstStyle/>
+                <a:p>
+                  <a:pPr algn="ctr"/>
+                  <a:endParaRPr lang="en-US"/>
+                </a:p>
+              </p:txBody>
+            </p:sp>
+            <p:sp>
+              <p:nvSpPr>
+                <p:cNvPr id="18" name="Freeform: Shape 17">
+                  <a:extLst>
+                    <a:ext uri="{FF2B5EF4-FFF2-40B4-BE49-F238E27FC236}">
+                      <a16:creationId xmlns:a16="http://schemas.microsoft.com/office/drawing/2014/main" id="{DE0C9A43-EB8D-4A8F-86C0-DA95C3309610}"/>
+                    </a:ext>
+                  </a:extLst>
+                </p:cNvPr>
+                <p:cNvSpPr/>
+                <p:nvPr/>
+              </p:nvSpPr>
+              <p:spPr>
+                <a:xfrm>
+                  <a:off x="4461164" y="4682836"/>
+                  <a:ext cx="106218" cy="87746"/>
+                </a:xfrm>
+                <a:custGeom>
+                  <a:avLst/>
+                  <a:gdLst>
+                    <a:gd name="connsiteX0" fmla="*/ 106218 w 106218"/>
+                    <a:gd name="connsiteY0" fmla="*/ 0 h 87746"/>
+                    <a:gd name="connsiteX1" fmla="*/ 0 w 106218"/>
+                    <a:gd name="connsiteY1" fmla="*/ 32328 h 87746"/>
+                    <a:gd name="connsiteX2" fmla="*/ 106218 w 106218"/>
+                    <a:gd name="connsiteY2" fmla="*/ 87746 h 87746"/>
+                    <a:gd name="connsiteX3" fmla="*/ 106218 w 106218"/>
+                    <a:gd name="connsiteY3" fmla="*/ 0 h 87746"/>
+                  </a:gdLst>
+                  <a:ahLst/>
+                  <a:cxnLst>
+                    <a:cxn ang="0">
+                      <a:pos x="connsiteX0" y="connsiteY0"/>
+                    </a:cxn>
+                    <a:cxn ang="0">
+                      <a:pos x="connsiteX1" y="connsiteY1"/>
+                    </a:cxn>
+                    <a:cxn ang="0">
+                      <a:pos x="connsiteX2" y="connsiteY2"/>
+                    </a:cxn>
+                    <a:cxn ang="0">
+                      <a:pos x="connsiteX3" y="connsiteY3"/>
+                    </a:cxn>
+                  </a:cxnLst>
+                  <a:rect l="l" t="t" r="r" b="b"/>
+                  <a:pathLst>
+                    <a:path w="106218" h="87746">
+                      <a:moveTo>
+                        <a:pt x="106218" y="0"/>
+                      </a:moveTo>
+                      <a:lnTo>
+                        <a:pt x="0" y="32328"/>
+                      </a:lnTo>
+                      <a:lnTo>
+                        <a:pt x="106218" y="87746"/>
+                      </a:lnTo>
+                      <a:lnTo>
+                        <a:pt x="106218" y="0"/>
+                      </a:lnTo>
+                      <a:close/>
+                    </a:path>
+                  </a:pathLst>
+                </a:custGeom>
+                <a:solidFill>
+                  <a:srgbClr val="1950A1"/>
+                </a:solidFill>
+                <a:ln>
+                  <a:noFill/>
+                </a:ln>
+              </p:spPr>
+              <p:style>
+                <a:lnRef idx="2">
+                  <a:schemeClr val="accent1">
+                    <a:shade val="50000"/>
+                  </a:schemeClr>
+                </a:lnRef>
+                <a:fillRef idx="1">
+                  <a:schemeClr val="accent1"/>
+                </a:fillRef>
+                <a:effectRef idx="0">
+                  <a:schemeClr val="accent1"/>
+                </a:effectRef>
+                <a:fontRef idx="minor">
+                  <a:schemeClr val="lt1"/>
+                </a:fontRef>
+              </p:style>
+              <p:txBody>
+                <a:bodyPr rtlCol="0" anchor="ctr"/>
+                <a:lstStyle/>
+                <a:p>
+                  <a:pPr algn="ctr"/>
+                  <a:endParaRPr lang="en-US"/>
+                </a:p>
+              </p:txBody>
+            </p:sp>
+          </p:grpSp>
+        </p:grpSp>
+        <p:sp>
+          <p:nvSpPr>
+            <p:cNvPr id="20" name="Speech Bubble: Rectangle with Corners Rounded 19">
+              <a:extLst>
+                <a:ext uri="{FF2B5EF4-FFF2-40B4-BE49-F238E27FC236}">
+                  <a16:creationId xmlns:a16="http://schemas.microsoft.com/office/drawing/2014/main" id="{41891810-EC9C-4FFE-9283-AD270D1B6FF4}"/>
+                </a:ext>
+              </a:extLst>
+            </p:cNvPr>
+            <p:cNvSpPr/>
+            <p:nvPr/>
+          </p:nvSpPr>
+          <p:spPr>
+            <a:xfrm>
+              <a:off x="5410200" y="3657600"/>
+              <a:ext cx="3505200" cy="685800"/>
+            </a:xfrm>
+            <a:prstGeom prst="wedgeRoundRectCallout">
+              <a:avLst>
+                <a:gd name="adj1" fmla="val -22298"/>
+                <a:gd name="adj2" fmla="val 85743"/>
+                <a:gd name="adj3" fmla="val 16667"/>
+              </a:avLst>
+            </a:prstGeom>
+            <a:solidFill>
+              <a:schemeClr val="accent5">
+                <a:lumMod val="50000"/>
+              </a:schemeClr>
+            </a:solidFill>
+            <a:ln>
+              <a:solidFill>
+                <a:schemeClr val="tx1"/>
+              </a:solidFill>
+            </a:ln>
+          </p:spPr>
+          <p:style>
+            <a:lnRef idx="2">
+              <a:schemeClr val="accent1">
+                <a:shade val="50000"/>
+              </a:schemeClr>
+            </a:lnRef>
+            <a:fillRef idx="1">
+              <a:schemeClr val="accent1"/>
+            </a:fillRef>
+            <a:effectRef idx="0">
+              <a:schemeClr val="accent1"/>
+            </a:effectRef>
+            <a:fontRef idx="minor">
+              <a:schemeClr val="lt1"/>
+            </a:fontRef>
+          </p:style>
+          <p:txBody>
+            <a:bodyPr rtlCol="0" anchor="ctr"/>
+            <a:lstStyle/>
+            <a:p>
+              <a:pPr algn="ctr"/>
+              <a:r>
+                <a:rPr lang="en-US" dirty="0"/>
+                <a:t>Come see us present in Dublin</a:t>
+              </a:r>
+            </a:p>
+          </p:txBody>
+        </p:sp>
+      </p:grpSp>
     </p:spTree>
     <p:extLst>
       <p:ext uri="{BB962C8B-B14F-4D97-AF65-F5344CB8AC3E}">
@@ -22713,12 +29693,6 @@
 </file>
 
 <file path=customXml/item1.xml><?xml version="1.0" encoding="utf-8"?>
-<p:properties xmlns:p="http://schemas.microsoft.com/office/2006/metadata/properties" xmlns:xsi="http://www.w3.org/2001/XMLSchema-instance">
-  <documentManagement/>
-</p:properties>
-</file>
-
-<file path=customXml/item2.xml><?xml version="1.0" encoding="utf-8"?>
 <ct:contentTypeSchema xmlns:ct="http://schemas.microsoft.com/office/2006/metadata/contentType" xmlns:ma="http://schemas.microsoft.com/office/2006/metadata/properties/metaAttributes" ct:_="" ma:_="" ma:contentTypeName="Document" ma:contentTypeID="0x01010043F7775CCE86F349BB7C51FB3CE6B150" ma:contentTypeVersion="0" ma:contentTypeDescription="Create a new document." ma:contentTypeScope="" ma:versionID="bb563817a2861b6b5994bd26a2ba9e40">
   <xsd:schema xmlns:xsd="http://www.w3.org/2001/XMLSchema" xmlns:xs="http://www.w3.org/2001/XMLSchema" xmlns:p="http://schemas.microsoft.com/office/2006/metadata/properties" targetNamespace="http://schemas.microsoft.com/office/2006/metadata/properties" ma:root="true" ma:fieldsID="c64490b4aec6201516c3a874156f37b2">
     <xsd:element name="properties">
@@ -22832,13 +29806,19 @@
 </ct:contentTypeSchema>
 </file>
 
-<file path=customXml/item3.xml><?xml version="1.0" encoding="utf-8"?>
+<file path=customXml/item2.xml><?xml version="1.0" encoding="utf-8"?>
 <?mso-contentType ?>
 <FormTemplates xmlns="http://schemas.microsoft.com/sharepoint/v3/contenttype/forms">
   <Display>DocumentLibraryForm</Display>
   <Edit>DocumentLibraryForm</Edit>
   <New>DocumentLibraryForm</New>
 </FormTemplates>
+</file>
+
+<file path=customXml/item3.xml><?xml version="1.0" encoding="utf-8"?>
+<p:properties xmlns:p="http://schemas.microsoft.com/office/2006/metadata/properties" xmlns:xsi="http://www.w3.org/2001/XMLSchema-instance">
+  <documentManagement/>
+</p:properties>
 </file>
 
 <file path=customXml/item4.xml><?xml version="1.0" encoding="utf-8"?>
@@ -22992,21 +29972,6 @@
 </file>
 
 <file path=customXml/itemProps1.xml><?xml version="1.0" encoding="utf-8"?>
-<ds:datastoreItem xmlns:ds="http://schemas.openxmlformats.org/officeDocument/2006/customXml" ds:itemID="{A5547237-B119-45CA-BEFC-A2DA2BDB03E7}">
-  <ds:schemaRefs>
-    <ds:schemaRef ds:uri="http://schemas.microsoft.com/office/2006/documentManagement/types"/>
-    <ds:schemaRef ds:uri="http://schemas.openxmlformats.org/package/2006/metadata/core-properties"/>
-    <ds:schemaRef ds:uri="http://schemas.microsoft.com/office/2006/metadata/properties"/>
-    <ds:schemaRef ds:uri="http://purl.org/dc/terms/"/>
-    <ds:schemaRef ds:uri="http://www.w3.org/XML/1998/namespace"/>
-    <ds:schemaRef ds:uri="http://purl.org/dc/elements/1.1/"/>
-    <ds:schemaRef ds:uri="http://schemas.microsoft.com/office/infopath/2007/PartnerControls"/>
-    <ds:schemaRef ds:uri="http://purl.org/dc/dcmitype/"/>
-  </ds:schemaRefs>
-</ds:datastoreItem>
-</file>
-
-<file path=customXml/itemProps2.xml><?xml version="1.0" encoding="utf-8"?>
 <ds:datastoreItem xmlns:ds="http://schemas.openxmlformats.org/officeDocument/2006/customXml" ds:itemID="{63F8C001-70B3-4AE4-BEC2-202AE4E30C7A}">
   <ds:schemaRefs>
     <ds:schemaRef ds:uri="http://schemas.microsoft.com/office/2006/metadata/contentType"/>
@@ -23022,10 +29987,25 @@
 </ds:datastoreItem>
 </file>
 
-<file path=customXml/itemProps3.xml><?xml version="1.0" encoding="utf-8"?>
+<file path=customXml/itemProps2.xml><?xml version="1.0" encoding="utf-8"?>
 <ds:datastoreItem xmlns:ds="http://schemas.openxmlformats.org/officeDocument/2006/customXml" ds:itemID="{6034B84F-8F8E-48B7-9EFF-C7DE1A66BD73}">
   <ds:schemaRefs>
     <ds:schemaRef ds:uri="http://schemas.microsoft.com/sharepoint/v3/contenttype/forms"/>
+  </ds:schemaRefs>
+</ds:datastoreItem>
+</file>
+
+<file path=customXml/itemProps3.xml><?xml version="1.0" encoding="utf-8"?>
+<ds:datastoreItem xmlns:ds="http://schemas.openxmlformats.org/officeDocument/2006/customXml" ds:itemID="{A5547237-B119-45CA-BEFC-A2DA2BDB03E7}">
+  <ds:schemaRefs>
+    <ds:schemaRef ds:uri="http://www.w3.org/XML/1998/namespace"/>
+    <ds:schemaRef ds:uri="http://schemas.microsoft.com/office/2006/metadata/properties"/>
+    <ds:schemaRef ds:uri="http://schemas.microsoft.com/office/2006/documentManagement/types"/>
+    <ds:schemaRef ds:uri="http://purl.org/dc/elements/1.1/"/>
+    <ds:schemaRef ds:uri="http://purl.org/dc/dcmitype/"/>
+    <ds:schemaRef ds:uri="http://schemas.microsoft.com/office/infopath/2007/PartnerControls"/>
+    <ds:schemaRef ds:uri="http://schemas.openxmlformats.org/package/2006/metadata/core-properties"/>
+    <ds:schemaRef ds:uri="http://purl.org/dc/terms/"/>
   </ds:schemaRefs>
 </ds:datastoreItem>
 </file>
